--- a/docs/diagrams/StorageComponentClassDiagram.pptx
+++ b/docs/diagrams/StorageComponentClassDiagram.pptx
@@ -192,7 +192,7 @@
           <a:p>
             <a:fld id="{F5CC4B3F-88C1-4FFA-B1B6-F41C21DC6924}" type="datetimeFigureOut">
               <a:rPr lang="en-US" smtClean="0"/>
-              <a:t>10/16/2016</a:t>
+              <a:t>3/5/2018</a:t>
             </a:fld>
             <a:endParaRPr lang="en-US"/>
           </a:p>
@@ -641,7 +641,7 @@
           <a:p>
             <a:fld id="{78C97017-6FC3-485B-9764-EAC9E56C1D49}" type="datetimeFigureOut">
               <a:rPr lang="en-US" smtClean="0"/>
-              <a:t>10/16/2016</a:t>
+              <a:t>3/5/2018</a:t>
             </a:fld>
             <a:endParaRPr lang="en-US"/>
           </a:p>
@@ -811,7 +811,7 @@
           <a:p>
             <a:fld id="{78C97017-6FC3-485B-9764-EAC9E56C1D49}" type="datetimeFigureOut">
               <a:rPr lang="en-US" smtClean="0"/>
-              <a:t>10/16/2016</a:t>
+              <a:t>3/5/2018</a:t>
             </a:fld>
             <a:endParaRPr lang="en-US"/>
           </a:p>
@@ -991,7 +991,7 @@
           <a:p>
             <a:fld id="{78C97017-6FC3-485B-9764-EAC9E56C1D49}" type="datetimeFigureOut">
               <a:rPr lang="en-US" smtClean="0"/>
-              <a:t>10/16/2016</a:t>
+              <a:t>3/5/2018</a:t>
             </a:fld>
             <a:endParaRPr lang="en-US"/>
           </a:p>
@@ -1161,7 +1161,7 @@
           <a:p>
             <a:fld id="{78C97017-6FC3-485B-9764-EAC9E56C1D49}" type="datetimeFigureOut">
               <a:rPr lang="en-US" smtClean="0"/>
-              <a:t>10/16/2016</a:t>
+              <a:t>3/5/2018</a:t>
             </a:fld>
             <a:endParaRPr lang="en-US"/>
           </a:p>
@@ -1407,7 +1407,7 @@
           <a:p>
             <a:fld id="{78C97017-6FC3-485B-9764-EAC9E56C1D49}" type="datetimeFigureOut">
               <a:rPr lang="en-US" smtClean="0"/>
-              <a:t>10/16/2016</a:t>
+              <a:t>3/5/2018</a:t>
             </a:fld>
             <a:endParaRPr lang="en-US"/>
           </a:p>
@@ -1695,7 +1695,7 @@
           <a:p>
             <a:fld id="{78C97017-6FC3-485B-9764-EAC9E56C1D49}" type="datetimeFigureOut">
               <a:rPr lang="en-US" smtClean="0"/>
-              <a:t>10/16/2016</a:t>
+              <a:t>3/5/2018</a:t>
             </a:fld>
             <a:endParaRPr lang="en-US"/>
           </a:p>
@@ -2117,7 +2117,7 @@
           <a:p>
             <a:fld id="{78C97017-6FC3-485B-9764-EAC9E56C1D49}" type="datetimeFigureOut">
               <a:rPr lang="en-US" smtClean="0"/>
-              <a:t>10/16/2016</a:t>
+              <a:t>3/5/2018</a:t>
             </a:fld>
             <a:endParaRPr lang="en-US"/>
           </a:p>
@@ -2235,7 +2235,7 @@
           <a:p>
             <a:fld id="{78C97017-6FC3-485B-9764-EAC9E56C1D49}" type="datetimeFigureOut">
               <a:rPr lang="en-US" smtClean="0"/>
-              <a:t>10/16/2016</a:t>
+              <a:t>3/5/2018</a:t>
             </a:fld>
             <a:endParaRPr lang="en-US"/>
           </a:p>
@@ -2330,7 +2330,7 @@
           <a:p>
             <a:fld id="{78C97017-6FC3-485B-9764-EAC9E56C1D49}" type="datetimeFigureOut">
               <a:rPr lang="en-US" smtClean="0"/>
-              <a:t>10/16/2016</a:t>
+              <a:t>3/5/2018</a:t>
             </a:fld>
             <a:endParaRPr lang="en-US"/>
           </a:p>
@@ -2607,7 +2607,7 @@
           <a:p>
             <a:fld id="{78C97017-6FC3-485B-9764-EAC9E56C1D49}" type="datetimeFigureOut">
               <a:rPr lang="en-US" smtClean="0"/>
-              <a:t>10/16/2016</a:t>
+              <a:t>3/5/2018</a:t>
             </a:fld>
             <a:endParaRPr lang="en-US"/>
           </a:p>
@@ -2860,7 +2860,7 @@
           <a:p>
             <a:fld id="{78C97017-6FC3-485B-9764-EAC9E56C1D49}" type="datetimeFigureOut">
               <a:rPr lang="en-US" smtClean="0"/>
-              <a:t>10/16/2016</a:t>
+              <a:t>3/5/2018</a:t>
             </a:fld>
             <a:endParaRPr lang="en-US"/>
           </a:p>
@@ -3073,7 +3073,7 @@
           <a:p>
             <a:fld id="{78C97017-6FC3-485B-9764-EAC9E56C1D49}" type="datetimeFigureOut">
               <a:rPr lang="en-US" smtClean="0"/>
-              <a:t>10/16/2016</a:t>
+              <a:t>3/5/2018</a:t>
             </a:fld>
             <a:endParaRPr lang="en-US"/>
           </a:p>
@@ -3581,7 +3581,15 @@
                   <a:schemeClr val="bg1"/>
                 </a:solidFill>
               </a:rPr>
-              <a:t>AddressBookStorage</a:t>
+              <a:t>Task</a:t>
+            </a:r>
+            <a:r>
+              <a:rPr lang="en-US" sz="1050" dirty="0" err="1" smtClean="0">
+                <a:solidFill>
+                  <a:schemeClr val="bg1"/>
+                </a:solidFill>
+              </a:rPr>
+              <a:t>BookStorage</a:t>
             </a:r>
             <a:endParaRPr lang="en-SG" sz="1050" dirty="0">
               <a:solidFill>
@@ -4154,7 +4162,7 @@
                   </a:schemeClr>
                 </a:solidFill>
               </a:rPr>
-              <a:t>XmlAddressBook</a:t>
+              <a:t>XmlTaskBook</a:t>
             </a:r>
             <a:r>
               <a:rPr lang="en-US" sz="1050" b="1" dirty="0" smtClean="0">
@@ -4627,7 +4635,17 @@
                   </a:schemeClr>
                 </a:solidFill>
               </a:rPr>
-              <a:t>AddressBook</a:t>
+              <a:t>Task</a:t>
+            </a:r>
+            <a:r>
+              <a:rPr lang="en-US" sz="1050" b="1" dirty="0" err="1" smtClean="0">
+                <a:solidFill>
+                  <a:schemeClr val="accent6">
+                    <a:lumMod val="75000"/>
+                  </a:schemeClr>
+                </a:solidFill>
+              </a:rPr>
+              <a:t>Book</a:t>
             </a:r>
             <a:endParaRPr lang="en-SG" sz="1050" b="1" dirty="0">
               <a:solidFill>
@@ -4780,7 +4798,7 @@
                   </a:schemeClr>
                 </a:solidFill>
               </a:rPr>
-              <a:t>XmlAdaptedPerson</a:t>
+              <a:t>XmlAdaptedTask</a:t>
             </a:r>
             <a:endParaRPr lang="en-SG" sz="1050" b="1" dirty="0">
               <a:solidFill>

--- a/docs/diagrams/StorageComponentClassDiagram.pptx
+++ b/docs/diagrams/StorageComponentClassDiagram.pptx
@@ -107,6 +107,22 @@
       </a:defRPr>
     </a:lvl9pPr>
   </p:defaultTextStyle>
+  <p:extLst>
+    <p:ext uri="{EFAFB233-063F-42B5-8137-9DF3F51BA10A}">
+      <p15:sldGuideLst xmlns:p15="http://schemas.microsoft.com/office/powerpoint/2012/main">
+        <p15:guide id="1" orient="horz" pos="1488">
+          <p15:clr>
+            <a:srgbClr val="A4A3A4"/>
+          </p15:clr>
+        </p15:guide>
+        <p15:guide id="2" pos="2880">
+          <p15:clr>
+            <a:srgbClr val="A4A3A4"/>
+          </p15:clr>
+        </p15:guide>
+      </p15:sldGuideLst>
+    </p:ext>
+  </p:extLst>
 </p:presentation>
 </file>
 
@@ -192,7 +208,7 @@
           <a:p>
             <a:fld id="{F5CC4B3F-88C1-4FFA-B1B6-F41C21DC6924}" type="datetimeFigureOut">
               <a:rPr lang="en-US" smtClean="0"/>
-              <a:t>10/16/2016</a:t>
+              <a:t>3/13/2018</a:t>
             </a:fld>
             <a:endParaRPr lang="en-US"/>
           </a:p>
@@ -256,38 +272,37 @@
           <a:p>
             <a:pPr lvl="0"/>
             <a:r>
-              <a:rPr lang="en-US" smtClean="0"/>
+              <a:rPr lang="en-US"/>
               <a:t>Click to edit Master text styles</a:t>
             </a:r>
           </a:p>
           <a:p>
             <a:pPr lvl="1"/>
             <a:r>
-              <a:rPr lang="en-US" smtClean="0"/>
+              <a:rPr lang="en-US"/>
               <a:t>Second level</a:t>
             </a:r>
           </a:p>
           <a:p>
             <a:pPr lvl="2"/>
             <a:r>
-              <a:rPr lang="en-US" smtClean="0"/>
+              <a:rPr lang="en-US"/>
               <a:t>Third level</a:t>
             </a:r>
           </a:p>
           <a:p>
             <a:pPr lvl="3"/>
             <a:r>
-              <a:rPr lang="en-US" smtClean="0"/>
+              <a:rPr lang="en-US"/>
               <a:t>Fourth level</a:t>
             </a:r>
           </a:p>
           <a:p>
             <a:pPr lvl="4"/>
             <a:r>
-              <a:rPr lang="en-US" smtClean="0"/>
+              <a:rPr lang="en-US"/>
               <a:t>Fifth level</a:t>
             </a:r>
-            <a:endParaRPr lang="en-US"/>
           </a:p>
         </p:txBody>
       </p:sp>
@@ -498,10 +513,9 @@
           <a:lstStyle/>
           <a:p>
             <a:r>
-              <a:rPr lang="en-US" smtClean="0"/>
+              <a:rPr lang="en-US"/>
               <a:t>Click to edit Master title style</a:t>
             </a:r>
-            <a:endParaRPr lang="en-US"/>
           </a:p>
         </p:txBody>
       </p:sp>
@@ -617,10 +631,9 @@
           </a:lstStyle>
           <a:p>
             <a:r>
-              <a:rPr lang="en-US" smtClean="0"/>
+              <a:rPr lang="en-US"/>
               <a:t>Click to edit Master subtitle style</a:t>
             </a:r>
-            <a:endParaRPr lang="en-US"/>
           </a:p>
         </p:txBody>
       </p:sp>
@@ -641,7 +654,7 @@
           <a:p>
             <a:fld id="{78C97017-6FC3-485B-9764-EAC9E56C1D49}" type="datetimeFigureOut">
               <a:rPr lang="en-US" smtClean="0"/>
-              <a:t>10/16/2016</a:t>
+              <a:t>3/13/2018</a:t>
             </a:fld>
             <a:endParaRPr lang="en-US"/>
           </a:p>
@@ -735,10 +748,9 @@
           <a:lstStyle/>
           <a:p>
             <a:r>
-              <a:rPr lang="en-US" smtClean="0"/>
+              <a:rPr lang="en-US"/>
               <a:t>Click to edit Master title style</a:t>
             </a:r>
-            <a:endParaRPr lang="en-US"/>
           </a:p>
         </p:txBody>
       </p:sp>
@@ -759,38 +771,37 @@
           <a:p>
             <a:pPr lvl="0"/>
             <a:r>
-              <a:rPr lang="en-US" smtClean="0"/>
+              <a:rPr lang="en-US"/>
               <a:t>Click to edit Master text styles</a:t>
             </a:r>
           </a:p>
           <a:p>
             <a:pPr lvl="1"/>
             <a:r>
-              <a:rPr lang="en-US" smtClean="0"/>
+              <a:rPr lang="en-US"/>
               <a:t>Second level</a:t>
             </a:r>
           </a:p>
           <a:p>
             <a:pPr lvl="2"/>
             <a:r>
-              <a:rPr lang="en-US" smtClean="0"/>
+              <a:rPr lang="en-US"/>
               <a:t>Third level</a:t>
             </a:r>
           </a:p>
           <a:p>
             <a:pPr lvl="3"/>
             <a:r>
-              <a:rPr lang="en-US" smtClean="0"/>
+              <a:rPr lang="en-US"/>
               <a:t>Fourth level</a:t>
             </a:r>
           </a:p>
           <a:p>
             <a:pPr lvl="4"/>
             <a:r>
-              <a:rPr lang="en-US" smtClean="0"/>
+              <a:rPr lang="en-US"/>
               <a:t>Fifth level</a:t>
             </a:r>
-            <a:endParaRPr lang="en-US"/>
           </a:p>
         </p:txBody>
       </p:sp>
@@ -811,7 +822,7 @@
           <a:p>
             <a:fld id="{78C97017-6FC3-485B-9764-EAC9E56C1D49}" type="datetimeFigureOut">
               <a:rPr lang="en-US" smtClean="0"/>
-              <a:t>10/16/2016</a:t>
+              <a:t>3/13/2018</a:t>
             </a:fld>
             <a:endParaRPr lang="en-US"/>
           </a:p>
@@ -910,10 +921,9 @@
           <a:lstStyle/>
           <a:p>
             <a:r>
-              <a:rPr lang="en-US" smtClean="0"/>
+              <a:rPr lang="en-US"/>
               <a:t>Click to edit Master title style</a:t>
             </a:r>
-            <a:endParaRPr lang="en-US"/>
           </a:p>
         </p:txBody>
       </p:sp>
@@ -939,38 +949,37 @@
           <a:p>
             <a:pPr lvl="0"/>
             <a:r>
-              <a:rPr lang="en-US" smtClean="0"/>
+              <a:rPr lang="en-US"/>
               <a:t>Click to edit Master text styles</a:t>
             </a:r>
           </a:p>
           <a:p>
             <a:pPr lvl="1"/>
             <a:r>
-              <a:rPr lang="en-US" smtClean="0"/>
+              <a:rPr lang="en-US"/>
               <a:t>Second level</a:t>
             </a:r>
           </a:p>
           <a:p>
             <a:pPr lvl="2"/>
             <a:r>
-              <a:rPr lang="en-US" smtClean="0"/>
+              <a:rPr lang="en-US"/>
               <a:t>Third level</a:t>
             </a:r>
           </a:p>
           <a:p>
             <a:pPr lvl="3"/>
             <a:r>
-              <a:rPr lang="en-US" smtClean="0"/>
+              <a:rPr lang="en-US"/>
               <a:t>Fourth level</a:t>
             </a:r>
           </a:p>
           <a:p>
             <a:pPr lvl="4"/>
             <a:r>
-              <a:rPr lang="en-US" smtClean="0"/>
+              <a:rPr lang="en-US"/>
               <a:t>Fifth level</a:t>
             </a:r>
-            <a:endParaRPr lang="en-US"/>
           </a:p>
         </p:txBody>
       </p:sp>
@@ -991,7 +1000,7 @@
           <a:p>
             <a:fld id="{78C97017-6FC3-485B-9764-EAC9E56C1D49}" type="datetimeFigureOut">
               <a:rPr lang="en-US" smtClean="0"/>
-              <a:t>10/16/2016</a:t>
+              <a:t>3/13/2018</a:t>
             </a:fld>
             <a:endParaRPr lang="en-US"/>
           </a:p>
@@ -1085,10 +1094,9 @@
           <a:lstStyle/>
           <a:p>
             <a:r>
-              <a:rPr lang="en-US" smtClean="0"/>
+              <a:rPr lang="en-US"/>
               <a:t>Click to edit Master title style</a:t>
             </a:r>
-            <a:endParaRPr lang="en-US"/>
           </a:p>
         </p:txBody>
       </p:sp>
@@ -1109,38 +1117,37 @@
           <a:p>
             <a:pPr lvl="0"/>
             <a:r>
-              <a:rPr lang="en-US" smtClean="0"/>
+              <a:rPr lang="en-US"/>
               <a:t>Click to edit Master text styles</a:t>
             </a:r>
           </a:p>
           <a:p>
             <a:pPr lvl="1"/>
             <a:r>
-              <a:rPr lang="en-US" smtClean="0"/>
+              <a:rPr lang="en-US"/>
               <a:t>Second level</a:t>
             </a:r>
           </a:p>
           <a:p>
             <a:pPr lvl="2"/>
             <a:r>
-              <a:rPr lang="en-US" smtClean="0"/>
+              <a:rPr lang="en-US"/>
               <a:t>Third level</a:t>
             </a:r>
           </a:p>
           <a:p>
             <a:pPr lvl="3"/>
             <a:r>
-              <a:rPr lang="en-US" smtClean="0"/>
+              <a:rPr lang="en-US"/>
               <a:t>Fourth level</a:t>
             </a:r>
           </a:p>
           <a:p>
             <a:pPr lvl="4"/>
             <a:r>
-              <a:rPr lang="en-US" smtClean="0"/>
+              <a:rPr lang="en-US"/>
               <a:t>Fifth level</a:t>
             </a:r>
-            <a:endParaRPr lang="en-US"/>
           </a:p>
         </p:txBody>
       </p:sp>
@@ -1161,7 +1168,7 @@
           <a:p>
             <a:fld id="{78C97017-6FC3-485B-9764-EAC9E56C1D49}" type="datetimeFigureOut">
               <a:rPr lang="en-US" smtClean="0"/>
-              <a:t>10/16/2016</a:t>
+              <a:t>3/13/2018</a:t>
             </a:fld>
             <a:endParaRPr lang="en-US"/>
           </a:p>
@@ -1264,10 +1271,9 @@
           </a:lstStyle>
           <a:p>
             <a:r>
-              <a:rPr lang="en-US" smtClean="0"/>
+              <a:rPr lang="en-US"/>
               <a:t>Click to edit Master title style</a:t>
             </a:r>
-            <a:endParaRPr lang="en-US"/>
           </a:p>
         </p:txBody>
       </p:sp>
@@ -1384,7 +1390,7 @@
           <a:p>
             <a:pPr lvl="0"/>
             <a:r>
-              <a:rPr lang="en-US" smtClean="0"/>
+              <a:rPr lang="en-US"/>
               <a:t>Click to edit Master text styles</a:t>
             </a:r>
           </a:p>
@@ -1407,7 +1413,7 @@
           <a:p>
             <a:fld id="{78C97017-6FC3-485B-9764-EAC9E56C1D49}" type="datetimeFigureOut">
               <a:rPr lang="en-US" smtClean="0"/>
-              <a:t>10/16/2016</a:t>
+              <a:t>3/13/2018</a:t>
             </a:fld>
             <a:endParaRPr lang="en-US"/>
           </a:p>
@@ -1501,10 +1507,9 @@
           <a:lstStyle/>
           <a:p>
             <a:r>
-              <a:rPr lang="en-US" smtClean="0"/>
+              <a:rPr lang="en-US"/>
               <a:t>Click to edit Master title style</a:t>
             </a:r>
-            <a:endParaRPr lang="en-US"/>
           </a:p>
         </p:txBody>
       </p:sp>
@@ -1558,38 +1563,37 @@
           <a:p>
             <a:pPr lvl="0"/>
             <a:r>
-              <a:rPr lang="en-US" smtClean="0"/>
+              <a:rPr lang="en-US"/>
               <a:t>Click to edit Master text styles</a:t>
             </a:r>
           </a:p>
           <a:p>
             <a:pPr lvl="1"/>
             <a:r>
-              <a:rPr lang="en-US" smtClean="0"/>
+              <a:rPr lang="en-US"/>
               <a:t>Second level</a:t>
             </a:r>
           </a:p>
           <a:p>
             <a:pPr lvl="2"/>
             <a:r>
-              <a:rPr lang="en-US" smtClean="0"/>
+              <a:rPr lang="en-US"/>
               <a:t>Third level</a:t>
             </a:r>
           </a:p>
           <a:p>
             <a:pPr lvl="3"/>
             <a:r>
-              <a:rPr lang="en-US" smtClean="0"/>
+              <a:rPr lang="en-US"/>
               <a:t>Fourth level</a:t>
             </a:r>
           </a:p>
           <a:p>
             <a:pPr lvl="4"/>
             <a:r>
-              <a:rPr lang="en-US" smtClean="0"/>
+              <a:rPr lang="en-US"/>
               <a:t>Fifth level</a:t>
             </a:r>
-            <a:endParaRPr lang="en-US"/>
           </a:p>
         </p:txBody>
       </p:sp>
@@ -1643,38 +1647,37 @@
           <a:p>
             <a:pPr lvl="0"/>
             <a:r>
-              <a:rPr lang="en-US" smtClean="0"/>
+              <a:rPr lang="en-US"/>
               <a:t>Click to edit Master text styles</a:t>
             </a:r>
           </a:p>
           <a:p>
             <a:pPr lvl="1"/>
             <a:r>
-              <a:rPr lang="en-US" smtClean="0"/>
+              <a:rPr lang="en-US"/>
               <a:t>Second level</a:t>
             </a:r>
           </a:p>
           <a:p>
             <a:pPr lvl="2"/>
             <a:r>
-              <a:rPr lang="en-US" smtClean="0"/>
+              <a:rPr lang="en-US"/>
               <a:t>Third level</a:t>
             </a:r>
           </a:p>
           <a:p>
             <a:pPr lvl="3"/>
             <a:r>
-              <a:rPr lang="en-US" smtClean="0"/>
+              <a:rPr lang="en-US"/>
               <a:t>Fourth level</a:t>
             </a:r>
           </a:p>
           <a:p>
             <a:pPr lvl="4"/>
             <a:r>
-              <a:rPr lang="en-US" smtClean="0"/>
+              <a:rPr lang="en-US"/>
               <a:t>Fifth level</a:t>
             </a:r>
-            <a:endParaRPr lang="en-US"/>
           </a:p>
         </p:txBody>
       </p:sp>
@@ -1695,7 +1698,7 @@
           <a:p>
             <a:fld id="{78C97017-6FC3-485B-9764-EAC9E56C1D49}" type="datetimeFigureOut">
               <a:rPr lang="en-US" smtClean="0"/>
-              <a:t>10/16/2016</a:t>
+              <a:t>3/13/2018</a:t>
             </a:fld>
             <a:endParaRPr lang="en-US"/>
           </a:p>
@@ -1793,10 +1796,9 @@
           </a:lstStyle>
           <a:p>
             <a:r>
-              <a:rPr lang="en-US" smtClean="0"/>
+              <a:rPr lang="en-US"/>
               <a:t>Click to edit Master title style</a:t>
             </a:r>
-            <a:endParaRPr lang="en-US"/>
           </a:p>
         </p:txBody>
       </p:sp>
@@ -1859,7 +1861,7 @@
           <a:p>
             <a:pPr lvl="0"/>
             <a:r>
-              <a:rPr lang="en-US" smtClean="0"/>
+              <a:rPr lang="en-US"/>
               <a:t>Click to edit Master text styles</a:t>
             </a:r>
           </a:p>
@@ -1915,38 +1917,37 @@
           <a:p>
             <a:pPr lvl="0"/>
             <a:r>
-              <a:rPr lang="en-US" smtClean="0"/>
+              <a:rPr lang="en-US"/>
               <a:t>Click to edit Master text styles</a:t>
             </a:r>
           </a:p>
           <a:p>
             <a:pPr lvl="1"/>
             <a:r>
-              <a:rPr lang="en-US" smtClean="0"/>
+              <a:rPr lang="en-US"/>
               <a:t>Second level</a:t>
             </a:r>
           </a:p>
           <a:p>
             <a:pPr lvl="2"/>
             <a:r>
-              <a:rPr lang="en-US" smtClean="0"/>
+              <a:rPr lang="en-US"/>
               <a:t>Third level</a:t>
             </a:r>
           </a:p>
           <a:p>
             <a:pPr lvl="3"/>
             <a:r>
-              <a:rPr lang="en-US" smtClean="0"/>
+              <a:rPr lang="en-US"/>
               <a:t>Fourth level</a:t>
             </a:r>
           </a:p>
           <a:p>
             <a:pPr lvl="4"/>
             <a:r>
-              <a:rPr lang="en-US" smtClean="0"/>
+              <a:rPr lang="en-US"/>
               <a:t>Fifth level</a:t>
             </a:r>
-            <a:endParaRPr lang="en-US"/>
           </a:p>
         </p:txBody>
       </p:sp>
@@ -2009,7 +2010,7 @@
           <a:p>
             <a:pPr lvl="0"/>
             <a:r>
-              <a:rPr lang="en-US" smtClean="0"/>
+              <a:rPr lang="en-US"/>
               <a:t>Click to edit Master text styles</a:t>
             </a:r>
           </a:p>
@@ -2065,38 +2066,37 @@
           <a:p>
             <a:pPr lvl="0"/>
             <a:r>
-              <a:rPr lang="en-US" smtClean="0"/>
+              <a:rPr lang="en-US"/>
               <a:t>Click to edit Master text styles</a:t>
             </a:r>
           </a:p>
           <a:p>
             <a:pPr lvl="1"/>
             <a:r>
-              <a:rPr lang="en-US" smtClean="0"/>
+              <a:rPr lang="en-US"/>
               <a:t>Second level</a:t>
             </a:r>
           </a:p>
           <a:p>
             <a:pPr lvl="2"/>
             <a:r>
-              <a:rPr lang="en-US" smtClean="0"/>
+              <a:rPr lang="en-US"/>
               <a:t>Third level</a:t>
             </a:r>
           </a:p>
           <a:p>
             <a:pPr lvl="3"/>
             <a:r>
-              <a:rPr lang="en-US" smtClean="0"/>
+              <a:rPr lang="en-US"/>
               <a:t>Fourth level</a:t>
             </a:r>
           </a:p>
           <a:p>
             <a:pPr lvl="4"/>
             <a:r>
-              <a:rPr lang="en-US" smtClean="0"/>
+              <a:rPr lang="en-US"/>
               <a:t>Fifth level</a:t>
             </a:r>
-            <a:endParaRPr lang="en-US"/>
           </a:p>
         </p:txBody>
       </p:sp>
@@ -2117,7 +2117,7 @@
           <a:p>
             <a:fld id="{78C97017-6FC3-485B-9764-EAC9E56C1D49}" type="datetimeFigureOut">
               <a:rPr lang="en-US" smtClean="0"/>
-              <a:t>10/16/2016</a:t>
+              <a:t>3/13/2018</a:t>
             </a:fld>
             <a:endParaRPr lang="en-US"/>
           </a:p>
@@ -2211,10 +2211,9 @@
           <a:lstStyle/>
           <a:p>
             <a:r>
-              <a:rPr lang="en-US" smtClean="0"/>
+              <a:rPr lang="en-US"/>
               <a:t>Click to edit Master title style</a:t>
             </a:r>
-            <a:endParaRPr lang="en-US"/>
           </a:p>
         </p:txBody>
       </p:sp>
@@ -2235,7 +2234,7 @@
           <a:p>
             <a:fld id="{78C97017-6FC3-485B-9764-EAC9E56C1D49}" type="datetimeFigureOut">
               <a:rPr lang="en-US" smtClean="0"/>
-              <a:t>10/16/2016</a:t>
+              <a:t>3/13/2018</a:t>
             </a:fld>
             <a:endParaRPr lang="en-US"/>
           </a:p>
@@ -2330,7 +2329,7 @@
           <a:p>
             <a:fld id="{78C97017-6FC3-485B-9764-EAC9E56C1D49}" type="datetimeFigureOut">
               <a:rPr lang="en-US" smtClean="0"/>
-              <a:t>10/16/2016</a:t>
+              <a:t>3/13/2018</a:t>
             </a:fld>
             <a:endParaRPr lang="en-US"/>
           </a:p>
@@ -2433,10 +2432,9 @@
           </a:lstStyle>
           <a:p>
             <a:r>
-              <a:rPr lang="en-US" smtClean="0"/>
+              <a:rPr lang="en-US"/>
               <a:t>Click to edit Master title style</a:t>
             </a:r>
-            <a:endParaRPr lang="en-US"/>
           </a:p>
         </p:txBody>
       </p:sp>
@@ -2490,38 +2488,37 @@
           <a:p>
             <a:pPr lvl="0"/>
             <a:r>
-              <a:rPr lang="en-US" smtClean="0"/>
+              <a:rPr lang="en-US"/>
               <a:t>Click to edit Master text styles</a:t>
             </a:r>
           </a:p>
           <a:p>
             <a:pPr lvl="1"/>
             <a:r>
-              <a:rPr lang="en-US" smtClean="0"/>
+              <a:rPr lang="en-US"/>
               <a:t>Second level</a:t>
             </a:r>
           </a:p>
           <a:p>
             <a:pPr lvl="2"/>
             <a:r>
-              <a:rPr lang="en-US" smtClean="0"/>
+              <a:rPr lang="en-US"/>
               <a:t>Third level</a:t>
             </a:r>
           </a:p>
           <a:p>
             <a:pPr lvl="3"/>
             <a:r>
-              <a:rPr lang="en-US" smtClean="0"/>
+              <a:rPr lang="en-US"/>
               <a:t>Fourth level</a:t>
             </a:r>
           </a:p>
           <a:p>
             <a:pPr lvl="4"/>
             <a:r>
-              <a:rPr lang="en-US" smtClean="0"/>
+              <a:rPr lang="en-US"/>
               <a:t>Fifth level</a:t>
             </a:r>
-            <a:endParaRPr lang="en-US"/>
           </a:p>
         </p:txBody>
       </p:sp>
@@ -2584,7 +2581,7 @@
           <a:p>
             <a:pPr lvl="0"/>
             <a:r>
-              <a:rPr lang="en-US" smtClean="0"/>
+              <a:rPr lang="en-US"/>
               <a:t>Click to edit Master text styles</a:t>
             </a:r>
           </a:p>
@@ -2607,7 +2604,7 @@
           <a:p>
             <a:fld id="{78C97017-6FC3-485B-9764-EAC9E56C1D49}" type="datetimeFigureOut">
               <a:rPr lang="en-US" smtClean="0"/>
-              <a:t>10/16/2016</a:t>
+              <a:t>3/13/2018</a:t>
             </a:fld>
             <a:endParaRPr lang="en-US"/>
           </a:p>
@@ -2710,10 +2707,9 @@
           </a:lstStyle>
           <a:p>
             <a:r>
-              <a:rPr lang="en-US" smtClean="0"/>
+              <a:rPr lang="en-US"/>
               <a:t>Click to edit Master title style</a:t>
             </a:r>
-            <a:endParaRPr lang="en-US"/>
           </a:p>
         </p:txBody>
       </p:sp>
@@ -2837,7 +2833,7 @@
           <a:p>
             <a:pPr lvl="0"/>
             <a:r>
-              <a:rPr lang="en-US" smtClean="0"/>
+              <a:rPr lang="en-US"/>
               <a:t>Click to edit Master text styles</a:t>
             </a:r>
           </a:p>
@@ -2860,7 +2856,7 @@
           <a:p>
             <a:fld id="{78C97017-6FC3-485B-9764-EAC9E56C1D49}" type="datetimeFigureOut">
               <a:rPr lang="en-US" smtClean="0"/>
-              <a:t>10/16/2016</a:t>
+              <a:t>3/13/2018</a:t>
             </a:fld>
             <a:endParaRPr lang="en-US"/>
           </a:p>
@@ -2969,10 +2965,9 @@
           <a:lstStyle/>
           <a:p>
             <a:r>
-              <a:rPr lang="en-US" smtClean="0"/>
+              <a:rPr lang="en-US"/>
               <a:t>Click to edit Master title style</a:t>
             </a:r>
-            <a:endParaRPr lang="en-US"/>
           </a:p>
         </p:txBody>
       </p:sp>
@@ -3003,38 +2998,37 @@
           <a:p>
             <a:pPr lvl="0"/>
             <a:r>
-              <a:rPr lang="en-US" smtClean="0"/>
+              <a:rPr lang="en-US"/>
               <a:t>Click to edit Master text styles</a:t>
             </a:r>
           </a:p>
           <a:p>
             <a:pPr lvl="1"/>
             <a:r>
-              <a:rPr lang="en-US" smtClean="0"/>
+              <a:rPr lang="en-US"/>
               <a:t>Second level</a:t>
             </a:r>
           </a:p>
           <a:p>
             <a:pPr lvl="2"/>
             <a:r>
-              <a:rPr lang="en-US" smtClean="0"/>
+              <a:rPr lang="en-US"/>
               <a:t>Third level</a:t>
             </a:r>
           </a:p>
           <a:p>
             <a:pPr lvl="3"/>
             <a:r>
-              <a:rPr lang="en-US" smtClean="0"/>
+              <a:rPr lang="en-US"/>
               <a:t>Fourth level</a:t>
             </a:r>
           </a:p>
           <a:p>
             <a:pPr lvl="4"/>
             <a:r>
-              <a:rPr lang="en-US" smtClean="0"/>
+              <a:rPr lang="en-US"/>
               <a:t>Fifth level</a:t>
             </a:r>
-            <a:endParaRPr lang="en-US"/>
           </a:p>
         </p:txBody>
       </p:sp>
@@ -3073,7 +3067,7 @@
           <a:p>
             <a:fld id="{78C97017-6FC3-485B-9764-EAC9E56C1D49}" type="datetimeFigureOut">
               <a:rPr lang="en-US" smtClean="0"/>
-              <a:t>10/16/2016</a:t>
+              <a:t>3/13/2018</a:t>
             </a:fld>
             <a:endParaRPr lang="en-US"/>
           </a:p>
@@ -3494,7 +3488,7 @@
           <a:lstStyle/>
           <a:p>
             <a:r>
-              <a:rPr lang="en-US" sz="1200" b="1" dirty="0" smtClean="0">
+              <a:rPr lang="en-US" sz="1200" b="1" dirty="0">
                 <a:solidFill>
                   <a:schemeClr val="accent6">
                     <a:lumMod val="75000"/>
@@ -3561,7 +3555,7 @@
           <a:p>
             <a:pPr algn="ctr"/>
             <a:r>
-              <a:rPr lang="en-US" sz="1050" dirty="0" smtClean="0">
+              <a:rPr lang="en-US" sz="1050" dirty="0">
                 <a:solidFill>
                   <a:schemeClr val="bg1"/>
                 </a:solidFill>
@@ -3569,19 +3563,19 @@
               <a:t>&lt;&lt;interface&gt;&gt;</a:t>
             </a:r>
             <a:br>
-              <a:rPr lang="en-US" sz="1050" dirty="0" smtClean="0">
+              <a:rPr lang="en-US" sz="1050" dirty="0">
                 <a:solidFill>
                   <a:schemeClr val="bg1"/>
                 </a:solidFill>
               </a:rPr>
             </a:br>
             <a:r>
-              <a:rPr lang="en-US" sz="1050" dirty="0" err="1" smtClean="0">
+              <a:rPr lang="en-US" sz="1050" dirty="0" err="1">
                 <a:solidFill>
                   <a:schemeClr val="bg1"/>
                 </a:solidFill>
               </a:rPr>
-              <a:t>AddressBookStorage</a:t>
+              <a:t>BookShelfStorage</a:t>
             </a:r>
             <a:endParaRPr lang="en-SG" sz="1050" dirty="0">
               <a:solidFill>
@@ -3639,7 +3633,7 @@
           <a:p>
             <a:pPr algn="ctr"/>
             <a:r>
-              <a:rPr lang="en-US" sz="1050" dirty="0" err="1" smtClean="0">
+              <a:rPr lang="en-US" sz="1050" dirty="0" err="1">
                 <a:solidFill>
                   <a:schemeClr val="bg1"/>
                 </a:solidFill>
@@ -3713,7 +3707,7 @@
           <a:p>
             <a:pPr algn="ctr"/>
             <a:r>
-              <a:rPr lang="en-US" sz="1050" dirty="0" smtClean="0">
+              <a:rPr lang="en-US" sz="1050" dirty="0">
                 <a:solidFill>
                   <a:schemeClr val="bg1"/>
                 </a:solidFill>
@@ -4147,27 +4141,17 @@
           <a:p>
             <a:pPr algn="ctr"/>
             <a:r>
-              <a:rPr lang="en-US" sz="1050" b="1" dirty="0" err="1" smtClean="0">
+              <a:rPr lang="en-US" sz="1050" b="1" dirty="0" err="1">
                 <a:solidFill>
                   <a:schemeClr val="accent6">
                     <a:lumMod val="75000"/>
                   </a:schemeClr>
                 </a:solidFill>
               </a:rPr>
-              <a:t>XmlAddressBook</a:t>
-            </a:r>
-            <a:r>
-              <a:rPr lang="en-US" sz="1050" b="1" dirty="0" smtClean="0">
-                <a:solidFill>
-                  <a:schemeClr val="accent6">
-                    <a:lumMod val="75000"/>
-                  </a:schemeClr>
-                </a:solidFill>
-              </a:rPr>
-              <a:t/>
+              <a:t>XmlBookShelf</a:t>
             </a:r>
             <a:br>
-              <a:rPr lang="en-US" sz="1050" b="1" dirty="0" smtClean="0">
+              <a:rPr lang="en-US" sz="1050" b="1" dirty="0">
                 <a:solidFill>
                   <a:schemeClr val="accent6">
                     <a:lumMod val="75000"/>
@@ -4176,7 +4160,7 @@
               </a:rPr>
             </a:br>
             <a:r>
-              <a:rPr lang="en-US" sz="1050" b="1" dirty="0" smtClean="0">
+              <a:rPr lang="en-US" sz="1050" b="1" dirty="0">
                 <a:solidFill>
                   <a:schemeClr val="accent6">
                     <a:lumMod val="75000"/>
@@ -4243,7 +4227,7 @@
           <a:p>
             <a:pPr algn="ctr"/>
             <a:r>
-              <a:rPr lang="en-US" sz="1050" dirty="0" smtClean="0">
+              <a:rPr lang="en-US" sz="1050" dirty="0">
                 <a:solidFill>
                   <a:schemeClr val="bg1"/>
                 </a:solidFill>
@@ -4251,14 +4235,14 @@
               <a:t>&lt;&lt;interface&gt;&gt;</a:t>
             </a:r>
             <a:br>
-              <a:rPr lang="en-US" sz="1050" dirty="0" smtClean="0">
+              <a:rPr lang="en-US" sz="1050" dirty="0">
                 <a:solidFill>
                   <a:schemeClr val="bg1"/>
                 </a:solidFill>
               </a:rPr>
             </a:br>
             <a:r>
-              <a:rPr lang="en-US" sz="1050" dirty="0" err="1" smtClean="0">
+              <a:rPr lang="en-US" sz="1050" dirty="0" err="1">
                 <a:solidFill>
                   <a:schemeClr val="bg1"/>
                 </a:solidFill>
@@ -4516,30 +4500,22 @@
           <a:p>
             <a:pPr algn="ctr"/>
             <a:r>
-              <a:rPr lang="en-US" sz="1050" dirty="0" err="1" smtClean="0">
+              <a:rPr lang="en-US" sz="1050" dirty="0" err="1">
                 <a:solidFill>
                   <a:schemeClr val="bg1"/>
                 </a:solidFill>
               </a:rPr>
               <a:t>JsonUserPrefs</a:t>
             </a:r>
-            <a:r>
-              <a:rPr lang="en-US" sz="1050" dirty="0" smtClean="0">
-                <a:solidFill>
-                  <a:schemeClr val="bg1"/>
-                </a:solidFill>
-              </a:rPr>
-              <a:t/>
-            </a:r>
             <a:br>
-              <a:rPr lang="en-US" sz="1050" dirty="0" smtClean="0">
+              <a:rPr lang="en-US" sz="1050" dirty="0">
                 <a:solidFill>
                   <a:schemeClr val="bg1"/>
                 </a:solidFill>
               </a:rPr>
             </a:br>
             <a:r>
-              <a:rPr lang="en-US" sz="1050" dirty="0" smtClean="0">
+              <a:rPr lang="en-US" sz="1050" dirty="0">
                 <a:solidFill>
                   <a:schemeClr val="bg1"/>
                 </a:solidFill>
@@ -4591,43 +4567,14 @@
           <a:p>
             <a:pPr algn="ctr"/>
             <a:r>
-              <a:rPr lang="en-US" sz="1050" b="1" dirty="0" err="1" smtClean="0">
+              <a:rPr lang="en-US" sz="1050" b="1" dirty="0" err="1">
                 <a:solidFill>
                   <a:schemeClr val="accent6">
                     <a:lumMod val="75000"/>
                   </a:schemeClr>
                 </a:solidFill>
               </a:rPr>
-              <a:t>XmlSerializable</a:t>
-            </a:r>
-            <a:r>
-              <a:rPr lang="en-US" sz="1050" b="1" dirty="0" smtClean="0">
-                <a:solidFill>
-                  <a:schemeClr val="accent6">
-                    <a:lumMod val="75000"/>
-                  </a:schemeClr>
-                </a:solidFill>
-              </a:rPr>
-              <a:t/>
-            </a:r>
-            <a:br>
-              <a:rPr lang="en-US" sz="1050" b="1" dirty="0" smtClean="0">
-                <a:solidFill>
-                  <a:schemeClr val="accent6">
-                    <a:lumMod val="75000"/>
-                  </a:schemeClr>
-                </a:solidFill>
-              </a:rPr>
-            </a:br>
-            <a:r>
-              <a:rPr lang="en-US" sz="1050" b="1" dirty="0" err="1" smtClean="0">
-                <a:solidFill>
-                  <a:schemeClr val="accent6">
-                    <a:lumMod val="75000"/>
-                  </a:schemeClr>
-                </a:solidFill>
-              </a:rPr>
-              <a:t>AddressBook</a:t>
+              <a:t>XmlSerializableBookShelf</a:t>
             </a:r>
             <a:endParaRPr lang="en-SG" sz="1050" b="1" dirty="0">
               <a:solidFill>
@@ -4717,14 +4664,14 @@
           <a:p>
             <a:pPr algn="ctr"/>
             <a:r>
-              <a:rPr lang="en-US" sz="1050" b="1" dirty="0" err="1" smtClean="0">
+              <a:rPr lang="en-US" sz="1050" b="1" dirty="0" err="1">
                 <a:solidFill>
                   <a:schemeClr val="accent6">
                     <a:lumMod val="75000"/>
                   </a:schemeClr>
                 </a:solidFill>
               </a:rPr>
-              <a:t>XmlAdaptedTag</a:t>
+              <a:t>XmlAdaptedAuthor</a:t>
             </a:r>
             <a:endParaRPr lang="en-SG" sz="1050" b="1" dirty="0">
               <a:solidFill>
@@ -4773,14 +4720,14 @@
           <a:p>
             <a:pPr algn="ctr"/>
             <a:r>
-              <a:rPr lang="en-US" sz="1050" b="1" dirty="0" err="1" smtClean="0">
+              <a:rPr lang="en-US" sz="1050" b="1" dirty="0" err="1">
                 <a:solidFill>
                   <a:schemeClr val="accent6">
                     <a:lumMod val="75000"/>
                   </a:schemeClr>
                 </a:solidFill>
               </a:rPr>
-              <a:t>XmlAdaptedPerson</a:t>
+              <a:t>XmlAdaptedBook</a:t>
             </a:r>
             <a:endParaRPr lang="en-SG" sz="1050" b="1" dirty="0">
               <a:solidFill>
@@ -4833,6 +4780,116 @@
           </a:fontRef>
         </p:style>
       </p:cxnSp>
+      <p:sp>
+        <p:nvSpPr>
+          <p:cNvPr id="26" name="Rectangle 8">
+            <a:extLst>
+              <a:ext uri="{FF2B5EF4-FFF2-40B4-BE49-F238E27FC236}">
+                <a16:creationId xmlns:a16="http://schemas.microsoft.com/office/drawing/2014/main" id="{2F5F5136-23BF-4598-AF7F-BABA43F16550}"/>
+              </a:ext>
+            </a:extLst>
+          </p:cNvPr>
+          <p:cNvSpPr/>
+          <p:nvPr/>
+        </p:nvSpPr>
+        <p:spPr>
+          <a:xfrm>
+            <a:off x="6132899" y="2477656"/>
+            <a:ext cx="1384937" cy="346760"/>
+          </a:xfrm>
+          <a:prstGeom prst="rect">
+            <a:avLst/>
+          </a:prstGeom>
+          <a:ln w="19050"/>
+          <a:effectLst/>
+        </p:spPr>
+        <p:style>
+          <a:lnRef idx="1">
+            <a:schemeClr val="accent6"/>
+          </a:lnRef>
+          <a:fillRef idx="2">
+            <a:schemeClr val="accent6"/>
+          </a:fillRef>
+          <a:effectRef idx="1">
+            <a:schemeClr val="accent6"/>
+          </a:effectRef>
+          <a:fontRef idx="minor">
+            <a:schemeClr val="dk1"/>
+          </a:fontRef>
+        </p:style>
+        <p:txBody>
+          <a:bodyPr rtlCol="0" anchor="ctr"/>
+          <a:lstStyle/>
+          <a:p>
+            <a:pPr algn="ctr"/>
+            <a:r>
+              <a:rPr lang="en-US" sz="1050" b="1" dirty="0" err="1">
+                <a:solidFill>
+                  <a:schemeClr val="accent6">
+                    <a:lumMod val="75000"/>
+                  </a:schemeClr>
+                </a:solidFill>
+              </a:rPr>
+              <a:t>XmlAdaptedCategory</a:t>
+            </a:r>
+            <a:endParaRPr lang="en-SG" sz="1050" b="1" dirty="0">
+              <a:solidFill>
+                <a:schemeClr val="accent6">
+                  <a:lumMod val="75000"/>
+                </a:schemeClr>
+              </a:solidFill>
+            </a:endParaRPr>
+          </a:p>
+        </p:txBody>
+      </p:sp>
+      <p:cxnSp>
+        <p:nvCxnSpPr>
+          <p:cNvPr id="27" name="Elbow Connector 122">
+            <a:extLst>
+              <a:ext uri="{FF2B5EF4-FFF2-40B4-BE49-F238E27FC236}">
+                <a16:creationId xmlns:a16="http://schemas.microsoft.com/office/drawing/2014/main" id="{B3A8051B-EB47-4BBE-9D73-D02985D53E4C}"/>
+              </a:ext>
+            </a:extLst>
+          </p:cNvPr>
+          <p:cNvCxnSpPr>
+            <a:cxnSpLocks/>
+            <a:stCxn id="74" idx="0"/>
+            <a:endCxn id="26" idx="2"/>
+          </p:cNvCxnSpPr>
+          <p:nvPr/>
+        </p:nvCxnSpPr>
+        <p:spPr>
+          <a:xfrm rot="16200000" flipV="1">
+            <a:off x="7367879" y="2281905"/>
+            <a:ext cx="335208" cy="1420229"/>
+          </a:xfrm>
+          <a:prstGeom prst="bentConnector3">
+            <a:avLst>
+              <a:gd name="adj1" fmla="val 50000"/>
+            </a:avLst>
+          </a:prstGeom>
+          <a:ln w="19050">
+            <a:prstDash val="sysDot"/>
+            <a:headEnd type="none" w="med" len="med"/>
+            <a:tailEnd type="arrow" w="med" len="med"/>
+          </a:ln>
+          <a:effectLst/>
+        </p:spPr>
+        <p:style>
+          <a:lnRef idx="1">
+            <a:schemeClr val="accent6"/>
+          </a:lnRef>
+          <a:fillRef idx="2">
+            <a:schemeClr val="accent6"/>
+          </a:fillRef>
+          <a:effectRef idx="1">
+            <a:schemeClr val="accent6"/>
+          </a:effectRef>
+          <a:fontRef idx="minor">
+            <a:schemeClr val="dk1"/>
+          </a:fontRef>
+        </p:style>
+      </p:cxnSp>
     </p:spTree>
     <p:extLst>
       <p:ext uri="{BB962C8B-B14F-4D97-AF65-F5344CB8AC3E}">
@@ -4843,13 +4900,6 @@
   <p:clrMapOvr>
     <a:masterClrMapping/>
   </p:clrMapOvr>
-  <p:timing>
-    <p:tnLst>
-      <p:par>
-        <p:cTn id="1" dur="indefinite" restart="never" nodeType="tmRoot"/>
-      </p:par>
-    </p:tnLst>
-  </p:timing>
 </p:sld>
 </file>
 

--- a/docs/diagrams/StorageComponentClassDiagram.pptx
+++ b/docs/diagrams/StorageComponentClassDiagram.pptx
@@ -107,6 +107,22 @@
       </a:defRPr>
     </a:lvl9pPr>
   </p:defaultTextStyle>
+  <p:extLst>
+    <p:ext uri="{EFAFB233-063F-42B5-8137-9DF3F51BA10A}">
+      <p15:sldGuideLst xmlns:p15="http://schemas.microsoft.com/office/powerpoint/2012/main">
+        <p15:guide id="1" orient="horz" pos="1488">
+          <p15:clr>
+            <a:srgbClr val="A4A3A4"/>
+          </p15:clr>
+        </p15:guide>
+        <p15:guide id="2" pos="2880">
+          <p15:clr>
+            <a:srgbClr val="A4A3A4"/>
+          </p15:clr>
+        </p15:guide>
+      </p15:sldGuideLst>
+    </p:ext>
+  </p:extLst>
 </p:presentation>
 </file>
 
@@ -192,7 +208,7 @@
           <a:p>
             <a:fld id="{F5CC4B3F-88C1-4FFA-B1B6-F41C21DC6924}" type="datetimeFigureOut">
               <a:rPr lang="en-US" smtClean="0"/>
-              <a:t>10/16/2016</a:t>
+              <a:t>3/19/18</a:t>
             </a:fld>
             <a:endParaRPr lang="en-US"/>
           </a:p>
@@ -256,38 +272,37 @@
           <a:p>
             <a:pPr lvl="0"/>
             <a:r>
-              <a:rPr lang="en-US" smtClean="0"/>
+              <a:rPr lang="en-US"/>
               <a:t>Click to edit Master text styles</a:t>
             </a:r>
           </a:p>
           <a:p>
             <a:pPr lvl="1"/>
             <a:r>
-              <a:rPr lang="en-US" smtClean="0"/>
+              <a:rPr lang="en-US"/>
               <a:t>Second level</a:t>
             </a:r>
           </a:p>
           <a:p>
             <a:pPr lvl="2"/>
             <a:r>
-              <a:rPr lang="en-US" smtClean="0"/>
+              <a:rPr lang="en-US"/>
               <a:t>Third level</a:t>
             </a:r>
           </a:p>
           <a:p>
             <a:pPr lvl="3"/>
             <a:r>
-              <a:rPr lang="en-US" smtClean="0"/>
+              <a:rPr lang="en-US"/>
               <a:t>Fourth level</a:t>
             </a:r>
           </a:p>
           <a:p>
             <a:pPr lvl="4"/>
             <a:r>
-              <a:rPr lang="en-US" smtClean="0"/>
+              <a:rPr lang="en-US"/>
               <a:t>Fifth level</a:t>
             </a:r>
-            <a:endParaRPr lang="en-US"/>
           </a:p>
         </p:txBody>
       </p:sp>
@@ -498,10 +513,9 @@
           <a:lstStyle/>
           <a:p>
             <a:r>
-              <a:rPr lang="en-US" smtClean="0"/>
+              <a:rPr lang="en-US"/>
               <a:t>Click to edit Master title style</a:t>
             </a:r>
-            <a:endParaRPr lang="en-US"/>
           </a:p>
         </p:txBody>
       </p:sp>
@@ -617,10 +631,9 @@
           </a:lstStyle>
           <a:p>
             <a:r>
-              <a:rPr lang="en-US" smtClean="0"/>
+              <a:rPr lang="en-US"/>
               <a:t>Click to edit Master subtitle style</a:t>
             </a:r>
-            <a:endParaRPr lang="en-US"/>
           </a:p>
         </p:txBody>
       </p:sp>
@@ -641,7 +654,7 @@
           <a:p>
             <a:fld id="{78C97017-6FC3-485B-9764-EAC9E56C1D49}" type="datetimeFigureOut">
               <a:rPr lang="en-US" smtClean="0"/>
-              <a:t>10/16/2016</a:t>
+              <a:t>3/19/18</a:t>
             </a:fld>
             <a:endParaRPr lang="en-US"/>
           </a:p>
@@ -735,10 +748,9 @@
           <a:lstStyle/>
           <a:p>
             <a:r>
-              <a:rPr lang="en-US" smtClean="0"/>
+              <a:rPr lang="en-US"/>
               <a:t>Click to edit Master title style</a:t>
             </a:r>
-            <a:endParaRPr lang="en-US"/>
           </a:p>
         </p:txBody>
       </p:sp>
@@ -759,38 +771,37 @@
           <a:p>
             <a:pPr lvl="0"/>
             <a:r>
-              <a:rPr lang="en-US" smtClean="0"/>
+              <a:rPr lang="en-US"/>
               <a:t>Click to edit Master text styles</a:t>
             </a:r>
           </a:p>
           <a:p>
             <a:pPr lvl="1"/>
             <a:r>
-              <a:rPr lang="en-US" smtClean="0"/>
+              <a:rPr lang="en-US"/>
               <a:t>Second level</a:t>
             </a:r>
           </a:p>
           <a:p>
             <a:pPr lvl="2"/>
             <a:r>
-              <a:rPr lang="en-US" smtClean="0"/>
+              <a:rPr lang="en-US"/>
               <a:t>Third level</a:t>
             </a:r>
           </a:p>
           <a:p>
             <a:pPr lvl="3"/>
             <a:r>
-              <a:rPr lang="en-US" smtClean="0"/>
+              <a:rPr lang="en-US"/>
               <a:t>Fourth level</a:t>
             </a:r>
           </a:p>
           <a:p>
             <a:pPr lvl="4"/>
             <a:r>
-              <a:rPr lang="en-US" smtClean="0"/>
+              <a:rPr lang="en-US"/>
               <a:t>Fifth level</a:t>
             </a:r>
-            <a:endParaRPr lang="en-US"/>
           </a:p>
         </p:txBody>
       </p:sp>
@@ -811,7 +822,7 @@
           <a:p>
             <a:fld id="{78C97017-6FC3-485B-9764-EAC9E56C1D49}" type="datetimeFigureOut">
               <a:rPr lang="en-US" smtClean="0"/>
-              <a:t>10/16/2016</a:t>
+              <a:t>3/19/18</a:t>
             </a:fld>
             <a:endParaRPr lang="en-US"/>
           </a:p>
@@ -910,10 +921,9 @@
           <a:lstStyle/>
           <a:p>
             <a:r>
-              <a:rPr lang="en-US" smtClean="0"/>
+              <a:rPr lang="en-US"/>
               <a:t>Click to edit Master title style</a:t>
             </a:r>
-            <a:endParaRPr lang="en-US"/>
           </a:p>
         </p:txBody>
       </p:sp>
@@ -939,38 +949,37 @@
           <a:p>
             <a:pPr lvl="0"/>
             <a:r>
-              <a:rPr lang="en-US" smtClean="0"/>
+              <a:rPr lang="en-US"/>
               <a:t>Click to edit Master text styles</a:t>
             </a:r>
           </a:p>
           <a:p>
             <a:pPr lvl="1"/>
             <a:r>
-              <a:rPr lang="en-US" smtClean="0"/>
+              <a:rPr lang="en-US"/>
               <a:t>Second level</a:t>
             </a:r>
           </a:p>
           <a:p>
             <a:pPr lvl="2"/>
             <a:r>
-              <a:rPr lang="en-US" smtClean="0"/>
+              <a:rPr lang="en-US"/>
               <a:t>Third level</a:t>
             </a:r>
           </a:p>
           <a:p>
             <a:pPr lvl="3"/>
             <a:r>
-              <a:rPr lang="en-US" smtClean="0"/>
+              <a:rPr lang="en-US"/>
               <a:t>Fourth level</a:t>
             </a:r>
           </a:p>
           <a:p>
             <a:pPr lvl="4"/>
             <a:r>
-              <a:rPr lang="en-US" smtClean="0"/>
+              <a:rPr lang="en-US"/>
               <a:t>Fifth level</a:t>
             </a:r>
-            <a:endParaRPr lang="en-US"/>
           </a:p>
         </p:txBody>
       </p:sp>
@@ -991,7 +1000,7 @@
           <a:p>
             <a:fld id="{78C97017-6FC3-485B-9764-EAC9E56C1D49}" type="datetimeFigureOut">
               <a:rPr lang="en-US" smtClean="0"/>
-              <a:t>10/16/2016</a:t>
+              <a:t>3/19/18</a:t>
             </a:fld>
             <a:endParaRPr lang="en-US"/>
           </a:p>
@@ -1085,10 +1094,9 @@
           <a:lstStyle/>
           <a:p>
             <a:r>
-              <a:rPr lang="en-US" smtClean="0"/>
+              <a:rPr lang="en-US"/>
               <a:t>Click to edit Master title style</a:t>
             </a:r>
-            <a:endParaRPr lang="en-US"/>
           </a:p>
         </p:txBody>
       </p:sp>
@@ -1109,38 +1117,37 @@
           <a:p>
             <a:pPr lvl="0"/>
             <a:r>
-              <a:rPr lang="en-US" smtClean="0"/>
+              <a:rPr lang="en-US"/>
               <a:t>Click to edit Master text styles</a:t>
             </a:r>
           </a:p>
           <a:p>
             <a:pPr lvl="1"/>
             <a:r>
-              <a:rPr lang="en-US" smtClean="0"/>
+              <a:rPr lang="en-US"/>
               <a:t>Second level</a:t>
             </a:r>
           </a:p>
           <a:p>
             <a:pPr lvl="2"/>
             <a:r>
-              <a:rPr lang="en-US" smtClean="0"/>
+              <a:rPr lang="en-US"/>
               <a:t>Third level</a:t>
             </a:r>
           </a:p>
           <a:p>
             <a:pPr lvl="3"/>
             <a:r>
-              <a:rPr lang="en-US" smtClean="0"/>
+              <a:rPr lang="en-US"/>
               <a:t>Fourth level</a:t>
             </a:r>
           </a:p>
           <a:p>
             <a:pPr lvl="4"/>
             <a:r>
-              <a:rPr lang="en-US" smtClean="0"/>
+              <a:rPr lang="en-US"/>
               <a:t>Fifth level</a:t>
             </a:r>
-            <a:endParaRPr lang="en-US"/>
           </a:p>
         </p:txBody>
       </p:sp>
@@ -1161,7 +1168,7 @@
           <a:p>
             <a:fld id="{78C97017-6FC3-485B-9764-EAC9E56C1D49}" type="datetimeFigureOut">
               <a:rPr lang="en-US" smtClean="0"/>
-              <a:t>10/16/2016</a:t>
+              <a:t>3/19/18</a:t>
             </a:fld>
             <a:endParaRPr lang="en-US"/>
           </a:p>
@@ -1264,10 +1271,9 @@
           </a:lstStyle>
           <a:p>
             <a:r>
-              <a:rPr lang="en-US" smtClean="0"/>
+              <a:rPr lang="en-US"/>
               <a:t>Click to edit Master title style</a:t>
             </a:r>
-            <a:endParaRPr lang="en-US"/>
           </a:p>
         </p:txBody>
       </p:sp>
@@ -1384,7 +1390,7 @@
           <a:p>
             <a:pPr lvl="0"/>
             <a:r>
-              <a:rPr lang="en-US" smtClean="0"/>
+              <a:rPr lang="en-US"/>
               <a:t>Click to edit Master text styles</a:t>
             </a:r>
           </a:p>
@@ -1407,7 +1413,7 @@
           <a:p>
             <a:fld id="{78C97017-6FC3-485B-9764-EAC9E56C1D49}" type="datetimeFigureOut">
               <a:rPr lang="en-US" smtClean="0"/>
-              <a:t>10/16/2016</a:t>
+              <a:t>3/19/18</a:t>
             </a:fld>
             <a:endParaRPr lang="en-US"/>
           </a:p>
@@ -1501,10 +1507,9 @@
           <a:lstStyle/>
           <a:p>
             <a:r>
-              <a:rPr lang="en-US" smtClean="0"/>
+              <a:rPr lang="en-US"/>
               <a:t>Click to edit Master title style</a:t>
             </a:r>
-            <a:endParaRPr lang="en-US"/>
           </a:p>
         </p:txBody>
       </p:sp>
@@ -1558,38 +1563,37 @@
           <a:p>
             <a:pPr lvl="0"/>
             <a:r>
-              <a:rPr lang="en-US" smtClean="0"/>
+              <a:rPr lang="en-US"/>
               <a:t>Click to edit Master text styles</a:t>
             </a:r>
           </a:p>
           <a:p>
             <a:pPr lvl="1"/>
             <a:r>
-              <a:rPr lang="en-US" smtClean="0"/>
+              <a:rPr lang="en-US"/>
               <a:t>Second level</a:t>
             </a:r>
           </a:p>
           <a:p>
             <a:pPr lvl="2"/>
             <a:r>
-              <a:rPr lang="en-US" smtClean="0"/>
+              <a:rPr lang="en-US"/>
               <a:t>Third level</a:t>
             </a:r>
           </a:p>
           <a:p>
             <a:pPr lvl="3"/>
             <a:r>
-              <a:rPr lang="en-US" smtClean="0"/>
+              <a:rPr lang="en-US"/>
               <a:t>Fourth level</a:t>
             </a:r>
           </a:p>
           <a:p>
             <a:pPr lvl="4"/>
             <a:r>
-              <a:rPr lang="en-US" smtClean="0"/>
+              <a:rPr lang="en-US"/>
               <a:t>Fifth level</a:t>
             </a:r>
-            <a:endParaRPr lang="en-US"/>
           </a:p>
         </p:txBody>
       </p:sp>
@@ -1643,38 +1647,37 @@
           <a:p>
             <a:pPr lvl="0"/>
             <a:r>
-              <a:rPr lang="en-US" smtClean="0"/>
+              <a:rPr lang="en-US"/>
               <a:t>Click to edit Master text styles</a:t>
             </a:r>
           </a:p>
           <a:p>
             <a:pPr lvl="1"/>
             <a:r>
-              <a:rPr lang="en-US" smtClean="0"/>
+              <a:rPr lang="en-US"/>
               <a:t>Second level</a:t>
             </a:r>
           </a:p>
           <a:p>
             <a:pPr lvl="2"/>
             <a:r>
-              <a:rPr lang="en-US" smtClean="0"/>
+              <a:rPr lang="en-US"/>
               <a:t>Third level</a:t>
             </a:r>
           </a:p>
           <a:p>
             <a:pPr lvl="3"/>
             <a:r>
-              <a:rPr lang="en-US" smtClean="0"/>
+              <a:rPr lang="en-US"/>
               <a:t>Fourth level</a:t>
             </a:r>
           </a:p>
           <a:p>
             <a:pPr lvl="4"/>
             <a:r>
-              <a:rPr lang="en-US" smtClean="0"/>
+              <a:rPr lang="en-US"/>
               <a:t>Fifth level</a:t>
             </a:r>
-            <a:endParaRPr lang="en-US"/>
           </a:p>
         </p:txBody>
       </p:sp>
@@ -1695,7 +1698,7 @@
           <a:p>
             <a:fld id="{78C97017-6FC3-485B-9764-EAC9E56C1D49}" type="datetimeFigureOut">
               <a:rPr lang="en-US" smtClean="0"/>
-              <a:t>10/16/2016</a:t>
+              <a:t>3/19/18</a:t>
             </a:fld>
             <a:endParaRPr lang="en-US"/>
           </a:p>
@@ -1793,10 +1796,9 @@
           </a:lstStyle>
           <a:p>
             <a:r>
-              <a:rPr lang="en-US" smtClean="0"/>
+              <a:rPr lang="en-US"/>
               <a:t>Click to edit Master title style</a:t>
             </a:r>
-            <a:endParaRPr lang="en-US"/>
           </a:p>
         </p:txBody>
       </p:sp>
@@ -1859,7 +1861,7 @@
           <a:p>
             <a:pPr lvl="0"/>
             <a:r>
-              <a:rPr lang="en-US" smtClean="0"/>
+              <a:rPr lang="en-US"/>
               <a:t>Click to edit Master text styles</a:t>
             </a:r>
           </a:p>
@@ -1915,38 +1917,37 @@
           <a:p>
             <a:pPr lvl="0"/>
             <a:r>
-              <a:rPr lang="en-US" smtClean="0"/>
+              <a:rPr lang="en-US"/>
               <a:t>Click to edit Master text styles</a:t>
             </a:r>
           </a:p>
           <a:p>
             <a:pPr lvl="1"/>
             <a:r>
-              <a:rPr lang="en-US" smtClean="0"/>
+              <a:rPr lang="en-US"/>
               <a:t>Second level</a:t>
             </a:r>
           </a:p>
           <a:p>
             <a:pPr lvl="2"/>
             <a:r>
-              <a:rPr lang="en-US" smtClean="0"/>
+              <a:rPr lang="en-US"/>
               <a:t>Third level</a:t>
             </a:r>
           </a:p>
           <a:p>
             <a:pPr lvl="3"/>
             <a:r>
-              <a:rPr lang="en-US" smtClean="0"/>
+              <a:rPr lang="en-US"/>
               <a:t>Fourth level</a:t>
             </a:r>
           </a:p>
           <a:p>
             <a:pPr lvl="4"/>
             <a:r>
-              <a:rPr lang="en-US" smtClean="0"/>
+              <a:rPr lang="en-US"/>
               <a:t>Fifth level</a:t>
             </a:r>
-            <a:endParaRPr lang="en-US"/>
           </a:p>
         </p:txBody>
       </p:sp>
@@ -2009,7 +2010,7 @@
           <a:p>
             <a:pPr lvl="0"/>
             <a:r>
-              <a:rPr lang="en-US" smtClean="0"/>
+              <a:rPr lang="en-US"/>
               <a:t>Click to edit Master text styles</a:t>
             </a:r>
           </a:p>
@@ -2065,38 +2066,37 @@
           <a:p>
             <a:pPr lvl="0"/>
             <a:r>
-              <a:rPr lang="en-US" smtClean="0"/>
+              <a:rPr lang="en-US"/>
               <a:t>Click to edit Master text styles</a:t>
             </a:r>
           </a:p>
           <a:p>
             <a:pPr lvl="1"/>
             <a:r>
-              <a:rPr lang="en-US" smtClean="0"/>
+              <a:rPr lang="en-US"/>
               <a:t>Second level</a:t>
             </a:r>
           </a:p>
           <a:p>
             <a:pPr lvl="2"/>
             <a:r>
-              <a:rPr lang="en-US" smtClean="0"/>
+              <a:rPr lang="en-US"/>
               <a:t>Third level</a:t>
             </a:r>
           </a:p>
           <a:p>
             <a:pPr lvl="3"/>
             <a:r>
-              <a:rPr lang="en-US" smtClean="0"/>
+              <a:rPr lang="en-US"/>
               <a:t>Fourth level</a:t>
             </a:r>
           </a:p>
           <a:p>
             <a:pPr lvl="4"/>
             <a:r>
-              <a:rPr lang="en-US" smtClean="0"/>
+              <a:rPr lang="en-US"/>
               <a:t>Fifth level</a:t>
             </a:r>
-            <a:endParaRPr lang="en-US"/>
           </a:p>
         </p:txBody>
       </p:sp>
@@ -2117,7 +2117,7 @@
           <a:p>
             <a:fld id="{78C97017-6FC3-485B-9764-EAC9E56C1D49}" type="datetimeFigureOut">
               <a:rPr lang="en-US" smtClean="0"/>
-              <a:t>10/16/2016</a:t>
+              <a:t>3/19/18</a:t>
             </a:fld>
             <a:endParaRPr lang="en-US"/>
           </a:p>
@@ -2211,10 +2211,9 @@
           <a:lstStyle/>
           <a:p>
             <a:r>
-              <a:rPr lang="en-US" smtClean="0"/>
+              <a:rPr lang="en-US"/>
               <a:t>Click to edit Master title style</a:t>
             </a:r>
-            <a:endParaRPr lang="en-US"/>
           </a:p>
         </p:txBody>
       </p:sp>
@@ -2235,7 +2234,7 @@
           <a:p>
             <a:fld id="{78C97017-6FC3-485B-9764-EAC9E56C1D49}" type="datetimeFigureOut">
               <a:rPr lang="en-US" smtClean="0"/>
-              <a:t>10/16/2016</a:t>
+              <a:t>3/19/18</a:t>
             </a:fld>
             <a:endParaRPr lang="en-US"/>
           </a:p>
@@ -2330,7 +2329,7 @@
           <a:p>
             <a:fld id="{78C97017-6FC3-485B-9764-EAC9E56C1D49}" type="datetimeFigureOut">
               <a:rPr lang="en-US" smtClean="0"/>
-              <a:t>10/16/2016</a:t>
+              <a:t>3/19/18</a:t>
             </a:fld>
             <a:endParaRPr lang="en-US"/>
           </a:p>
@@ -2433,10 +2432,9 @@
           </a:lstStyle>
           <a:p>
             <a:r>
-              <a:rPr lang="en-US" smtClean="0"/>
+              <a:rPr lang="en-US"/>
               <a:t>Click to edit Master title style</a:t>
             </a:r>
-            <a:endParaRPr lang="en-US"/>
           </a:p>
         </p:txBody>
       </p:sp>
@@ -2490,38 +2488,37 @@
           <a:p>
             <a:pPr lvl="0"/>
             <a:r>
-              <a:rPr lang="en-US" smtClean="0"/>
+              <a:rPr lang="en-US"/>
               <a:t>Click to edit Master text styles</a:t>
             </a:r>
           </a:p>
           <a:p>
             <a:pPr lvl="1"/>
             <a:r>
-              <a:rPr lang="en-US" smtClean="0"/>
+              <a:rPr lang="en-US"/>
               <a:t>Second level</a:t>
             </a:r>
           </a:p>
           <a:p>
             <a:pPr lvl="2"/>
             <a:r>
-              <a:rPr lang="en-US" smtClean="0"/>
+              <a:rPr lang="en-US"/>
               <a:t>Third level</a:t>
             </a:r>
           </a:p>
           <a:p>
             <a:pPr lvl="3"/>
             <a:r>
-              <a:rPr lang="en-US" smtClean="0"/>
+              <a:rPr lang="en-US"/>
               <a:t>Fourth level</a:t>
             </a:r>
           </a:p>
           <a:p>
             <a:pPr lvl="4"/>
             <a:r>
-              <a:rPr lang="en-US" smtClean="0"/>
+              <a:rPr lang="en-US"/>
               <a:t>Fifth level</a:t>
             </a:r>
-            <a:endParaRPr lang="en-US"/>
           </a:p>
         </p:txBody>
       </p:sp>
@@ -2584,7 +2581,7 @@
           <a:p>
             <a:pPr lvl="0"/>
             <a:r>
-              <a:rPr lang="en-US" smtClean="0"/>
+              <a:rPr lang="en-US"/>
               <a:t>Click to edit Master text styles</a:t>
             </a:r>
           </a:p>
@@ -2607,7 +2604,7 @@
           <a:p>
             <a:fld id="{78C97017-6FC3-485B-9764-EAC9E56C1D49}" type="datetimeFigureOut">
               <a:rPr lang="en-US" smtClean="0"/>
-              <a:t>10/16/2016</a:t>
+              <a:t>3/19/18</a:t>
             </a:fld>
             <a:endParaRPr lang="en-US"/>
           </a:p>
@@ -2710,10 +2707,9 @@
           </a:lstStyle>
           <a:p>
             <a:r>
-              <a:rPr lang="en-US" smtClean="0"/>
+              <a:rPr lang="en-US"/>
               <a:t>Click to edit Master title style</a:t>
             </a:r>
-            <a:endParaRPr lang="en-US"/>
           </a:p>
         </p:txBody>
       </p:sp>
@@ -2837,7 +2833,7 @@
           <a:p>
             <a:pPr lvl="0"/>
             <a:r>
-              <a:rPr lang="en-US" smtClean="0"/>
+              <a:rPr lang="en-US"/>
               <a:t>Click to edit Master text styles</a:t>
             </a:r>
           </a:p>
@@ -2860,7 +2856,7 @@
           <a:p>
             <a:fld id="{78C97017-6FC3-485B-9764-EAC9E56C1D49}" type="datetimeFigureOut">
               <a:rPr lang="en-US" smtClean="0"/>
-              <a:t>10/16/2016</a:t>
+              <a:t>3/19/18</a:t>
             </a:fld>
             <a:endParaRPr lang="en-US"/>
           </a:p>
@@ -2969,10 +2965,9 @@
           <a:lstStyle/>
           <a:p>
             <a:r>
-              <a:rPr lang="en-US" smtClean="0"/>
+              <a:rPr lang="en-US"/>
               <a:t>Click to edit Master title style</a:t>
             </a:r>
-            <a:endParaRPr lang="en-US"/>
           </a:p>
         </p:txBody>
       </p:sp>
@@ -3003,38 +2998,37 @@
           <a:p>
             <a:pPr lvl="0"/>
             <a:r>
-              <a:rPr lang="en-US" smtClean="0"/>
+              <a:rPr lang="en-US"/>
               <a:t>Click to edit Master text styles</a:t>
             </a:r>
           </a:p>
           <a:p>
             <a:pPr lvl="1"/>
             <a:r>
-              <a:rPr lang="en-US" smtClean="0"/>
+              <a:rPr lang="en-US"/>
               <a:t>Second level</a:t>
             </a:r>
           </a:p>
           <a:p>
             <a:pPr lvl="2"/>
             <a:r>
-              <a:rPr lang="en-US" smtClean="0"/>
+              <a:rPr lang="en-US"/>
               <a:t>Third level</a:t>
             </a:r>
           </a:p>
           <a:p>
             <a:pPr lvl="3"/>
             <a:r>
-              <a:rPr lang="en-US" smtClean="0"/>
+              <a:rPr lang="en-US"/>
               <a:t>Fourth level</a:t>
             </a:r>
           </a:p>
           <a:p>
             <a:pPr lvl="4"/>
             <a:r>
-              <a:rPr lang="en-US" smtClean="0"/>
+              <a:rPr lang="en-US"/>
               <a:t>Fifth level</a:t>
             </a:r>
-            <a:endParaRPr lang="en-US"/>
           </a:p>
         </p:txBody>
       </p:sp>
@@ -3073,7 +3067,7 @@
           <a:p>
             <a:fld id="{78C97017-6FC3-485B-9764-EAC9E56C1D49}" type="datetimeFigureOut">
               <a:rPr lang="en-US" smtClean="0"/>
-              <a:t>10/16/2016</a:t>
+              <a:t>3/19/18</a:t>
             </a:fld>
             <a:endParaRPr lang="en-US"/>
           </a:p>
@@ -3456,8 +3450,8 @@
         </p:nvSpPr>
         <p:spPr>
           <a:xfrm>
-            <a:off x="1119865" y="2086382"/>
-            <a:ext cx="7871735" cy="1723618"/>
+            <a:off x="685799" y="1981201"/>
+            <a:ext cx="8005309" cy="2133599"/>
           </a:xfrm>
           <a:prstGeom prst="roundRect">
             <a:avLst>
@@ -3494,7 +3488,7 @@
           <a:lstStyle/>
           <a:p>
             <a:r>
-              <a:rPr lang="en-US" sz="1200" b="1" dirty="0" smtClean="0">
+              <a:rPr lang="en-US" sz="1200" b="1" dirty="0">
                 <a:solidFill>
                   <a:schemeClr val="accent6">
                     <a:lumMod val="75000"/>
@@ -3521,7 +3515,7 @@
         </p:nvSpPr>
         <p:spPr>
           <a:xfrm>
-            <a:off x="2877180" y="3158440"/>
+            <a:off x="2424289" y="3158440"/>
             <a:ext cx="1323049" cy="346760"/>
           </a:xfrm>
           <a:prstGeom prst="rect">
@@ -3561,7 +3555,7 @@
           <a:p>
             <a:pPr algn="ctr"/>
             <a:r>
-              <a:rPr lang="en-US" sz="1050" dirty="0" smtClean="0">
+              <a:rPr lang="en-US" sz="1050" dirty="0">
                 <a:solidFill>
                   <a:schemeClr val="bg1"/>
                 </a:solidFill>
@@ -3569,14 +3563,14 @@
               <a:t>&lt;&lt;interface&gt;&gt;</a:t>
             </a:r>
             <a:br>
-              <a:rPr lang="en-US" sz="1050" dirty="0" smtClean="0">
+              <a:rPr lang="en-US" sz="1050" dirty="0">
                 <a:solidFill>
                   <a:schemeClr val="bg1"/>
                 </a:solidFill>
               </a:rPr>
             </a:br>
             <a:r>
-              <a:rPr lang="en-US" sz="1050" dirty="0" err="1" smtClean="0">
+              <a:rPr lang="en-US" sz="1050" dirty="0" err="1">
                 <a:solidFill>
                   <a:schemeClr val="bg1"/>
                 </a:solidFill>
@@ -3599,7 +3593,7 @@
         </p:nvSpPr>
         <p:spPr>
           <a:xfrm rot="16200000">
-            <a:off x="1683963" y="2868687"/>
+            <a:off x="1231072" y="2868687"/>
             <a:ext cx="1093635" cy="346760"/>
           </a:xfrm>
           <a:prstGeom prst="rect">
@@ -3639,7 +3633,7 @@
           <a:p>
             <a:pPr algn="ctr"/>
             <a:r>
-              <a:rPr lang="en-US" sz="1050" dirty="0" err="1" smtClean="0">
+              <a:rPr lang="en-US" sz="1050" dirty="0" err="1">
                 <a:solidFill>
                   <a:schemeClr val="bg1"/>
                 </a:solidFill>
@@ -3662,7 +3656,7 @@
         </p:nvSpPr>
         <p:spPr>
           <a:xfrm rot="16200000">
-            <a:off x="956202" y="2861202"/>
+            <a:off x="503311" y="2861202"/>
             <a:ext cx="1093635" cy="346760"/>
           </a:xfrm>
           <a:prstGeom prst="rect">
@@ -3713,7 +3707,7 @@
           <a:p>
             <a:pPr algn="ctr"/>
             <a:r>
-              <a:rPr lang="en-US" sz="1050" dirty="0" smtClean="0">
+              <a:rPr lang="en-US" sz="1050" dirty="0">
                 <a:solidFill>
                   <a:schemeClr val="bg1"/>
                 </a:solidFill>
@@ -3736,7 +3730,7 @@
         </p:nvSpPr>
         <p:spPr>
           <a:xfrm rot="16200000">
-            <a:off x="1626910" y="2952291"/>
+            <a:off x="1174019" y="2952291"/>
             <a:ext cx="270504" cy="175523"/>
           </a:xfrm>
           <a:prstGeom prst="triangle">
@@ -3794,7 +3788,7 @@
         </p:nvCxnSpPr>
         <p:spPr>
           <a:xfrm>
-            <a:off x="2656370" y="3326536"/>
+            <a:off x="2203479" y="3326536"/>
             <a:ext cx="220810" cy="5284"/>
           </a:xfrm>
           <a:prstGeom prst="straightConnector1">
@@ -3834,7 +3828,7 @@
         </p:nvCxnSpPr>
         <p:spPr>
           <a:xfrm>
-            <a:off x="910091" y="3040053"/>
+            <a:off x="457200" y="3040053"/>
             <a:ext cx="419548" cy="2860"/>
           </a:xfrm>
           <a:prstGeom prst="bentConnector3">
@@ -3879,7 +3873,7 @@
         </p:nvCxnSpPr>
         <p:spPr>
           <a:xfrm flipV="1">
-            <a:off x="1849924" y="3040052"/>
+            <a:off x="1397033" y="3040052"/>
             <a:ext cx="216105" cy="1"/>
           </a:xfrm>
           <a:prstGeom prst="line">
@@ -3920,7 +3914,7 @@
         </p:nvSpPr>
         <p:spPr>
           <a:xfrm>
-            <a:off x="2420322" y="3239846"/>
+            <a:off x="1967431" y="3239846"/>
             <a:ext cx="236048" cy="173380"/>
           </a:xfrm>
           <a:prstGeom prst="flowChartDecision">
@@ -3974,7 +3968,7 @@
         </p:nvCxnSpPr>
         <p:spPr>
           <a:xfrm flipV="1">
-            <a:off x="4398041" y="3331820"/>
+            <a:off x="3945150" y="3331820"/>
             <a:ext cx="223324" cy="1"/>
           </a:xfrm>
           <a:prstGeom prst="bentConnector3">
@@ -4017,7 +4011,7 @@
         </p:nvSpPr>
         <p:spPr>
           <a:xfrm rot="5400000" flipV="1">
-            <a:off x="4175027" y="3244059"/>
+            <a:off x="3722136" y="3244059"/>
             <a:ext cx="270504" cy="175523"/>
           </a:xfrm>
           <a:prstGeom prst="triangle">
@@ -4075,7 +4069,7 @@
         </p:nvCxnSpPr>
         <p:spPr>
           <a:xfrm>
-            <a:off x="5791200" y="3331820"/>
+            <a:off x="5338309" y="3331820"/>
             <a:ext cx="228600" cy="1970"/>
           </a:xfrm>
           <a:prstGeom prst="bentConnector3">
@@ -4118,7 +4112,7 @@
         </p:nvSpPr>
         <p:spPr>
           <a:xfrm>
-            <a:off x="4621365" y="3158440"/>
+            <a:off x="4168474" y="3158440"/>
             <a:ext cx="1169835" cy="346760"/>
           </a:xfrm>
           <a:prstGeom prst="rect">
@@ -4147,7 +4141,7 @@
           <a:p>
             <a:pPr algn="ctr"/>
             <a:r>
-              <a:rPr lang="en-US" sz="1050" b="1" dirty="0" err="1" smtClean="0">
+              <a:rPr lang="en-US" sz="1050" b="1" dirty="0" err="1">
                 <a:solidFill>
                   <a:schemeClr val="accent6">
                     <a:lumMod val="75000"/>
@@ -4156,18 +4150,8 @@
               </a:rPr>
               <a:t>XmlAddressBook</a:t>
             </a:r>
-            <a:r>
-              <a:rPr lang="en-US" sz="1050" b="1" dirty="0" smtClean="0">
-                <a:solidFill>
-                  <a:schemeClr val="accent6">
-                    <a:lumMod val="75000"/>
-                  </a:schemeClr>
-                </a:solidFill>
-              </a:rPr>
-              <a:t/>
-            </a:r>
             <a:br>
-              <a:rPr lang="en-US" sz="1050" b="1" dirty="0" smtClean="0">
+              <a:rPr lang="en-US" sz="1050" b="1" dirty="0">
                 <a:solidFill>
                   <a:schemeClr val="accent6">
                     <a:lumMod val="75000"/>
@@ -4176,7 +4160,7 @@
               </a:rPr>
             </a:br>
             <a:r>
-              <a:rPr lang="en-US" sz="1050" b="1" dirty="0" smtClean="0">
+              <a:rPr lang="en-US" sz="1050" b="1" dirty="0">
                 <a:solidFill>
                   <a:schemeClr val="accent6">
                     <a:lumMod val="75000"/>
@@ -4203,7 +4187,7 @@
         </p:nvSpPr>
         <p:spPr>
           <a:xfrm>
-            <a:off x="2873943" y="2558040"/>
+            <a:off x="2421052" y="2558040"/>
             <a:ext cx="1323049" cy="346760"/>
           </a:xfrm>
           <a:prstGeom prst="rect">
@@ -4243,7 +4227,7 @@
           <a:p>
             <a:pPr algn="ctr"/>
             <a:r>
-              <a:rPr lang="en-US" sz="1050" dirty="0" smtClean="0">
+              <a:rPr lang="en-US" sz="1050" dirty="0">
                 <a:solidFill>
                   <a:schemeClr val="bg1"/>
                 </a:solidFill>
@@ -4251,14 +4235,14 @@
               <a:t>&lt;&lt;interface&gt;&gt;</a:t>
             </a:r>
             <a:br>
-              <a:rPr lang="en-US" sz="1050" dirty="0" smtClean="0">
+              <a:rPr lang="en-US" sz="1050" dirty="0">
                 <a:solidFill>
                   <a:schemeClr val="bg1"/>
                 </a:solidFill>
               </a:rPr>
             </a:br>
             <a:r>
-              <a:rPr lang="en-US" sz="1050" dirty="0" err="1" smtClean="0">
+              <a:rPr lang="en-US" sz="1050" dirty="0" err="1">
                 <a:solidFill>
                   <a:schemeClr val="bg1"/>
                 </a:solidFill>
@@ -4284,7 +4268,7 @@
         </p:nvCxnSpPr>
         <p:spPr>
           <a:xfrm>
-            <a:off x="2653133" y="2726136"/>
+            <a:off x="2200242" y="2726136"/>
             <a:ext cx="220810" cy="5284"/>
           </a:xfrm>
           <a:prstGeom prst="straightConnector1">
@@ -4324,7 +4308,7 @@
         </p:nvSpPr>
         <p:spPr>
           <a:xfrm>
-            <a:off x="2417085" y="2639446"/>
+            <a:off x="1964194" y="2639446"/>
             <a:ext cx="236048" cy="173380"/>
           </a:xfrm>
           <a:prstGeom prst="flowChartDecision">
@@ -4378,7 +4362,7 @@
         </p:nvCxnSpPr>
         <p:spPr>
           <a:xfrm flipV="1">
-            <a:off x="4394804" y="2731420"/>
+            <a:off x="3941913" y="2731420"/>
             <a:ext cx="223324" cy="1"/>
           </a:xfrm>
           <a:prstGeom prst="bentConnector3">
@@ -4421,7 +4405,7 @@
         </p:nvSpPr>
         <p:spPr>
           <a:xfrm rot="5400000" flipV="1">
-            <a:off x="4171790" y="2643659"/>
+            <a:off x="3718899" y="2643659"/>
             <a:ext cx="270504" cy="175523"/>
           </a:xfrm>
           <a:prstGeom prst="triangle">
@@ -4476,7 +4460,7 @@
         </p:nvSpPr>
         <p:spPr>
           <a:xfrm>
-            <a:off x="4618128" y="2558040"/>
+            <a:off x="4165237" y="2558040"/>
             <a:ext cx="1093635" cy="346760"/>
           </a:xfrm>
           <a:prstGeom prst="rect">
@@ -4516,30 +4500,22 @@
           <a:p>
             <a:pPr algn="ctr"/>
             <a:r>
-              <a:rPr lang="en-US" sz="1050" dirty="0" err="1" smtClean="0">
+              <a:rPr lang="en-US" sz="1050" dirty="0" err="1">
                 <a:solidFill>
                   <a:schemeClr val="bg1"/>
                 </a:solidFill>
               </a:rPr>
               <a:t>JsonUserPrefs</a:t>
             </a:r>
-            <a:r>
-              <a:rPr lang="en-US" sz="1050" dirty="0" smtClean="0">
-                <a:solidFill>
-                  <a:schemeClr val="bg1"/>
-                </a:solidFill>
-              </a:rPr>
-              <a:t/>
-            </a:r>
             <a:br>
-              <a:rPr lang="en-US" sz="1050" dirty="0" smtClean="0">
+              <a:rPr lang="en-US" sz="1050" dirty="0">
                 <a:solidFill>
                   <a:schemeClr val="bg1"/>
                 </a:solidFill>
               </a:rPr>
             </a:br>
             <a:r>
-              <a:rPr lang="en-US" sz="1050" dirty="0" smtClean="0">
+              <a:rPr lang="en-US" sz="1050" dirty="0">
                 <a:solidFill>
                   <a:schemeClr val="bg1"/>
                 </a:solidFill>
@@ -4562,7 +4538,7 @@
         </p:nvSpPr>
         <p:spPr>
           <a:xfrm>
-            <a:off x="6019800" y="3160410"/>
+            <a:off x="5566909" y="3160410"/>
             <a:ext cx="1200707" cy="346760"/>
           </a:xfrm>
           <a:prstGeom prst="rect">
@@ -4591,7 +4567,7 @@
           <a:p>
             <a:pPr algn="ctr"/>
             <a:r>
-              <a:rPr lang="en-US" sz="1050" b="1" dirty="0" err="1" smtClean="0">
+              <a:rPr lang="en-US" sz="1050" b="1" dirty="0" err="1">
                 <a:solidFill>
                   <a:schemeClr val="accent6">
                     <a:lumMod val="75000"/>
@@ -4600,18 +4576,8 @@
               </a:rPr>
               <a:t>XmlSerializable</a:t>
             </a:r>
-            <a:r>
-              <a:rPr lang="en-US" sz="1050" b="1" dirty="0" smtClean="0">
-                <a:solidFill>
-                  <a:schemeClr val="accent6">
-                    <a:lumMod val="75000"/>
-                  </a:schemeClr>
-                </a:solidFill>
-              </a:rPr>
-              <a:t/>
-            </a:r>
             <a:br>
-              <a:rPr lang="en-US" sz="1050" b="1" dirty="0" smtClean="0">
+              <a:rPr lang="en-US" sz="1050" b="1" dirty="0">
                 <a:solidFill>
                   <a:schemeClr val="accent6">
                     <a:lumMod val="75000"/>
@@ -4620,7 +4586,7 @@
               </a:rPr>
             </a:br>
             <a:r>
-              <a:rPr lang="en-US" sz="1050" b="1" dirty="0" err="1" smtClean="0">
+              <a:rPr lang="en-US" sz="1050" b="1" dirty="0" err="1">
                 <a:solidFill>
                   <a:schemeClr val="accent6">
                     <a:lumMod val="75000"/>
@@ -4650,8 +4616,8 @@
         </p:nvCxnSpPr>
         <p:spPr>
           <a:xfrm rot="5400000" flipH="1" flipV="1">
-            <a:off x="8077993" y="2992020"/>
-            <a:ext cx="335208" cy="12700"/>
+            <a:off x="7791154" y="2777143"/>
+            <a:ext cx="251809" cy="2357"/>
           </a:xfrm>
           <a:prstGeom prst="bentConnector3">
             <a:avLst>
@@ -4688,7 +4654,7 @@
         </p:nvSpPr>
         <p:spPr>
           <a:xfrm>
-            <a:off x="7615738" y="2477656"/>
+            <a:off x="7288378" y="2305656"/>
             <a:ext cx="1259718" cy="346760"/>
           </a:xfrm>
           <a:prstGeom prst="rect">
@@ -4717,7 +4683,7 @@
           <a:p>
             <a:pPr algn="ctr"/>
             <a:r>
-              <a:rPr lang="en-US" sz="1050" b="1" dirty="0" err="1" smtClean="0">
+              <a:rPr lang="en-US" sz="1050" b="1" dirty="0" err="1">
                 <a:solidFill>
                   <a:schemeClr val="accent6">
                     <a:lumMod val="75000"/>
@@ -4744,7 +4710,7 @@
         </p:nvSpPr>
         <p:spPr>
           <a:xfrm>
-            <a:off x="7615738" y="3159624"/>
+            <a:off x="7286021" y="2904225"/>
             <a:ext cx="1259718" cy="346760"/>
           </a:xfrm>
           <a:prstGeom prst="rect">
@@ -4773,7 +4739,7 @@
           <a:p>
             <a:pPr algn="ctr"/>
             <a:r>
-              <a:rPr lang="en-US" sz="1050" b="1" dirty="0" err="1" smtClean="0">
+              <a:rPr lang="en-US" sz="1050" b="1" dirty="0" err="1">
                 <a:solidFill>
                   <a:schemeClr val="accent6">
                     <a:lumMod val="75000"/>
@@ -4803,8 +4769,117 @@
         </p:nvCxnSpPr>
         <p:spPr>
           <a:xfrm flipV="1">
-            <a:off x="7220507" y="3333004"/>
-            <a:ext cx="395231" cy="786"/>
+            <a:off x="6767616" y="3077605"/>
+            <a:ext cx="518405" cy="256185"/>
+          </a:xfrm>
+          <a:prstGeom prst="bentConnector3">
+            <a:avLst>
+              <a:gd name="adj1" fmla="val 50000"/>
+            </a:avLst>
+          </a:prstGeom>
+          <a:ln w="19050">
+            <a:prstDash val="sysDot"/>
+            <a:headEnd type="none" w="med" len="med"/>
+            <a:tailEnd type="arrow" w="med" len="med"/>
+          </a:ln>
+          <a:effectLst/>
+        </p:spPr>
+        <p:style>
+          <a:lnRef idx="1">
+            <a:schemeClr val="accent6"/>
+          </a:lnRef>
+          <a:fillRef idx="2">
+            <a:schemeClr val="accent6"/>
+          </a:fillRef>
+          <a:effectRef idx="1">
+            <a:schemeClr val="accent6"/>
+          </a:effectRef>
+          <a:fontRef idx="minor">
+            <a:schemeClr val="dk1"/>
+          </a:fontRef>
+        </p:style>
+      </p:cxnSp>
+      <p:sp>
+        <p:nvSpPr>
+          <p:cNvPr id="26" name="Rectangle 8">
+            <a:extLst>
+              <a:ext uri="{FF2B5EF4-FFF2-40B4-BE49-F238E27FC236}">
+                <a16:creationId xmlns:a16="http://schemas.microsoft.com/office/drawing/2014/main" id="{A8C42B29-DDC5-514A-BCF4-7CAA4462AA0D}"/>
+              </a:ext>
+            </a:extLst>
+          </p:cNvPr>
+          <p:cNvSpPr/>
+          <p:nvPr/>
+        </p:nvSpPr>
+        <p:spPr>
+          <a:xfrm>
+            <a:off x="7286021" y="3467073"/>
+            <a:ext cx="1259718" cy="346760"/>
+          </a:xfrm>
+          <a:prstGeom prst="rect">
+            <a:avLst/>
+          </a:prstGeom>
+          <a:ln w="19050"/>
+          <a:effectLst/>
+        </p:spPr>
+        <p:style>
+          <a:lnRef idx="1">
+            <a:schemeClr val="accent6"/>
+          </a:lnRef>
+          <a:fillRef idx="2">
+            <a:schemeClr val="accent6"/>
+          </a:fillRef>
+          <a:effectRef idx="1">
+            <a:schemeClr val="accent6"/>
+          </a:effectRef>
+          <a:fontRef idx="minor">
+            <a:schemeClr val="dk1"/>
+          </a:fontRef>
+        </p:style>
+        <p:txBody>
+          <a:bodyPr rtlCol="0" anchor="ctr"/>
+          <a:lstStyle/>
+          <a:p>
+            <a:pPr algn="ctr"/>
+            <a:r>
+              <a:rPr lang="en-US" sz="1050" b="1" dirty="0" err="1">
+                <a:solidFill>
+                  <a:schemeClr val="accent6">
+                    <a:lumMod val="75000"/>
+                  </a:schemeClr>
+                </a:solidFill>
+              </a:rPr>
+              <a:t>XmlAdaptedAlias</a:t>
+            </a:r>
+            <a:endParaRPr lang="en-SG" sz="1050" b="1" dirty="0">
+              <a:solidFill>
+                <a:schemeClr val="accent6">
+                  <a:lumMod val="75000"/>
+                </a:schemeClr>
+              </a:solidFill>
+            </a:endParaRPr>
+          </a:p>
+        </p:txBody>
+      </p:sp>
+      <p:cxnSp>
+        <p:nvCxnSpPr>
+          <p:cNvPr id="27" name="Elbow Connector 122">
+            <a:extLst>
+              <a:ext uri="{FF2B5EF4-FFF2-40B4-BE49-F238E27FC236}">
+                <a16:creationId xmlns:a16="http://schemas.microsoft.com/office/drawing/2014/main" id="{9C75F75B-DF7B-EC46-A6E0-3B868873FA99}"/>
+              </a:ext>
+            </a:extLst>
+          </p:cNvPr>
+          <p:cNvCxnSpPr>
+            <a:cxnSpLocks/>
+            <a:endCxn id="26" idx="1"/>
+          </p:cNvCxnSpPr>
+          <p:nvPr/>
+        </p:nvCxnSpPr>
+        <p:spPr>
+          <a:xfrm>
+            <a:off x="6767569" y="3398972"/>
+            <a:ext cx="518452" cy="241481"/>
           </a:xfrm>
           <a:prstGeom prst="bentConnector3">
             <a:avLst>
@@ -4843,13 +4918,6 @@
   <p:clrMapOvr>
     <a:masterClrMapping/>
   </p:clrMapOvr>
-  <p:timing>
-    <p:tnLst>
-      <p:par>
-        <p:cTn id="1" dur="indefinite" restart="never" nodeType="tmRoot"/>
-      </p:par>
-    </p:tnLst>
-  </p:timing>
 </p:sld>
 </file>
 

--- a/docs/diagrams/StorageComponentClassDiagram.pptx
+++ b/docs/diagrams/StorageComponentClassDiagram.pptx
@@ -107,6 +107,22 @@
       </a:defRPr>
     </a:lvl9pPr>
   </p:defaultTextStyle>
+  <p:extLst>
+    <p:ext uri="{EFAFB233-063F-42B5-8137-9DF3F51BA10A}">
+      <p15:sldGuideLst xmlns:p15="http://schemas.microsoft.com/office/powerpoint/2012/main">
+        <p15:guide id="1" orient="horz" pos="1488">
+          <p15:clr>
+            <a:srgbClr val="A4A3A4"/>
+          </p15:clr>
+        </p15:guide>
+        <p15:guide id="2" pos="2880">
+          <p15:clr>
+            <a:srgbClr val="A4A3A4"/>
+          </p15:clr>
+        </p15:guide>
+      </p15:sldGuideLst>
+    </p:ext>
+  </p:extLst>
 </p:presentation>
 </file>
 
@@ -192,7 +208,7 @@
           <a:p>
             <a:fld id="{F5CC4B3F-88C1-4FFA-B1B6-F41C21DC6924}" type="datetimeFigureOut">
               <a:rPr lang="en-US" smtClean="0"/>
-              <a:t>10/16/2016</a:t>
+              <a:t>3/22/2018</a:t>
             </a:fld>
             <a:endParaRPr lang="en-US"/>
           </a:p>
@@ -256,38 +272,37 @@
           <a:p>
             <a:pPr lvl="0"/>
             <a:r>
-              <a:rPr lang="en-US" smtClean="0"/>
+              <a:rPr lang="en-US"/>
               <a:t>Click to edit Master text styles</a:t>
             </a:r>
           </a:p>
           <a:p>
             <a:pPr lvl="1"/>
             <a:r>
-              <a:rPr lang="en-US" smtClean="0"/>
+              <a:rPr lang="en-US"/>
               <a:t>Second level</a:t>
             </a:r>
           </a:p>
           <a:p>
             <a:pPr lvl="2"/>
             <a:r>
-              <a:rPr lang="en-US" smtClean="0"/>
+              <a:rPr lang="en-US"/>
               <a:t>Third level</a:t>
             </a:r>
           </a:p>
           <a:p>
             <a:pPr lvl="3"/>
             <a:r>
-              <a:rPr lang="en-US" smtClean="0"/>
+              <a:rPr lang="en-US"/>
               <a:t>Fourth level</a:t>
             </a:r>
           </a:p>
           <a:p>
             <a:pPr lvl="4"/>
             <a:r>
-              <a:rPr lang="en-US" smtClean="0"/>
+              <a:rPr lang="en-US"/>
               <a:t>Fifth level</a:t>
             </a:r>
-            <a:endParaRPr lang="en-US"/>
           </a:p>
         </p:txBody>
       </p:sp>
@@ -498,10 +513,9 @@
           <a:lstStyle/>
           <a:p>
             <a:r>
-              <a:rPr lang="en-US" smtClean="0"/>
+              <a:rPr lang="en-US"/>
               <a:t>Click to edit Master title style</a:t>
             </a:r>
-            <a:endParaRPr lang="en-US"/>
           </a:p>
         </p:txBody>
       </p:sp>
@@ -617,10 +631,9 @@
           </a:lstStyle>
           <a:p>
             <a:r>
-              <a:rPr lang="en-US" smtClean="0"/>
+              <a:rPr lang="en-US"/>
               <a:t>Click to edit Master subtitle style</a:t>
             </a:r>
-            <a:endParaRPr lang="en-US"/>
           </a:p>
         </p:txBody>
       </p:sp>
@@ -641,7 +654,7 @@
           <a:p>
             <a:fld id="{78C97017-6FC3-485B-9764-EAC9E56C1D49}" type="datetimeFigureOut">
               <a:rPr lang="en-US" smtClean="0"/>
-              <a:t>10/16/2016</a:t>
+              <a:t>3/22/2018</a:t>
             </a:fld>
             <a:endParaRPr lang="en-US"/>
           </a:p>
@@ -735,10 +748,9 @@
           <a:lstStyle/>
           <a:p>
             <a:r>
-              <a:rPr lang="en-US" smtClean="0"/>
+              <a:rPr lang="en-US"/>
               <a:t>Click to edit Master title style</a:t>
             </a:r>
-            <a:endParaRPr lang="en-US"/>
           </a:p>
         </p:txBody>
       </p:sp>
@@ -759,38 +771,37 @@
           <a:p>
             <a:pPr lvl="0"/>
             <a:r>
-              <a:rPr lang="en-US" smtClean="0"/>
+              <a:rPr lang="en-US"/>
               <a:t>Click to edit Master text styles</a:t>
             </a:r>
           </a:p>
           <a:p>
             <a:pPr lvl="1"/>
             <a:r>
-              <a:rPr lang="en-US" smtClean="0"/>
+              <a:rPr lang="en-US"/>
               <a:t>Second level</a:t>
             </a:r>
           </a:p>
           <a:p>
             <a:pPr lvl="2"/>
             <a:r>
-              <a:rPr lang="en-US" smtClean="0"/>
+              <a:rPr lang="en-US"/>
               <a:t>Third level</a:t>
             </a:r>
           </a:p>
           <a:p>
             <a:pPr lvl="3"/>
             <a:r>
-              <a:rPr lang="en-US" smtClean="0"/>
+              <a:rPr lang="en-US"/>
               <a:t>Fourth level</a:t>
             </a:r>
           </a:p>
           <a:p>
             <a:pPr lvl="4"/>
             <a:r>
-              <a:rPr lang="en-US" smtClean="0"/>
+              <a:rPr lang="en-US"/>
               <a:t>Fifth level</a:t>
             </a:r>
-            <a:endParaRPr lang="en-US"/>
           </a:p>
         </p:txBody>
       </p:sp>
@@ -811,7 +822,7 @@
           <a:p>
             <a:fld id="{78C97017-6FC3-485B-9764-EAC9E56C1D49}" type="datetimeFigureOut">
               <a:rPr lang="en-US" smtClean="0"/>
-              <a:t>10/16/2016</a:t>
+              <a:t>3/22/2018</a:t>
             </a:fld>
             <a:endParaRPr lang="en-US"/>
           </a:p>
@@ -910,10 +921,9 @@
           <a:lstStyle/>
           <a:p>
             <a:r>
-              <a:rPr lang="en-US" smtClean="0"/>
+              <a:rPr lang="en-US"/>
               <a:t>Click to edit Master title style</a:t>
             </a:r>
-            <a:endParaRPr lang="en-US"/>
           </a:p>
         </p:txBody>
       </p:sp>
@@ -939,38 +949,37 @@
           <a:p>
             <a:pPr lvl="0"/>
             <a:r>
-              <a:rPr lang="en-US" smtClean="0"/>
+              <a:rPr lang="en-US"/>
               <a:t>Click to edit Master text styles</a:t>
             </a:r>
           </a:p>
           <a:p>
             <a:pPr lvl="1"/>
             <a:r>
-              <a:rPr lang="en-US" smtClean="0"/>
+              <a:rPr lang="en-US"/>
               <a:t>Second level</a:t>
             </a:r>
           </a:p>
           <a:p>
             <a:pPr lvl="2"/>
             <a:r>
-              <a:rPr lang="en-US" smtClean="0"/>
+              <a:rPr lang="en-US"/>
               <a:t>Third level</a:t>
             </a:r>
           </a:p>
           <a:p>
             <a:pPr lvl="3"/>
             <a:r>
-              <a:rPr lang="en-US" smtClean="0"/>
+              <a:rPr lang="en-US"/>
               <a:t>Fourth level</a:t>
             </a:r>
           </a:p>
           <a:p>
             <a:pPr lvl="4"/>
             <a:r>
-              <a:rPr lang="en-US" smtClean="0"/>
+              <a:rPr lang="en-US"/>
               <a:t>Fifth level</a:t>
             </a:r>
-            <a:endParaRPr lang="en-US"/>
           </a:p>
         </p:txBody>
       </p:sp>
@@ -991,7 +1000,7 @@
           <a:p>
             <a:fld id="{78C97017-6FC3-485B-9764-EAC9E56C1D49}" type="datetimeFigureOut">
               <a:rPr lang="en-US" smtClean="0"/>
-              <a:t>10/16/2016</a:t>
+              <a:t>3/22/2018</a:t>
             </a:fld>
             <a:endParaRPr lang="en-US"/>
           </a:p>
@@ -1085,10 +1094,9 @@
           <a:lstStyle/>
           <a:p>
             <a:r>
-              <a:rPr lang="en-US" smtClean="0"/>
+              <a:rPr lang="en-US"/>
               <a:t>Click to edit Master title style</a:t>
             </a:r>
-            <a:endParaRPr lang="en-US"/>
           </a:p>
         </p:txBody>
       </p:sp>
@@ -1109,38 +1117,37 @@
           <a:p>
             <a:pPr lvl="0"/>
             <a:r>
-              <a:rPr lang="en-US" smtClean="0"/>
+              <a:rPr lang="en-US"/>
               <a:t>Click to edit Master text styles</a:t>
             </a:r>
           </a:p>
           <a:p>
             <a:pPr lvl="1"/>
             <a:r>
-              <a:rPr lang="en-US" smtClean="0"/>
+              <a:rPr lang="en-US"/>
               <a:t>Second level</a:t>
             </a:r>
           </a:p>
           <a:p>
             <a:pPr lvl="2"/>
             <a:r>
-              <a:rPr lang="en-US" smtClean="0"/>
+              <a:rPr lang="en-US"/>
               <a:t>Third level</a:t>
             </a:r>
           </a:p>
           <a:p>
             <a:pPr lvl="3"/>
             <a:r>
-              <a:rPr lang="en-US" smtClean="0"/>
+              <a:rPr lang="en-US"/>
               <a:t>Fourth level</a:t>
             </a:r>
           </a:p>
           <a:p>
             <a:pPr lvl="4"/>
             <a:r>
-              <a:rPr lang="en-US" smtClean="0"/>
+              <a:rPr lang="en-US"/>
               <a:t>Fifth level</a:t>
             </a:r>
-            <a:endParaRPr lang="en-US"/>
           </a:p>
         </p:txBody>
       </p:sp>
@@ -1161,7 +1168,7 @@
           <a:p>
             <a:fld id="{78C97017-6FC3-485B-9764-EAC9E56C1D49}" type="datetimeFigureOut">
               <a:rPr lang="en-US" smtClean="0"/>
-              <a:t>10/16/2016</a:t>
+              <a:t>3/22/2018</a:t>
             </a:fld>
             <a:endParaRPr lang="en-US"/>
           </a:p>
@@ -1264,10 +1271,9 @@
           </a:lstStyle>
           <a:p>
             <a:r>
-              <a:rPr lang="en-US" smtClean="0"/>
+              <a:rPr lang="en-US"/>
               <a:t>Click to edit Master title style</a:t>
             </a:r>
-            <a:endParaRPr lang="en-US"/>
           </a:p>
         </p:txBody>
       </p:sp>
@@ -1384,7 +1390,7 @@
           <a:p>
             <a:pPr lvl="0"/>
             <a:r>
-              <a:rPr lang="en-US" smtClean="0"/>
+              <a:rPr lang="en-US"/>
               <a:t>Click to edit Master text styles</a:t>
             </a:r>
           </a:p>
@@ -1407,7 +1413,7 @@
           <a:p>
             <a:fld id="{78C97017-6FC3-485B-9764-EAC9E56C1D49}" type="datetimeFigureOut">
               <a:rPr lang="en-US" smtClean="0"/>
-              <a:t>10/16/2016</a:t>
+              <a:t>3/22/2018</a:t>
             </a:fld>
             <a:endParaRPr lang="en-US"/>
           </a:p>
@@ -1501,10 +1507,9 @@
           <a:lstStyle/>
           <a:p>
             <a:r>
-              <a:rPr lang="en-US" smtClean="0"/>
+              <a:rPr lang="en-US"/>
               <a:t>Click to edit Master title style</a:t>
             </a:r>
-            <a:endParaRPr lang="en-US"/>
           </a:p>
         </p:txBody>
       </p:sp>
@@ -1558,38 +1563,37 @@
           <a:p>
             <a:pPr lvl="0"/>
             <a:r>
-              <a:rPr lang="en-US" smtClean="0"/>
+              <a:rPr lang="en-US"/>
               <a:t>Click to edit Master text styles</a:t>
             </a:r>
           </a:p>
           <a:p>
             <a:pPr lvl="1"/>
             <a:r>
-              <a:rPr lang="en-US" smtClean="0"/>
+              <a:rPr lang="en-US"/>
               <a:t>Second level</a:t>
             </a:r>
           </a:p>
           <a:p>
             <a:pPr lvl="2"/>
             <a:r>
-              <a:rPr lang="en-US" smtClean="0"/>
+              <a:rPr lang="en-US"/>
               <a:t>Third level</a:t>
             </a:r>
           </a:p>
           <a:p>
             <a:pPr lvl="3"/>
             <a:r>
-              <a:rPr lang="en-US" smtClean="0"/>
+              <a:rPr lang="en-US"/>
               <a:t>Fourth level</a:t>
             </a:r>
           </a:p>
           <a:p>
             <a:pPr lvl="4"/>
             <a:r>
-              <a:rPr lang="en-US" smtClean="0"/>
+              <a:rPr lang="en-US"/>
               <a:t>Fifth level</a:t>
             </a:r>
-            <a:endParaRPr lang="en-US"/>
           </a:p>
         </p:txBody>
       </p:sp>
@@ -1643,38 +1647,37 @@
           <a:p>
             <a:pPr lvl="0"/>
             <a:r>
-              <a:rPr lang="en-US" smtClean="0"/>
+              <a:rPr lang="en-US"/>
               <a:t>Click to edit Master text styles</a:t>
             </a:r>
           </a:p>
           <a:p>
             <a:pPr lvl="1"/>
             <a:r>
-              <a:rPr lang="en-US" smtClean="0"/>
+              <a:rPr lang="en-US"/>
               <a:t>Second level</a:t>
             </a:r>
           </a:p>
           <a:p>
             <a:pPr lvl="2"/>
             <a:r>
-              <a:rPr lang="en-US" smtClean="0"/>
+              <a:rPr lang="en-US"/>
               <a:t>Third level</a:t>
             </a:r>
           </a:p>
           <a:p>
             <a:pPr lvl="3"/>
             <a:r>
-              <a:rPr lang="en-US" smtClean="0"/>
+              <a:rPr lang="en-US"/>
               <a:t>Fourth level</a:t>
             </a:r>
           </a:p>
           <a:p>
             <a:pPr lvl="4"/>
             <a:r>
-              <a:rPr lang="en-US" smtClean="0"/>
+              <a:rPr lang="en-US"/>
               <a:t>Fifth level</a:t>
             </a:r>
-            <a:endParaRPr lang="en-US"/>
           </a:p>
         </p:txBody>
       </p:sp>
@@ -1695,7 +1698,7 @@
           <a:p>
             <a:fld id="{78C97017-6FC3-485B-9764-EAC9E56C1D49}" type="datetimeFigureOut">
               <a:rPr lang="en-US" smtClean="0"/>
-              <a:t>10/16/2016</a:t>
+              <a:t>3/22/2018</a:t>
             </a:fld>
             <a:endParaRPr lang="en-US"/>
           </a:p>
@@ -1793,10 +1796,9 @@
           </a:lstStyle>
           <a:p>
             <a:r>
-              <a:rPr lang="en-US" smtClean="0"/>
+              <a:rPr lang="en-US"/>
               <a:t>Click to edit Master title style</a:t>
             </a:r>
-            <a:endParaRPr lang="en-US"/>
           </a:p>
         </p:txBody>
       </p:sp>
@@ -1859,7 +1861,7 @@
           <a:p>
             <a:pPr lvl="0"/>
             <a:r>
-              <a:rPr lang="en-US" smtClean="0"/>
+              <a:rPr lang="en-US"/>
               <a:t>Click to edit Master text styles</a:t>
             </a:r>
           </a:p>
@@ -1915,38 +1917,37 @@
           <a:p>
             <a:pPr lvl="0"/>
             <a:r>
-              <a:rPr lang="en-US" smtClean="0"/>
+              <a:rPr lang="en-US"/>
               <a:t>Click to edit Master text styles</a:t>
             </a:r>
           </a:p>
           <a:p>
             <a:pPr lvl="1"/>
             <a:r>
-              <a:rPr lang="en-US" smtClean="0"/>
+              <a:rPr lang="en-US"/>
               <a:t>Second level</a:t>
             </a:r>
           </a:p>
           <a:p>
             <a:pPr lvl="2"/>
             <a:r>
-              <a:rPr lang="en-US" smtClean="0"/>
+              <a:rPr lang="en-US"/>
               <a:t>Third level</a:t>
             </a:r>
           </a:p>
           <a:p>
             <a:pPr lvl="3"/>
             <a:r>
-              <a:rPr lang="en-US" smtClean="0"/>
+              <a:rPr lang="en-US"/>
               <a:t>Fourth level</a:t>
             </a:r>
           </a:p>
           <a:p>
             <a:pPr lvl="4"/>
             <a:r>
-              <a:rPr lang="en-US" smtClean="0"/>
+              <a:rPr lang="en-US"/>
               <a:t>Fifth level</a:t>
             </a:r>
-            <a:endParaRPr lang="en-US"/>
           </a:p>
         </p:txBody>
       </p:sp>
@@ -2009,7 +2010,7 @@
           <a:p>
             <a:pPr lvl="0"/>
             <a:r>
-              <a:rPr lang="en-US" smtClean="0"/>
+              <a:rPr lang="en-US"/>
               <a:t>Click to edit Master text styles</a:t>
             </a:r>
           </a:p>
@@ -2065,38 +2066,37 @@
           <a:p>
             <a:pPr lvl="0"/>
             <a:r>
-              <a:rPr lang="en-US" smtClean="0"/>
+              <a:rPr lang="en-US"/>
               <a:t>Click to edit Master text styles</a:t>
             </a:r>
           </a:p>
           <a:p>
             <a:pPr lvl="1"/>
             <a:r>
-              <a:rPr lang="en-US" smtClean="0"/>
+              <a:rPr lang="en-US"/>
               <a:t>Second level</a:t>
             </a:r>
           </a:p>
           <a:p>
             <a:pPr lvl="2"/>
             <a:r>
-              <a:rPr lang="en-US" smtClean="0"/>
+              <a:rPr lang="en-US"/>
               <a:t>Third level</a:t>
             </a:r>
           </a:p>
           <a:p>
             <a:pPr lvl="3"/>
             <a:r>
-              <a:rPr lang="en-US" smtClean="0"/>
+              <a:rPr lang="en-US"/>
               <a:t>Fourth level</a:t>
             </a:r>
           </a:p>
           <a:p>
             <a:pPr lvl="4"/>
             <a:r>
-              <a:rPr lang="en-US" smtClean="0"/>
+              <a:rPr lang="en-US"/>
               <a:t>Fifth level</a:t>
             </a:r>
-            <a:endParaRPr lang="en-US"/>
           </a:p>
         </p:txBody>
       </p:sp>
@@ -2117,7 +2117,7 @@
           <a:p>
             <a:fld id="{78C97017-6FC3-485B-9764-EAC9E56C1D49}" type="datetimeFigureOut">
               <a:rPr lang="en-US" smtClean="0"/>
-              <a:t>10/16/2016</a:t>
+              <a:t>3/22/2018</a:t>
             </a:fld>
             <a:endParaRPr lang="en-US"/>
           </a:p>
@@ -2211,10 +2211,9 @@
           <a:lstStyle/>
           <a:p>
             <a:r>
-              <a:rPr lang="en-US" smtClean="0"/>
+              <a:rPr lang="en-US"/>
               <a:t>Click to edit Master title style</a:t>
             </a:r>
-            <a:endParaRPr lang="en-US"/>
           </a:p>
         </p:txBody>
       </p:sp>
@@ -2235,7 +2234,7 @@
           <a:p>
             <a:fld id="{78C97017-6FC3-485B-9764-EAC9E56C1D49}" type="datetimeFigureOut">
               <a:rPr lang="en-US" smtClean="0"/>
-              <a:t>10/16/2016</a:t>
+              <a:t>3/22/2018</a:t>
             </a:fld>
             <a:endParaRPr lang="en-US"/>
           </a:p>
@@ -2330,7 +2329,7 @@
           <a:p>
             <a:fld id="{78C97017-6FC3-485B-9764-EAC9E56C1D49}" type="datetimeFigureOut">
               <a:rPr lang="en-US" smtClean="0"/>
-              <a:t>10/16/2016</a:t>
+              <a:t>3/22/2018</a:t>
             </a:fld>
             <a:endParaRPr lang="en-US"/>
           </a:p>
@@ -2433,10 +2432,9 @@
           </a:lstStyle>
           <a:p>
             <a:r>
-              <a:rPr lang="en-US" smtClean="0"/>
+              <a:rPr lang="en-US"/>
               <a:t>Click to edit Master title style</a:t>
             </a:r>
-            <a:endParaRPr lang="en-US"/>
           </a:p>
         </p:txBody>
       </p:sp>
@@ -2490,38 +2488,37 @@
           <a:p>
             <a:pPr lvl="0"/>
             <a:r>
-              <a:rPr lang="en-US" smtClean="0"/>
+              <a:rPr lang="en-US"/>
               <a:t>Click to edit Master text styles</a:t>
             </a:r>
           </a:p>
           <a:p>
             <a:pPr lvl="1"/>
             <a:r>
-              <a:rPr lang="en-US" smtClean="0"/>
+              <a:rPr lang="en-US"/>
               <a:t>Second level</a:t>
             </a:r>
           </a:p>
           <a:p>
             <a:pPr lvl="2"/>
             <a:r>
-              <a:rPr lang="en-US" smtClean="0"/>
+              <a:rPr lang="en-US"/>
               <a:t>Third level</a:t>
             </a:r>
           </a:p>
           <a:p>
             <a:pPr lvl="3"/>
             <a:r>
-              <a:rPr lang="en-US" smtClean="0"/>
+              <a:rPr lang="en-US"/>
               <a:t>Fourth level</a:t>
             </a:r>
           </a:p>
           <a:p>
             <a:pPr lvl="4"/>
             <a:r>
-              <a:rPr lang="en-US" smtClean="0"/>
+              <a:rPr lang="en-US"/>
               <a:t>Fifth level</a:t>
             </a:r>
-            <a:endParaRPr lang="en-US"/>
           </a:p>
         </p:txBody>
       </p:sp>
@@ -2584,7 +2581,7 @@
           <a:p>
             <a:pPr lvl="0"/>
             <a:r>
-              <a:rPr lang="en-US" smtClean="0"/>
+              <a:rPr lang="en-US"/>
               <a:t>Click to edit Master text styles</a:t>
             </a:r>
           </a:p>
@@ -2607,7 +2604,7 @@
           <a:p>
             <a:fld id="{78C97017-6FC3-485B-9764-EAC9E56C1D49}" type="datetimeFigureOut">
               <a:rPr lang="en-US" smtClean="0"/>
-              <a:t>10/16/2016</a:t>
+              <a:t>3/22/2018</a:t>
             </a:fld>
             <a:endParaRPr lang="en-US"/>
           </a:p>
@@ -2710,10 +2707,9 @@
           </a:lstStyle>
           <a:p>
             <a:r>
-              <a:rPr lang="en-US" smtClean="0"/>
+              <a:rPr lang="en-US"/>
               <a:t>Click to edit Master title style</a:t>
             </a:r>
-            <a:endParaRPr lang="en-US"/>
           </a:p>
         </p:txBody>
       </p:sp>
@@ -2837,7 +2833,7 @@
           <a:p>
             <a:pPr lvl="0"/>
             <a:r>
-              <a:rPr lang="en-US" smtClean="0"/>
+              <a:rPr lang="en-US"/>
               <a:t>Click to edit Master text styles</a:t>
             </a:r>
           </a:p>
@@ -2860,7 +2856,7 @@
           <a:p>
             <a:fld id="{78C97017-6FC3-485B-9764-EAC9E56C1D49}" type="datetimeFigureOut">
               <a:rPr lang="en-US" smtClean="0"/>
-              <a:t>10/16/2016</a:t>
+              <a:t>3/22/2018</a:t>
             </a:fld>
             <a:endParaRPr lang="en-US"/>
           </a:p>
@@ -2969,10 +2965,9 @@
           <a:lstStyle/>
           <a:p>
             <a:r>
-              <a:rPr lang="en-US" smtClean="0"/>
+              <a:rPr lang="en-US"/>
               <a:t>Click to edit Master title style</a:t>
             </a:r>
-            <a:endParaRPr lang="en-US"/>
           </a:p>
         </p:txBody>
       </p:sp>
@@ -3003,38 +2998,37 @@
           <a:p>
             <a:pPr lvl="0"/>
             <a:r>
-              <a:rPr lang="en-US" smtClean="0"/>
+              <a:rPr lang="en-US"/>
               <a:t>Click to edit Master text styles</a:t>
             </a:r>
           </a:p>
           <a:p>
             <a:pPr lvl="1"/>
             <a:r>
-              <a:rPr lang="en-US" smtClean="0"/>
+              <a:rPr lang="en-US"/>
               <a:t>Second level</a:t>
             </a:r>
           </a:p>
           <a:p>
             <a:pPr lvl="2"/>
             <a:r>
-              <a:rPr lang="en-US" smtClean="0"/>
+              <a:rPr lang="en-US"/>
               <a:t>Third level</a:t>
             </a:r>
           </a:p>
           <a:p>
             <a:pPr lvl="3"/>
             <a:r>
-              <a:rPr lang="en-US" smtClean="0"/>
+              <a:rPr lang="en-US"/>
               <a:t>Fourth level</a:t>
             </a:r>
           </a:p>
           <a:p>
             <a:pPr lvl="4"/>
             <a:r>
-              <a:rPr lang="en-US" smtClean="0"/>
+              <a:rPr lang="en-US"/>
               <a:t>Fifth level</a:t>
             </a:r>
-            <a:endParaRPr lang="en-US"/>
           </a:p>
         </p:txBody>
       </p:sp>
@@ -3073,7 +3067,7 @@
           <a:p>
             <a:fld id="{78C97017-6FC3-485B-9764-EAC9E56C1D49}" type="datetimeFigureOut">
               <a:rPr lang="en-US" smtClean="0"/>
-              <a:t>10/16/2016</a:t>
+              <a:t>3/22/2018</a:t>
             </a:fld>
             <a:endParaRPr lang="en-US"/>
           </a:p>
@@ -3494,7 +3488,7 @@
           <a:lstStyle/>
           <a:p>
             <a:r>
-              <a:rPr lang="en-US" sz="1200" b="1" dirty="0" smtClean="0">
+              <a:rPr lang="en-US" sz="1200" b="1" dirty="0">
                 <a:solidFill>
                   <a:schemeClr val="accent6">
                     <a:lumMod val="75000"/>
@@ -3561,7 +3555,7 @@
           <a:p>
             <a:pPr algn="ctr"/>
             <a:r>
-              <a:rPr lang="en-US" sz="1050" dirty="0" smtClean="0">
+              <a:rPr lang="en-US" sz="1050" dirty="0">
                 <a:solidFill>
                   <a:schemeClr val="bg1"/>
                 </a:solidFill>
@@ -3569,19 +3563,19 @@
               <a:t>&lt;&lt;interface&gt;&gt;</a:t>
             </a:r>
             <a:br>
-              <a:rPr lang="en-US" sz="1050" dirty="0" smtClean="0">
+              <a:rPr lang="en-US" sz="1050" dirty="0">
                 <a:solidFill>
                   <a:schemeClr val="bg1"/>
                 </a:solidFill>
               </a:rPr>
             </a:br>
             <a:r>
-              <a:rPr lang="en-US" sz="1050" dirty="0" err="1" smtClean="0">
+              <a:rPr lang="en-US" sz="1050" dirty="0" err="1">
                 <a:solidFill>
                   <a:schemeClr val="bg1"/>
                 </a:solidFill>
               </a:rPr>
-              <a:t>AddressBookStorage</a:t>
+              <a:t>RecipeBookStorage</a:t>
             </a:r>
             <a:endParaRPr lang="en-SG" sz="1050" dirty="0">
               <a:solidFill>
@@ -3639,7 +3633,7 @@
           <a:p>
             <a:pPr algn="ctr"/>
             <a:r>
-              <a:rPr lang="en-US" sz="1050" dirty="0" err="1" smtClean="0">
+              <a:rPr lang="en-US" sz="1050" dirty="0" err="1">
                 <a:solidFill>
                   <a:schemeClr val="bg1"/>
                 </a:solidFill>
@@ -3713,7 +3707,7 @@
           <a:p>
             <a:pPr algn="ctr"/>
             <a:r>
-              <a:rPr lang="en-US" sz="1050" dirty="0" smtClean="0">
+              <a:rPr lang="en-US" sz="1050" dirty="0">
                 <a:solidFill>
                   <a:schemeClr val="bg1"/>
                 </a:solidFill>
@@ -4147,27 +4141,17 @@
           <a:p>
             <a:pPr algn="ctr"/>
             <a:r>
-              <a:rPr lang="en-US" sz="1050" b="1" dirty="0" err="1" smtClean="0">
+              <a:rPr lang="en-US" sz="1050" b="1" dirty="0" err="1">
                 <a:solidFill>
                   <a:schemeClr val="accent6">
                     <a:lumMod val="75000"/>
                   </a:schemeClr>
                 </a:solidFill>
               </a:rPr>
-              <a:t>XmlAddressBook</a:t>
-            </a:r>
-            <a:r>
-              <a:rPr lang="en-US" sz="1050" b="1" dirty="0" smtClean="0">
-                <a:solidFill>
-                  <a:schemeClr val="accent6">
-                    <a:lumMod val="75000"/>
-                  </a:schemeClr>
-                </a:solidFill>
-              </a:rPr>
-              <a:t/>
+              <a:t>XmlRecipeBook</a:t>
             </a:r>
             <a:br>
-              <a:rPr lang="en-US" sz="1050" b="1" dirty="0" smtClean="0">
+              <a:rPr lang="en-US" sz="1050" b="1" dirty="0">
                 <a:solidFill>
                   <a:schemeClr val="accent6">
                     <a:lumMod val="75000"/>
@@ -4176,7 +4160,7 @@
               </a:rPr>
             </a:br>
             <a:r>
-              <a:rPr lang="en-US" sz="1050" b="1" dirty="0" smtClean="0">
+              <a:rPr lang="en-US" sz="1050" b="1" dirty="0">
                 <a:solidFill>
                   <a:schemeClr val="accent6">
                     <a:lumMod val="75000"/>
@@ -4243,7 +4227,7 @@
           <a:p>
             <a:pPr algn="ctr"/>
             <a:r>
-              <a:rPr lang="en-US" sz="1050" dirty="0" smtClean="0">
+              <a:rPr lang="en-US" sz="1050" dirty="0">
                 <a:solidFill>
                   <a:schemeClr val="bg1"/>
                 </a:solidFill>
@@ -4251,14 +4235,14 @@
               <a:t>&lt;&lt;interface&gt;&gt;</a:t>
             </a:r>
             <a:br>
-              <a:rPr lang="en-US" sz="1050" dirty="0" smtClean="0">
+              <a:rPr lang="en-US" sz="1050" dirty="0">
                 <a:solidFill>
                   <a:schemeClr val="bg1"/>
                 </a:solidFill>
               </a:rPr>
             </a:br>
             <a:r>
-              <a:rPr lang="en-US" sz="1050" dirty="0" err="1" smtClean="0">
+              <a:rPr lang="en-US" sz="1050" dirty="0" err="1">
                 <a:solidFill>
                   <a:schemeClr val="bg1"/>
                 </a:solidFill>
@@ -4516,30 +4500,22 @@
           <a:p>
             <a:pPr algn="ctr"/>
             <a:r>
-              <a:rPr lang="en-US" sz="1050" dirty="0" err="1" smtClean="0">
+              <a:rPr lang="en-US" sz="1050" dirty="0" err="1">
                 <a:solidFill>
                   <a:schemeClr val="bg1"/>
                 </a:solidFill>
               </a:rPr>
               <a:t>JsonUserPrefs</a:t>
             </a:r>
-            <a:r>
-              <a:rPr lang="en-US" sz="1050" dirty="0" smtClean="0">
-                <a:solidFill>
-                  <a:schemeClr val="bg1"/>
-                </a:solidFill>
-              </a:rPr>
-              <a:t/>
-            </a:r>
             <a:br>
-              <a:rPr lang="en-US" sz="1050" dirty="0" smtClean="0">
+              <a:rPr lang="en-US" sz="1050" dirty="0">
                 <a:solidFill>
                   <a:schemeClr val="bg1"/>
                 </a:solidFill>
               </a:rPr>
             </a:br>
             <a:r>
-              <a:rPr lang="en-US" sz="1050" dirty="0" smtClean="0">
+              <a:rPr lang="en-US" sz="1050" dirty="0">
                 <a:solidFill>
                   <a:schemeClr val="bg1"/>
                 </a:solidFill>
@@ -4591,7 +4567,7 @@
           <a:p>
             <a:pPr algn="ctr"/>
             <a:r>
-              <a:rPr lang="en-US" sz="1050" b="1" dirty="0" err="1" smtClean="0">
+              <a:rPr lang="en-US" sz="1050" b="1" dirty="0" err="1">
                 <a:solidFill>
                   <a:schemeClr val="accent6">
                     <a:lumMod val="75000"/>
@@ -4600,18 +4576,8 @@
               </a:rPr>
               <a:t>XmlSerializable</a:t>
             </a:r>
-            <a:r>
-              <a:rPr lang="en-US" sz="1050" b="1" dirty="0" smtClean="0">
-                <a:solidFill>
-                  <a:schemeClr val="accent6">
-                    <a:lumMod val="75000"/>
-                  </a:schemeClr>
-                </a:solidFill>
-              </a:rPr>
-              <a:t/>
-            </a:r>
             <a:br>
-              <a:rPr lang="en-US" sz="1050" b="1" dirty="0" smtClean="0">
+              <a:rPr lang="en-US" sz="1050" b="1" dirty="0">
                 <a:solidFill>
                   <a:schemeClr val="accent6">
                     <a:lumMod val="75000"/>
@@ -4620,14 +4586,14 @@
               </a:rPr>
             </a:br>
             <a:r>
-              <a:rPr lang="en-US" sz="1050" b="1" dirty="0" err="1" smtClean="0">
+              <a:rPr lang="en-US" sz="1050" b="1" dirty="0" err="1">
                 <a:solidFill>
                   <a:schemeClr val="accent6">
                     <a:lumMod val="75000"/>
                   </a:schemeClr>
                 </a:solidFill>
               </a:rPr>
-              <a:t>AddressBook</a:t>
+              <a:t>RecipeBook</a:t>
             </a:r>
             <a:endParaRPr lang="en-SG" sz="1050" b="1" dirty="0">
               <a:solidFill>
@@ -4717,7 +4683,7 @@
           <a:p>
             <a:pPr algn="ctr"/>
             <a:r>
-              <a:rPr lang="en-US" sz="1050" b="1" dirty="0" err="1" smtClean="0">
+              <a:rPr lang="en-US" sz="1050" b="1" dirty="0" err="1">
                 <a:solidFill>
                   <a:schemeClr val="accent6">
                     <a:lumMod val="75000"/>
@@ -4773,14 +4739,14 @@
           <a:p>
             <a:pPr algn="ctr"/>
             <a:r>
-              <a:rPr lang="en-US" sz="1050" b="1" dirty="0" err="1" smtClean="0">
+              <a:rPr lang="en-US" sz="1050" b="1" dirty="0" err="1">
                 <a:solidFill>
                   <a:schemeClr val="accent6">
                     <a:lumMod val="75000"/>
                   </a:schemeClr>
                 </a:solidFill>
               </a:rPr>
-              <a:t>XmlAdaptedPerson</a:t>
+              <a:t>XmlAdaptedRecipe</a:t>
             </a:r>
             <a:endParaRPr lang="en-SG" sz="1050" b="1" dirty="0">
               <a:solidFill>
@@ -4843,13 +4809,6 @@
   <p:clrMapOvr>
     <a:masterClrMapping/>
   </p:clrMapOvr>
-  <p:timing>
-    <p:tnLst>
-      <p:par>
-        <p:cTn id="1" dur="indefinite" restart="never" nodeType="tmRoot"/>
-      </p:par>
-    </p:tnLst>
-  </p:timing>
 </p:sld>
 </file>
 

--- a/docs/diagrams/StorageComponentClassDiagram.pptx
+++ b/docs/diagrams/StorageComponentClassDiagram.pptx
@@ -208,7 +208,7 @@
           <a:p>
             <a:fld id="{F5CC4B3F-88C1-4FFA-B1B6-F41C21DC6924}" type="datetimeFigureOut">
               <a:rPr lang="en-US" smtClean="0"/>
-              <a:t>3/13/2018</a:t>
+              <a:t>3/26/2018</a:t>
             </a:fld>
             <a:endParaRPr lang="en-US"/>
           </a:p>
@@ -654,7 +654,7 @@
           <a:p>
             <a:fld id="{78C97017-6FC3-485B-9764-EAC9E56C1D49}" type="datetimeFigureOut">
               <a:rPr lang="en-US" smtClean="0"/>
-              <a:t>3/13/2018</a:t>
+              <a:t>3/26/2018</a:t>
             </a:fld>
             <a:endParaRPr lang="en-US"/>
           </a:p>
@@ -822,7 +822,7 @@
           <a:p>
             <a:fld id="{78C97017-6FC3-485B-9764-EAC9E56C1D49}" type="datetimeFigureOut">
               <a:rPr lang="en-US" smtClean="0"/>
-              <a:t>3/13/2018</a:t>
+              <a:t>3/26/2018</a:t>
             </a:fld>
             <a:endParaRPr lang="en-US"/>
           </a:p>
@@ -1000,7 +1000,7 @@
           <a:p>
             <a:fld id="{78C97017-6FC3-485B-9764-EAC9E56C1D49}" type="datetimeFigureOut">
               <a:rPr lang="en-US" smtClean="0"/>
-              <a:t>3/13/2018</a:t>
+              <a:t>3/26/2018</a:t>
             </a:fld>
             <a:endParaRPr lang="en-US"/>
           </a:p>
@@ -1168,7 +1168,7 @@
           <a:p>
             <a:fld id="{78C97017-6FC3-485B-9764-EAC9E56C1D49}" type="datetimeFigureOut">
               <a:rPr lang="en-US" smtClean="0"/>
-              <a:t>3/13/2018</a:t>
+              <a:t>3/26/2018</a:t>
             </a:fld>
             <a:endParaRPr lang="en-US"/>
           </a:p>
@@ -1413,7 +1413,7 @@
           <a:p>
             <a:fld id="{78C97017-6FC3-485B-9764-EAC9E56C1D49}" type="datetimeFigureOut">
               <a:rPr lang="en-US" smtClean="0"/>
-              <a:t>3/13/2018</a:t>
+              <a:t>3/26/2018</a:t>
             </a:fld>
             <a:endParaRPr lang="en-US"/>
           </a:p>
@@ -1698,7 +1698,7 @@
           <a:p>
             <a:fld id="{78C97017-6FC3-485B-9764-EAC9E56C1D49}" type="datetimeFigureOut">
               <a:rPr lang="en-US" smtClean="0"/>
-              <a:t>3/13/2018</a:t>
+              <a:t>3/26/2018</a:t>
             </a:fld>
             <a:endParaRPr lang="en-US"/>
           </a:p>
@@ -2117,7 +2117,7 @@
           <a:p>
             <a:fld id="{78C97017-6FC3-485B-9764-EAC9E56C1D49}" type="datetimeFigureOut">
               <a:rPr lang="en-US" smtClean="0"/>
-              <a:t>3/13/2018</a:t>
+              <a:t>3/26/2018</a:t>
             </a:fld>
             <a:endParaRPr lang="en-US"/>
           </a:p>
@@ -2234,7 +2234,7 @@
           <a:p>
             <a:fld id="{78C97017-6FC3-485B-9764-EAC9E56C1D49}" type="datetimeFigureOut">
               <a:rPr lang="en-US" smtClean="0"/>
-              <a:t>3/13/2018</a:t>
+              <a:t>3/26/2018</a:t>
             </a:fld>
             <a:endParaRPr lang="en-US"/>
           </a:p>
@@ -2329,7 +2329,7 @@
           <a:p>
             <a:fld id="{78C97017-6FC3-485B-9764-EAC9E56C1D49}" type="datetimeFigureOut">
               <a:rPr lang="en-US" smtClean="0"/>
-              <a:t>3/13/2018</a:t>
+              <a:t>3/26/2018</a:t>
             </a:fld>
             <a:endParaRPr lang="en-US"/>
           </a:p>
@@ -2604,7 +2604,7 @@
           <a:p>
             <a:fld id="{78C97017-6FC3-485B-9764-EAC9E56C1D49}" type="datetimeFigureOut">
               <a:rPr lang="en-US" smtClean="0"/>
-              <a:t>3/13/2018</a:t>
+              <a:t>3/26/2018</a:t>
             </a:fld>
             <a:endParaRPr lang="en-US"/>
           </a:p>
@@ -2856,7 +2856,7 @@
           <a:p>
             <a:fld id="{78C97017-6FC3-485B-9764-EAC9E56C1D49}" type="datetimeFigureOut">
               <a:rPr lang="en-US" smtClean="0"/>
-              <a:t>3/13/2018</a:t>
+              <a:t>3/26/2018</a:t>
             </a:fld>
             <a:endParaRPr lang="en-US"/>
           </a:p>
@@ -3067,7 +3067,7 @@
           <a:p>
             <a:fld id="{78C97017-6FC3-485B-9764-EAC9E56C1D49}" type="datetimeFigureOut">
               <a:rPr lang="en-US" smtClean="0"/>
-              <a:t>3/13/2018</a:t>
+              <a:t>3/26/2018</a:t>
             </a:fld>
             <a:endParaRPr lang="en-US"/>
           </a:p>
@@ -3450,8 +3450,8 @@
         </p:nvSpPr>
         <p:spPr>
           <a:xfrm>
-            <a:off x="1119865" y="2086382"/>
-            <a:ext cx="7871735" cy="1723618"/>
+            <a:off x="1119865" y="2288860"/>
+            <a:ext cx="7871735" cy="2051680"/>
           </a:xfrm>
           <a:prstGeom prst="roundRect">
             <a:avLst>
@@ -3593,8 +3593,8 @@
         </p:nvSpPr>
         <p:spPr>
           <a:xfrm rot="16200000">
-            <a:off x="1683963" y="2868687"/>
-            <a:ext cx="1093635" cy="346760"/>
+            <a:off x="1568811" y="3159243"/>
+            <a:ext cx="1323939" cy="346760"/>
           </a:xfrm>
           <a:prstGeom prst="rect">
             <a:avLst/>
@@ -3656,8 +3656,8 @@
         </p:nvSpPr>
         <p:spPr>
           <a:xfrm rot="16200000">
-            <a:off x="956202" y="2861202"/>
-            <a:ext cx="1093635" cy="346760"/>
+            <a:off x="841050" y="3159242"/>
+            <a:ext cx="1323939" cy="346760"/>
           </a:xfrm>
           <a:prstGeom prst="rect">
             <a:avLst/>
@@ -3730,7 +3730,7 @@
         </p:nvSpPr>
         <p:spPr>
           <a:xfrm rot="16200000">
-            <a:off x="1626910" y="2952291"/>
+            <a:off x="1626910" y="3247891"/>
             <a:ext cx="270504" cy="175523"/>
           </a:xfrm>
           <a:prstGeom prst="triangle">
@@ -3873,7 +3873,7 @@
         </p:nvCxnSpPr>
         <p:spPr>
           <a:xfrm flipV="1">
-            <a:off x="1849924" y="3040052"/>
+            <a:off x="1849924" y="3335652"/>
             <a:ext cx="216105" cy="1"/>
           </a:xfrm>
           <a:prstGeom prst="line">
@@ -4062,6 +4062,7 @@
         <p:nvCxnSpPr>
           <p:cNvPr id="124" name="Elbow Connector 122"/>
           <p:cNvCxnSpPr>
+            <a:cxnSpLocks/>
             <a:stCxn id="50" idx="3"/>
             <a:endCxn id="66" idx="1"/>
           </p:cNvCxnSpPr>
@@ -4070,7 +4071,7 @@
         <p:spPr>
           <a:xfrm>
             <a:off x="5791200" y="3331820"/>
-            <a:ext cx="228600" cy="1970"/>
+            <a:ext cx="381000" cy="1970"/>
           </a:xfrm>
           <a:prstGeom prst="bentConnector3">
             <a:avLst>
@@ -4187,7 +4188,7 @@
         </p:nvSpPr>
         <p:spPr>
           <a:xfrm>
-            <a:off x="2873943" y="2558040"/>
+            <a:off x="2884092" y="2670654"/>
             <a:ext cx="1323049" cy="346760"/>
           </a:xfrm>
           <a:prstGeom prst="rect">
@@ -4268,8 +4269,8 @@
         </p:nvCxnSpPr>
         <p:spPr>
           <a:xfrm>
-            <a:off x="2653133" y="2726136"/>
-            <a:ext cx="220810" cy="5284"/>
+            <a:off x="2653133" y="2839221"/>
+            <a:ext cx="230959" cy="4813"/>
           </a:xfrm>
           <a:prstGeom prst="straightConnector1">
             <a:avLst/>
@@ -4308,7 +4309,7 @@
         </p:nvSpPr>
         <p:spPr>
           <a:xfrm>
-            <a:off x="2417085" y="2639446"/>
+            <a:off x="2417085" y="2752531"/>
             <a:ext cx="236048" cy="173380"/>
           </a:xfrm>
           <a:prstGeom prst="flowChartDecision">
@@ -4362,7 +4363,7 @@
         </p:nvCxnSpPr>
         <p:spPr>
           <a:xfrm flipV="1">
-            <a:off x="4394804" y="2731420"/>
+            <a:off x="4394804" y="2834320"/>
             <a:ext cx="223324" cy="1"/>
           </a:xfrm>
           <a:prstGeom prst="bentConnector3">
@@ -4405,7 +4406,7 @@
         </p:nvSpPr>
         <p:spPr>
           <a:xfrm rot="5400000" flipV="1">
-            <a:off x="4171790" y="2643659"/>
+            <a:off x="4171790" y="2746559"/>
             <a:ext cx="270504" cy="175523"/>
           </a:xfrm>
           <a:prstGeom prst="triangle">
@@ -4460,7 +4461,7 @@
         </p:nvSpPr>
         <p:spPr>
           <a:xfrm>
-            <a:off x="4618128" y="2558040"/>
+            <a:off x="4618128" y="2660940"/>
             <a:ext cx="1093635" cy="346760"/>
           </a:xfrm>
           <a:prstGeom prst="rect">
@@ -4538,8 +4539,8 @@
         </p:nvSpPr>
         <p:spPr>
           <a:xfrm>
-            <a:off x="6019800" y="3160410"/>
-            <a:ext cx="1200707" cy="346760"/>
+            <a:off x="6172200" y="3160410"/>
+            <a:ext cx="1041701" cy="346760"/>
           </a:xfrm>
           <a:prstGeom prst="rect">
             <a:avLst/>
@@ -4597,8 +4598,8 @@
         </p:nvCxnSpPr>
         <p:spPr>
           <a:xfrm rot="5400000" flipH="1" flipV="1">
-            <a:off x="8077993" y="2992020"/>
-            <a:ext cx="335208" cy="12700"/>
+            <a:off x="8095848" y="3009875"/>
+            <a:ext cx="299498" cy="1"/>
           </a:xfrm>
           <a:prstGeom prst="bentConnector3">
             <a:avLst>
@@ -4635,7 +4636,7 @@
         </p:nvSpPr>
         <p:spPr>
           <a:xfrm>
-            <a:off x="7615738" y="2477656"/>
+            <a:off x="7615739" y="2513366"/>
             <a:ext cx="1259718" cy="346760"/>
           </a:xfrm>
           <a:prstGeom prst="rect">
@@ -4743,6 +4744,7 @@
         <p:nvCxnSpPr>
           <p:cNvPr id="77" name="Elbow Connector 122"/>
           <p:cNvCxnSpPr>
+            <a:cxnSpLocks/>
             <a:stCxn id="66" idx="3"/>
             <a:endCxn id="74" idx="1"/>
           </p:cNvCxnSpPr>
@@ -4750,8 +4752,8 @@
         </p:nvCxnSpPr>
         <p:spPr>
           <a:xfrm flipV="1">
-            <a:off x="7220507" y="3333004"/>
-            <a:ext cx="395231" cy="786"/>
+            <a:off x="7213901" y="3333004"/>
+            <a:ext cx="401837" cy="786"/>
           </a:xfrm>
           <a:prstGeom prst="bentConnector3">
             <a:avLst>
@@ -4794,7 +4796,7 @@
         </p:nvSpPr>
         <p:spPr>
           <a:xfrm>
-            <a:off x="6132899" y="2477656"/>
+            <a:off x="6132900" y="2513366"/>
             <a:ext cx="1384937" cy="346760"/>
           </a:xfrm>
           <a:prstGeom prst="rect">
@@ -4860,8 +4862,8 @@
         </p:nvCxnSpPr>
         <p:spPr>
           <a:xfrm rot="16200000" flipV="1">
-            <a:off x="7367879" y="2281905"/>
-            <a:ext cx="335208" cy="1420229"/>
+            <a:off x="7385734" y="2299761"/>
+            <a:ext cx="299498" cy="1420228"/>
           </a:xfrm>
           <a:prstGeom prst="bentConnector3">
             <a:avLst>
@@ -4884,6 +4886,420 @@
           </a:fillRef>
           <a:effectRef idx="1">
             <a:schemeClr val="accent6"/>
+          </a:effectRef>
+          <a:fontRef idx="minor">
+            <a:schemeClr val="dk1"/>
+          </a:fontRef>
+        </p:style>
+      </p:cxnSp>
+      <p:sp>
+        <p:nvSpPr>
+          <p:cNvPr id="28" name="Rectangle 8">
+            <a:extLst>
+              <a:ext uri="{FF2B5EF4-FFF2-40B4-BE49-F238E27FC236}">
+                <a16:creationId xmlns:a16="http://schemas.microsoft.com/office/drawing/2014/main" id="{D2A1E52E-AFCF-454E-BF8F-C92D8A9C30B2}"/>
+              </a:ext>
+            </a:extLst>
+          </p:cNvPr>
+          <p:cNvSpPr/>
+          <p:nvPr/>
+        </p:nvSpPr>
+        <p:spPr>
+          <a:xfrm>
+            <a:off x="4618128" y="3605576"/>
+            <a:ext cx="1169835" cy="346760"/>
+          </a:xfrm>
+          <a:prstGeom prst="rect">
+            <a:avLst/>
+          </a:prstGeom>
+          <a:ln w="19050"/>
+          <a:effectLst/>
+        </p:spPr>
+        <p:style>
+          <a:lnRef idx="1">
+            <a:schemeClr val="accent6"/>
+          </a:lnRef>
+          <a:fillRef idx="2">
+            <a:schemeClr val="accent6"/>
+          </a:fillRef>
+          <a:effectRef idx="1">
+            <a:schemeClr val="accent6"/>
+          </a:effectRef>
+          <a:fontRef idx="minor">
+            <a:schemeClr val="dk1"/>
+          </a:fontRef>
+        </p:style>
+        <p:txBody>
+          <a:bodyPr rtlCol="0" anchor="ctr"/>
+          <a:lstStyle/>
+          <a:p>
+            <a:pPr algn="ctr"/>
+            <a:r>
+              <a:rPr lang="en-US" sz="1050" b="1" dirty="0" err="1">
+                <a:solidFill>
+                  <a:schemeClr val="accent6">
+                    <a:lumMod val="75000"/>
+                  </a:schemeClr>
+                </a:solidFill>
+              </a:rPr>
+              <a:t>XmlRecentBooksStorage</a:t>
+            </a:r>
+            <a:endParaRPr lang="en-SG" sz="1050" b="1" dirty="0">
+              <a:solidFill>
+                <a:schemeClr val="accent6">
+                  <a:lumMod val="75000"/>
+                </a:schemeClr>
+              </a:solidFill>
+            </a:endParaRPr>
+          </a:p>
+        </p:txBody>
+      </p:sp>
+      <p:cxnSp>
+        <p:nvCxnSpPr>
+          <p:cNvPr id="30" name="Elbow Connector 63">
+            <a:extLst>
+              <a:ext uri="{FF2B5EF4-FFF2-40B4-BE49-F238E27FC236}">
+                <a16:creationId xmlns:a16="http://schemas.microsoft.com/office/drawing/2014/main" id="{E5A535E0-C1ED-4B00-A2B9-0D7048F59C30}"/>
+              </a:ext>
+            </a:extLst>
+          </p:cNvPr>
+          <p:cNvCxnSpPr>
+            <a:stCxn id="31" idx="3"/>
+          </p:cNvCxnSpPr>
+          <p:nvPr/>
+        </p:nvCxnSpPr>
+        <p:spPr>
+          <a:xfrm flipV="1">
+            <a:off x="4394804" y="3768554"/>
+            <a:ext cx="223324" cy="1"/>
+          </a:xfrm>
+          <a:prstGeom prst="bentConnector3">
+            <a:avLst>
+              <a:gd name="adj1" fmla="val 50000"/>
+            </a:avLst>
+          </a:prstGeom>
+          <a:ln w="19050">
+            <a:solidFill>
+              <a:schemeClr val="accent6">
+                <a:lumMod val="75000"/>
+              </a:schemeClr>
+            </a:solidFill>
+            <a:prstDash val="sysDot"/>
+            <a:headEnd type="none" w="med" len="med"/>
+            <a:tailEnd type="none" w="med" len="med"/>
+          </a:ln>
+          <a:effectLst/>
+        </p:spPr>
+        <p:style>
+          <a:lnRef idx="1">
+            <a:schemeClr val="accent2"/>
+          </a:lnRef>
+          <a:fillRef idx="2">
+            <a:schemeClr val="accent2"/>
+          </a:fillRef>
+          <a:effectRef idx="1">
+            <a:schemeClr val="accent2"/>
+          </a:effectRef>
+          <a:fontRef idx="minor">
+            <a:schemeClr val="dk1"/>
+          </a:fontRef>
+        </p:style>
+      </p:cxnSp>
+      <p:sp>
+        <p:nvSpPr>
+          <p:cNvPr id="31" name="Isosceles Triangle 102">
+            <a:extLst>
+              <a:ext uri="{FF2B5EF4-FFF2-40B4-BE49-F238E27FC236}">
+                <a16:creationId xmlns:a16="http://schemas.microsoft.com/office/drawing/2014/main" id="{2E878672-10C4-4FA2-9F88-BFB0BEF7F758}"/>
+              </a:ext>
+            </a:extLst>
+          </p:cNvPr>
+          <p:cNvSpPr/>
+          <p:nvPr/>
+        </p:nvSpPr>
+        <p:spPr>
+          <a:xfrm rot="5400000" flipV="1">
+            <a:off x="4171790" y="3680793"/>
+            <a:ext cx="270504" cy="175523"/>
+          </a:xfrm>
+          <a:prstGeom prst="triangle">
+            <a:avLst/>
+          </a:prstGeom>
+          <a:solidFill>
+            <a:schemeClr val="accent6">
+              <a:lumMod val="75000"/>
+            </a:schemeClr>
+          </a:solidFill>
+          <a:ln w="19050">
+            <a:solidFill>
+              <a:schemeClr val="accent6">
+                <a:lumMod val="75000"/>
+              </a:schemeClr>
+            </a:solidFill>
+          </a:ln>
+          <a:effectLst/>
+        </p:spPr>
+        <p:style>
+          <a:lnRef idx="1">
+            <a:schemeClr val="accent2"/>
+          </a:lnRef>
+          <a:fillRef idx="2">
+            <a:schemeClr val="accent2"/>
+          </a:fillRef>
+          <a:effectRef idx="1">
+            <a:schemeClr val="accent2"/>
+          </a:effectRef>
+          <a:fontRef idx="minor">
+            <a:schemeClr val="dk1"/>
+          </a:fontRef>
+        </p:style>
+        <p:txBody>
+          <a:bodyPr rtlCol="0" anchor="ctr"/>
+          <a:lstStyle/>
+          <a:p>
+            <a:pPr algn="ctr"/>
+            <a:endParaRPr lang="en-SG" sz="1050">
+              <a:solidFill>
+                <a:schemeClr val="bg1"/>
+              </a:solidFill>
+            </a:endParaRPr>
+          </a:p>
+        </p:txBody>
+      </p:sp>
+      <p:sp>
+        <p:nvSpPr>
+          <p:cNvPr id="32" name="Rectangle 8">
+            <a:extLst>
+              <a:ext uri="{FF2B5EF4-FFF2-40B4-BE49-F238E27FC236}">
+                <a16:creationId xmlns:a16="http://schemas.microsoft.com/office/drawing/2014/main" id="{0F4E78D2-B24E-4A07-BF50-9A25AD1FE75B}"/>
+              </a:ext>
+            </a:extLst>
+          </p:cNvPr>
+          <p:cNvSpPr/>
+          <p:nvPr/>
+        </p:nvSpPr>
+        <p:spPr>
+          <a:xfrm>
+            <a:off x="2873942" y="3647833"/>
+            <a:ext cx="1323049" cy="346760"/>
+          </a:xfrm>
+          <a:prstGeom prst="rect">
+            <a:avLst/>
+          </a:prstGeom>
+          <a:solidFill>
+            <a:schemeClr val="accent6">
+              <a:lumMod val="75000"/>
+            </a:schemeClr>
+          </a:solidFill>
+          <a:ln w="19050">
+            <a:solidFill>
+              <a:schemeClr val="accent6">
+                <a:lumMod val="75000"/>
+              </a:schemeClr>
+            </a:solidFill>
+          </a:ln>
+          <a:effectLst/>
+        </p:spPr>
+        <p:style>
+          <a:lnRef idx="1">
+            <a:schemeClr val="accent2"/>
+          </a:lnRef>
+          <a:fillRef idx="2">
+            <a:schemeClr val="accent2"/>
+          </a:fillRef>
+          <a:effectRef idx="1">
+            <a:schemeClr val="accent2"/>
+          </a:effectRef>
+          <a:fontRef idx="minor">
+            <a:schemeClr val="dk1"/>
+          </a:fontRef>
+        </p:style>
+        <p:txBody>
+          <a:bodyPr rtlCol="0" anchor="ctr"/>
+          <a:lstStyle/>
+          <a:p>
+            <a:pPr algn="ctr"/>
+            <a:r>
+              <a:rPr lang="en-US" sz="1050" dirty="0">
+                <a:solidFill>
+                  <a:schemeClr val="bg1"/>
+                </a:solidFill>
+              </a:rPr>
+              <a:t>&lt;&lt;interface&gt;&gt;</a:t>
+            </a:r>
+            <a:br>
+              <a:rPr lang="en-US" sz="1050" dirty="0">
+                <a:solidFill>
+                  <a:schemeClr val="bg1"/>
+                </a:solidFill>
+              </a:rPr>
+            </a:br>
+            <a:r>
+              <a:rPr lang="en-US" sz="1050" dirty="0" err="1">
+                <a:solidFill>
+                  <a:schemeClr val="bg1"/>
+                </a:solidFill>
+              </a:rPr>
+              <a:t>RecentBooksStorage</a:t>
+            </a:r>
+            <a:endParaRPr lang="en-SG" sz="1050" dirty="0">
+              <a:solidFill>
+                <a:schemeClr val="bg1"/>
+              </a:solidFill>
+            </a:endParaRPr>
+          </a:p>
+        </p:txBody>
+      </p:sp>
+      <p:cxnSp>
+        <p:nvCxnSpPr>
+          <p:cNvPr id="33" name="Straight Arrow Connector 32">
+            <a:extLst>
+              <a:ext uri="{FF2B5EF4-FFF2-40B4-BE49-F238E27FC236}">
+                <a16:creationId xmlns:a16="http://schemas.microsoft.com/office/drawing/2014/main" id="{2E795BB1-BDF2-4922-980C-15E194DCAB46}"/>
+              </a:ext>
+            </a:extLst>
+          </p:cNvPr>
+          <p:cNvCxnSpPr>
+            <a:stCxn id="34" idx="3"/>
+          </p:cNvCxnSpPr>
+          <p:nvPr/>
+        </p:nvCxnSpPr>
+        <p:spPr>
+          <a:xfrm>
+            <a:off x="2640209" y="3817117"/>
+            <a:ext cx="220810" cy="5284"/>
+          </a:xfrm>
+          <a:prstGeom prst="straightConnector1">
+            <a:avLst/>
+          </a:prstGeom>
+          <a:ln w="19050">
+            <a:solidFill>
+              <a:schemeClr val="accent6">
+                <a:lumMod val="75000"/>
+              </a:schemeClr>
+            </a:solidFill>
+            <a:headEnd type="none" w="med" len="med"/>
+            <a:tailEnd type="arrow" w="med" len="med"/>
+          </a:ln>
+          <a:effectLst/>
+        </p:spPr>
+        <p:style>
+          <a:lnRef idx="1">
+            <a:schemeClr val="accent2"/>
+          </a:lnRef>
+          <a:fillRef idx="2">
+            <a:schemeClr val="accent2"/>
+          </a:fillRef>
+          <a:effectRef idx="1">
+            <a:schemeClr val="accent2"/>
+          </a:effectRef>
+          <a:fontRef idx="minor">
+            <a:schemeClr val="dk1"/>
+          </a:fontRef>
+        </p:style>
+      </p:cxnSp>
+      <p:sp>
+        <p:nvSpPr>
+          <p:cNvPr id="34" name="Flowchart: Decision 96">
+            <a:extLst>
+              <a:ext uri="{FF2B5EF4-FFF2-40B4-BE49-F238E27FC236}">
+                <a16:creationId xmlns:a16="http://schemas.microsoft.com/office/drawing/2014/main" id="{8CA253CF-1644-4F57-B9BC-B7436B0748D1}"/>
+              </a:ext>
+            </a:extLst>
+          </p:cNvPr>
+          <p:cNvSpPr/>
+          <p:nvPr/>
+        </p:nvSpPr>
+        <p:spPr>
+          <a:xfrm>
+            <a:off x="2404161" y="3730427"/>
+            <a:ext cx="236048" cy="173380"/>
+          </a:xfrm>
+          <a:prstGeom prst="flowChartDecision">
+            <a:avLst/>
+          </a:prstGeom>
+          <a:noFill/>
+          <a:ln w="19050">
+            <a:solidFill>
+              <a:schemeClr val="accent6">
+                <a:lumMod val="75000"/>
+              </a:schemeClr>
+            </a:solidFill>
+          </a:ln>
+          <a:effectLst/>
+        </p:spPr>
+        <p:style>
+          <a:lnRef idx="1">
+            <a:schemeClr val="accent2"/>
+          </a:lnRef>
+          <a:fillRef idx="2">
+            <a:schemeClr val="accent2"/>
+          </a:fillRef>
+          <a:effectRef idx="1">
+            <a:schemeClr val="accent2"/>
+          </a:effectRef>
+          <a:fontRef idx="minor">
+            <a:schemeClr val="dk1"/>
+          </a:fontRef>
+        </p:style>
+        <p:txBody>
+          <a:bodyPr rtlCol="0" anchor="ctr"/>
+          <a:lstStyle/>
+          <a:p>
+            <a:pPr algn="ctr"/>
+            <a:endParaRPr lang="en-US" sz="1050">
+              <a:solidFill>
+                <a:schemeClr val="bg1"/>
+              </a:solidFill>
+            </a:endParaRPr>
+          </a:p>
+        </p:txBody>
+      </p:sp>
+      <p:cxnSp>
+        <p:nvCxnSpPr>
+          <p:cNvPr id="38" name="Elbow Connector 122">
+            <a:extLst>
+              <a:ext uri="{FF2B5EF4-FFF2-40B4-BE49-F238E27FC236}">
+                <a16:creationId xmlns:a16="http://schemas.microsoft.com/office/drawing/2014/main" id="{B81A2D30-EA64-43DD-A9E2-99BD68B4BA5F}"/>
+              </a:ext>
+            </a:extLst>
+          </p:cNvPr>
+          <p:cNvCxnSpPr>
+            <a:cxnSpLocks/>
+            <a:stCxn id="28" idx="3"/>
+            <a:endCxn id="66" idx="2"/>
+          </p:cNvCxnSpPr>
+          <p:nvPr/>
+        </p:nvCxnSpPr>
+        <p:spPr>
+          <a:xfrm flipV="1">
+            <a:off x="5787963" y="3507170"/>
+            <a:ext cx="905088" cy="271786"/>
+          </a:xfrm>
+          <a:prstGeom prst="bentConnector2">
+            <a:avLst/>
+          </a:prstGeom>
+          <a:ln w="19050">
+            <a:solidFill>
+              <a:schemeClr val="accent6">
+                <a:lumMod val="75000"/>
+              </a:schemeClr>
+            </a:solidFill>
+            <a:prstDash val="sysDot"/>
+            <a:headEnd type="none" w="med" len="med"/>
+            <a:tailEnd type="arrow" w="med" len="med"/>
+          </a:ln>
+          <a:effectLst/>
+        </p:spPr>
+        <p:style>
+          <a:lnRef idx="1">
+            <a:schemeClr val="accent2"/>
+          </a:lnRef>
+          <a:fillRef idx="2">
+            <a:schemeClr val="accent2"/>
+          </a:fillRef>
+          <a:effectRef idx="1">
+            <a:schemeClr val="accent2"/>
           </a:effectRef>
           <a:fontRef idx="minor">
             <a:schemeClr val="dk1"/>

--- a/docs/diagrams/StorageComponentClassDiagram.pptx
+++ b/docs/diagrams/StorageComponentClassDiagram.pptx
@@ -107,6 +107,22 @@
       </a:defRPr>
     </a:lvl9pPr>
   </p:defaultTextStyle>
+  <p:extLst>
+    <p:ext uri="{EFAFB233-063F-42B5-8137-9DF3F51BA10A}">
+      <p15:sldGuideLst xmlns:p15="http://schemas.microsoft.com/office/powerpoint/2012/main">
+        <p15:guide id="1" orient="horz" pos="1488">
+          <p15:clr>
+            <a:srgbClr val="A4A3A4"/>
+          </p15:clr>
+        </p15:guide>
+        <p15:guide id="2" pos="2880">
+          <p15:clr>
+            <a:srgbClr val="A4A3A4"/>
+          </p15:clr>
+        </p15:guide>
+      </p15:sldGuideLst>
+    </p:ext>
+  </p:extLst>
 </p:presentation>
 </file>
 
@@ -192,7 +208,7 @@
           <a:p>
             <a:fld id="{F5CC4B3F-88C1-4FFA-B1B6-F41C21DC6924}" type="datetimeFigureOut">
               <a:rPr lang="en-US" smtClean="0"/>
-              <a:t>10/16/2016</a:t>
+              <a:t>3/29/2018</a:t>
             </a:fld>
             <a:endParaRPr lang="en-US"/>
           </a:p>
@@ -641,7 +657,7 @@
           <a:p>
             <a:fld id="{78C97017-6FC3-485B-9764-EAC9E56C1D49}" type="datetimeFigureOut">
               <a:rPr lang="en-US" smtClean="0"/>
-              <a:t>10/16/2016</a:t>
+              <a:t>3/29/2018</a:t>
             </a:fld>
             <a:endParaRPr lang="en-US"/>
           </a:p>
@@ -811,7 +827,7 @@
           <a:p>
             <a:fld id="{78C97017-6FC3-485B-9764-EAC9E56C1D49}" type="datetimeFigureOut">
               <a:rPr lang="en-US" smtClean="0"/>
-              <a:t>10/16/2016</a:t>
+              <a:t>3/29/2018</a:t>
             </a:fld>
             <a:endParaRPr lang="en-US"/>
           </a:p>
@@ -991,7 +1007,7 @@
           <a:p>
             <a:fld id="{78C97017-6FC3-485B-9764-EAC9E56C1D49}" type="datetimeFigureOut">
               <a:rPr lang="en-US" smtClean="0"/>
-              <a:t>10/16/2016</a:t>
+              <a:t>3/29/2018</a:t>
             </a:fld>
             <a:endParaRPr lang="en-US"/>
           </a:p>
@@ -1161,7 +1177,7 @@
           <a:p>
             <a:fld id="{78C97017-6FC3-485B-9764-EAC9E56C1D49}" type="datetimeFigureOut">
               <a:rPr lang="en-US" smtClean="0"/>
-              <a:t>10/16/2016</a:t>
+              <a:t>3/29/2018</a:t>
             </a:fld>
             <a:endParaRPr lang="en-US"/>
           </a:p>
@@ -1407,7 +1423,7 @@
           <a:p>
             <a:fld id="{78C97017-6FC3-485B-9764-EAC9E56C1D49}" type="datetimeFigureOut">
               <a:rPr lang="en-US" smtClean="0"/>
-              <a:t>10/16/2016</a:t>
+              <a:t>3/29/2018</a:t>
             </a:fld>
             <a:endParaRPr lang="en-US"/>
           </a:p>
@@ -1695,7 +1711,7 @@
           <a:p>
             <a:fld id="{78C97017-6FC3-485B-9764-EAC9E56C1D49}" type="datetimeFigureOut">
               <a:rPr lang="en-US" smtClean="0"/>
-              <a:t>10/16/2016</a:t>
+              <a:t>3/29/2018</a:t>
             </a:fld>
             <a:endParaRPr lang="en-US"/>
           </a:p>
@@ -2117,7 +2133,7 @@
           <a:p>
             <a:fld id="{78C97017-6FC3-485B-9764-EAC9E56C1D49}" type="datetimeFigureOut">
               <a:rPr lang="en-US" smtClean="0"/>
-              <a:t>10/16/2016</a:t>
+              <a:t>3/29/2018</a:t>
             </a:fld>
             <a:endParaRPr lang="en-US"/>
           </a:p>
@@ -2235,7 +2251,7 @@
           <a:p>
             <a:fld id="{78C97017-6FC3-485B-9764-EAC9E56C1D49}" type="datetimeFigureOut">
               <a:rPr lang="en-US" smtClean="0"/>
-              <a:t>10/16/2016</a:t>
+              <a:t>3/29/2018</a:t>
             </a:fld>
             <a:endParaRPr lang="en-US"/>
           </a:p>
@@ -2330,7 +2346,7 @@
           <a:p>
             <a:fld id="{78C97017-6FC3-485B-9764-EAC9E56C1D49}" type="datetimeFigureOut">
               <a:rPr lang="en-US" smtClean="0"/>
-              <a:t>10/16/2016</a:t>
+              <a:t>3/29/2018</a:t>
             </a:fld>
             <a:endParaRPr lang="en-US"/>
           </a:p>
@@ -2607,7 +2623,7 @@
           <a:p>
             <a:fld id="{78C97017-6FC3-485B-9764-EAC9E56C1D49}" type="datetimeFigureOut">
               <a:rPr lang="en-US" smtClean="0"/>
-              <a:t>10/16/2016</a:t>
+              <a:t>3/29/2018</a:t>
             </a:fld>
             <a:endParaRPr lang="en-US"/>
           </a:p>
@@ -2860,7 +2876,7 @@
           <a:p>
             <a:fld id="{78C97017-6FC3-485B-9764-EAC9E56C1D49}" type="datetimeFigureOut">
               <a:rPr lang="en-US" smtClean="0"/>
-              <a:t>10/16/2016</a:t>
+              <a:t>3/29/2018</a:t>
             </a:fld>
             <a:endParaRPr lang="en-US"/>
           </a:p>
@@ -3073,7 +3089,7 @@
           <a:p>
             <a:fld id="{78C97017-6FC3-485B-9764-EAC9E56C1D49}" type="datetimeFigureOut">
               <a:rPr lang="en-US" smtClean="0"/>
-              <a:t>10/16/2016</a:t>
+              <a:t>3/29/2018</a:t>
             </a:fld>
             <a:endParaRPr lang="en-US"/>
           </a:p>
@@ -3456,7 +3472,7 @@
         </p:nvSpPr>
         <p:spPr>
           <a:xfrm>
-            <a:off x="1119865" y="2086382"/>
+            <a:off x="304800" y="1447800"/>
             <a:ext cx="7871735" cy="1723618"/>
           </a:xfrm>
           <a:prstGeom prst="roundRect">
@@ -3521,7 +3537,7 @@
         </p:nvSpPr>
         <p:spPr>
           <a:xfrm>
-            <a:off x="2877180" y="3158440"/>
+            <a:off x="2062115" y="2519858"/>
             <a:ext cx="1323049" cy="346760"/>
           </a:xfrm>
           <a:prstGeom prst="rect">
@@ -3599,7 +3615,7 @@
         </p:nvSpPr>
         <p:spPr>
           <a:xfrm rot="16200000">
-            <a:off x="1683963" y="2868687"/>
+            <a:off x="869443" y="2230103"/>
             <a:ext cx="1093635" cy="346760"/>
           </a:xfrm>
           <a:prstGeom prst="rect">
@@ -3662,7 +3678,7 @@
         </p:nvSpPr>
         <p:spPr>
           <a:xfrm rot="16200000">
-            <a:off x="956202" y="2861202"/>
+            <a:off x="149291" y="2230103"/>
             <a:ext cx="1093635" cy="346760"/>
           </a:xfrm>
           <a:prstGeom prst="rect">
@@ -3736,7 +3752,7 @@
         </p:nvSpPr>
         <p:spPr>
           <a:xfrm rot="16200000">
-            <a:off x="1626910" y="2952291"/>
+            <a:off x="843786" y="2313709"/>
             <a:ext cx="270504" cy="175523"/>
           </a:xfrm>
           <a:prstGeom prst="triangle">
@@ -3794,7 +3810,7 @@
         </p:nvCxnSpPr>
         <p:spPr>
           <a:xfrm>
-            <a:off x="2656370" y="3326536"/>
+            <a:off x="1841305" y="2687954"/>
             <a:ext cx="220810" cy="5284"/>
           </a:xfrm>
           <a:prstGeom prst="straightConnector1">
@@ -3834,7 +3850,7 @@
         </p:nvCxnSpPr>
         <p:spPr>
           <a:xfrm>
-            <a:off x="910091" y="3040053"/>
+            <a:off x="95026" y="2401471"/>
             <a:ext cx="419548" cy="2860"/>
           </a:xfrm>
           <a:prstGeom prst="bentConnector3">
@@ -3879,7 +3895,7 @@
         </p:nvCxnSpPr>
         <p:spPr>
           <a:xfrm flipV="1">
-            <a:off x="1849924" y="3040052"/>
+            <a:off x="1066800" y="2401470"/>
             <a:ext cx="216105" cy="1"/>
           </a:xfrm>
           <a:prstGeom prst="line">
@@ -3920,7 +3936,7 @@
         </p:nvSpPr>
         <p:spPr>
           <a:xfrm>
-            <a:off x="2420322" y="3239846"/>
+            <a:off x="1605257" y="2601264"/>
             <a:ext cx="236048" cy="173380"/>
           </a:xfrm>
           <a:prstGeom prst="flowChartDecision">
@@ -3973,8 +3989,366 @@
           <p:nvPr/>
         </p:nvCxnSpPr>
         <p:spPr>
+          <a:xfrm>
+            <a:off x="3582976" y="2693239"/>
+            <a:ext cx="230262" cy="1065"/>
+          </a:xfrm>
+          <a:prstGeom prst="bentConnector3">
+            <a:avLst>
+              <a:gd name="adj1" fmla="val 50000"/>
+            </a:avLst>
+          </a:prstGeom>
+          <a:ln w="19050">
+            <a:solidFill>
+              <a:schemeClr val="accent6">
+                <a:lumMod val="75000"/>
+              </a:schemeClr>
+            </a:solidFill>
+            <a:prstDash val="sysDot"/>
+            <a:headEnd type="none" w="med" len="med"/>
+            <a:tailEnd type="none" w="med" len="med"/>
+          </a:ln>
+          <a:effectLst/>
+        </p:spPr>
+        <p:style>
+          <a:lnRef idx="1">
+            <a:schemeClr val="accent2"/>
+          </a:lnRef>
+          <a:fillRef idx="2">
+            <a:schemeClr val="accent2"/>
+          </a:fillRef>
+          <a:effectRef idx="1">
+            <a:schemeClr val="accent2"/>
+          </a:effectRef>
+          <a:fontRef idx="minor">
+            <a:schemeClr val="dk1"/>
+          </a:fontRef>
+        </p:style>
+      </p:cxnSp>
+      <p:sp>
+        <p:nvSpPr>
+          <p:cNvPr id="99" name="Isosceles Triangle 102"/>
+          <p:cNvSpPr/>
+          <p:nvPr/>
+        </p:nvSpPr>
+        <p:spPr>
+          <a:xfrm rot="5400000" flipV="1">
+            <a:off x="3359962" y="2605477"/>
+            <a:ext cx="270504" cy="175523"/>
+          </a:xfrm>
+          <a:prstGeom prst="triangle">
+            <a:avLst/>
+          </a:prstGeom>
+          <a:solidFill>
+            <a:schemeClr val="accent6">
+              <a:lumMod val="75000"/>
+            </a:schemeClr>
+          </a:solidFill>
+          <a:ln w="19050">
+            <a:solidFill>
+              <a:schemeClr val="accent6">
+                <a:lumMod val="75000"/>
+              </a:schemeClr>
+            </a:solidFill>
+          </a:ln>
+          <a:effectLst/>
+        </p:spPr>
+        <p:style>
+          <a:lnRef idx="1">
+            <a:schemeClr val="accent2"/>
+          </a:lnRef>
+          <a:fillRef idx="2">
+            <a:schemeClr val="accent2"/>
+          </a:fillRef>
+          <a:effectRef idx="1">
+            <a:schemeClr val="accent2"/>
+          </a:effectRef>
+          <a:fontRef idx="minor">
+            <a:schemeClr val="dk1"/>
+          </a:fontRef>
+        </p:style>
+        <p:txBody>
+          <a:bodyPr rtlCol="0" anchor="ctr"/>
+          <a:lstStyle/>
+          <a:p>
+            <a:pPr algn="ctr"/>
+            <a:endParaRPr lang="en-SG" sz="1050">
+              <a:solidFill>
+                <a:schemeClr val="bg1"/>
+              </a:solidFill>
+            </a:endParaRPr>
+          </a:p>
+        </p:txBody>
+      </p:sp>
+      <p:sp>
+        <p:nvSpPr>
+          <p:cNvPr id="50" name="Rectangle 8"/>
+          <p:cNvSpPr/>
+          <p:nvPr/>
+        </p:nvSpPr>
+        <p:spPr>
+          <a:xfrm>
+            <a:off x="3813238" y="2520924"/>
+            <a:ext cx="1325880" cy="346760"/>
+          </a:xfrm>
+          <a:prstGeom prst="rect">
+            <a:avLst/>
+          </a:prstGeom>
+          <a:ln w="19050"/>
+          <a:effectLst/>
+        </p:spPr>
+        <p:style>
+          <a:lnRef idx="1">
+            <a:schemeClr val="accent6"/>
+          </a:lnRef>
+          <a:fillRef idx="2">
+            <a:schemeClr val="accent6"/>
+          </a:fillRef>
+          <a:effectRef idx="1">
+            <a:schemeClr val="accent6"/>
+          </a:effectRef>
+          <a:fontRef idx="minor">
+            <a:schemeClr val="dk1"/>
+          </a:fontRef>
+        </p:style>
+        <p:txBody>
+          <a:bodyPr rtlCol="0" anchor="ctr"/>
+          <a:lstStyle/>
+          <a:p>
+            <a:pPr algn="ctr"/>
+            <a:r>
+              <a:rPr lang="en-US" sz="1050" b="1" dirty="0" err="1" smtClean="0">
+                <a:solidFill>
+                  <a:schemeClr val="accent6">
+                    <a:lumMod val="75000"/>
+                  </a:schemeClr>
+                </a:solidFill>
+              </a:rPr>
+              <a:t>XmlDeskBoard</a:t>
+            </a:r>
+            <a:r>
+              <a:rPr lang="en-US" sz="1050" b="1" dirty="0" smtClean="0">
+                <a:solidFill>
+                  <a:schemeClr val="accent6">
+                    <a:lumMod val="75000"/>
+                  </a:schemeClr>
+                </a:solidFill>
+              </a:rPr>
+              <a:t/>
+            </a:r>
+            <a:br>
+              <a:rPr lang="en-US" sz="1050" b="1" dirty="0" smtClean="0">
+                <a:solidFill>
+                  <a:schemeClr val="accent6">
+                    <a:lumMod val="75000"/>
+                  </a:schemeClr>
+                </a:solidFill>
+              </a:rPr>
+            </a:br>
+            <a:r>
+              <a:rPr lang="en-US" sz="1050" b="1" dirty="0" smtClean="0">
+                <a:solidFill>
+                  <a:schemeClr val="accent6">
+                    <a:lumMod val="75000"/>
+                  </a:schemeClr>
+                </a:solidFill>
+              </a:rPr>
+              <a:t>Storage</a:t>
+            </a:r>
+            <a:endParaRPr lang="en-SG" sz="1050" b="1" dirty="0">
+              <a:solidFill>
+                <a:schemeClr val="accent6">
+                  <a:lumMod val="75000"/>
+                </a:schemeClr>
+              </a:solidFill>
+            </a:endParaRPr>
+          </a:p>
+        </p:txBody>
+      </p:sp>
+      <p:sp>
+        <p:nvSpPr>
+          <p:cNvPr id="52" name="Rectangle 8"/>
+          <p:cNvSpPr/>
+          <p:nvPr/>
+        </p:nvSpPr>
+        <p:spPr>
+          <a:xfrm>
+            <a:off x="2058878" y="1919458"/>
+            <a:ext cx="1323049" cy="346760"/>
+          </a:xfrm>
+          <a:prstGeom prst="rect">
+            <a:avLst/>
+          </a:prstGeom>
+          <a:solidFill>
+            <a:schemeClr val="accent6">
+              <a:lumMod val="75000"/>
+            </a:schemeClr>
+          </a:solidFill>
+          <a:ln w="19050">
+            <a:solidFill>
+              <a:schemeClr val="accent6">
+                <a:lumMod val="75000"/>
+              </a:schemeClr>
+            </a:solidFill>
+          </a:ln>
+          <a:effectLst/>
+        </p:spPr>
+        <p:style>
+          <a:lnRef idx="1">
+            <a:schemeClr val="accent2"/>
+          </a:lnRef>
+          <a:fillRef idx="2">
+            <a:schemeClr val="accent2"/>
+          </a:fillRef>
+          <a:effectRef idx="1">
+            <a:schemeClr val="accent2"/>
+          </a:effectRef>
+          <a:fontRef idx="minor">
+            <a:schemeClr val="dk1"/>
+          </a:fontRef>
+        </p:style>
+        <p:txBody>
+          <a:bodyPr rtlCol="0" anchor="ctr"/>
+          <a:lstStyle/>
+          <a:p>
+            <a:pPr algn="ctr"/>
+            <a:r>
+              <a:rPr lang="en-US" sz="1050" dirty="0" smtClean="0">
+                <a:solidFill>
+                  <a:schemeClr val="bg1"/>
+                </a:solidFill>
+              </a:rPr>
+              <a:t>&lt;&lt;interface&gt;&gt;</a:t>
+            </a:r>
+            <a:br>
+              <a:rPr lang="en-US" sz="1050" dirty="0" smtClean="0">
+                <a:solidFill>
+                  <a:schemeClr val="bg1"/>
+                </a:solidFill>
+              </a:rPr>
+            </a:br>
+            <a:r>
+              <a:rPr lang="en-US" sz="1050" dirty="0" err="1" smtClean="0">
+                <a:solidFill>
+                  <a:schemeClr val="bg1"/>
+                </a:solidFill>
+              </a:rPr>
+              <a:t>UserPrefsStorage</a:t>
+            </a:r>
+            <a:endParaRPr lang="en-SG" sz="1050" dirty="0">
+              <a:solidFill>
+                <a:schemeClr val="bg1"/>
+              </a:solidFill>
+            </a:endParaRPr>
+          </a:p>
+        </p:txBody>
+      </p:sp>
+      <p:cxnSp>
+        <p:nvCxnSpPr>
+          <p:cNvPr id="54" name="Straight Arrow Connector 53"/>
+          <p:cNvCxnSpPr>
+            <a:stCxn id="56" idx="3"/>
+            <a:endCxn id="52" idx="1"/>
+          </p:cNvCxnSpPr>
+          <p:nvPr/>
+        </p:nvCxnSpPr>
+        <p:spPr>
+          <a:xfrm>
+            <a:off x="1838068" y="2087554"/>
+            <a:ext cx="220810" cy="5284"/>
+          </a:xfrm>
+          <a:prstGeom prst="straightConnector1">
+            <a:avLst/>
+          </a:prstGeom>
+          <a:ln w="19050">
+            <a:solidFill>
+              <a:schemeClr val="accent6">
+                <a:lumMod val="75000"/>
+              </a:schemeClr>
+            </a:solidFill>
+            <a:headEnd type="none" w="med" len="med"/>
+            <a:tailEnd type="arrow" w="med" len="med"/>
+          </a:ln>
+          <a:effectLst/>
+        </p:spPr>
+        <p:style>
+          <a:lnRef idx="1">
+            <a:schemeClr val="accent2"/>
+          </a:lnRef>
+          <a:fillRef idx="2">
+            <a:schemeClr val="accent2"/>
+          </a:fillRef>
+          <a:effectRef idx="1">
+            <a:schemeClr val="accent2"/>
+          </a:effectRef>
+          <a:fontRef idx="minor">
+            <a:schemeClr val="dk1"/>
+          </a:fontRef>
+        </p:style>
+      </p:cxnSp>
+      <p:sp>
+        <p:nvSpPr>
+          <p:cNvPr id="56" name="Flowchart: Decision 96"/>
+          <p:cNvSpPr/>
+          <p:nvPr/>
+        </p:nvSpPr>
+        <p:spPr>
+          <a:xfrm>
+            <a:off x="1602020" y="2000864"/>
+            <a:ext cx="236048" cy="173380"/>
+          </a:xfrm>
+          <a:prstGeom prst="flowChartDecision">
+            <a:avLst/>
+          </a:prstGeom>
+          <a:noFill/>
+          <a:ln w="19050">
+            <a:solidFill>
+              <a:schemeClr val="accent6">
+                <a:lumMod val="75000"/>
+              </a:schemeClr>
+            </a:solidFill>
+          </a:ln>
+          <a:effectLst/>
+        </p:spPr>
+        <p:style>
+          <a:lnRef idx="1">
+            <a:schemeClr val="accent2"/>
+          </a:lnRef>
+          <a:fillRef idx="2">
+            <a:schemeClr val="accent2"/>
+          </a:fillRef>
+          <a:effectRef idx="1">
+            <a:schemeClr val="accent2"/>
+          </a:effectRef>
+          <a:fontRef idx="minor">
+            <a:schemeClr val="dk1"/>
+          </a:fontRef>
+        </p:style>
+        <p:txBody>
+          <a:bodyPr rtlCol="0" anchor="ctr"/>
+          <a:lstStyle/>
+          <a:p>
+            <a:pPr algn="ctr"/>
+            <a:endParaRPr lang="en-US" sz="1050">
+              <a:solidFill>
+                <a:schemeClr val="bg1"/>
+              </a:solidFill>
+            </a:endParaRPr>
+          </a:p>
+        </p:txBody>
+      </p:sp>
+      <p:cxnSp>
+        <p:nvCxnSpPr>
+          <p:cNvPr id="60" name="Elbow Connector 63"/>
+          <p:cNvCxnSpPr>
+            <a:stCxn id="61" idx="3"/>
+            <a:endCxn id="65" idx="1"/>
+          </p:cNvCxnSpPr>
+          <p:nvPr/>
+        </p:nvCxnSpPr>
+        <p:spPr>
           <a:xfrm flipV="1">
-            <a:off x="4398041" y="3331820"/>
+            <a:off x="3579739" y="2092838"/>
             <a:ext cx="223324" cy="1"/>
           </a:xfrm>
           <a:prstGeom prst="bentConnector3">
@@ -4011,13 +4385,13 @@
       </p:cxnSp>
       <p:sp>
         <p:nvSpPr>
-          <p:cNvPr id="99" name="Isosceles Triangle 102"/>
+          <p:cNvPr id="61" name="Isosceles Triangle 102"/>
           <p:cNvSpPr/>
           <p:nvPr/>
         </p:nvSpPr>
         <p:spPr>
           <a:xfrm rot="5400000" flipV="1">
-            <a:off x="4175027" y="3244059"/>
+            <a:off x="3356725" y="2005077"/>
             <a:ext cx="270504" cy="175523"/>
           </a:xfrm>
           <a:prstGeom prst="triangle">
@@ -4064,410 +4438,6 @@
           </a:p>
         </p:txBody>
       </p:sp>
-      <p:cxnSp>
-        <p:nvCxnSpPr>
-          <p:cNvPr id="124" name="Elbow Connector 122"/>
-          <p:cNvCxnSpPr>
-            <a:stCxn id="50" idx="3"/>
-            <a:endCxn id="66" idx="1"/>
-          </p:cNvCxnSpPr>
-          <p:nvPr/>
-        </p:nvCxnSpPr>
-        <p:spPr>
-          <a:xfrm>
-            <a:off x="5791200" y="3331820"/>
-            <a:ext cx="228600" cy="1970"/>
-          </a:xfrm>
-          <a:prstGeom prst="bentConnector3">
-            <a:avLst>
-              <a:gd name="adj1" fmla="val 50000"/>
-            </a:avLst>
-          </a:prstGeom>
-          <a:ln w="19050">
-            <a:solidFill>
-              <a:schemeClr val="accent6">
-                <a:lumMod val="75000"/>
-              </a:schemeClr>
-            </a:solidFill>
-            <a:prstDash val="sysDot"/>
-            <a:headEnd type="none" w="med" len="med"/>
-            <a:tailEnd type="arrow" w="med" len="med"/>
-          </a:ln>
-          <a:effectLst/>
-        </p:spPr>
-        <p:style>
-          <a:lnRef idx="1">
-            <a:schemeClr val="accent2"/>
-          </a:lnRef>
-          <a:fillRef idx="2">
-            <a:schemeClr val="accent2"/>
-          </a:fillRef>
-          <a:effectRef idx="1">
-            <a:schemeClr val="accent2"/>
-          </a:effectRef>
-          <a:fontRef idx="minor">
-            <a:schemeClr val="dk1"/>
-          </a:fontRef>
-        </p:style>
-      </p:cxnSp>
-      <p:sp>
-        <p:nvSpPr>
-          <p:cNvPr id="50" name="Rectangle 8"/>
-          <p:cNvSpPr/>
-          <p:nvPr/>
-        </p:nvSpPr>
-        <p:spPr>
-          <a:xfrm>
-            <a:off x="4621365" y="3158440"/>
-            <a:ext cx="1169835" cy="346760"/>
-          </a:xfrm>
-          <a:prstGeom prst="rect">
-            <a:avLst/>
-          </a:prstGeom>
-          <a:ln w="19050"/>
-          <a:effectLst/>
-        </p:spPr>
-        <p:style>
-          <a:lnRef idx="1">
-            <a:schemeClr val="accent6"/>
-          </a:lnRef>
-          <a:fillRef idx="2">
-            <a:schemeClr val="accent6"/>
-          </a:fillRef>
-          <a:effectRef idx="1">
-            <a:schemeClr val="accent6"/>
-          </a:effectRef>
-          <a:fontRef idx="minor">
-            <a:schemeClr val="dk1"/>
-          </a:fontRef>
-        </p:style>
-        <p:txBody>
-          <a:bodyPr rtlCol="0" anchor="ctr"/>
-          <a:lstStyle/>
-          <a:p>
-            <a:pPr algn="ctr"/>
-            <a:r>
-              <a:rPr lang="en-US" sz="1050" b="1" dirty="0" err="1" smtClean="0">
-                <a:solidFill>
-                  <a:schemeClr val="accent6">
-                    <a:lumMod val="75000"/>
-                  </a:schemeClr>
-                </a:solidFill>
-              </a:rPr>
-              <a:t>XmlAddressBook</a:t>
-            </a:r>
-            <a:r>
-              <a:rPr lang="en-US" sz="1050" b="1" dirty="0" smtClean="0">
-                <a:solidFill>
-                  <a:schemeClr val="accent6">
-                    <a:lumMod val="75000"/>
-                  </a:schemeClr>
-                </a:solidFill>
-              </a:rPr>
-              <a:t/>
-            </a:r>
-            <a:br>
-              <a:rPr lang="en-US" sz="1050" b="1" dirty="0" smtClean="0">
-                <a:solidFill>
-                  <a:schemeClr val="accent6">
-                    <a:lumMod val="75000"/>
-                  </a:schemeClr>
-                </a:solidFill>
-              </a:rPr>
-            </a:br>
-            <a:r>
-              <a:rPr lang="en-US" sz="1050" b="1" dirty="0" smtClean="0">
-                <a:solidFill>
-                  <a:schemeClr val="accent6">
-                    <a:lumMod val="75000"/>
-                  </a:schemeClr>
-                </a:solidFill>
-              </a:rPr>
-              <a:t>Storage</a:t>
-            </a:r>
-            <a:endParaRPr lang="en-SG" sz="1050" b="1" dirty="0">
-              <a:solidFill>
-                <a:schemeClr val="accent6">
-                  <a:lumMod val="75000"/>
-                </a:schemeClr>
-              </a:solidFill>
-            </a:endParaRPr>
-          </a:p>
-        </p:txBody>
-      </p:sp>
-      <p:sp>
-        <p:nvSpPr>
-          <p:cNvPr id="52" name="Rectangle 8"/>
-          <p:cNvSpPr/>
-          <p:nvPr/>
-        </p:nvSpPr>
-        <p:spPr>
-          <a:xfrm>
-            <a:off x="2873943" y="2558040"/>
-            <a:ext cx="1323049" cy="346760"/>
-          </a:xfrm>
-          <a:prstGeom prst="rect">
-            <a:avLst/>
-          </a:prstGeom>
-          <a:solidFill>
-            <a:schemeClr val="accent6">
-              <a:lumMod val="75000"/>
-            </a:schemeClr>
-          </a:solidFill>
-          <a:ln w="19050">
-            <a:solidFill>
-              <a:schemeClr val="accent6">
-                <a:lumMod val="75000"/>
-              </a:schemeClr>
-            </a:solidFill>
-          </a:ln>
-          <a:effectLst/>
-        </p:spPr>
-        <p:style>
-          <a:lnRef idx="1">
-            <a:schemeClr val="accent2"/>
-          </a:lnRef>
-          <a:fillRef idx="2">
-            <a:schemeClr val="accent2"/>
-          </a:fillRef>
-          <a:effectRef idx="1">
-            <a:schemeClr val="accent2"/>
-          </a:effectRef>
-          <a:fontRef idx="minor">
-            <a:schemeClr val="dk1"/>
-          </a:fontRef>
-        </p:style>
-        <p:txBody>
-          <a:bodyPr rtlCol="0" anchor="ctr"/>
-          <a:lstStyle/>
-          <a:p>
-            <a:pPr algn="ctr"/>
-            <a:r>
-              <a:rPr lang="en-US" sz="1050" dirty="0" smtClean="0">
-                <a:solidFill>
-                  <a:schemeClr val="bg1"/>
-                </a:solidFill>
-              </a:rPr>
-              <a:t>&lt;&lt;interface&gt;&gt;</a:t>
-            </a:r>
-            <a:br>
-              <a:rPr lang="en-US" sz="1050" dirty="0" smtClean="0">
-                <a:solidFill>
-                  <a:schemeClr val="bg1"/>
-                </a:solidFill>
-              </a:rPr>
-            </a:br>
-            <a:r>
-              <a:rPr lang="en-US" sz="1050" dirty="0" err="1" smtClean="0">
-                <a:solidFill>
-                  <a:schemeClr val="bg1"/>
-                </a:solidFill>
-              </a:rPr>
-              <a:t>UserPrefsStorage</a:t>
-            </a:r>
-            <a:endParaRPr lang="en-SG" sz="1050" dirty="0">
-              <a:solidFill>
-                <a:schemeClr val="bg1"/>
-              </a:solidFill>
-            </a:endParaRPr>
-          </a:p>
-        </p:txBody>
-      </p:sp>
-      <p:cxnSp>
-        <p:nvCxnSpPr>
-          <p:cNvPr id="54" name="Straight Arrow Connector 53"/>
-          <p:cNvCxnSpPr>
-            <a:stCxn id="56" idx="3"/>
-            <a:endCxn id="52" idx="1"/>
-          </p:cNvCxnSpPr>
-          <p:nvPr/>
-        </p:nvCxnSpPr>
-        <p:spPr>
-          <a:xfrm>
-            <a:off x="2653133" y="2726136"/>
-            <a:ext cx="220810" cy="5284"/>
-          </a:xfrm>
-          <a:prstGeom prst="straightConnector1">
-            <a:avLst/>
-          </a:prstGeom>
-          <a:ln w="19050">
-            <a:solidFill>
-              <a:schemeClr val="accent6">
-                <a:lumMod val="75000"/>
-              </a:schemeClr>
-            </a:solidFill>
-            <a:headEnd type="none" w="med" len="med"/>
-            <a:tailEnd type="arrow" w="med" len="med"/>
-          </a:ln>
-          <a:effectLst/>
-        </p:spPr>
-        <p:style>
-          <a:lnRef idx="1">
-            <a:schemeClr val="accent2"/>
-          </a:lnRef>
-          <a:fillRef idx="2">
-            <a:schemeClr val="accent2"/>
-          </a:fillRef>
-          <a:effectRef idx="1">
-            <a:schemeClr val="accent2"/>
-          </a:effectRef>
-          <a:fontRef idx="minor">
-            <a:schemeClr val="dk1"/>
-          </a:fontRef>
-        </p:style>
-      </p:cxnSp>
-      <p:sp>
-        <p:nvSpPr>
-          <p:cNvPr id="56" name="Flowchart: Decision 96"/>
-          <p:cNvSpPr/>
-          <p:nvPr/>
-        </p:nvSpPr>
-        <p:spPr>
-          <a:xfrm>
-            <a:off x="2417085" y="2639446"/>
-            <a:ext cx="236048" cy="173380"/>
-          </a:xfrm>
-          <a:prstGeom prst="flowChartDecision">
-            <a:avLst/>
-          </a:prstGeom>
-          <a:noFill/>
-          <a:ln w="19050">
-            <a:solidFill>
-              <a:schemeClr val="accent6">
-                <a:lumMod val="75000"/>
-              </a:schemeClr>
-            </a:solidFill>
-          </a:ln>
-          <a:effectLst/>
-        </p:spPr>
-        <p:style>
-          <a:lnRef idx="1">
-            <a:schemeClr val="accent2"/>
-          </a:lnRef>
-          <a:fillRef idx="2">
-            <a:schemeClr val="accent2"/>
-          </a:fillRef>
-          <a:effectRef idx="1">
-            <a:schemeClr val="accent2"/>
-          </a:effectRef>
-          <a:fontRef idx="minor">
-            <a:schemeClr val="dk1"/>
-          </a:fontRef>
-        </p:style>
-        <p:txBody>
-          <a:bodyPr rtlCol="0" anchor="ctr"/>
-          <a:lstStyle/>
-          <a:p>
-            <a:pPr algn="ctr"/>
-            <a:endParaRPr lang="en-US" sz="1050">
-              <a:solidFill>
-                <a:schemeClr val="bg1"/>
-              </a:solidFill>
-            </a:endParaRPr>
-          </a:p>
-        </p:txBody>
-      </p:sp>
-      <p:cxnSp>
-        <p:nvCxnSpPr>
-          <p:cNvPr id="60" name="Elbow Connector 63"/>
-          <p:cNvCxnSpPr>
-            <a:stCxn id="61" idx="3"/>
-            <a:endCxn id="65" idx="1"/>
-          </p:cNvCxnSpPr>
-          <p:nvPr/>
-        </p:nvCxnSpPr>
-        <p:spPr>
-          <a:xfrm flipV="1">
-            <a:off x="4394804" y="2731420"/>
-            <a:ext cx="223324" cy="1"/>
-          </a:xfrm>
-          <a:prstGeom prst="bentConnector3">
-            <a:avLst>
-              <a:gd name="adj1" fmla="val 50000"/>
-            </a:avLst>
-          </a:prstGeom>
-          <a:ln w="19050">
-            <a:solidFill>
-              <a:schemeClr val="accent6">
-                <a:lumMod val="75000"/>
-              </a:schemeClr>
-            </a:solidFill>
-            <a:prstDash val="sysDot"/>
-            <a:headEnd type="none" w="med" len="med"/>
-            <a:tailEnd type="none" w="med" len="med"/>
-          </a:ln>
-          <a:effectLst/>
-        </p:spPr>
-        <p:style>
-          <a:lnRef idx="1">
-            <a:schemeClr val="accent2"/>
-          </a:lnRef>
-          <a:fillRef idx="2">
-            <a:schemeClr val="accent2"/>
-          </a:fillRef>
-          <a:effectRef idx="1">
-            <a:schemeClr val="accent2"/>
-          </a:effectRef>
-          <a:fontRef idx="minor">
-            <a:schemeClr val="dk1"/>
-          </a:fontRef>
-        </p:style>
-      </p:cxnSp>
-      <p:sp>
-        <p:nvSpPr>
-          <p:cNvPr id="61" name="Isosceles Triangle 102"/>
-          <p:cNvSpPr/>
-          <p:nvPr/>
-        </p:nvSpPr>
-        <p:spPr>
-          <a:xfrm rot="5400000" flipV="1">
-            <a:off x="4171790" y="2643659"/>
-            <a:ext cx="270504" cy="175523"/>
-          </a:xfrm>
-          <a:prstGeom prst="triangle">
-            <a:avLst/>
-          </a:prstGeom>
-          <a:solidFill>
-            <a:schemeClr val="accent6">
-              <a:lumMod val="75000"/>
-            </a:schemeClr>
-          </a:solidFill>
-          <a:ln w="19050">
-            <a:solidFill>
-              <a:schemeClr val="accent6">
-                <a:lumMod val="75000"/>
-              </a:schemeClr>
-            </a:solidFill>
-          </a:ln>
-          <a:effectLst/>
-        </p:spPr>
-        <p:style>
-          <a:lnRef idx="1">
-            <a:schemeClr val="accent2"/>
-          </a:lnRef>
-          <a:fillRef idx="2">
-            <a:schemeClr val="accent2"/>
-          </a:fillRef>
-          <a:effectRef idx="1">
-            <a:schemeClr val="accent2"/>
-          </a:effectRef>
-          <a:fontRef idx="minor">
-            <a:schemeClr val="dk1"/>
-          </a:fontRef>
-        </p:style>
-        <p:txBody>
-          <a:bodyPr rtlCol="0" anchor="ctr"/>
-          <a:lstStyle/>
-          <a:p>
-            <a:pPr algn="ctr"/>
-            <a:endParaRPr lang="en-SG" sz="1050">
-              <a:solidFill>
-                <a:schemeClr val="bg1"/>
-              </a:solidFill>
-            </a:endParaRPr>
-          </a:p>
-        </p:txBody>
-      </p:sp>
       <p:sp>
         <p:nvSpPr>
           <p:cNvPr id="65" name="Rectangle 8"/>
@@ -4476,7 +4446,7 @@
         </p:nvSpPr>
         <p:spPr>
           <a:xfrm>
-            <a:off x="4618128" y="2558040"/>
+            <a:off x="3803063" y="1919458"/>
             <a:ext cx="1093635" cy="346760"/>
           </a:xfrm>
           <a:prstGeom prst="rect">
@@ -4561,9 +4531,9 @@
           <p:nvPr/>
         </p:nvSpPr>
         <p:spPr>
-          <a:xfrm>
-            <a:off x="6019800" y="3160410"/>
-            <a:ext cx="1200707" cy="346760"/>
+          <a:xfrm rot="16200000">
+            <a:off x="5033738" y="2228089"/>
+            <a:ext cx="1097280" cy="346760"/>
           </a:xfrm>
           <a:prstGeom prst="rect">
             <a:avLst/>
@@ -4627,7 +4597,7 @@
                   </a:schemeClr>
                 </a:solidFill>
               </a:rPr>
-              <a:t>AddressBook</a:t>
+              <a:t>DeskBoard</a:t>
             </a:r>
             <a:endParaRPr lang="en-SG" sz="1050" b="1" dirty="0">
               <a:solidFill>
@@ -4643,15 +4613,14 @@
         <p:nvCxnSpPr>
           <p:cNvPr id="70" name="Elbow Connector 122"/>
           <p:cNvCxnSpPr>
-            <a:stCxn id="74" idx="0"/>
-            <a:endCxn id="73" idx="2"/>
+            <a:stCxn id="50" idx="3"/>
           </p:cNvCxnSpPr>
           <p:nvPr/>
         </p:nvCxnSpPr>
         <p:spPr>
-          <a:xfrm rot="5400000" flipH="1" flipV="1">
-            <a:off x="8077993" y="2992020"/>
-            <a:ext cx="335208" cy="12700"/>
+          <a:xfrm flipV="1">
+            <a:off x="5139118" y="2687954"/>
+            <a:ext cx="269880" cy="0"/>
           </a:xfrm>
           <a:prstGeom prst="bentConnector3">
             <a:avLst>
@@ -4687,9 +4656,9 @@
           <p:nvPr/>
         </p:nvSpPr>
         <p:spPr>
-          <a:xfrm>
-            <a:off x="7615738" y="2477656"/>
-            <a:ext cx="1259718" cy="346760"/>
+          <a:xfrm rot="16200000">
+            <a:off x="7231603" y="2228089"/>
+            <a:ext cx="1097280" cy="346760"/>
           </a:xfrm>
           <a:prstGeom prst="rect">
             <a:avLst/>
@@ -4744,8 +4713,8 @@
         </p:nvSpPr>
         <p:spPr>
           <a:xfrm>
-            <a:off x="7615738" y="3159624"/>
-            <a:ext cx="1259718" cy="346760"/>
+            <a:off x="6015713" y="2525494"/>
+            <a:ext cx="1325880" cy="346760"/>
           </a:xfrm>
           <a:prstGeom prst="rect">
             <a:avLst/>
@@ -4780,7 +4749,27 @@
                   </a:schemeClr>
                 </a:solidFill>
               </a:rPr>
-              <a:t>XmlAdaptedPerson</a:t>
+              <a:t>XmlAdapted</a:t>
+            </a:r>
+            <a:endParaRPr lang="en-US" sz="1050" b="1" dirty="0" smtClean="0">
+              <a:solidFill>
+                <a:schemeClr val="accent6">
+                  <a:lumMod val="75000"/>
+                </a:schemeClr>
+              </a:solidFill>
+            </a:endParaRPr>
+          </a:p>
+          <a:p>
+            <a:pPr algn="ctr"/>
+            <a:r>
+              <a:rPr lang="en-US" sz="1050" b="1" dirty="0" smtClean="0">
+                <a:solidFill>
+                  <a:schemeClr val="accent6">
+                    <a:lumMod val="75000"/>
+                  </a:schemeClr>
+                </a:solidFill>
+              </a:rPr>
+              <a:t>Event</a:t>
             </a:r>
             <a:endParaRPr lang="en-SG" sz="1050" b="1" dirty="0">
               <a:solidFill>
@@ -4792,19 +4781,206 @@
           </a:p>
         </p:txBody>
       </p:sp>
+      <p:sp>
+        <p:nvSpPr>
+          <p:cNvPr id="51" name="Rectangle 8"/>
+          <p:cNvSpPr/>
+          <p:nvPr/>
+        </p:nvSpPr>
+        <p:spPr>
+          <a:xfrm>
+            <a:off x="6015713" y="1914174"/>
+            <a:ext cx="1325880" cy="346760"/>
+          </a:xfrm>
+          <a:prstGeom prst="rect">
+            <a:avLst/>
+          </a:prstGeom>
+          <a:ln w="19050"/>
+          <a:effectLst/>
+        </p:spPr>
+        <p:style>
+          <a:lnRef idx="1">
+            <a:schemeClr val="accent6"/>
+          </a:lnRef>
+          <a:fillRef idx="2">
+            <a:schemeClr val="accent6"/>
+          </a:fillRef>
+          <a:effectRef idx="1">
+            <a:schemeClr val="accent6"/>
+          </a:effectRef>
+          <a:fontRef idx="minor">
+            <a:schemeClr val="dk1"/>
+          </a:fontRef>
+        </p:style>
+        <p:txBody>
+          <a:bodyPr rtlCol="0" anchor="ctr"/>
+          <a:lstStyle/>
+          <a:p>
+            <a:pPr algn="ctr"/>
+            <a:r>
+              <a:rPr lang="en-US" sz="1050" b="1" dirty="0" err="1" smtClean="0">
+                <a:solidFill>
+                  <a:schemeClr val="accent6">
+                    <a:lumMod val="75000"/>
+                  </a:schemeClr>
+                </a:solidFill>
+              </a:rPr>
+              <a:t>XmlAdapted</a:t>
+            </a:r>
+            <a:endParaRPr lang="en-US" sz="1050" b="1" dirty="0" smtClean="0">
+              <a:solidFill>
+                <a:schemeClr val="accent6">
+                  <a:lumMod val="75000"/>
+                </a:schemeClr>
+              </a:solidFill>
+            </a:endParaRPr>
+          </a:p>
+          <a:p>
+            <a:pPr algn="ctr"/>
+            <a:r>
+              <a:rPr lang="en-US" sz="1050" b="1" dirty="0" smtClean="0">
+                <a:solidFill>
+                  <a:schemeClr val="accent6">
+                    <a:lumMod val="75000"/>
+                  </a:schemeClr>
+                </a:solidFill>
+              </a:rPr>
+              <a:t>Task</a:t>
+            </a:r>
+            <a:endParaRPr lang="en-SG" sz="1050" b="1" dirty="0">
+              <a:solidFill>
+                <a:schemeClr val="accent6">
+                  <a:lumMod val="75000"/>
+                </a:schemeClr>
+              </a:solidFill>
+            </a:endParaRPr>
+          </a:p>
+        </p:txBody>
+      </p:sp>
       <p:cxnSp>
         <p:nvCxnSpPr>
-          <p:cNvPr id="77" name="Elbow Connector 122"/>
-          <p:cNvCxnSpPr>
-            <a:stCxn id="66" idx="3"/>
-            <a:endCxn id="74" idx="1"/>
-          </p:cNvCxnSpPr>
+          <p:cNvPr id="69" name="Elbow Connector 122"/>
+          <p:cNvCxnSpPr/>
           <p:nvPr/>
         </p:nvCxnSpPr>
         <p:spPr>
-          <a:xfrm flipV="1">
-            <a:off x="7220507" y="3333004"/>
-            <a:ext cx="395231" cy="786"/>
+          <a:xfrm>
+            <a:off x="5755758" y="2697479"/>
+            <a:ext cx="259955" cy="0"/>
+          </a:xfrm>
+          <a:prstGeom prst="bentConnector3">
+            <a:avLst>
+              <a:gd name="adj1" fmla="val 50000"/>
+            </a:avLst>
+          </a:prstGeom>
+          <a:ln w="19050">
+            <a:prstDash val="sysDot"/>
+            <a:headEnd type="none" w="med" len="med"/>
+            <a:tailEnd type="arrow" w="med" len="med"/>
+          </a:ln>
+          <a:effectLst/>
+        </p:spPr>
+        <p:style>
+          <a:lnRef idx="1">
+            <a:schemeClr val="accent6"/>
+          </a:lnRef>
+          <a:fillRef idx="2">
+            <a:schemeClr val="accent6"/>
+          </a:fillRef>
+          <a:effectRef idx="1">
+            <a:schemeClr val="accent6"/>
+          </a:effectRef>
+          <a:fontRef idx="minor">
+            <a:schemeClr val="dk1"/>
+          </a:fontRef>
+        </p:style>
+      </p:cxnSp>
+      <p:cxnSp>
+        <p:nvCxnSpPr>
+          <p:cNvPr id="72" name="Elbow Connector 122"/>
+          <p:cNvCxnSpPr/>
+          <p:nvPr/>
+        </p:nvCxnSpPr>
+        <p:spPr>
+          <a:xfrm>
+            <a:off x="5755758" y="2090729"/>
+            <a:ext cx="259955" cy="0"/>
+          </a:xfrm>
+          <a:prstGeom prst="bentConnector3">
+            <a:avLst>
+              <a:gd name="adj1" fmla="val 50000"/>
+            </a:avLst>
+          </a:prstGeom>
+          <a:ln w="19050">
+            <a:prstDash val="sysDot"/>
+            <a:headEnd type="none" w="med" len="med"/>
+            <a:tailEnd type="arrow" w="med" len="med"/>
+          </a:ln>
+          <a:effectLst/>
+        </p:spPr>
+        <p:style>
+          <a:lnRef idx="1">
+            <a:schemeClr val="accent6"/>
+          </a:lnRef>
+          <a:fillRef idx="2">
+            <a:schemeClr val="accent6"/>
+          </a:fillRef>
+          <a:effectRef idx="1">
+            <a:schemeClr val="accent6"/>
+          </a:effectRef>
+          <a:fontRef idx="minor">
+            <a:schemeClr val="dk1"/>
+          </a:fontRef>
+        </p:style>
+      </p:cxnSp>
+      <p:cxnSp>
+        <p:nvCxnSpPr>
+          <p:cNvPr id="82" name="Elbow Connector 122"/>
+          <p:cNvCxnSpPr/>
+          <p:nvPr/>
+        </p:nvCxnSpPr>
+        <p:spPr>
+          <a:xfrm>
+            <a:off x="7346908" y="2694304"/>
+            <a:ext cx="259955" cy="0"/>
+          </a:xfrm>
+          <a:prstGeom prst="bentConnector3">
+            <a:avLst>
+              <a:gd name="adj1" fmla="val 50000"/>
+            </a:avLst>
+          </a:prstGeom>
+          <a:ln w="19050">
+            <a:prstDash val="sysDot"/>
+            <a:headEnd type="none" w="med" len="med"/>
+            <a:tailEnd type="arrow" w="med" len="med"/>
+          </a:ln>
+          <a:effectLst/>
+        </p:spPr>
+        <p:style>
+          <a:lnRef idx="1">
+            <a:schemeClr val="accent6"/>
+          </a:lnRef>
+          <a:fillRef idx="2">
+            <a:schemeClr val="accent6"/>
+          </a:fillRef>
+          <a:effectRef idx="1">
+            <a:schemeClr val="accent6"/>
+          </a:effectRef>
+          <a:fontRef idx="minor">
+            <a:schemeClr val="dk1"/>
+          </a:fontRef>
+        </p:style>
+      </p:cxnSp>
+      <p:cxnSp>
+        <p:nvCxnSpPr>
+          <p:cNvPr id="83" name="Elbow Connector 122"/>
+          <p:cNvCxnSpPr/>
+          <p:nvPr/>
+        </p:nvCxnSpPr>
+        <p:spPr>
+          <a:xfrm>
+            <a:off x="7346908" y="2087554"/>
+            <a:ext cx="259955" cy="0"/>
           </a:xfrm>
           <a:prstGeom prst="bentConnector3">
             <a:avLst>

--- a/docs/diagrams/StorageComponentClassDiagram.pptx
+++ b/docs/diagrams/StorageComponentClassDiagram.pptx
@@ -208,7 +208,7 @@
           <a:p>
             <a:fld id="{F5CC4B3F-88C1-4FFA-B1B6-F41C21DC6924}" type="datetimeFigureOut">
               <a:rPr lang="en-US" smtClean="0"/>
-              <a:t>3/19/18</a:t>
+              <a:t>4/4/2018</a:t>
             </a:fld>
             <a:endParaRPr lang="en-US"/>
           </a:p>
@@ -654,7 +654,7 @@
           <a:p>
             <a:fld id="{78C97017-6FC3-485B-9764-EAC9E56C1D49}" type="datetimeFigureOut">
               <a:rPr lang="en-US" smtClean="0"/>
-              <a:t>3/19/18</a:t>
+              <a:t>4/4/2018</a:t>
             </a:fld>
             <a:endParaRPr lang="en-US"/>
           </a:p>
@@ -822,7 +822,7 @@
           <a:p>
             <a:fld id="{78C97017-6FC3-485B-9764-EAC9E56C1D49}" type="datetimeFigureOut">
               <a:rPr lang="en-US" smtClean="0"/>
-              <a:t>3/19/18</a:t>
+              <a:t>4/4/2018</a:t>
             </a:fld>
             <a:endParaRPr lang="en-US"/>
           </a:p>
@@ -1000,7 +1000,7 @@
           <a:p>
             <a:fld id="{78C97017-6FC3-485B-9764-EAC9E56C1D49}" type="datetimeFigureOut">
               <a:rPr lang="en-US" smtClean="0"/>
-              <a:t>3/19/18</a:t>
+              <a:t>4/4/2018</a:t>
             </a:fld>
             <a:endParaRPr lang="en-US"/>
           </a:p>
@@ -1168,7 +1168,7 @@
           <a:p>
             <a:fld id="{78C97017-6FC3-485B-9764-EAC9E56C1D49}" type="datetimeFigureOut">
               <a:rPr lang="en-US" smtClean="0"/>
-              <a:t>3/19/18</a:t>
+              <a:t>4/4/2018</a:t>
             </a:fld>
             <a:endParaRPr lang="en-US"/>
           </a:p>
@@ -1413,7 +1413,7 @@
           <a:p>
             <a:fld id="{78C97017-6FC3-485B-9764-EAC9E56C1D49}" type="datetimeFigureOut">
               <a:rPr lang="en-US" smtClean="0"/>
-              <a:t>3/19/18</a:t>
+              <a:t>4/4/2018</a:t>
             </a:fld>
             <a:endParaRPr lang="en-US"/>
           </a:p>
@@ -1698,7 +1698,7 @@
           <a:p>
             <a:fld id="{78C97017-6FC3-485B-9764-EAC9E56C1D49}" type="datetimeFigureOut">
               <a:rPr lang="en-US" smtClean="0"/>
-              <a:t>3/19/18</a:t>
+              <a:t>4/4/2018</a:t>
             </a:fld>
             <a:endParaRPr lang="en-US"/>
           </a:p>
@@ -2117,7 +2117,7 @@
           <a:p>
             <a:fld id="{78C97017-6FC3-485B-9764-EAC9E56C1D49}" type="datetimeFigureOut">
               <a:rPr lang="en-US" smtClean="0"/>
-              <a:t>3/19/18</a:t>
+              <a:t>4/4/2018</a:t>
             </a:fld>
             <a:endParaRPr lang="en-US"/>
           </a:p>
@@ -2234,7 +2234,7 @@
           <a:p>
             <a:fld id="{78C97017-6FC3-485B-9764-EAC9E56C1D49}" type="datetimeFigureOut">
               <a:rPr lang="en-US" smtClean="0"/>
-              <a:t>3/19/18</a:t>
+              <a:t>4/4/2018</a:t>
             </a:fld>
             <a:endParaRPr lang="en-US"/>
           </a:p>
@@ -2329,7 +2329,7 @@
           <a:p>
             <a:fld id="{78C97017-6FC3-485B-9764-EAC9E56C1D49}" type="datetimeFigureOut">
               <a:rPr lang="en-US" smtClean="0"/>
-              <a:t>3/19/18</a:t>
+              <a:t>4/4/2018</a:t>
             </a:fld>
             <a:endParaRPr lang="en-US"/>
           </a:p>
@@ -2604,7 +2604,7 @@
           <a:p>
             <a:fld id="{78C97017-6FC3-485B-9764-EAC9E56C1D49}" type="datetimeFigureOut">
               <a:rPr lang="en-US" smtClean="0"/>
-              <a:t>3/19/18</a:t>
+              <a:t>4/4/2018</a:t>
             </a:fld>
             <a:endParaRPr lang="en-US"/>
           </a:p>
@@ -2856,7 +2856,7 @@
           <a:p>
             <a:fld id="{78C97017-6FC3-485B-9764-EAC9E56C1D49}" type="datetimeFigureOut">
               <a:rPr lang="en-US" smtClean="0"/>
-              <a:t>3/19/18</a:t>
+              <a:t>4/4/2018</a:t>
             </a:fld>
             <a:endParaRPr lang="en-US"/>
           </a:p>
@@ -3067,7 +3067,7 @@
           <a:p>
             <a:fld id="{78C97017-6FC3-485B-9764-EAC9E56C1D49}" type="datetimeFigureOut">
               <a:rPr lang="en-US" smtClean="0"/>
-              <a:t>3/19/18</a:t>
+              <a:t>4/4/2018</a:t>
             </a:fld>
             <a:endParaRPr lang="en-US"/>
           </a:p>
@@ -3450,8 +3450,8 @@
         </p:nvSpPr>
         <p:spPr>
           <a:xfrm>
-            <a:off x="685799" y="1981201"/>
-            <a:ext cx="8005309" cy="2133599"/>
+            <a:off x="660177" y="1532157"/>
+            <a:ext cx="8005309" cy="3347079"/>
           </a:xfrm>
           <a:prstGeom prst="roundRect">
             <a:avLst>
@@ -3593,8 +3593,8 @@
         </p:nvSpPr>
         <p:spPr>
           <a:xfrm rot="16200000">
-            <a:off x="1231072" y="2868687"/>
-            <a:ext cx="1093635" cy="346760"/>
+            <a:off x="937393" y="3100916"/>
+            <a:ext cx="1619544" cy="408210"/>
           </a:xfrm>
           <a:prstGeom prst="rect">
             <a:avLst/>
@@ -3656,8 +3656,8 @@
         </p:nvSpPr>
         <p:spPr>
           <a:xfrm rot="16200000">
-            <a:off x="503311" y="2861202"/>
-            <a:ext cx="1093635" cy="346760"/>
+            <a:off x="205888" y="3097175"/>
+            <a:ext cx="1627031" cy="408210"/>
           </a:xfrm>
           <a:prstGeom prst="rect">
             <a:avLst/>
@@ -3730,7 +3730,7 @@
         </p:nvSpPr>
         <p:spPr>
           <a:xfrm rot="16200000">
-            <a:off x="1174019" y="2952291"/>
+            <a:off x="1167411" y="3246028"/>
             <a:ext cx="270504" cy="175523"/>
           </a:xfrm>
           <a:prstGeom prst="triangle">
@@ -3828,7 +3828,7 @@
         </p:nvCxnSpPr>
         <p:spPr>
           <a:xfrm>
-            <a:off x="457200" y="3040053"/>
+            <a:off x="395750" y="3330929"/>
             <a:ext cx="419548" cy="2860"/>
           </a:xfrm>
           <a:prstGeom prst="bentConnector3">
@@ -3873,7 +3873,7 @@
         </p:nvCxnSpPr>
         <p:spPr>
           <a:xfrm flipV="1">
-            <a:off x="1397033" y="3040052"/>
+            <a:off x="1390425" y="3333789"/>
             <a:ext cx="216105" cy="1"/>
           </a:xfrm>
           <a:prstGeom prst="line">
@@ -4908,6 +4908,393 @@
           </a:fontRef>
         </p:style>
       </p:cxnSp>
+      <p:sp>
+        <p:nvSpPr>
+          <p:cNvPr id="28" name="Flowchart: Decision 96">
+            <a:extLst>
+              <a:ext uri="{FF2B5EF4-FFF2-40B4-BE49-F238E27FC236}">
+                <a16:creationId xmlns:a16="http://schemas.microsoft.com/office/drawing/2014/main" id="{43B70F5D-E888-4D26-9CEB-CDFFCE3FC666}"/>
+              </a:ext>
+            </a:extLst>
+          </p:cNvPr>
+          <p:cNvSpPr/>
+          <p:nvPr/>
+        </p:nvSpPr>
+        <p:spPr>
+          <a:xfrm>
+            <a:off x="1976420" y="3727143"/>
+            <a:ext cx="236048" cy="173380"/>
+          </a:xfrm>
+          <a:prstGeom prst="flowChartDecision">
+            <a:avLst/>
+          </a:prstGeom>
+          <a:noFill/>
+          <a:ln w="19050">
+            <a:solidFill>
+              <a:schemeClr val="accent6">
+                <a:lumMod val="75000"/>
+              </a:schemeClr>
+            </a:solidFill>
+          </a:ln>
+          <a:effectLst/>
+        </p:spPr>
+        <p:style>
+          <a:lnRef idx="1">
+            <a:schemeClr val="accent2"/>
+          </a:lnRef>
+          <a:fillRef idx="2">
+            <a:schemeClr val="accent2"/>
+          </a:fillRef>
+          <a:effectRef idx="1">
+            <a:schemeClr val="accent2"/>
+          </a:effectRef>
+          <a:fontRef idx="minor">
+            <a:schemeClr val="dk1"/>
+          </a:fontRef>
+        </p:style>
+        <p:txBody>
+          <a:bodyPr rtlCol="0" anchor="ctr"/>
+          <a:lstStyle/>
+          <a:p>
+            <a:pPr algn="ctr"/>
+            <a:endParaRPr lang="en-US" sz="1050">
+              <a:solidFill>
+                <a:schemeClr val="bg1"/>
+              </a:solidFill>
+            </a:endParaRPr>
+          </a:p>
+        </p:txBody>
+      </p:sp>
+      <p:cxnSp>
+        <p:nvCxnSpPr>
+          <p:cNvPr id="29" name="Straight Arrow Connector 28">
+            <a:extLst>
+              <a:ext uri="{FF2B5EF4-FFF2-40B4-BE49-F238E27FC236}">
+                <a16:creationId xmlns:a16="http://schemas.microsoft.com/office/drawing/2014/main" id="{BB240EE2-BE87-411A-B4CE-ADD9FC9C5866}"/>
+              </a:ext>
+            </a:extLst>
+          </p:cNvPr>
+          <p:cNvCxnSpPr>
+            <a:cxnSpLocks/>
+          </p:cNvCxnSpPr>
+          <p:nvPr/>
+        </p:nvCxnSpPr>
+        <p:spPr>
+          <a:xfrm>
+            <a:off x="2212468" y="3808549"/>
+            <a:ext cx="220810" cy="5284"/>
+          </a:xfrm>
+          <a:prstGeom prst="straightConnector1">
+            <a:avLst/>
+          </a:prstGeom>
+          <a:ln w="19050">
+            <a:solidFill>
+              <a:schemeClr val="accent6">
+                <a:lumMod val="75000"/>
+              </a:schemeClr>
+            </a:solidFill>
+            <a:headEnd type="none" w="med" len="med"/>
+            <a:tailEnd type="arrow" w="med" len="med"/>
+          </a:ln>
+          <a:effectLst/>
+        </p:spPr>
+        <p:style>
+          <a:lnRef idx="1">
+            <a:schemeClr val="accent2"/>
+          </a:lnRef>
+          <a:fillRef idx="2">
+            <a:schemeClr val="accent2"/>
+          </a:fillRef>
+          <a:effectRef idx="1">
+            <a:schemeClr val="accent2"/>
+          </a:effectRef>
+          <a:fontRef idx="minor">
+            <a:schemeClr val="dk1"/>
+          </a:fontRef>
+        </p:style>
+      </p:cxnSp>
+      <p:sp>
+        <p:nvSpPr>
+          <p:cNvPr id="31" name="Rectangle 8">
+            <a:extLst>
+              <a:ext uri="{FF2B5EF4-FFF2-40B4-BE49-F238E27FC236}">
+                <a16:creationId xmlns:a16="http://schemas.microsoft.com/office/drawing/2014/main" id="{27384343-A9BA-4217-B7EA-A39FC0FD912B}"/>
+              </a:ext>
+            </a:extLst>
+          </p:cNvPr>
+          <p:cNvSpPr/>
+          <p:nvPr/>
+        </p:nvSpPr>
+        <p:spPr>
+          <a:xfrm>
+            <a:off x="2421052" y="3672078"/>
+            <a:ext cx="1744185" cy="346760"/>
+          </a:xfrm>
+          <a:prstGeom prst="rect">
+            <a:avLst/>
+          </a:prstGeom>
+          <a:solidFill>
+            <a:schemeClr val="accent6">
+              <a:lumMod val="75000"/>
+            </a:schemeClr>
+          </a:solidFill>
+          <a:ln w="19050">
+            <a:solidFill>
+              <a:schemeClr val="accent6">
+                <a:lumMod val="75000"/>
+              </a:schemeClr>
+            </a:solidFill>
+          </a:ln>
+          <a:effectLst/>
+        </p:spPr>
+        <p:style>
+          <a:lnRef idx="1">
+            <a:schemeClr val="accent2"/>
+          </a:lnRef>
+          <a:fillRef idx="2">
+            <a:schemeClr val="accent2"/>
+          </a:fillRef>
+          <a:effectRef idx="1">
+            <a:schemeClr val="accent2"/>
+          </a:effectRef>
+          <a:fontRef idx="minor">
+            <a:schemeClr val="dk1"/>
+          </a:fontRef>
+        </p:style>
+        <p:txBody>
+          <a:bodyPr rtlCol="0" anchor="ctr"/>
+          <a:lstStyle/>
+          <a:p>
+            <a:pPr algn="ctr"/>
+            <a:r>
+              <a:rPr lang="en-US" sz="1050" dirty="0">
+                <a:solidFill>
+                  <a:schemeClr val="bg1"/>
+                </a:solidFill>
+              </a:rPr>
+              <a:t>&lt;&lt;interface&gt;&gt;</a:t>
+            </a:r>
+            <a:br>
+              <a:rPr lang="en-US" sz="1050" dirty="0">
+                <a:solidFill>
+                  <a:schemeClr val="bg1"/>
+                </a:solidFill>
+              </a:rPr>
+            </a:br>
+            <a:r>
+              <a:rPr lang="en-US" sz="1050" dirty="0" err="1">
+                <a:solidFill>
+                  <a:schemeClr val="bg1"/>
+                </a:solidFill>
+              </a:rPr>
+              <a:t>ReadOnlyVenueInformation</a:t>
+            </a:r>
+            <a:endParaRPr lang="en-SG" sz="1050" dirty="0">
+              <a:solidFill>
+                <a:schemeClr val="bg1"/>
+              </a:solidFill>
+            </a:endParaRPr>
+          </a:p>
+        </p:txBody>
+      </p:sp>
+      <p:sp>
+        <p:nvSpPr>
+          <p:cNvPr id="32" name="Isosceles Triangle 102">
+            <a:extLst>
+              <a:ext uri="{FF2B5EF4-FFF2-40B4-BE49-F238E27FC236}">
+                <a16:creationId xmlns:a16="http://schemas.microsoft.com/office/drawing/2014/main" id="{AA677B84-AE76-44F1-AF08-4A7A8444EBFD}"/>
+              </a:ext>
+            </a:extLst>
+          </p:cNvPr>
+          <p:cNvSpPr/>
+          <p:nvPr/>
+        </p:nvSpPr>
+        <p:spPr>
+          <a:xfrm rot="5400000" flipV="1">
+            <a:off x="4136406" y="3747263"/>
+            <a:ext cx="270504" cy="175523"/>
+          </a:xfrm>
+          <a:prstGeom prst="triangle">
+            <a:avLst/>
+          </a:prstGeom>
+          <a:solidFill>
+            <a:schemeClr val="accent6">
+              <a:lumMod val="75000"/>
+            </a:schemeClr>
+          </a:solidFill>
+          <a:ln w="19050">
+            <a:solidFill>
+              <a:schemeClr val="accent6">
+                <a:lumMod val="75000"/>
+              </a:schemeClr>
+            </a:solidFill>
+          </a:ln>
+          <a:effectLst/>
+        </p:spPr>
+        <p:style>
+          <a:lnRef idx="1">
+            <a:schemeClr val="accent2"/>
+          </a:lnRef>
+          <a:fillRef idx="2">
+            <a:schemeClr val="accent2"/>
+          </a:fillRef>
+          <a:effectRef idx="1">
+            <a:schemeClr val="accent2"/>
+          </a:effectRef>
+          <a:fontRef idx="minor">
+            <a:schemeClr val="dk1"/>
+          </a:fontRef>
+        </p:style>
+        <p:txBody>
+          <a:bodyPr rtlCol="0" anchor="ctr"/>
+          <a:lstStyle/>
+          <a:p>
+            <a:pPr algn="ctr"/>
+            <a:endParaRPr lang="en-SG" sz="1050">
+              <a:solidFill>
+                <a:schemeClr val="bg1"/>
+              </a:solidFill>
+            </a:endParaRPr>
+          </a:p>
+        </p:txBody>
+      </p:sp>
+      <p:cxnSp>
+        <p:nvCxnSpPr>
+          <p:cNvPr id="34" name="Elbow Connector 63">
+            <a:extLst>
+              <a:ext uri="{FF2B5EF4-FFF2-40B4-BE49-F238E27FC236}">
+                <a16:creationId xmlns:a16="http://schemas.microsoft.com/office/drawing/2014/main" id="{68893A26-C03C-4B8B-9917-CD934A6203D3}"/>
+              </a:ext>
+            </a:extLst>
+          </p:cNvPr>
+          <p:cNvCxnSpPr>
+            <a:cxnSpLocks/>
+            <a:endCxn id="35" idx="1"/>
+          </p:cNvCxnSpPr>
+          <p:nvPr/>
+        </p:nvCxnSpPr>
+        <p:spPr>
+          <a:xfrm flipV="1">
+            <a:off x="4297007" y="3844473"/>
+            <a:ext cx="223324" cy="2"/>
+          </a:xfrm>
+          <a:prstGeom prst="bentConnector3">
+            <a:avLst>
+              <a:gd name="adj1" fmla="val 50000"/>
+            </a:avLst>
+          </a:prstGeom>
+          <a:ln w="19050">
+            <a:solidFill>
+              <a:schemeClr val="accent6">
+                <a:lumMod val="75000"/>
+              </a:schemeClr>
+            </a:solidFill>
+            <a:prstDash val="sysDot"/>
+            <a:headEnd type="none" w="med" len="med"/>
+            <a:tailEnd type="none" w="med" len="med"/>
+          </a:ln>
+          <a:effectLst/>
+        </p:spPr>
+        <p:style>
+          <a:lnRef idx="1">
+            <a:schemeClr val="accent2"/>
+          </a:lnRef>
+          <a:fillRef idx="2">
+            <a:schemeClr val="accent2"/>
+          </a:fillRef>
+          <a:effectRef idx="1">
+            <a:schemeClr val="accent2"/>
+          </a:effectRef>
+          <a:fontRef idx="minor">
+            <a:schemeClr val="dk1"/>
+          </a:fontRef>
+        </p:style>
+      </p:cxnSp>
+      <p:sp>
+        <p:nvSpPr>
+          <p:cNvPr id="35" name="Rectangle 8">
+            <a:extLst>
+              <a:ext uri="{FF2B5EF4-FFF2-40B4-BE49-F238E27FC236}">
+                <a16:creationId xmlns:a16="http://schemas.microsoft.com/office/drawing/2014/main" id="{1C0F9479-E0A7-4143-915D-BAB51121A4F1}"/>
+              </a:ext>
+            </a:extLst>
+          </p:cNvPr>
+          <p:cNvSpPr/>
+          <p:nvPr/>
+        </p:nvSpPr>
+        <p:spPr>
+          <a:xfrm>
+            <a:off x="4520331" y="3671093"/>
+            <a:ext cx="1259718" cy="346760"/>
+          </a:xfrm>
+          <a:prstGeom prst="rect">
+            <a:avLst/>
+          </a:prstGeom>
+          <a:solidFill>
+            <a:schemeClr val="accent6">
+              <a:lumMod val="75000"/>
+            </a:schemeClr>
+          </a:solidFill>
+          <a:ln w="19050">
+            <a:solidFill>
+              <a:schemeClr val="accent6">
+                <a:lumMod val="75000"/>
+              </a:schemeClr>
+            </a:solidFill>
+          </a:ln>
+          <a:effectLst/>
+        </p:spPr>
+        <p:style>
+          <a:lnRef idx="1">
+            <a:schemeClr val="accent2"/>
+          </a:lnRef>
+          <a:fillRef idx="2">
+            <a:schemeClr val="accent2"/>
+          </a:fillRef>
+          <a:effectRef idx="1">
+            <a:schemeClr val="accent2"/>
+          </a:effectRef>
+          <a:fontRef idx="minor">
+            <a:schemeClr val="dk1"/>
+          </a:fontRef>
+        </p:style>
+        <p:txBody>
+          <a:bodyPr rtlCol="0" anchor="ctr"/>
+          <a:lstStyle/>
+          <a:p>
+            <a:pPr algn="ctr"/>
+            <a:r>
+              <a:rPr lang="en-US" sz="1050" dirty="0" err="1">
+                <a:solidFill>
+                  <a:schemeClr val="bg1"/>
+                </a:solidFill>
+              </a:rPr>
+              <a:t>ReadOnlyJson</a:t>
+            </a:r>
+            <a:endParaRPr lang="en-US" sz="1050" dirty="0">
+              <a:solidFill>
+                <a:schemeClr val="bg1"/>
+              </a:solidFill>
+            </a:endParaRPr>
+          </a:p>
+          <a:p>
+            <a:pPr algn="ctr"/>
+            <a:r>
+              <a:rPr lang="en-US" sz="1050" dirty="0" err="1">
+                <a:solidFill>
+                  <a:schemeClr val="bg1"/>
+                </a:solidFill>
+              </a:rPr>
+              <a:t>VenueInformation</a:t>
+            </a:r>
+            <a:endParaRPr lang="en-SG" sz="1050" dirty="0">
+              <a:solidFill>
+                <a:schemeClr val="bg1"/>
+              </a:solidFill>
+            </a:endParaRPr>
+          </a:p>
+        </p:txBody>
+      </p:sp>
     </p:spTree>
     <p:extLst>
       <p:ext uri="{BB962C8B-B14F-4D97-AF65-F5344CB8AC3E}">

--- a/docs/diagrams/StorageComponentClassDiagram.pptx
+++ b/docs/diagrams/StorageComponentClassDiagram.pptx
@@ -107,7 +107,27 @@
       </a:defRPr>
     </a:lvl9pPr>
   </p:defaultTextStyle>
+  <p:extLst>
+    <p:ext uri="{EFAFB233-063F-42B5-8137-9DF3F51BA10A}">
+      <p15:sldGuideLst xmlns:p15="http://schemas.microsoft.com/office/powerpoint/2012/main">
+        <p15:guide id="1" orient="horz" pos="1488">
+          <p15:clr>
+            <a:srgbClr val="A4A3A4"/>
+          </p15:clr>
+        </p15:guide>
+        <p15:guide id="2" pos="2880">
+          <p15:clr>
+            <a:srgbClr val="A4A3A4"/>
+          </p15:clr>
+        </p15:guide>
+      </p15:sldGuideLst>
+    </p:ext>
+  </p:extLst>
 </p:presentation>
+</file>
+
+<file path=ppt/revisionInfo.xml><?xml version="1.0" encoding="utf-8"?>
+<p1510:revInfo xmlns:a="http://schemas.openxmlformats.org/drawingml/2006/main" xmlns:r="http://schemas.openxmlformats.org/officeDocument/2006/relationships" xmlns:p1510="http://schemas.microsoft.com/office/powerpoint/2015/10/main"/>
 </file>
 
 <file path=ppt/notesMasters/notesMaster1.xml><?xml version="1.0" encoding="utf-8"?>
@@ -192,7 +212,7 @@
           <a:p>
             <a:fld id="{F5CC4B3F-88C1-4FFA-B1B6-F41C21DC6924}" type="datetimeFigureOut">
               <a:rPr lang="en-US" smtClean="0"/>
-              <a:t>10/16/2016</a:t>
+              <a:t>4/10/2018</a:t>
             </a:fld>
             <a:endParaRPr lang="en-US"/>
           </a:p>
@@ -256,38 +276,37 @@
           <a:p>
             <a:pPr lvl="0"/>
             <a:r>
-              <a:rPr lang="en-US" smtClean="0"/>
+              <a:rPr lang="en-US"/>
               <a:t>Click to edit Master text styles</a:t>
             </a:r>
           </a:p>
           <a:p>
             <a:pPr lvl="1"/>
             <a:r>
-              <a:rPr lang="en-US" smtClean="0"/>
+              <a:rPr lang="en-US"/>
               <a:t>Second level</a:t>
             </a:r>
           </a:p>
           <a:p>
             <a:pPr lvl="2"/>
             <a:r>
-              <a:rPr lang="en-US" smtClean="0"/>
+              <a:rPr lang="en-US"/>
               <a:t>Third level</a:t>
             </a:r>
           </a:p>
           <a:p>
             <a:pPr lvl="3"/>
             <a:r>
-              <a:rPr lang="en-US" smtClean="0"/>
+              <a:rPr lang="en-US"/>
               <a:t>Fourth level</a:t>
             </a:r>
           </a:p>
           <a:p>
             <a:pPr lvl="4"/>
             <a:r>
-              <a:rPr lang="en-US" smtClean="0"/>
+              <a:rPr lang="en-US"/>
               <a:t>Fifth level</a:t>
             </a:r>
-            <a:endParaRPr lang="en-US"/>
           </a:p>
         </p:txBody>
       </p:sp>
@@ -498,10 +517,9 @@
           <a:lstStyle/>
           <a:p>
             <a:r>
-              <a:rPr lang="en-US" smtClean="0"/>
+              <a:rPr lang="en-US"/>
               <a:t>Click to edit Master title style</a:t>
             </a:r>
-            <a:endParaRPr lang="en-US"/>
           </a:p>
         </p:txBody>
       </p:sp>
@@ -617,10 +635,9 @@
           </a:lstStyle>
           <a:p>
             <a:r>
-              <a:rPr lang="en-US" smtClean="0"/>
+              <a:rPr lang="en-US"/>
               <a:t>Click to edit Master subtitle style</a:t>
             </a:r>
-            <a:endParaRPr lang="en-US"/>
           </a:p>
         </p:txBody>
       </p:sp>
@@ -641,7 +658,7 @@
           <a:p>
             <a:fld id="{78C97017-6FC3-485B-9764-EAC9E56C1D49}" type="datetimeFigureOut">
               <a:rPr lang="en-US" smtClean="0"/>
-              <a:t>10/16/2016</a:t>
+              <a:t>4/10/2018</a:t>
             </a:fld>
             <a:endParaRPr lang="en-US"/>
           </a:p>
@@ -735,10 +752,9 @@
           <a:lstStyle/>
           <a:p>
             <a:r>
-              <a:rPr lang="en-US" smtClean="0"/>
+              <a:rPr lang="en-US"/>
               <a:t>Click to edit Master title style</a:t>
             </a:r>
-            <a:endParaRPr lang="en-US"/>
           </a:p>
         </p:txBody>
       </p:sp>
@@ -759,38 +775,37 @@
           <a:p>
             <a:pPr lvl="0"/>
             <a:r>
-              <a:rPr lang="en-US" smtClean="0"/>
+              <a:rPr lang="en-US"/>
               <a:t>Click to edit Master text styles</a:t>
             </a:r>
           </a:p>
           <a:p>
             <a:pPr lvl="1"/>
             <a:r>
-              <a:rPr lang="en-US" smtClean="0"/>
+              <a:rPr lang="en-US"/>
               <a:t>Second level</a:t>
             </a:r>
           </a:p>
           <a:p>
             <a:pPr lvl="2"/>
             <a:r>
-              <a:rPr lang="en-US" smtClean="0"/>
+              <a:rPr lang="en-US"/>
               <a:t>Third level</a:t>
             </a:r>
           </a:p>
           <a:p>
             <a:pPr lvl="3"/>
             <a:r>
-              <a:rPr lang="en-US" smtClean="0"/>
+              <a:rPr lang="en-US"/>
               <a:t>Fourth level</a:t>
             </a:r>
           </a:p>
           <a:p>
             <a:pPr lvl="4"/>
             <a:r>
-              <a:rPr lang="en-US" smtClean="0"/>
+              <a:rPr lang="en-US"/>
               <a:t>Fifth level</a:t>
             </a:r>
-            <a:endParaRPr lang="en-US"/>
           </a:p>
         </p:txBody>
       </p:sp>
@@ -811,7 +826,7 @@
           <a:p>
             <a:fld id="{78C97017-6FC3-485B-9764-EAC9E56C1D49}" type="datetimeFigureOut">
               <a:rPr lang="en-US" smtClean="0"/>
-              <a:t>10/16/2016</a:t>
+              <a:t>4/10/2018</a:t>
             </a:fld>
             <a:endParaRPr lang="en-US"/>
           </a:p>
@@ -910,10 +925,9 @@
           <a:lstStyle/>
           <a:p>
             <a:r>
-              <a:rPr lang="en-US" smtClean="0"/>
+              <a:rPr lang="en-US"/>
               <a:t>Click to edit Master title style</a:t>
             </a:r>
-            <a:endParaRPr lang="en-US"/>
           </a:p>
         </p:txBody>
       </p:sp>
@@ -939,38 +953,37 @@
           <a:p>
             <a:pPr lvl="0"/>
             <a:r>
-              <a:rPr lang="en-US" smtClean="0"/>
+              <a:rPr lang="en-US"/>
               <a:t>Click to edit Master text styles</a:t>
             </a:r>
           </a:p>
           <a:p>
             <a:pPr lvl="1"/>
             <a:r>
-              <a:rPr lang="en-US" smtClean="0"/>
+              <a:rPr lang="en-US"/>
               <a:t>Second level</a:t>
             </a:r>
           </a:p>
           <a:p>
             <a:pPr lvl="2"/>
             <a:r>
-              <a:rPr lang="en-US" smtClean="0"/>
+              <a:rPr lang="en-US"/>
               <a:t>Third level</a:t>
             </a:r>
           </a:p>
           <a:p>
             <a:pPr lvl="3"/>
             <a:r>
-              <a:rPr lang="en-US" smtClean="0"/>
+              <a:rPr lang="en-US"/>
               <a:t>Fourth level</a:t>
             </a:r>
           </a:p>
           <a:p>
             <a:pPr lvl="4"/>
             <a:r>
-              <a:rPr lang="en-US" smtClean="0"/>
+              <a:rPr lang="en-US"/>
               <a:t>Fifth level</a:t>
             </a:r>
-            <a:endParaRPr lang="en-US"/>
           </a:p>
         </p:txBody>
       </p:sp>
@@ -991,7 +1004,7 @@
           <a:p>
             <a:fld id="{78C97017-6FC3-485B-9764-EAC9E56C1D49}" type="datetimeFigureOut">
               <a:rPr lang="en-US" smtClean="0"/>
-              <a:t>10/16/2016</a:t>
+              <a:t>4/10/2018</a:t>
             </a:fld>
             <a:endParaRPr lang="en-US"/>
           </a:p>
@@ -1085,10 +1098,9 @@
           <a:lstStyle/>
           <a:p>
             <a:r>
-              <a:rPr lang="en-US" smtClean="0"/>
+              <a:rPr lang="en-US"/>
               <a:t>Click to edit Master title style</a:t>
             </a:r>
-            <a:endParaRPr lang="en-US"/>
           </a:p>
         </p:txBody>
       </p:sp>
@@ -1109,38 +1121,37 @@
           <a:p>
             <a:pPr lvl="0"/>
             <a:r>
-              <a:rPr lang="en-US" smtClean="0"/>
+              <a:rPr lang="en-US"/>
               <a:t>Click to edit Master text styles</a:t>
             </a:r>
           </a:p>
           <a:p>
             <a:pPr lvl="1"/>
             <a:r>
-              <a:rPr lang="en-US" smtClean="0"/>
+              <a:rPr lang="en-US"/>
               <a:t>Second level</a:t>
             </a:r>
           </a:p>
           <a:p>
             <a:pPr lvl="2"/>
             <a:r>
-              <a:rPr lang="en-US" smtClean="0"/>
+              <a:rPr lang="en-US"/>
               <a:t>Third level</a:t>
             </a:r>
           </a:p>
           <a:p>
             <a:pPr lvl="3"/>
             <a:r>
-              <a:rPr lang="en-US" smtClean="0"/>
+              <a:rPr lang="en-US"/>
               <a:t>Fourth level</a:t>
             </a:r>
           </a:p>
           <a:p>
             <a:pPr lvl="4"/>
             <a:r>
-              <a:rPr lang="en-US" smtClean="0"/>
+              <a:rPr lang="en-US"/>
               <a:t>Fifth level</a:t>
             </a:r>
-            <a:endParaRPr lang="en-US"/>
           </a:p>
         </p:txBody>
       </p:sp>
@@ -1161,7 +1172,7 @@
           <a:p>
             <a:fld id="{78C97017-6FC3-485B-9764-EAC9E56C1D49}" type="datetimeFigureOut">
               <a:rPr lang="en-US" smtClean="0"/>
-              <a:t>10/16/2016</a:t>
+              <a:t>4/10/2018</a:t>
             </a:fld>
             <a:endParaRPr lang="en-US"/>
           </a:p>
@@ -1264,10 +1275,9 @@
           </a:lstStyle>
           <a:p>
             <a:r>
-              <a:rPr lang="en-US" smtClean="0"/>
+              <a:rPr lang="en-US"/>
               <a:t>Click to edit Master title style</a:t>
             </a:r>
-            <a:endParaRPr lang="en-US"/>
           </a:p>
         </p:txBody>
       </p:sp>
@@ -1384,7 +1394,7 @@
           <a:p>
             <a:pPr lvl="0"/>
             <a:r>
-              <a:rPr lang="en-US" smtClean="0"/>
+              <a:rPr lang="en-US"/>
               <a:t>Click to edit Master text styles</a:t>
             </a:r>
           </a:p>
@@ -1407,7 +1417,7 @@
           <a:p>
             <a:fld id="{78C97017-6FC3-485B-9764-EAC9E56C1D49}" type="datetimeFigureOut">
               <a:rPr lang="en-US" smtClean="0"/>
-              <a:t>10/16/2016</a:t>
+              <a:t>4/10/2018</a:t>
             </a:fld>
             <a:endParaRPr lang="en-US"/>
           </a:p>
@@ -1501,10 +1511,9 @@
           <a:lstStyle/>
           <a:p>
             <a:r>
-              <a:rPr lang="en-US" smtClean="0"/>
+              <a:rPr lang="en-US"/>
               <a:t>Click to edit Master title style</a:t>
             </a:r>
-            <a:endParaRPr lang="en-US"/>
           </a:p>
         </p:txBody>
       </p:sp>
@@ -1558,38 +1567,37 @@
           <a:p>
             <a:pPr lvl="0"/>
             <a:r>
-              <a:rPr lang="en-US" smtClean="0"/>
+              <a:rPr lang="en-US"/>
               <a:t>Click to edit Master text styles</a:t>
             </a:r>
           </a:p>
           <a:p>
             <a:pPr lvl="1"/>
             <a:r>
-              <a:rPr lang="en-US" smtClean="0"/>
+              <a:rPr lang="en-US"/>
               <a:t>Second level</a:t>
             </a:r>
           </a:p>
           <a:p>
             <a:pPr lvl="2"/>
             <a:r>
-              <a:rPr lang="en-US" smtClean="0"/>
+              <a:rPr lang="en-US"/>
               <a:t>Third level</a:t>
             </a:r>
           </a:p>
           <a:p>
             <a:pPr lvl="3"/>
             <a:r>
-              <a:rPr lang="en-US" smtClean="0"/>
+              <a:rPr lang="en-US"/>
               <a:t>Fourth level</a:t>
             </a:r>
           </a:p>
           <a:p>
             <a:pPr lvl="4"/>
             <a:r>
-              <a:rPr lang="en-US" smtClean="0"/>
+              <a:rPr lang="en-US"/>
               <a:t>Fifth level</a:t>
             </a:r>
-            <a:endParaRPr lang="en-US"/>
           </a:p>
         </p:txBody>
       </p:sp>
@@ -1643,38 +1651,37 @@
           <a:p>
             <a:pPr lvl="0"/>
             <a:r>
-              <a:rPr lang="en-US" smtClean="0"/>
+              <a:rPr lang="en-US"/>
               <a:t>Click to edit Master text styles</a:t>
             </a:r>
           </a:p>
           <a:p>
             <a:pPr lvl="1"/>
             <a:r>
-              <a:rPr lang="en-US" smtClean="0"/>
+              <a:rPr lang="en-US"/>
               <a:t>Second level</a:t>
             </a:r>
           </a:p>
           <a:p>
             <a:pPr lvl="2"/>
             <a:r>
-              <a:rPr lang="en-US" smtClean="0"/>
+              <a:rPr lang="en-US"/>
               <a:t>Third level</a:t>
             </a:r>
           </a:p>
           <a:p>
             <a:pPr lvl="3"/>
             <a:r>
-              <a:rPr lang="en-US" smtClean="0"/>
+              <a:rPr lang="en-US"/>
               <a:t>Fourth level</a:t>
             </a:r>
           </a:p>
           <a:p>
             <a:pPr lvl="4"/>
             <a:r>
-              <a:rPr lang="en-US" smtClean="0"/>
+              <a:rPr lang="en-US"/>
               <a:t>Fifth level</a:t>
             </a:r>
-            <a:endParaRPr lang="en-US"/>
           </a:p>
         </p:txBody>
       </p:sp>
@@ -1695,7 +1702,7 @@
           <a:p>
             <a:fld id="{78C97017-6FC3-485B-9764-EAC9E56C1D49}" type="datetimeFigureOut">
               <a:rPr lang="en-US" smtClean="0"/>
-              <a:t>10/16/2016</a:t>
+              <a:t>4/10/2018</a:t>
             </a:fld>
             <a:endParaRPr lang="en-US"/>
           </a:p>
@@ -1793,10 +1800,9 @@
           </a:lstStyle>
           <a:p>
             <a:r>
-              <a:rPr lang="en-US" smtClean="0"/>
+              <a:rPr lang="en-US"/>
               <a:t>Click to edit Master title style</a:t>
             </a:r>
-            <a:endParaRPr lang="en-US"/>
           </a:p>
         </p:txBody>
       </p:sp>
@@ -1859,7 +1865,7 @@
           <a:p>
             <a:pPr lvl="0"/>
             <a:r>
-              <a:rPr lang="en-US" smtClean="0"/>
+              <a:rPr lang="en-US"/>
               <a:t>Click to edit Master text styles</a:t>
             </a:r>
           </a:p>
@@ -1915,38 +1921,37 @@
           <a:p>
             <a:pPr lvl="0"/>
             <a:r>
-              <a:rPr lang="en-US" smtClean="0"/>
+              <a:rPr lang="en-US"/>
               <a:t>Click to edit Master text styles</a:t>
             </a:r>
           </a:p>
           <a:p>
             <a:pPr lvl="1"/>
             <a:r>
-              <a:rPr lang="en-US" smtClean="0"/>
+              <a:rPr lang="en-US"/>
               <a:t>Second level</a:t>
             </a:r>
           </a:p>
           <a:p>
             <a:pPr lvl="2"/>
             <a:r>
-              <a:rPr lang="en-US" smtClean="0"/>
+              <a:rPr lang="en-US"/>
               <a:t>Third level</a:t>
             </a:r>
           </a:p>
           <a:p>
             <a:pPr lvl="3"/>
             <a:r>
-              <a:rPr lang="en-US" smtClean="0"/>
+              <a:rPr lang="en-US"/>
               <a:t>Fourth level</a:t>
             </a:r>
           </a:p>
           <a:p>
             <a:pPr lvl="4"/>
             <a:r>
-              <a:rPr lang="en-US" smtClean="0"/>
+              <a:rPr lang="en-US"/>
               <a:t>Fifth level</a:t>
             </a:r>
-            <a:endParaRPr lang="en-US"/>
           </a:p>
         </p:txBody>
       </p:sp>
@@ -2009,7 +2014,7 @@
           <a:p>
             <a:pPr lvl="0"/>
             <a:r>
-              <a:rPr lang="en-US" smtClean="0"/>
+              <a:rPr lang="en-US"/>
               <a:t>Click to edit Master text styles</a:t>
             </a:r>
           </a:p>
@@ -2065,38 +2070,37 @@
           <a:p>
             <a:pPr lvl="0"/>
             <a:r>
-              <a:rPr lang="en-US" smtClean="0"/>
+              <a:rPr lang="en-US"/>
               <a:t>Click to edit Master text styles</a:t>
             </a:r>
           </a:p>
           <a:p>
             <a:pPr lvl="1"/>
             <a:r>
-              <a:rPr lang="en-US" smtClean="0"/>
+              <a:rPr lang="en-US"/>
               <a:t>Second level</a:t>
             </a:r>
           </a:p>
           <a:p>
             <a:pPr lvl="2"/>
             <a:r>
-              <a:rPr lang="en-US" smtClean="0"/>
+              <a:rPr lang="en-US"/>
               <a:t>Third level</a:t>
             </a:r>
           </a:p>
           <a:p>
             <a:pPr lvl="3"/>
             <a:r>
-              <a:rPr lang="en-US" smtClean="0"/>
+              <a:rPr lang="en-US"/>
               <a:t>Fourth level</a:t>
             </a:r>
           </a:p>
           <a:p>
             <a:pPr lvl="4"/>
             <a:r>
-              <a:rPr lang="en-US" smtClean="0"/>
+              <a:rPr lang="en-US"/>
               <a:t>Fifth level</a:t>
             </a:r>
-            <a:endParaRPr lang="en-US"/>
           </a:p>
         </p:txBody>
       </p:sp>
@@ -2117,7 +2121,7 @@
           <a:p>
             <a:fld id="{78C97017-6FC3-485B-9764-EAC9E56C1D49}" type="datetimeFigureOut">
               <a:rPr lang="en-US" smtClean="0"/>
-              <a:t>10/16/2016</a:t>
+              <a:t>4/10/2018</a:t>
             </a:fld>
             <a:endParaRPr lang="en-US"/>
           </a:p>
@@ -2211,10 +2215,9 @@
           <a:lstStyle/>
           <a:p>
             <a:r>
-              <a:rPr lang="en-US" smtClean="0"/>
+              <a:rPr lang="en-US"/>
               <a:t>Click to edit Master title style</a:t>
             </a:r>
-            <a:endParaRPr lang="en-US"/>
           </a:p>
         </p:txBody>
       </p:sp>
@@ -2235,7 +2238,7 @@
           <a:p>
             <a:fld id="{78C97017-6FC3-485B-9764-EAC9E56C1D49}" type="datetimeFigureOut">
               <a:rPr lang="en-US" smtClean="0"/>
-              <a:t>10/16/2016</a:t>
+              <a:t>4/10/2018</a:t>
             </a:fld>
             <a:endParaRPr lang="en-US"/>
           </a:p>
@@ -2330,7 +2333,7 @@
           <a:p>
             <a:fld id="{78C97017-6FC3-485B-9764-EAC9E56C1D49}" type="datetimeFigureOut">
               <a:rPr lang="en-US" smtClean="0"/>
-              <a:t>10/16/2016</a:t>
+              <a:t>4/10/2018</a:t>
             </a:fld>
             <a:endParaRPr lang="en-US"/>
           </a:p>
@@ -2433,10 +2436,9 @@
           </a:lstStyle>
           <a:p>
             <a:r>
-              <a:rPr lang="en-US" smtClean="0"/>
+              <a:rPr lang="en-US"/>
               <a:t>Click to edit Master title style</a:t>
             </a:r>
-            <a:endParaRPr lang="en-US"/>
           </a:p>
         </p:txBody>
       </p:sp>
@@ -2490,38 +2492,37 @@
           <a:p>
             <a:pPr lvl="0"/>
             <a:r>
-              <a:rPr lang="en-US" smtClean="0"/>
+              <a:rPr lang="en-US"/>
               <a:t>Click to edit Master text styles</a:t>
             </a:r>
           </a:p>
           <a:p>
             <a:pPr lvl="1"/>
             <a:r>
-              <a:rPr lang="en-US" smtClean="0"/>
+              <a:rPr lang="en-US"/>
               <a:t>Second level</a:t>
             </a:r>
           </a:p>
           <a:p>
             <a:pPr lvl="2"/>
             <a:r>
-              <a:rPr lang="en-US" smtClean="0"/>
+              <a:rPr lang="en-US"/>
               <a:t>Third level</a:t>
             </a:r>
           </a:p>
           <a:p>
             <a:pPr lvl="3"/>
             <a:r>
-              <a:rPr lang="en-US" smtClean="0"/>
+              <a:rPr lang="en-US"/>
               <a:t>Fourth level</a:t>
             </a:r>
           </a:p>
           <a:p>
             <a:pPr lvl="4"/>
             <a:r>
-              <a:rPr lang="en-US" smtClean="0"/>
+              <a:rPr lang="en-US"/>
               <a:t>Fifth level</a:t>
             </a:r>
-            <a:endParaRPr lang="en-US"/>
           </a:p>
         </p:txBody>
       </p:sp>
@@ -2584,7 +2585,7 @@
           <a:p>
             <a:pPr lvl="0"/>
             <a:r>
-              <a:rPr lang="en-US" smtClean="0"/>
+              <a:rPr lang="en-US"/>
               <a:t>Click to edit Master text styles</a:t>
             </a:r>
           </a:p>
@@ -2607,7 +2608,7 @@
           <a:p>
             <a:fld id="{78C97017-6FC3-485B-9764-EAC9E56C1D49}" type="datetimeFigureOut">
               <a:rPr lang="en-US" smtClean="0"/>
-              <a:t>10/16/2016</a:t>
+              <a:t>4/10/2018</a:t>
             </a:fld>
             <a:endParaRPr lang="en-US"/>
           </a:p>
@@ -2710,10 +2711,9 @@
           </a:lstStyle>
           <a:p>
             <a:r>
-              <a:rPr lang="en-US" smtClean="0"/>
+              <a:rPr lang="en-US"/>
               <a:t>Click to edit Master title style</a:t>
             </a:r>
-            <a:endParaRPr lang="en-US"/>
           </a:p>
         </p:txBody>
       </p:sp>
@@ -2837,7 +2837,7 @@
           <a:p>
             <a:pPr lvl="0"/>
             <a:r>
-              <a:rPr lang="en-US" smtClean="0"/>
+              <a:rPr lang="en-US"/>
               <a:t>Click to edit Master text styles</a:t>
             </a:r>
           </a:p>
@@ -2860,7 +2860,7 @@
           <a:p>
             <a:fld id="{78C97017-6FC3-485B-9764-EAC9E56C1D49}" type="datetimeFigureOut">
               <a:rPr lang="en-US" smtClean="0"/>
-              <a:t>10/16/2016</a:t>
+              <a:t>4/10/2018</a:t>
             </a:fld>
             <a:endParaRPr lang="en-US"/>
           </a:p>
@@ -2969,10 +2969,9 @@
           <a:lstStyle/>
           <a:p>
             <a:r>
-              <a:rPr lang="en-US" smtClean="0"/>
+              <a:rPr lang="en-US"/>
               <a:t>Click to edit Master title style</a:t>
             </a:r>
-            <a:endParaRPr lang="en-US"/>
           </a:p>
         </p:txBody>
       </p:sp>
@@ -3003,38 +3002,37 @@
           <a:p>
             <a:pPr lvl="0"/>
             <a:r>
-              <a:rPr lang="en-US" smtClean="0"/>
+              <a:rPr lang="en-US"/>
               <a:t>Click to edit Master text styles</a:t>
             </a:r>
           </a:p>
           <a:p>
             <a:pPr lvl="1"/>
             <a:r>
-              <a:rPr lang="en-US" smtClean="0"/>
+              <a:rPr lang="en-US"/>
               <a:t>Second level</a:t>
             </a:r>
           </a:p>
           <a:p>
             <a:pPr lvl="2"/>
             <a:r>
-              <a:rPr lang="en-US" smtClean="0"/>
+              <a:rPr lang="en-US"/>
               <a:t>Third level</a:t>
             </a:r>
           </a:p>
           <a:p>
             <a:pPr lvl="3"/>
             <a:r>
-              <a:rPr lang="en-US" smtClean="0"/>
+              <a:rPr lang="en-US"/>
               <a:t>Fourth level</a:t>
             </a:r>
           </a:p>
           <a:p>
             <a:pPr lvl="4"/>
             <a:r>
-              <a:rPr lang="en-US" smtClean="0"/>
+              <a:rPr lang="en-US"/>
               <a:t>Fifth level</a:t>
             </a:r>
-            <a:endParaRPr lang="en-US"/>
           </a:p>
         </p:txBody>
       </p:sp>
@@ -3073,7 +3071,7 @@
           <a:p>
             <a:fld id="{78C97017-6FC3-485B-9764-EAC9E56C1D49}" type="datetimeFigureOut">
               <a:rPr lang="en-US" smtClean="0"/>
-              <a:t>10/16/2016</a:t>
+              <a:t>4/10/2018</a:t>
             </a:fld>
             <a:endParaRPr lang="en-US"/>
           </a:p>
@@ -3457,7 +3455,7 @@
         <p:spPr>
           <a:xfrm>
             <a:off x="1119865" y="2086382"/>
-            <a:ext cx="7871735" cy="1723618"/>
+            <a:ext cx="7871735" cy="1952218"/>
           </a:xfrm>
           <a:prstGeom prst="roundRect">
             <a:avLst>
@@ -3494,7 +3492,7 @@
           <a:lstStyle/>
           <a:p>
             <a:r>
-              <a:rPr lang="en-US" sz="1200" b="1" dirty="0" smtClean="0">
+              <a:rPr lang="en-US" sz="1200" b="1" dirty="0">
                 <a:solidFill>
                   <a:schemeClr val="accent6">
                     <a:lumMod val="75000"/>
@@ -3561,7 +3559,7 @@
           <a:p>
             <a:pPr algn="ctr"/>
             <a:r>
-              <a:rPr lang="en-US" sz="1050" dirty="0" smtClean="0">
+              <a:rPr lang="en-US" sz="1050" dirty="0">
                 <a:solidFill>
                   <a:schemeClr val="bg1"/>
                 </a:solidFill>
@@ -3569,14 +3567,14 @@
               <a:t>&lt;&lt;interface&gt;&gt;</a:t>
             </a:r>
             <a:br>
-              <a:rPr lang="en-US" sz="1050" dirty="0" smtClean="0">
+              <a:rPr lang="en-US" sz="1050" dirty="0">
                 <a:solidFill>
                   <a:schemeClr val="bg1"/>
                 </a:solidFill>
               </a:rPr>
             </a:br>
             <a:r>
-              <a:rPr lang="en-US" sz="1050" dirty="0" err="1" smtClean="0">
+              <a:rPr lang="en-US" sz="1050" dirty="0" err="1">
                 <a:solidFill>
                   <a:schemeClr val="bg1"/>
                 </a:solidFill>
@@ -3639,7 +3637,7 @@
           <a:p>
             <a:pPr algn="ctr"/>
             <a:r>
-              <a:rPr lang="en-US" sz="1050" dirty="0" err="1" smtClean="0">
+              <a:rPr lang="en-US" sz="1050" dirty="0" err="1">
                 <a:solidFill>
                   <a:schemeClr val="bg1"/>
                 </a:solidFill>
@@ -3713,7 +3711,7 @@
           <a:p>
             <a:pPr algn="ctr"/>
             <a:r>
-              <a:rPr lang="en-US" sz="1050" dirty="0" smtClean="0">
+              <a:rPr lang="en-US" sz="1050" dirty="0">
                 <a:solidFill>
                   <a:schemeClr val="bg1"/>
                 </a:solidFill>
@@ -4147,7 +4145,7 @@
           <a:p>
             <a:pPr algn="ctr"/>
             <a:r>
-              <a:rPr lang="en-US" sz="1050" b="1" dirty="0" err="1" smtClean="0">
+              <a:rPr lang="en-US" sz="1050" b="1" dirty="0" err="1">
                 <a:solidFill>
                   <a:schemeClr val="accent6">
                     <a:lumMod val="75000"/>
@@ -4156,18 +4154,8 @@
               </a:rPr>
               <a:t>XmlAddressBook</a:t>
             </a:r>
-            <a:r>
-              <a:rPr lang="en-US" sz="1050" b="1" dirty="0" smtClean="0">
-                <a:solidFill>
-                  <a:schemeClr val="accent6">
-                    <a:lumMod val="75000"/>
-                  </a:schemeClr>
-                </a:solidFill>
-              </a:rPr>
-              <a:t/>
-            </a:r>
             <a:br>
-              <a:rPr lang="en-US" sz="1050" b="1" dirty="0" smtClean="0">
+              <a:rPr lang="en-US" sz="1050" b="1" dirty="0">
                 <a:solidFill>
                   <a:schemeClr val="accent6">
                     <a:lumMod val="75000"/>
@@ -4176,7 +4164,7 @@
               </a:rPr>
             </a:br>
             <a:r>
-              <a:rPr lang="en-US" sz="1050" b="1" dirty="0" smtClean="0">
+              <a:rPr lang="en-US" sz="1050" b="1" dirty="0">
                 <a:solidFill>
                   <a:schemeClr val="accent6">
                     <a:lumMod val="75000"/>
@@ -4243,7 +4231,7 @@
           <a:p>
             <a:pPr algn="ctr"/>
             <a:r>
-              <a:rPr lang="en-US" sz="1050" dirty="0" smtClean="0">
+              <a:rPr lang="en-US" sz="1050" dirty="0">
                 <a:solidFill>
                   <a:schemeClr val="bg1"/>
                 </a:solidFill>
@@ -4251,14 +4239,14 @@
               <a:t>&lt;&lt;interface&gt;&gt;</a:t>
             </a:r>
             <a:br>
-              <a:rPr lang="en-US" sz="1050" dirty="0" smtClean="0">
+              <a:rPr lang="en-US" sz="1050" dirty="0">
                 <a:solidFill>
                   <a:schemeClr val="bg1"/>
                 </a:solidFill>
               </a:rPr>
             </a:br>
             <a:r>
-              <a:rPr lang="en-US" sz="1050" dirty="0" err="1" smtClean="0">
+              <a:rPr lang="en-US" sz="1050" dirty="0" err="1">
                 <a:solidFill>
                   <a:schemeClr val="bg1"/>
                 </a:solidFill>
@@ -4516,30 +4504,22 @@
           <a:p>
             <a:pPr algn="ctr"/>
             <a:r>
-              <a:rPr lang="en-US" sz="1050" dirty="0" err="1" smtClean="0">
+              <a:rPr lang="en-US" sz="1050" dirty="0" err="1">
                 <a:solidFill>
                   <a:schemeClr val="bg1"/>
                 </a:solidFill>
               </a:rPr>
               <a:t>JsonUserPrefs</a:t>
             </a:r>
-            <a:r>
-              <a:rPr lang="en-US" sz="1050" dirty="0" smtClean="0">
-                <a:solidFill>
-                  <a:schemeClr val="bg1"/>
-                </a:solidFill>
-              </a:rPr>
-              <a:t/>
-            </a:r>
             <a:br>
-              <a:rPr lang="en-US" sz="1050" dirty="0" smtClean="0">
+              <a:rPr lang="en-US" sz="1050" dirty="0">
                 <a:solidFill>
                   <a:schemeClr val="bg1"/>
                 </a:solidFill>
               </a:rPr>
             </a:br>
             <a:r>
-              <a:rPr lang="en-US" sz="1050" dirty="0" smtClean="0">
+              <a:rPr lang="en-US" sz="1050" dirty="0">
                 <a:solidFill>
                   <a:schemeClr val="bg1"/>
                 </a:solidFill>
@@ -4591,7 +4571,7 @@
           <a:p>
             <a:pPr algn="ctr"/>
             <a:r>
-              <a:rPr lang="en-US" sz="1050" b="1" dirty="0" err="1" smtClean="0">
+              <a:rPr lang="en-US" sz="1050" b="1" dirty="0" err="1">
                 <a:solidFill>
                   <a:schemeClr val="accent6">
                     <a:lumMod val="75000"/>
@@ -4600,18 +4580,8 @@
               </a:rPr>
               <a:t>XmlSerializable</a:t>
             </a:r>
-            <a:r>
-              <a:rPr lang="en-US" sz="1050" b="1" dirty="0" smtClean="0">
-                <a:solidFill>
-                  <a:schemeClr val="accent6">
-                    <a:lumMod val="75000"/>
-                  </a:schemeClr>
-                </a:solidFill>
-              </a:rPr>
-              <a:t/>
-            </a:r>
             <a:br>
-              <a:rPr lang="en-US" sz="1050" b="1" dirty="0" smtClean="0">
+              <a:rPr lang="en-US" sz="1050" b="1" dirty="0">
                 <a:solidFill>
                   <a:schemeClr val="accent6">
                     <a:lumMod val="75000"/>
@@ -4620,7 +4590,7 @@
               </a:rPr>
             </a:br>
             <a:r>
-              <a:rPr lang="en-US" sz="1050" b="1" dirty="0" err="1" smtClean="0">
+              <a:rPr lang="en-US" sz="1050" b="1" dirty="0" err="1">
                 <a:solidFill>
                   <a:schemeClr val="accent6">
                     <a:lumMod val="75000"/>
@@ -4643,6 +4613,7 @@
         <p:nvCxnSpPr>
           <p:cNvPr id="70" name="Elbow Connector 122"/>
           <p:cNvCxnSpPr>
+            <a:cxnSpLocks/>
             <a:stCxn id="74" idx="0"/>
             <a:endCxn id="73" idx="2"/>
           </p:cNvCxnSpPr>
@@ -4650,8 +4621,8 @@
         </p:nvCxnSpPr>
         <p:spPr>
           <a:xfrm rot="5400000" flipH="1" flipV="1">
-            <a:off x="8077993" y="2992020"/>
-            <a:ext cx="335208" cy="12700"/>
+            <a:off x="8075607" y="2985372"/>
+            <a:ext cx="344243" cy="4262"/>
           </a:xfrm>
           <a:prstGeom prst="bentConnector3">
             <a:avLst>
@@ -4688,7 +4659,7 @@
         </p:nvSpPr>
         <p:spPr>
           <a:xfrm>
-            <a:off x="7615738" y="2477656"/>
+            <a:off x="7620000" y="2468621"/>
             <a:ext cx="1259718" cy="346760"/>
           </a:xfrm>
           <a:prstGeom prst="rect">
@@ -4717,7 +4688,7 @@
           <a:p>
             <a:pPr algn="ctr"/>
             <a:r>
-              <a:rPr lang="en-US" sz="1050" b="1" dirty="0" err="1" smtClean="0">
+              <a:rPr lang="en-US" sz="1050" b="1" dirty="0" err="1">
                 <a:solidFill>
                   <a:schemeClr val="accent6">
                     <a:lumMod val="75000"/>
@@ -4773,7 +4744,7 @@
           <a:p>
             <a:pPr algn="ctr"/>
             <a:r>
-              <a:rPr lang="en-US" sz="1050" b="1" dirty="0" err="1" smtClean="0">
+              <a:rPr lang="en-US" sz="1050" b="1" dirty="0" err="1">
                 <a:solidFill>
                   <a:schemeClr val="accent6">
                     <a:lumMod val="75000"/>
@@ -4833,6 +4804,134 @@
           </a:fontRef>
         </p:style>
       </p:cxnSp>
+      <p:sp>
+        <p:nvSpPr>
+          <p:cNvPr id="32" name="Rectangle 8">
+            <a:extLst>
+              <a:ext uri="{FF2B5EF4-FFF2-40B4-BE49-F238E27FC236}">
+                <a16:creationId xmlns:a16="http://schemas.microsoft.com/office/drawing/2014/main" id="{756BFF71-D823-43DD-B748-8891A2E735B9}"/>
+              </a:ext>
+            </a:extLst>
+          </p:cNvPr>
+          <p:cNvSpPr/>
+          <p:nvPr/>
+        </p:nvSpPr>
+        <p:spPr>
+          <a:xfrm>
+            <a:off x="5989092" y="2466066"/>
+            <a:ext cx="1259718" cy="346760"/>
+          </a:xfrm>
+          <a:prstGeom prst="rect">
+            <a:avLst/>
+          </a:prstGeom>
+          <a:ln w="19050"/>
+          <a:effectLst/>
+        </p:spPr>
+        <p:style>
+          <a:lnRef idx="1">
+            <a:schemeClr val="accent6"/>
+          </a:lnRef>
+          <a:fillRef idx="2">
+            <a:schemeClr val="accent6"/>
+          </a:fillRef>
+          <a:effectRef idx="1">
+            <a:schemeClr val="accent6"/>
+          </a:effectRef>
+          <a:fontRef idx="minor">
+            <a:schemeClr val="dk1"/>
+          </a:fontRef>
+        </p:style>
+        <p:txBody>
+          <a:bodyPr rtlCol="0" anchor="ctr"/>
+          <a:lstStyle/>
+          <a:p>
+            <a:pPr algn="ctr"/>
+            <a:r>
+              <a:rPr lang="en-US" sz="1050" b="1" dirty="0" err="1">
+                <a:solidFill>
+                  <a:schemeClr val="accent6">
+                    <a:lumMod val="75000"/>
+                  </a:schemeClr>
+                </a:solidFill>
+              </a:rPr>
+              <a:t>XmlAdapted</a:t>
+            </a:r>
+            <a:endParaRPr lang="en-US" sz="1050" b="1" dirty="0">
+              <a:solidFill>
+                <a:schemeClr val="accent6">
+                  <a:lumMod val="75000"/>
+                </a:schemeClr>
+              </a:solidFill>
+            </a:endParaRPr>
+          </a:p>
+          <a:p>
+            <a:pPr algn="ctr"/>
+            <a:r>
+              <a:rPr lang="en-US" sz="1050" b="1" dirty="0">
+                <a:solidFill>
+                  <a:schemeClr val="accent6">
+                    <a:lumMod val="75000"/>
+                  </a:schemeClr>
+                </a:solidFill>
+              </a:rPr>
+              <a:t>Appointment</a:t>
+            </a:r>
+            <a:endParaRPr lang="en-SG" sz="1050" b="1" dirty="0">
+              <a:solidFill>
+                <a:schemeClr val="accent6">
+                  <a:lumMod val="75000"/>
+                </a:schemeClr>
+              </a:solidFill>
+            </a:endParaRPr>
+          </a:p>
+        </p:txBody>
+      </p:sp>
+      <p:cxnSp>
+        <p:nvCxnSpPr>
+          <p:cNvPr id="33" name="Elbow Connector 122">
+            <a:extLst>
+              <a:ext uri="{FF2B5EF4-FFF2-40B4-BE49-F238E27FC236}">
+                <a16:creationId xmlns:a16="http://schemas.microsoft.com/office/drawing/2014/main" id="{170FA13A-E3EA-4DC1-A1E2-EFF90DFF17E9}"/>
+              </a:ext>
+            </a:extLst>
+          </p:cNvPr>
+          <p:cNvCxnSpPr>
+            <a:cxnSpLocks/>
+          </p:cNvCxnSpPr>
+          <p:nvPr/>
+        </p:nvCxnSpPr>
+        <p:spPr>
+          <a:xfrm rot="5400000" flipH="1" flipV="1">
+            <a:off x="6444699" y="2970375"/>
+            <a:ext cx="344243" cy="4262"/>
+          </a:xfrm>
+          <a:prstGeom prst="bentConnector3">
+            <a:avLst>
+              <a:gd name="adj1" fmla="val 50000"/>
+            </a:avLst>
+          </a:prstGeom>
+          <a:ln w="19050">
+            <a:prstDash val="sysDot"/>
+            <a:headEnd type="none" w="med" len="med"/>
+            <a:tailEnd type="arrow" w="med" len="med"/>
+          </a:ln>
+          <a:effectLst/>
+        </p:spPr>
+        <p:style>
+          <a:lnRef idx="1">
+            <a:schemeClr val="accent6"/>
+          </a:lnRef>
+          <a:fillRef idx="2">
+            <a:schemeClr val="accent6"/>
+          </a:fillRef>
+          <a:effectRef idx="1">
+            <a:schemeClr val="accent6"/>
+          </a:effectRef>
+          <a:fontRef idx="minor">
+            <a:schemeClr val="dk1"/>
+          </a:fontRef>
+        </p:style>
+      </p:cxnSp>
     </p:spTree>
     <p:extLst>
       <p:ext uri="{BB962C8B-B14F-4D97-AF65-F5344CB8AC3E}">
@@ -4843,13 +4942,6 @@
   <p:clrMapOvr>
     <a:masterClrMapping/>
   </p:clrMapOvr>
-  <p:timing>
-    <p:tnLst>
-      <p:par>
-        <p:cTn id="1" dur="indefinite" restart="never" nodeType="tmRoot"/>
-      </p:par>
-    </p:tnLst>
-  </p:timing>
 </p:sld>
 </file>
 

--- a/docs/diagrams/StorageComponentClassDiagram.pptx
+++ b/docs/diagrams/StorageComponentClassDiagram.pptx
@@ -107,6 +107,22 @@
       </a:defRPr>
     </a:lvl9pPr>
   </p:defaultTextStyle>
+  <p:extLst>
+    <p:ext uri="{EFAFB233-063F-42B5-8137-9DF3F51BA10A}">
+      <p15:sldGuideLst xmlns:p15="http://schemas.microsoft.com/office/powerpoint/2012/main">
+        <p15:guide id="1" orient="horz" pos="1488">
+          <p15:clr>
+            <a:srgbClr val="A4A3A4"/>
+          </p15:clr>
+        </p15:guide>
+        <p15:guide id="2" pos="2880">
+          <p15:clr>
+            <a:srgbClr val="A4A3A4"/>
+          </p15:clr>
+        </p15:guide>
+      </p15:sldGuideLst>
+    </p:ext>
+  </p:extLst>
 </p:presentation>
 </file>
 
@@ -192,7 +208,7 @@
           <a:p>
             <a:fld id="{F5CC4B3F-88C1-4FFA-B1B6-F41C21DC6924}" type="datetimeFigureOut">
               <a:rPr lang="en-US" smtClean="0"/>
-              <a:t>10/16/2016</a:t>
+              <a:t>4/12/18</a:t>
             </a:fld>
             <a:endParaRPr lang="en-US"/>
           </a:p>
@@ -256,38 +272,37 @@
           <a:p>
             <a:pPr lvl="0"/>
             <a:r>
-              <a:rPr lang="en-US" smtClean="0"/>
+              <a:rPr lang="en-US"/>
               <a:t>Click to edit Master text styles</a:t>
             </a:r>
           </a:p>
           <a:p>
             <a:pPr lvl="1"/>
             <a:r>
-              <a:rPr lang="en-US" smtClean="0"/>
+              <a:rPr lang="en-US"/>
               <a:t>Second level</a:t>
             </a:r>
           </a:p>
           <a:p>
             <a:pPr lvl="2"/>
             <a:r>
-              <a:rPr lang="en-US" smtClean="0"/>
+              <a:rPr lang="en-US"/>
               <a:t>Third level</a:t>
             </a:r>
           </a:p>
           <a:p>
             <a:pPr lvl="3"/>
             <a:r>
-              <a:rPr lang="en-US" smtClean="0"/>
+              <a:rPr lang="en-US"/>
               <a:t>Fourth level</a:t>
             </a:r>
           </a:p>
           <a:p>
             <a:pPr lvl="4"/>
             <a:r>
-              <a:rPr lang="en-US" smtClean="0"/>
+              <a:rPr lang="en-US"/>
               <a:t>Fifth level</a:t>
             </a:r>
-            <a:endParaRPr lang="en-US"/>
           </a:p>
         </p:txBody>
       </p:sp>
@@ -498,10 +513,9 @@
           <a:lstStyle/>
           <a:p>
             <a:r>
-              <a:rPr lang="en-US" smtClean="0"/>
+              <a:rPr lang="en-US"/>
               <a:t>Click to edit Master title style</a:t>
             </a:r>
-            <a:endParaRPr lang="en-US"/>
           </a:p>
         </p:txBody>
       </p:sp>
@@ -617,10 +631,9 @@
           </a:lstStyle>
           <a:p>
             <a:r>
-              <a:rPr lang="en-US" smtClean="0"/>
+              <a:rPr lang="en-US"/>
               <a:t>Click to edit Master subtitle style</a:t>
             </a:r>
-            <a:endParaRPr lang="en-US"/>
           </a:p>
         </p:txBody>
       </p:sp>
@@ -641,7 +654,7 @@
           <a:p>
             <a:fld id="{78C97017-6FC3-485B-9764-EAC9E56C1D49}" type="datetimeFigureOut">
               <a:rPr lang="en-US" smtClean="0"/>
-              <a:t>10/16/2016</a:t>
+              <a:t>4/12/18</a:t>
             </a:fld>
             <a:endParaRPr lang="en-US"/>
           </a:p>
@@ -735,10 +748,9 @@
           <a:lstStyle/>
           <a:p>
             <a:r>
-              <a:rPr lang="en-US" smtClean="0"/>
+              <a:rPr lang="en-US"/>
               <a:t>Click to edit Master title style</a:t>
             </a:r>
-            <a:endParaRPr lang="en-US"/>
           </a:p>
         </p:txBody>
       </p:sp>
@@ -759,38 +771,37 @@
           <a:p>
             <a:pPr lvl="0"/>
             <a:r>
-              <a:rPr lang="en-US" smtClean="0"/>
+              <a:rPr lang="en-US"/>
               <a:t>Click to edit Master text styles</a:t>
             </a:r>
           </a:p>
           <a:p>
             <a:pPr lvl="1"/>
             <a:r>
-              <a:rPr lang="en-US" smtClean="0"/>
+              <a:rPr lang="en-US"/>
               <a:t>Second level</a:t>
             </a:r>
           </a:p>
           <a:p>
             <a:pPr lvl="2"/>
             <a:r>
-              <a:rPr lang="en-US" smtClean="0"/>
+              <a:rPr lang="en-US"/>
               <a:t>Third level</a:t>
             </a:r>
           </a:p>
           <a:p>
             <a:pPr lvl="3"/>
             <a:r>
-              <a:rPr lang="en-US" smtClean="0"/>
+              <a:rPr lang="en-US"/>
               <a:t>Fourth level</a:t>
             </a:r>
           </a:p>
           <a:p>
             <a:pPr lvl="4"/>
             <a:r>
-              <a:rPr lang="en-US" smtClean="0"/>
+              <a:rPr lang="en-US"/>
               <a:t>Fifth level</a:t>
             </a:r>
-            <a:endParaRPr lang="en-US"/>
           </a:p>
         </p:txBody>
       </p:sp>
@@ -811,7 +822,7 @@
           <a:p>
             <a:fld id="{78C97017-6FC3-485B-9764-EAC9E56C1D49}" type="datetimeFigureOut">
               <a:rPr lang="en-US" smtClean="0"/>
-              <a:t>10/16/2016</a:t>
+              <a:t>4/12/18</a:t>
             </a:fld>
             <a:endParaRPr lang="en-US"/>
           </a:p>
@@ -910,10 +921,9 @@
           <a:lstStyle/>
           <a:p>
             <a:r>
-              <a:rPr lang="en-US" smtClean="0"/>
+              <a:rPr lang="en-US"/>
               <a:t>Click to edit Master title style</a:t>
             </a:r>
-            <a:endParaRPr lang="en-US"/>
           </a:p>
         </p:txBody>
       </p:sp>
@@ -939,38 +949,37 @@
           <a:p>
             <a:pPr lvl="0"/>
             <a:r>
-              <a:rPr lang="en-US" smtClean="0"/>
+              <a:rPr lang="en-US"/>
               <a:t>Click to edit Master text styles</a:t>
             </a:r>
           </a:p>
           <a:p>
             <a:pPr lvl="1"/>
             <a:r>
-              <a:rPr lang="en-US" smtClean="0"/>
+              <a:rPr lang="en-US"/>
               <a:t>Second level</a:t>
             </a:r>
           </a:p>
           <a:p>
             <a:pPr lvl="2"/>
             <a:r>
-              <a:rPr lang="en-US" smtClean="0"/>
+              <a:rPr lang="en-US"/>
               <a:t>Third level</a:t>
             </a:r>
           </a:p>
           <a:p>
             <a:pPr lvl="3"/>
             <a:r>
-              <a:rPr lang="en-US" smtClean="0"/>
+              <a:rPr lang="en-US"/>
               <a:t>Fourth level</a:t>
             </a:r>
           </a:p>
           <a:p>
             <a:pPr lvl="4"/>
             <a:r>
-              <a:rPr lang="en-US" smtClean="0"/>
+              <a:rPr lang="en-US"/>
               <a:t>Fifth level</a:t>
             </a:r>
-            <a:endParaRPr lang="en-US"/>
           </a:p>
         </p:txBody>
       </p:sp>
@@ -991,7 +1000,7 @@
           <a:p>
             <a:fld id="{78C97017-6FC3-485B-9764-EAC9E56C1D49}" type="datetimeFigureOut">
               <a:rPr lang="en-US" smtClean="0"/>
-              <a:t>10/16/2016</a:t>
+              <a:t>4/12/18</a:t>
             </a:fld>
             <a:endParaRPr lang="en-US"/>
           </a:p>
@@ -1085,10 +1094,9 @@
           <a:lstStyle/>
           <a:p>
             <a:r>
-              <a:rPr lang="en-US" smtClean="0"/>
+              <a:rPr lang="en-US"/>
               <a:t>Click to edit Master title style</a:t>
             </a:r>
-            <a:endParaRPr lang="en-US"/>
           </a:p>
         </p:txBody>
       </p:sp>
@@ -1109,38 +1117,37 @@
           <a:p>
             <a:pPr lvl="0"/>
             <a:r>
-              <a:rPr lang="en-US" smtClean="0"/>
+              <a:rPr lang="en-US"/>
               <a:t>Click to edit Master text styles</a:t>
             </a:r>
           </a:p>
           <a:p>
             <a:pPr lvl="1"/>
             <a:r>
-              <a:rPr lang="en-US" smtClean="0"/>
+              <a:rPr lang="en-US"/>
               <a:t>Second level</a:t>
             </a:r>
           </a:p>
           <a:p>
             <a:pPr lvl="2"/>
             <a:r>
-              <a:rPr lang="en-US" smtClean="0"/>
+              <a:rPr lang="en-US"/>
               <a:t>Third level</a:t>
             </a:r>
           </a:p>
           <a:p>
             <a:pPr lvl="3"/>
             <a:r>
-              <a:rPr lang="en-US" smtClean="0"/>
+              <a:rPr lang="en-US"/>
               <a:t>Fourth level</a:t>
             </a:r>
           </a:p>
           <a:p>
             <a:pPr lvl="4"/>
             <a:r>
-              <a:rPr lang="en-US" smtClean="0"/>
+              <a:rPr lang="en-US"/>
               <a:t>Fifth level</a:t>
             </a:r>
-            <a:endParaRPr lang="en-US"/>
           </a:p>
         </p:txBody>
       </p:sp>
@@ -1161,7 +1168,7 @@
           <a:p>
             <a:fld id="{78C97017-6FC3-485B-9764-EAC9E56C1D49}" type="datetimeFigureOut">
               <a:rPr lang="en-US" smtClean="0"/>
-              <a:t>10/16/2016</a:t>
+              <a:t>4/12/18</a:t>
             </a:fld>
             <a:endParaRPr lang="en-US"/>
           </a:p>
@@ -1264,10 +1271,9 @@
           </a:lstStyle>
           <a:p>
             <a:r>
-              <a:rPr lang="en-US" smtClean="0"/>
+              <a:rPr lang="en-US"/>
               <a:t>Click to edit Master title style</a:t>
             </a:r>
-            <a:endParaRPr lang="en-US"/>
           </a:p>
         </p:txBody>
       </p:sp>
@@ -1384,7 +1390,7 @@
           <a:p>
             <a:pPr lvl="0"/>
             <a:r>
-              <a:rPr lang="en-US" smtClean="0"/>
+              <a:rPr lang="en-US"/>
               <a:t>Click to edit Master text styles</a:t>
             </a:r>
           </a:p>
@@ -1407,7 +1413,7 @@
           <a:p>
             <a:fld id="{78C97017-6FC3-485B-9764-EAC9E56C1D49}" type="datetimeFigureOut">
               <a:rPr lang="en-US" smtClean="0"/>
-              <a:t>10/16/2016</a:t>
+              <a:t>4/12/18</a:t>
             </a:fld>
             <a:endParaRPr lang="en-US"/>
           </a:p>
@@ -1501,10 +1507,9 @@
           <a:lstStyle/>
           <a:p>
             <a:r>
-              <a:rPr lang="en-US" smtClean="0"/>
+              <a:rPr lang="en-US"/>
               <a:t>Click to edit Master title style</a:t>
             </a:r>
-            <a:endParaRPr lang="en-US"/>
           </a:p>
         </p:txBody>
       </p:sp>
@@ -1558,38 +1563,37 @@
           <a:p>
             <a:pPr lvl="0"/>
             <a:r>
-              <a:rPr lang="en-US" smtClean="0"/>
+              <a:rPr lang="en-US"/>
               <a:t>Click to edit Master text styles</a:t>
             </a:r>
           </a:p>
           <a:p>
             <a:pPr lvl="1"/>
             <a:r>
-              <a:rPr lang="en-US" smtClean="0"/>
+              <a:rPr lang="en-US"/>
               <a:t>Second level</a:t>
             </a:r>
           </a:p>
           <a:p>
             <a:pPr lvl="2"/>
             <a:r>
-              <a:rPr lang="en-US" smtClean="0"/>
+              <a:rPr lang="en-US"/>
               <a:t>Third level</a:t>
             </a:r>
           </a:p>
           <a:p>
             <a:pPr lvl="3"/>
             <a:r>
-              <a:rPr lang="en-US" smtClean="0"/>
+              <a:rPr lang="en-US"/>
               <a:t>Fourth level</a:t>
             </a:r>
           </a:p>
           <a:p>
             <a:pPr lvl="4"/>
             <a:r>
-              <a:rPr lang="en-US" smtClean="0"/>
+              <a:rPr lang="en-US"/>
               <a:t>Fifth level</a:t>
             </a:r>
-            <a:endParaRPr lang="en-US"/>
           </a:p>
         </p:txBody>
       </p:sp>
@@ -1643,38 +1647,37 @@
           <a:p>
             <a:pPr lvl="0"/>
             <a:r>
-              <a:rPr lang="en-US" smtClean="0"/>
+              <a:rPr lang="en-US"/>
               <a:t>Click to edit Master text styles</a:t>
             </a:r>
           </a:p>
           <a:p>
             <a:pPr lvl="1"/>
             <a:r>
-              <a:rPr lang="en-US" smtClean="0"/>
+              <a:rPr lang="en-US"/>
               <a:t>Second level</a:t>
             </a:r>
           </a:p>
           <a:p>
             <a:pPr lvl="2"/>
             <a:r>
-              <a:rPr lang="en-US" smtClean="0"/>
+              <a:rPr lang="en-US"/>
               <a:t>Third level</a:t>
             </a:r>
           </a:p>
           <a:p>
             <a:pPr lvl="3"/>
             <a:r>
-              <a:rPr lang="en-US" smtClean="0"/>
+              <a:rPr lang="en-US"/>
               <a:t>Fourth level</a:t>
             </a:r>
           </a:p>
           <a:p>
             <a:pPr lvl="4"/>
             <a:r>
-              <a:rPr lang="en-US" smtClean="0"/>
+              <a:rPr lang="en-US"/>
               <a:t>Fifth level</a:t>
             </a:r>
-            <a:endParaRPr lang="en-US"/>
           </a:p>
         </p:txBody>
       </p:sp>
@@ -1695,7 +1698,7 @@
           <a:p>
             <a:fld id="{78C97017-6FC3-485B-9764-EAC9E56C1D49}" type="datetimeFigureOut">
               <a:rPr lang="en-US" smtClean="0"/>
-              <a:t>10/16/2016</a:t>
+              <a:t>4/12/18</a:t>
             </a:fld>
             <a:endParaRPr lang="en-US"/>
           </a:p>
@@ -1793,10 +1796,9 @@
           </a:lstStyle>
           <a:p>
             <a:r>
-              <a:rPr lang="en-US" smtClean="0"/>
+              <a:rPr lang="en-US"/>
               <a:t>Click to edit Master title style</a:t>
             </a:r>
-            <a:endParaRPr lang="en-US"/>
           </a:p>
         </p:txBody>
       </p:sp>
@@ -1859,7 +1861,7 @@
           <a:p>
             <a:pPr lvl="0"/>
             <a:r>
-              <a:rPr lang="en-US" smtClean="0"/>
+              <a:rPr lang="en-US"/>
               <a:t>Click to edit Master text styles</a:t>
             </a:r>
           </a:p>
@@ -1915,38 +1917,37 @@
           <a:p>
             <a:pPr lvl="0"/>
             <a:r>
-              <a:rPr lang="en-US" smtClean="0"/>
+              <a:rPr lang="en-US"/>
               <a:t>Click to edit Master text styles</a:t>
             </a:r>
           </a:p>
           <a:p>
             <a:pPr lvl="1"/>
             <a:r>
-              <a:rPr lang="en-US" smtClean="0"/>
+              <a:rPr lang="en-US"/>
               <a:t>Second level</a:t>
             </a:r>
           </a:p>
           <a:p>
             <a:pPr lvl="2"/>
             <a:r>
-              <a:rPr lang="en-US" smtClean="0"/>
+              <a:rPr lang="en-US"/>
               <a:t>Third level</a:t>
             </a:r>
           </a:p>
           <a:p>
             <a:pPr lvl="3"/>
             <a:r>
-              <a:rPr lang="en-US" smtClean="0"/>
+              <a:rPr lang="en-US"/>
               <a:t>Fourth level</a:t>
             </a:r>
           </a:p>
           <a:p>
             <a:pPr lvl="4"/>
             <a:r>
-              <a:rPr lang="en-US" smtClean="0"/>
+              <a:rPr lang="en-US"/>
               <a:t>Fifth level</a:t>
             </a:r>
-            <a:endParaRPr lang="en-US"/>
           </a:p>
         </p:txBody>
       </p:sp>
@@ -2009,7 +2010,7 @@
           <a:p>
             <a:pPr lvl="0"/>
             <a:r>
-              <a:rPr lang="en-US" smtClean="0"/>
+              <a:rPr lang="en-US"/>
               <a:t>Click to edit Master text styles</a:t>
             </a:r>
           </a:p>
@@ -2065,38 +2066,37 @@
           <a:p>
             <a:pPr lvl="0"/>
             <a:r>
-              <a:rPr lang="en-US" smtClean="0"/>
+              <a:rPr lang="en-US"/>
               <a:t>Click to edit Master text styles</a:t>
             </a:r>
           </a:p>
           <a:p>
             <a:pPr lvl="1"/>
             <a:r>
-              <a:rPr lang="en-US" smtClean="0"/>
+              <a:rPr lang="en-US"/>
               <a:t>Second level</a:t>
             </a:r>
           </a:p>
           <a:p>
             <a:pPr lvl="2"/>
             <a:r>
-              <a:rPr lang="en-US" smtClean="0"/>
+              <a:rPr lang="en-US"/>
               <a:t>Third level</a:t>
             </a:r>
           </a:p>
           <a:p>
             <a:pPr lvl="3"/>
             <a:r>
-              <a:rPr lang="en-US" smtClean="0"/>
+              <a:rPr lang="en-US"/>
               <a:t>Fourth level</a:t>
             </a:r>
           </a:p>
           <a:p>
             <a:pPr lvl="4"/>
             <a:r>
-              <a:rPr lang="en-US" smtClean="0"/>
+              <a:rPr lang="en-US"/>
               <a:t>Fifth level</a:t>
             </a:r>
-            <a:endParaRPr lang="en-US"/>
           </a:p>
         </p:txBody>
       </p:sp>
@@ -2117,7 +2117,7 @@
           <a:p>
             <a:fld id="{78C97017-6FC3-485B-9764-EAC9E56C1D49}" type="datetimeFigureOut">
               <a:rPr lang="en-US" smtClean="0"/>
-              <a:t>10/16/2016</a:t>
+              <a:t>4/12/18</a:t>
             </a:fld>
             <a:endParaRPr lang="en-US"/>
           </a:p>
@@ -2211,10 +2211,9 @@
           <a:lstStyle/>
           <a:p>
             <a:r>
-              <a:rPr lang="en-US" smtClean="0"/>
+              <a:rPr lang="en-US"/>
               <a:t>Click to edit Master title style</a:t>
             </a:r>
-            <a:endParaRPr lang="en-US"/>
           </a:p>
         </p:txBody>
       </p:sp>
@@ -2235,7 +2234,7 @@
           <a:p>
             <a:fld id="{78C97017-6FC3-485B-9764-EAC9E56C1D49}" type="datetimeFigureOut">
               <a:rPr lang="en-US" smtClean="0"/>
-              <a:t>10/16/2016</a:t>
+              <a:t>4/12/18</a:t>
             </a:fld>
             <a:endParaRPr lang="en-US"/>
           </a:p>
@@ -2330,7 +2329,7 @@
           <a:p>
             <a:fld id="{78C97017-6FC3-485B-9764-EAC9E56C1D49}" type="datetimeFigureOut">
               <a:rPr lang="en-US" smtClean="0"/>
-              <a:t>10/16/2016</a:t>
+              <a:t>4/12/18</a:t>
             </a:fld>
             <a:endParaRPr lang="en-US"/>
           </a:p>
@@ -2433,10 +2432,9 @@
           </a:lstStyle>
           <a:p>
             <a:r>
-              <a:rPr lang="en-US" smtClean="0"/>
+              <a:rPr lang="en-US"/>
               <a:t>Click to edit Master title style</a:t>
             </a:r>
-            <a:endParaRPr lang="en-US"/>
           </a:p>
         </p:txBody>
       </p:sp>
@@ -2490,38 +2488,37 @@
           <a:p>
             <a:pPr lvl="0"/>
             <a:r>
-              <a:rPr lang="en-US" smtClean="0"/>
+              <a:rPr lang="en-US"/>
               <a:t>Click to edit Master text styles</a:t>
             </a:r>
           </a:p>
           <a:p>
             <a:pPr lvl="1"/>
             <a:r>
-              <a:rPr lang="en-US" smtClean="0"/>
+              <a:rPr lang="en-US"/>
               <a:t>Second level</a:t>
             </a:r>
           </a:p>
           <a:p>
             <a:pPr lvl="2"/>
             <a:r>
-              <a:rPr lang="en-US" smtClean="0"/>
+              <a:rPr lang="en-US"/>
               <a:t>Third level</a:t>
             </a:r>
           </a:p>
           <a:p>
             <a:pPr lvl="3"/>
             <a:r>
-              <a:rPr lang="en-US" smtClean="0"/>
+              <a:rPr lang="en-US"/>
               <a:t>Fourth level</a:t>
             </a:r>
           </a:p>
           <a:p>
             <a:pPr lvl="4"/>
             <a:r>
-              <a:rPr lang="en-US" smtClean="0"/>
+              <a:rPr lang="en-US"/>
               <a:t>Fifth level</a:t>
             </a:r>
-            <a:endParaRPr lang="en-US"/>
           </a:p>
         </p:txBody>
       </p:sp>
@@ -2584,7 +2581,7 @@
           <a:p>
             <a:pPr lvl="0"/>
             <a:r>
-              <a:rPr lang="en-US" smtClean="0"/>
+              <a:rPr lang="en-US"/>
               <a:t>Click to edit Master text styles</a:t>
             </a:r>
           </a:p>
@@ -2607,7 +2604,7 @@
           <a:p>
             <a:fld id="{78C97017-6FC3-485B-9764-EAC9E56C1D49}" type="datetimeFigureOut">
               <a:rPr lang="en-US" smtClean="0"/>
-              <a:t>10/16/2016</a:t>
+              <a:t>4/12/18</a:t>
             </a:fld>
             <a:endParaRPr lang="en-US"/>
           </a:p>
@@ -2710,10 +2707,9 @@
           </a:lstStyle>
           <a:p>
             <a:r>
-              <a:rPr lang="en-US" smtClean="0"/>
+              <a:rPr lang="en-US"/>
               <a:t>Click to edit Master title style</a:t>
             </a:r>
-            <a:endParaRPr lang="en-US"/>
           </a:p>
         </p:txBody>
       </p:sp>
@@ -2837,7 +2833,7 @@
           <a:p>
             <a:pPr lvl="0"/>
             <a:r>
-              <a:rPr lang="en-US" smtClean="0"/>
+              <a:rPr lang="en-US"/>
               <a:t>Click to edit Master text styles</a:t>
             </a:r>
           </a:p>
@@ -2860,7 +2856,7 @@
           <a:p>
             <a:fld id="{78C97017-6FC3-485B-9764-EAC9E56C1D49}" type="datetimeFigureOut">
               <a:rPr lang="en-US" smtClean="0"/>
-              <a:t>10/16/2016</a:t>
+              <a:t>4/12/18</a:t>
             </a:fld>
             <a:endParaRPr lang="en-US"/>
           </a:p>
@@ -2969,10 +2965,9 @@
           <a:lstStyle/>
           <a:p>
             <a:r>
-              <a:rPr lang="en-US" smtClean="0"/>
+              <a:rPr lang="en-US"/>
               <a:t>Click to edit Master title style</a:t>
             </a:r>
-            <a:endParaRPr lang="en-US"/>
           </a:p>
         </p:txBody>
       </p:sp>
@@ -3003,38 +2998,37 @@
           <a:p>
             <a:pPr lvl="0"/>
             <a:r>
-              <a:rPr lang="en-US" smtClean="0"/>
+              <a:rPr lang="en-US"/>
               <a:t>Click to edit Master text styles</a:t>
             </a:r>
           </a:p>
           <a:p>
             <a:pPr lvl="1"/>
             <a:r>
-              <a:rPr lang="en-US" smtClean="0"/>
+              <a:rPr lang="en-US"/>
               <a:t>Second level</a:t>
             </a:r>
           </a:p>
           <a:p>
             <a:pPr lvl="2"/>
             <a:r>
-              <a:rPr lang="en-US" smtClean="0"/>
+              <a:rPr lang="en-US"/>
               <a:t>Third level</a:t>
             </a:r>
           </a:p>
           <a:p>
             <a:pPr lvl="3"/>
             <a:r>
-              <a:rPr lang="en-US" smtClean="0"/>
+              <a:rPr lang="en-US"/>
               <a:t>Fourth level</a:t>
             </a:r>
           </a:p>
           <a:p>
             <a:pPr lvl="4"/>
             <a:r>
-              <a:rPr lang="en-US" smtClean="0"/>
+              <a:rPr lang="en-US"/>
               <a:t>Fifth level</a:t>
             </a:r>
-            <a:endParaRPr lang="en-US"/>
           </a:p>
         </p:txBody>
       </p:sp>
@@ -3073,7 +3067,7 @@
           <a:p>
             <a:fld id="{78C97017-6FC3-485B-9764-EAC9E56C1D49}" type="datetimeFigureOut">
               <a:rPr lang="en-US" smtClean="0"/>
-              <a:t>10/16/2016</a:t>
+              <a:t>4/12/18</a:t>
             </a:fld>
             <a:endParaRPr lang="en-US"/>
           </a:p>
@@ -3456,8 +3450,8 @@
         </p:nvSpPr>
         <p:spPr>
           <a:xfrm>
-            <a:off x="1119865" y="2086382"/>
-            <a:ext cx="7871735" cy="1723618"/>
+            <a:off x="685800" y="2133600"/>
+            <a:ext cx="8001000" cy="2819400"/>
           </a:xfrm>
           <a:prstGeom prst="roundRect">
             <a:avLst>
@@ -3494,7 +3488,7 @@
           <a:lstStyle/>
           <a:p>
             <a:r>
-              <a:rPr lang="en-US" sz="1200" b="1" dirty="0" smtClean="0">
+              <a:rPr lang="en-US" sz="1200" b="1" dirty="0">
                 <a:solidFill>
                   <a:schemeClr val="accent6">
                     <a:lumMod val="75000"/>
@@ -3521,7 +3515,7 @@
         </p:nvSpPr>
         <p:spPr>
           <a:xfrm>
-            <a:off x="2877180" y="3158440"/>
+            <a:off x="2415211" y="3155479"/>
             <a:ext cx="1323049" cy="346760"/>
           </a:xfrm>
           <a:prstGeom prst="rect">
@@ -3561,7 +3555,7 @@
           <a:p>
             <a:pPr algn="ctr"/>
             <a:r>
-              <a:rPr lang="en-US" sz="1050" dirty="0" smtClean="0">
+              <a:rPr lang="en-US" sz="1050" dirty="0">
                 <a:solidFill>
                   <a:schemeClr val="bg1"/>
                 </a:solidFill>
@@ -3569,14 +3563,14 @@
               <a:t>&lt;&lt;interface&gt;&gt;</a:t>
             </a:r>
             <a:br>
-              <a:rPr lang="en-US" sz="1050" dirty="0" smtClean="0">
+              <a:rPr lang="en-US" sz="1050" dirty="0">
                 <a:solidFill>
                   <a:schemeClr val="bg1"/>
                 </a:solidFill>
               </a:rPr>
             </a:br>
             <a:r>
-              <a:rPr lang="en-US" sz="1050" dirty="0" err="1" smtClean="0">
+              <a:rPr lang="en-US" sz="1050" dirty="0" err="1">
                 <a:solidFill>
                   <a:schemeClr val="bg1"/>
                 </a:solidFill>
@@ -3599,8 +3593,8 @@
         </p:nvSpPr>
         <p:spPr>
           <a:xfrm rot="16200000">
-            <a:off x="1683963" y="2868687"/>
-            <a:ext cx="1093635" cy="346760"/>
+            <a:off x="838548" y="3249172"/>
+            <a:ext cx="1851111" cy="337343"/>
           </a:xfrm>
           <a:prstGeom prst="rect">
             <a:avLst/>
@@ -3639,7 +3633,7 @@
           <a:p>
             <a:pPr algn="ctr"/>
             <a:r>
-              <a:rPr lang="en-US" sz="1050" dirty="0" err="1" smtClean="0">
+              <a:rPr lang="en-US" sz="1050" dirty="0" err="1">
                 <a:solidFill>
                   <a:schemeClr val="bg1"/>
                 </a:solidFill>
@@ -3662,7 +3656,7 @@
         </p:nvSpPr>
         <p:spPr>
           <a:xfrm rot="16200000">
-            <a:off x="956202" y="2861202"/>
+            <a:off x="494233" y="2858241"/>
             <a:ext cx="1093635" cy="346760"/>
           </a:xfrm>
           <a:prstGeom prst="rect">
@@ -3713,7 +3707,7 @@
           <a:p>
             <a:pPr algn="ctr"/>
             <a:r>
-              <a:rPr lang="en-US" sz="1050" dirty="0" smtClean="0">
+              <a:rPr lang="en-US" sz="1050" dirty="0">
                 <a:solidFill>
                   <a:schemeClr val="bg1"/>
                 </a:solidFill>
@@ -3736,7 +3730,7 @@
         </p:nvSpPr>
         <p:spPr>
           <a:xfrm rot="16200000">
-            <a:off x="1626910" y="2952291"/>
+            <a:off x="1164941" y="2949330"/>
             <a:ext cx="270504" cy="175523"/>
           </a:xfrm>
           <a:prstGeom prst="triangle">
@@ -3794,7 +3788,7 @@
         </p:nvCxnSpPr>
         <p:spPr>
           <a:xfrm>
-            <a:off x="2656370" y="3326536"/>
+            <a:off x="2194401" y="3323575"/>
             <a:ext cx="220810" cy="5284"/>
           </a:xfrm>
           <a:prstGeom prst="straightConnector1">
@@ -3834,7 +3828,7 @@
         </p:nvCxnSpPr>
         <p:spPr>
           <a:xfrm>
-            <a:off x="910091" y="3040053"/>
+            <a:off x="448122" y="3037092"/>
             <a:ext cx="419548" cy="2860"/>
           </a:xfrm>
           <a:prstGeom prst="bentConnector3">
@@ -3879,7 +3873,7 @@
         </p:nvCxnSpPr>
         <p:spPr>
           <a:xfrm flipV="1">
-            <a:off x="1849924" y="3040052"/>
+            <a:off x="1387955" y="3037091"/>
             <a:ext cx="216105" cy="1"/>
           </a:xfrm>
           <a:prstGeom prst="line">
@@ -3920,7 +3914,7 @@
         </p:nvSpPr>
         <p:spPr>
           <a:xfrm>
-            <a:off x="2420322" y="3239846"/>
+            <a:off x="1958353" y="3236885"/>
             <a:ext cx="236048" cy="173380"/>
           </a:xfrm>
           <a:prstGeom prst="flowChartDecision">
@@ -3974,7 +3968,7 @@
         </p:nvCxnSpPr>
         <p:spPr>
           <a:xfrm flipV="1">
-            <a:off x="4398041" y="3331820"/>
+            <a:off x="3936072" y="3328859"/>
             <a:ext cx="223324" cy="1"/>
           </a:xfrm>
           <a:prstGeom prst="bentConnector3">
@@ -4017,7 +4011,7 @@
         </p:nvSpPr>
         <p:spPr>
           <a:xfrm rot="5400000" flipV="1">
-            <a:off x="4175027" y="3244059"/>
+            <a:off x="3713058" y="3241098"/>
             <a:ext cx="270504" cy="175523"/>
           </a:xfrm>
           <a:prstGeom prst="triangle">
@@ -4075,7 +4069,7 @@
         </p:nvCxnSpPr>
         <p:spPr>
           <a:xfrm>
-            <a:off x="5791200" y="3331820"/>
+            <a:off x="5329231" y="3328859"/>
             <a:ext cx="228600" cy="1970"/>
           </a:xfrm>
           <a:prstGeom prst="bentConnector3">
@@ -4118,7 +4112,7 @@
         </p:nvSpPr>
         <p:spPr>
           <a:xfrm>
-            <a:off x="4621365" y="3158440"/>
+            <a:off x="4159396" y="3155479"/>
             <a:ext cx="1169835" cy="346760"/>
           </a:xfrm>
           <a:prstGeom prst="rect">
@@ -4147,7 +4141,7 @@
           <a:p>
             <a:pPr algn="ctr"/>
             <a:r>
-              <a:rPr lang="en-US" sz="1050" b="1" dirty="0" err="1" smtClean="0">
+              <a:rPr lang="en-US" sz="1050" b="1" dirty="0" err="1">
                 <a:solidFill>
                   <a:schemeClr val="accent6">
                     <a:lumMod val="75000"/>
@@ -4156,18 +4150,8 @@
               </a:rPr>
               <a:t>XmlAddressBook</a:t>
             </a:r>
-            <a:r>
-              <a:rPr lang="en-US" sz="1050" b="1" dirty="0" smtClean="0">
-                <a:solidFill>
-                  <a:schemeClr val="accent6">
-                    <a:lumMod val="75000"/>
-                  </a:schemeClr>
-                </a:solidFill>
-              </a:rPr>
-              <a:t/>
-            </a:r>
             <a:br>
-              <a:rPr lang="en-US" sz="1050" b="1" dirty="0" smtClean="0">
+              <a:rPr lang="en-US" sz="1050" b="1" dirty="0">
                 <a:solidFill>
                   <a:schemeClr val="accent6">
                     <a:lumMod val="75000"/>
@@ -4176,7 +4160,7 @@
               </a:rPr>
             </a:br>
             <a:r>
-              <a:rPr lang="en-US" sz="1050" b="1" dirty="0" smtClean="0">
+              <a:rPr lang="en-US" sz="1050" b="1" dirty="0">
                 <a:solidFill>
                   <a:schemeClr val="accent6">
                     <a:lumMod val="75000"/>
@@ -4203,7 +4187,7 @@
         </p:nvSpPr>
         <p:spPr>
           <a:xfrm>
-            <a:off x="2873943" y="2558040"/>
+            <a:off x="2411974" y="2555079"/>
             <a:ext cx="1323049" cy="346760"/>
           </a:xfrm>
           <a:prstGeom prst="rect">
@@ -4243,7 +4227,7 @@
           <a:p>
             <a:pPr algn="ctr"/>
             <a:r>
-              <a:rPr lang="en-US" sz="1050" dirty="0" smtClean="0">
+              <a:rPr lang="en-US" sz="1050" dirty="0">
                 <a:solidFill>
                   <a:schemeClr val="bg1"/>
                 </a:solidFill>
@@ -4251,14 +4235,14 @@
               <a:t>&lt;&lt;interface&gt;&gt;</a:t>
             </a:r>
             <a:br>
-              <a:rPr lang="en-US" sz="1050" dirty="0" smtClean="0">
+              <a:rPr lang="en-US" sz="1050" dirty="0">
                 <a:solidFill>
                   <a:schemeClr val="bg1"/>
                 </a:solidFill>
               </a:rPr>
             </a:br>
             <a:r>
-              <a:rPr lang="en-US" sz="1050" dirty="0" err="1" smtClean="0">
+              <a:rPr lang="en-US" sz="1050" dirty="0" err="1">
                 <a:solidFill>
                   <a:schemeClr val="bg1"/>
                 </a:solidFill>
@@ -4284,7 +4268,7 @@
         </p:nvCxnSpPr>
         <p:spPr>
           <a:xfrm>
-            <a:off x="2653133" y="2726136"/>
+            <a:off x="2191164" y="2723175"/>
             <a:ext cx="220810" cy="5284"/>
           </a:xfrm>
           <a:prstGeom prst="straightConnector1">
@@ -4324,7 +4308,7 @@
         </p:nvSpPr>
         <p:spPr>
           <a:xfrm>
-            <a:off x="2417085" y="2639446"/>
+            <a:off x="1955116" y="2636485"/>
             <a:ext cx="236048" cy="173380"/>
           </a:xfrm>
           <a:prstGeom prst="flowChartDecision">
@@ -4378,7 +4362,7 @@
         </p:nvCxnSpPr>
         <p:spPr>
           <a:xfrm flipV="1">
-            <a:off x="4394804" y="2731420"/>
+            <a:off x="3932835" y="2728459"/>
             <a:ext cx="223324" cy="1"/>
           </a:xfrm>
           <a:prstGeom prst="bentConnector3">
@@ -4421,7 +4405,7 @@
         </p:nvSpPr>
         <p:spPr>
           <a:xfrm rot="5400000" flipV="1">
-            <a:off x="4171790" y="2643659"/>
+            <a:off x="3709821" y="2640698"/>
             <a:ext cx="270504" cy="175523"/>
           </a:xfrm>
           <a:prstGeom prst="triangle">
@@ -4476,7 +4460,7 @@
         </p:nvSpPr>
         <p:spPr>
           <a:xfrm>
-            <a:off x="4618128" y="2558040"/>
+            <a:off x="4156159" y="2555079"/>
             <a:ext cx="1093635" cy="346760"/>
           </a:xfrm>
           <a:prstGeom prst="rect">
@@ -4516,30 +4500,22 @@
           <a:p>
             <a:pPr algn="ctr"/>
             <a:r>
-              <a:rPr lang="en-US" sz="1050" dirty="0" err="1" smtClean="0">
+              <a:rPr lang="en-US" sz="1050" dirty="0" err="1">
                 <a:solidFill>
                   <a:schemeClr val="bg1"/>
                 </a:solidFill>
               </a:rPr>
               <a:t>JsonUserPrefs</a:t>
             </a:r>
-            <a:r>
-              <a:rPr lang="en-US" sz="1050" dirty="0" smtClean="0">
-                <a:solidFill>
-                  <a:schemeClr val="bg1"/>
-                </a:solidFill>
-              </a:rPr>
-              <a:t/>
-            </a:r>
             <a:br>
-              <a:rPr lang="en-US" sz="1050" dirty="0" smtClean="0">
+              <a:rPr lang="en-US" sz="1050" dirty="0">
                 <a:solidFill>
                   <a:schemeClr val="bg1"/>
                 </a:solidFill>
               </a:rPr>
             </a:br>
             <a:r>
-              <a:rPr lang="en-US" sz="1050" dirty="0" smtClean="0">
+              <a:rPr lang="en-US" sz="1050" dirty="0">
                 <a:solidFill>
                   <a:schemeClr val="bg1"/>
                 </a:solidFill>
@@ -4562,7 +4538,7 @@
         </p:nvSpPr>
         <p:spPr>
           <a:xfrm>
-            <a:off x="6019800" y="3160410"/>
+            <a:off x="5557831" y="3157449"/>
             <a:ext cx="1200707" cy="346760"/>
           </a:xfrm>
           <a:prstGeom prst="rect">
@@ -4591,7 +4567,7 @@
           <a:p>
             <a:pPr algn="ctr"/>
             <a:r>
-              <a:rPr lang="en-US" sz="1050" b="1" dirty="0" err="1" smtClean="0">
+              <a:rPr lang="en-US" sz="1050" b="1" dirty="0" err="1">
                 <a:solidFill>
                   <a:schemeClr val="accent6">
                     <a:lumMod val="75000"/>
@@ -4600,18 +4576,8 @@
               </a:rPr>
               <a:t>XmlSerializable</a:t>
             </a:r>
-            <a:r>
-              <a:rPr lang="en-US" sz="1050" b="1" dirty="0" smtClean="0">
-                <a:solidFill>
-                  <a:schemeClr val="accent6">
-                    <a:lumMod val="75000"/>
-                  </a:schemeClr>
-                </a:solidFill>
-              </a:rPr>
-              <a:t/>
-            </a:r>
             <a:br>
-              <a:rPr lang="en-US" sz="1050" b="1" dirty="0" smtClean="0">
+              <a:rPr lang="en-US" sz="1050" b="1" dirty="0">
                 <a:solidFill>
                   <a:schemeClr val="accent6">
                     <a:lumMod val="75000"/>
@@ -4620,7 +4586,7 @@
               </a:rPr>
             </a:br>
             <a:r>
-              <a:rPr lang="en-US" sz="1050" b="1" dirty="0" err="1" smtClean="0">
+              <a:rPr lang="en-US" sz="1050" b="1" dirty="0" err="1">
                 <a:solidFill>
                   <a:schemeClr val="accent6">
                     <a:lumMod val="75000"/>
@@ -4650,7 +4616,7 @@
         </p:nvCxnSpPr>
         <p:spPr>
           <a:xfrm rot="5400000" flipH="1" flipV="1">
-            <a:off x="8077993" y="2992020"/>
+            <a:off x="7616024" y="2989059"/>
             <a:ext cx="335208" cy="12700"/>
           </a:xfrm>
           <a:prstGeom prst="bentConnector3">
@@ -4688,7 +4654,7 @@
         </p:nvSpPr>
         <p:spPr>
           <a:xfrm>
-            <a:off x="7615738" y="2477656"/>
+            <a:off x="7153769" y="2474695"/>
             <a:ext cx="1259718" cy="346760"/>
           </a:xfrm>
           <a:prstGeom prst="rect">
@@ -4717,7 +4683,7 @@
           <a:p>
             <a:pPr algn="ctr"/>
             <a:r>
-              <a:rPr lang="en-US" sz="1050" b="1" dirty="0" err="1" smtClean="0">
+              <a:rPr lang="en-US" sz="1050" b="1" dirty="0" err="1">
                 <a:solidFill>
                   <a:schemeClr val="accent6">
                     <a:lumMod val="75000"/>
@@ -4744,7 +4710,7 @@
         </p:nvSpPr>
         <p:spPr>
           <a:xfrm>
-            <a:off x="7615738" y="3159624"/>
+            <a:off x="7153769" y="3156663"/>
             <a:ext cx="1259718" cy="346760"/>
           </a:xfrm>
           <a:prstGeom prst="rect">
@@ -4773,7 +4739,7 @@
           <a:p>
             <a:pPr algn="ctr"/>
             <a:r>
-              <a:rPr lang="en-US" sz="1050" b="1" dirty="0" err="1" smtClean="0">
+              <a:rPr lang="en-US" sz="1050" b="1" dirty="0" err="1">
                 <a:solidFill>
                   <a:schemeClr val="accent6">
                     <a:lumMod val="75000"/>
@@ -4803,7 +4769,7 @@
         </p:nvCxnSpPr>
         <p:spPr>
           <a:xfrm flipV="1">
-            <a:off x="7220507" y="3333004"/>
+            <a:off x="6758538" y="3330043"/>
             <a:ext cx="395231" cy="786"/>
           </a:xfrm>
           <a:prstGeom prst="bentConnector3">
@@ -4833,6 +4799,645 @@
           </a:fontRef>
         </p:style>
       </p:cxnSp>
+      <p:sp>
+        <p:nvSpPr>
+          <p:cNvPr id="41" name="Rectangle 8">
+            <a:extLst>
+              <a:ext uri="{FF2B5EF4-FFF2-40B4-BE49-F238E27FC236}">
+                <a16:creationId xmlns:a16="http://schemas.microsoft.com/office/drawing/2014/main" id="{5835BD9E-D498-624A-95BB-B022BB27BB03}"/>
+              </a:ext>
+            </a:extLst>
+          </p:cNvPr>
+          <p:cNvSpPr/>
+          <p:nvPr/>
+        </p:nvSpPr>
+        <p:spPr>
+          <a:xfrm>
+            <a:off x="2355544" y="3860811"/>
+            <a:ext cx="1379479" cy="346760"/>
+          </a:xfrm>
+          <a:prstGeom prst="rect">
+            <a:avLst/>
+          </a:prstGeom>
+          <a:solidFill>
+            <a:schemeClr val="accent6">
+              <a:lumMod val="75000"/>
+            </a:schemeClr>
+          </a:solidFill>
+          <a:ln w="19050">
+            <a:solidFill>
+              <a:schemeClr val="accent6">
+                <a:lumMod val="75000"/>
+              </a:schemeClr>
+            </a:solidFill>
+          </a:ln>
+          <a:effectLst/>
+        </p:spPr>
+        <p:style>
+          <a:lnRef idx="1">
+            <a:schemeClr val="accent2"/>
+          </a:lnRef>
+          <a:fillRef idx="2">
+            <a:schemeClr val="accent2"/>
+          </a:fillRef>
+          <a:effectRef idx="1">
+            <a:schemeClr val="accent2"/>
+          </a:effectRef>
+          <a:fontRef idx="minor">
+            <a:schemeClr val="dk1"/>
+          </a:fontRef>
+        </p:style>
+        <p:txBody>
+          <a:bodyPr rtlCol="0" anchor="ctr"/>
+          <a:lstStyle/>
+          <a:p>
+            <a:pPr algn="ctr"/>
+            <a:r>
+              <a:rPr lang="en-US" sz="1050" dirty="0">
+                <a:solidFill>
+                  <a:schemeClr val="bg1"/>
+                </a:solidFill>
+              </a:rPr>
+              <a:t>&lt;&lt;interface&gt;&gt;</a:t>
+            </a:r>
+            <a:br>
+              <a:rPr lang="en-US" sz="1050" dirty="0">
+                <a:solidFill>
+                  <a:schemeClr val="bg1"/>
+                </a:solidFill>
+              </a:rPr>
+            </a:br>
+            <a:r>
+              <a:rPr lang="en-US" sz="1050" dirty="0" err="1">
+                <a:solidFill>
+                  <a:schemeClr val="bg1"/>
+                </a:solidFill>
+              </a:rPr>
+              <a:t>UserDataBaseStorage</a:t>
+            </a:r>
+            <a:endParaRPr lang="en-SG" sz="1050" dirty="0">
+              <a:solidFill>
+                <a:schemeClr val="bg1"/>
+              </a:solidFill>
+            </a:endParaRPr>
+          </a:p>
+        </p:txBody>
+      </p:sp>
+      <p:cxnSp>
+        <p:nvCxnSpPr>
+          <p:cNvPr id="43" name="Straight Arrow Connector 42">
+            <a:extLst>
+              <a:ext uri="{FF2B5EF4-FFF2-40B4-BE49-F238E27FC236}">
+                <a16:creationId xmlns:a16="http://schemas.microsoft.com/office/drawing/2014/main" id="{62574363-B8C0-874E-9892-771B88EDBEEA}"/>
+              </a:ext>
+            </a:extLst>
+          </p:cNvPr>
+          <p:cNvCxnSpPr>
+            <a:cxnSpLocks/>
+            <a:endCxn id="41" idx="1"/>
+          </p:cNvCxnSpPr>
+          <p:nvPr/>
+        </p:nvCxnSpPr>
+        <p:spPr>
+          <a:xfrm>
+            <a:off x="2191164" y="4028907"/>
+            <a:ext cx="164380" cy="5284"/>
+          </a:xfrm>
+          <a:prstGeom prst="straightConnector1">
+            <a:avLst/>
+          </a:prstGeom>
+          <a:ln w="19050">
+            <a:solidFill>
+              <a:schemeClr val="accent6">
+                <a:lumMod val="75000"/>
+              </a:schemeClr>
+            </a:solidFill>
+            <a:headEnd type="none" w="med" len="med"/>
+            <a:tailEnd type="arrow" w="med" len="med"/>
+          </a:ln>
+          <a:effectLst/>
+        </p:spPr>
+        <p:style>
+          <a:lnRef idx="1">
+            <a:schemeClr val="accent2"/>
+          </a:lnRef>
+          <a:fillRef idx="2">
+            <a:schemeClr val="accent2"/>
+          </a:fillRef>
+          <a:effectRef idx="1">
+            <a:schemeClr val="accent2"/>
+          </a:effectRef>
+          <a:fontRef idx="minor">
+            <a:schemeClr val="dk1"/>
+          </a:fontRef>
+        </p:style>
+      </p:cxnSp>
+      <p:cxnSp>
+        <p:nvCxnSpPr>
+          <p:cNvPr id="44" name="Elbow Connector 63">
+            <a:extLst>
+              <a:ext uri="{FF2B5EF4-FFF2-40B4-BE49-F238E27FC236}">
+                <a16:creationId xmlns:a16="http://schemas.microsoft.com/office/drawing/2014/main" id="{7D0C5016-294A-E748-8451-33B98849E153}"/>
+              </a:ext>
+            </a:extLst>
+          </p:cNvPr>
+          <p:cNvCxnSpPr>
+            <a:cxnSpLocks/>
+            <a:stCxn id="45" idx="3"/>
+            <a:endCxn id="47" idx="1"/>
+          </p:cNvCxnSpPr>
+          <p:nvPr/>
+        </p:nvCxnSpPr>
+        <p:spPr>
+          <a:xfrm flipV="1">
+            <a:off x="3932835" y="4034191"/>
+            <a:ext cx="184292" cy="1"/>
+          </a:xfrm>
+          <a:prstGeom prst="bentConnector3">
+            <a:avLst>
+              <a:gd name="adj1" fmla="val 50000"/>
+            </a:avLst>
+          </a:prstGeom>
+          <a:ln w="19050">
+            <a:solidFill>
+              <a:schemeClr val="accent6">
+                <a:lumMod val="75000"/>
+              </a:schemeClr>
+            </a:solidFill>
+            <a:prstDash val="sysDot"/>
+            <a:headEnd type="none" w="med" len="med"/>
+            <a:tailEnd type="none" w="med" len="med"/>
+          </a:ln>
+          <a:effectLst/>
+        </p:spPr>
+        <p:style>
+          <a:lnRef idx="1">
+            <a:schemeClr val="accent2"/>
+          </a:lnRef>
+          <a:fillRef idx="2">
+            <a:schemeClr val="accent2"/>
+          </a:fillRef>
+          <a:effectRef idx="1">
+            <a:schemeClr val="accent2"/>
+          </a:effectRef>
+          <a:fontRef idx="minor">
+            <a:schemeClr val="dk1"/>
+          </a:fontRef>
+        </p:style>
+      </p:cxnSp>
+      <p:sp>
+        <p:nvSpPr>
+          <p:cNvPr id="45" name="Isosceles Triangle 102">
+            <a:extLst>
+              <a:ext uri="{FF2B5EF4-FFF2-40B4-BE49-F238E27FC236}">
+                <a16:creationId xmlns:a16="http://schemas.microsoft.com/office/drawing/2014/main" id="{6C7A6D96-2F9B-0A4F-9816-55867D4898F1}"/>
+              </a:ext>
+            </a:extLst>
+          </p:cNvPr>
+          <p:cNvSpPr/>
+          <p:nvPr/>
+        </p:nvSpPr>
+        <p:spPr>
+          <a:xfrm rot="5400000" flipV="1">
+            <a:off x="3709821" y="3946430"/>
+            <a:ext cx="270504" cy="175523"/>
+          </a:xfrm>
+          <a:prstGeom prst="triangle">
+            <a:avLst/>
+          </a:prstGeom>
+          <a:solidFill>
+            <a:schemeClr val="accent6">
+              <a:lumMod val="75000"/>
+            </a:schemeClr>
+          </a:solidFill>
+          <a:ln w="19050">
+            <a:solidFill>
+              <a:schemeClr val="accent6">
+                <a:lumMod val="75000"/>
+              </a:schemeClr>
+            </a:solidFill>
+          </a:ln>
+          <a:effectLst/>
+        </p:spPr>
+        <p:style>
+          <a:lnRef idx="1">
+            <a:schemeClr val="accent2"/>
+          </a:lnRef>
+          <a:fillRef idx="2">
+            <a:schemeClr val="accent2"/>
+          </a:fillRef>
+          <a:effectRef idx="1">
+            <a:schemeClr val="accent2"/>
+          </a:effectRef>
+          <a:fontRef idx="minor">
+            <a:schemeClr val="dk1"/>
+          </a:fontRef>
+        </p:style>
+        <p:txBody>
+          <a:bodyPr rtlCol="0" anchor="ctr"/>
+          <a:lstStyle/>
+          <a:p>
+            <a:pPr algn="ctr"/>
+            <a:endParaRPr lang="en-SG" sz="1050">
+              <a:solidFill>
+                <a:schemeClr val="bg1"/>
+              </a:solidFill>
+            </a:endParaRPr>
+          </a:p>
+        </p:txBody>
+      </p:sp>
+      <p:cxnSp>
+        <p:nvCxnSpPr>
+          <p:cNvPr id="46" name="Elbow Connector 122">
+            <a:extLst>
+              <a:ext uri="{FF2B5EF4-FFF2-40B4-BE49-F238E27FC236}">
+                <a16:creationId xmlns:a16="http://schemas.microsoft.com/office/drawing/2014/main" id="{193A9440-4399-934C-A6B1-B94363BA136D}"/>
+              </a:ext>
+            </a:extLst>
+          </p:cNvPr>
+          <p:cNvCxnSpPr>
+            <a:cxnSpLocks/>
+            <a:stCxn id="47" idx="3"/>
+            <a:endCxn id="48" idx="1"/>
+          </p:cNvCxnSpPr>
+          <p:nvPr/>
+        </p:nvCxnSpPr>
+        <p:spPr>
+          <a:xfrm>
+            <a:off x="5443531" y="4034191"/>
+            <a:ext cx="276690" cy="1970"/>
+          </a:xfrm>
+          <a:prstGeom prst="bentConnector3">
+            <a:avLst>
+              <a:gd name="adj1" fmla="val 50000"/>
+            </a:avLst>
+          </a:prstGeom>
+          <a:ln w="19050">
+            <a:solidFill>
+              <a:schemeClr val="accent6">
+                <a:lumMod val="75000"/>
+              </a:schemeClr>
+            </a:solidFill>
+            <a:prstDash val="sysDot"/>
+            <a:headEnd type="none" w="med" len="med"/>
+            <a:tailEnd type="arrow" w="med" len="med"/>
+          </a:ln>
+          <a:effectLst/>
+        </p:spPr>
+        <p:style>
+          <a:lnRef idx="1">
+            <a:schemeClr val="accent2"/>
+          </a:lnRef>
+          <a:fillRef idx="2">
+            <a:schemeClr val="accent2"/>
+          </a:fillRef>
+          <a:effectRef idx="1">
+            <a:schemeClr val="accent2"/>
+          </a:effectRef>
+          <a:fontRef idx="minor">
+            <a:schemeClr val="dk1"/>
+          </a:fontRef>
+        </p:style>
+      </p:cxnSp>
+      <p:sp>
+        <p:nvSpPr>
+          <p:cNvPr id="47" name="Rectangle 8">
+            <a:extLst>
+              <a:ext uri="{FF2B5EF4-FFF2-40B4-BE49-F238E27FC236}">
+                <a16:creationId xmlns:a16="http://schemas.microsoft.com/office/drawing/2014/main" id="{14B9A211-8E87-9542-BB92-337B51BF75E9}"/>
+              </a:ext>
+            </a:extLst>
+          </p:cNvPr>
+          <p:cNvSpPr/>
+          <p:nvPr/>
+        </p:nvSpPr>
+        <p:spPr>
+          <a:xfrm>
+            <a:off x="4117127" y="3860811"/>
+            <a:ext cx="1326404" cy="346760"/>
+          </a:xfrm>
+          <a:prstGeom prst="rect">
+            <a:avLst/>
+          </a:prstGeom>
+          <a:ln w="19050"/>
+          <a:effectLst/>
+        </p:spPr>
+        <p:style>
+          <a:lnRef idx="1">
+            <a:schemeClr val="accent6"/>
+          </a:lnRef>
+          <a:fillRef idx="2">
+            <a:schemeClr val="accent6"/>
+          </a:fillRef>
+          <a:effectRef idx="1">
+            <a:schemeClr val="accent6"/>
+          </a:effectRef>
+          <a:fontRef idx="minor">
+            <a:schemeClr val="dk1"/>
+          </a:fontRef>
+        </p:style>
+        <p:txBody>
+          <a:bodyPr rtlCol="0" anchor="ctr"/>
+          <a:lstStyle/>
+          <a:p>
+            <a:pPr algn="ctr"/>
+            <a:r>
+              <a:rPr lang="en-US" sz="1050" b="1" dirty="0">
+                <a:solidFill>
+                  <a:schemeClr val="accent6">
+                    <a:lumMod val="75000"/>
+                  </a:schemeClr>
+                </a:solidFill>
+              </a:rPr>
+              <a:t>Xml </a:t>
+            </a:r>
+            <a:r>
+              <a:rPr lang="en-US" sz="1050" b="1" dirty="0" err="1">
+                <a:solidFill>
+                  <a:schemeClr val="accent6">
+                    <a:lumMod val="75000"/>
+                  </a:schemeClr>
+                </a:solidFill>
+              </a:rPr>
+              <a:t>UserDatabase</a:t>
+            </a:r>
+            <a:endParaRPr lang="en-US" sz="1050" b="1" dirty="0">
+              <a:solidFill>
+                <a:schemeClr val="accent6">
+                  <a:lumMod val="75000"/>
+                </a:schemeClr>
+              </a:solidFill>
+            </a:endParaRPr>
+          </a:p>
+          <a:p>
+            <a:pPr algn="ctr"/>
+            <a:r>
+              <a:rPr lang="en-US" sz="1050" b="1" dirty="0">
+                <a:solidFill>
+                  <a:schemeClr val="accent6">
+                    <a:lumMod val="75000"/>
+                  </a:schemeClr>
+                </a:solidFill>
+              </a:rPr>
+              <a:t>Storage</a:t>
+            </a:r>
+            <a:endParaRPr lang="en-SG" sz="1050" b="1" dirty="0">
+              <a:solidFill>
+                <a:schemeClr val="accent6">
+                  <a:lumMod val="75000"/>
+                </a:schemeClr>
+              </a:solidFill>
+            </a:endParaRPr>
+          </a:p>
+        </p:txBody>
+      </p:sp>
+      <p:sp>
+        <p:nvSpPr>
+          <p:cNvPr id="48" name="Rectangle 8">
+            <a:extLst>
+              <a:ext uri="{FF2B5EF4-FFF2-40B4-BE49-F238E27FC236}">
+                <a16:creationId xmlns:a16="http://schemas.microsoft.com/office/drawing/2014/main" id="{1C79EB61-09E5-5A4D-A9E8-346F084C19A4}"/>
+              </a:ext>
+            </a:extLst>
+          </p:cNvPr>
+          <p:cNvSpPr/>
+          <p:nvPr/>
+        </p:nvSpPr>
+        <p:spPr>
+          <a:xfrm>
+            <a:off x="5720221" y="3862781"/>
+            <a:ext cx="1200707" cy="346760"/>
+          </a:xfrm>
+          <a:prstGeom prst="rect">
+            <a:avLst/>
+          </a:prstGeom>
+          <a:ln w="19050"/>
+          <a:effectLst/>
+        </p:spPr>
+        <p:style>
+          <a:lnRef idx="1">
+            <a:schemeClr val="accent6"/>
+          </a:lnRef>
+          <a:fillRef idx="2">
+            <a:schemeClr val="accent6"/>
+          </a:fillRef>
+          <a:effectRef idx="1">
+            <a:schemeClr val="accent6"/>
+          </a:effectRef>
+          <a:fontRef idx="minor">
+            <a:schemeClr val="dk1"/>
+          </a:fontRef>
+        </p:style>
+        <p:txBody>
+          <a:bodyPr rtlCol="0" anchor="ctr"/>
+          <a:lstStyle/>
+          <a:p>
+            <a:pPr algn="ctr"/>
+            <a:r>
+              <a:rPr lang="en-US" sz="1050" b="1" dirty="0" err="1">
+                <a:solidFill>
+                  <a:schemeClr val="accent6">
+                    <a:lumMod val="75000"/>
+                  </a:schemeClr>
+                </a:solidFill>
+              </a:rPr>
+              <a:t>XmlSerializable</a:t>
+            </a:r>
+            <a:br>
+              <a:rPr lang="en-US" sz="1050" b="1" dirty="0">
+                <a:solidFill>
+                  <a:schemeClr val="accent6">
+                    <a:lumMod val="75000"/>
+                  </a:schemeClr>
+                </a:solidFill>
+              </a:rPr>
+            </a:br>
+            <a:r>
+              <a:rPr lang="en-US" sz="1050" b="1" dirty="0" err="1">
+                <a:solidFill>
+                  <a:schemeClr val="accent6">
+                    <a:lumMod val="75000"/>
+                  </a:schemeClr>
+                </a:solidFill>
+              </a:rPr>
+              <a:t>UserDatabase</a:t>
+            </a:r>
+            <a:endParaRPr lang="en-SG" sz="1050" b="1" dirty="0">
+              <a:solidFill>
+                <a:schemeClr val="accent6">
+                  <a:lumMod val="75000"/>
+                </a:schemeClr>
+              </a:solidFill>
+            </a:endParaRPr>
+          </a:p>
+        </p:txBody>
+      </p:sp>
+      <p:sp>
+        <p:nvSpPr>
+          <p:cNvPr id="49" name="Rectangle 8">
+            <a:extLst>
+              <a:ext uri="{FF2B5EF4-FFF2-40B4-BE49-F238E27FC236}">
+                <a16:creationId xmlns:a16="http://schemas.microsoft.com/office/drawing/2014/main" id="{45677BF6-D23B-7A4F-B114-D1F14B8947D4}"/>
+              </a:ext>
+            </a:extLst>
+          </p:cNvPr>
+          <p:cNvSpPr/>
+          <p:nvPr/>
+        </p:nvSpPr>
+        <p:spPr>
+          <a:xfrm>
+            <a:off x="7182591" y="3861995"/>
+            <a:ext cx="1259718" cy="346760"/>
+          </a:xfrm>
+          <a:prstGeom prst="rect">
+            <a:avLst/>
+          </a:prstGeom>
+          <a:ln w="19050"/>
+          <a:effectLst/>
+        </p:spPr>
+        <p:style>
+          <a:lnRef idx="1">
+            <a:schemeClr val="accent6"/>
+          </a:lnRef>
+          <a:fillRef idx="2">
+            <a:schemeClr val="accent6"/>
+          </a:fillRef>
+          <a:effectRef idx="1">
+            <a:schemeClr val="accent6"/>
+          </a:effectRef>
+          <a:fontRef idx="minor">
+            <a:schemeClr val="dk1"/>
+          </a:fontRef>
+        </p:style>
+        <p:txBody>
+          <a:bodyPr rtlCol="0" anchor="ctr"/>
+          <a:lstStyle/>
+          <a:p>
+            <a:pPr algn="ctr"/>
+            <a:r>
+              <a:rPr lang="en-US" sz="1050" b="1" dirty="0" err="1">
+                <a:solidFill>
+                  <a:schemeClr val="accent6">
+                    <a:lumMod val="75000"/>
+                  </a:schemeClr>
+                </a:solidFill>
+              </a:rPr>
+              <a:t>XmlAdaptedUser</a:t>
+            </a:r>
+            <a:endParaRPr lang="en-SG" sz="1050" b="1" dirty="0">
+              <a:solidFill>
+                <a:schemeClr val="accent6">
+                  <a:lumMod val="75000"/>
+                </a:schemeClr>
+              </a:solidFill>
+            </a:endParaRPr>
+          </a:p>
+        </p:txBody>
+      </p:sp>
+      <p:cxnSp>
+        <p:nvCxnSpPr>
+          <p:cNvPr id="51" name="Elbow Connector 122">
+            <a:extLst>
+              <a:ext uri="{FF2B5EF4-FFF2-40B4-BE49-F238E27FC236}">
+                <a16:creationId xmlns:a16="http://schemas.microsoft.com/office/drawing/2014/main" id="{8AEC87A8-EC4D-F84F-8E5D-CCEF4E194987}"/>
+              </a:ext>
+            </a:extLst>
+          </p:cNvPr>
+          <p:cNvCxnSpPr>
+            <a:stCxn id="48" idx="3"/>
+            <a:endCxn id="49" idx="1"/>
+          </p:cNvCxnSpPr>
+          <p:nvPr/>
+        </p:nvCxnSpPr>
+        <p:spPr>
+          <a:xfrm flipV="1">
+            <a:off x="6920928" y="4035375"/>
+            <a:ext cx="261663" cy="786"/>
+          </a:xfrm>
+          <a:prstGeom prst="bentConnector3">
+            <a:avLst>
+              <a:gd name="adj1" fmla="val 50000"/>
+            </a:avLst>
+          </a:prstGeom>
+          <a:ln w="19050">
+            <a:prstDash val="sysDot"/>
+            <a:headEnd type="none" w="med" len="med"/>
+            <a:tailEnd type="arrow" w="med" len="med"/>
+          </a:ln>
+          <a:effectLst/>
+        </p:spPr>
+        <p:style>
+          <a:lnRef idx="1">
+            <a:schemeClr val="accent6"/>
+          </a:lnRef>
+          <a:fillRef idx="2">
+            <a:schemeClr val="accent6"/>
+          </a:fillRef>
+          <a:effectRef idx="1">
+            <a:schemeClr val="accent6"/>
+          </a:effectRef>
+          <a:fontRef idx="minor">
+            <a:schemeClr val="dk1"/>
+          </a:fontRef>
+        </p:style>
+      </p:cxnSp>
+      <p:sp>
+        <p:nvSpPr>
+          <p:cNvPr id="53" name="Flowchart: Decision 96">
+            <a:extLst>
+              <a:ext uri="{FF2B5EF4-FFF2-40B4-BE49-F238E27FC236}">
+                <a16:creationId xmlns:a16="http://schemas.microsoft.com/office/drawing/2014/main" id="{F15F8918-C225-CD4F-AC9D-8027B7EBD0E8}"/>
+              </a:ext>
+            </a:extLst>
+          </p:cNvPr>
+          <p:cNvSpPr/>
+          <p:nvPr/>
+        </p:nvSpPr>
+        <p:spPr>
+          <a:xfrm>
+            <a:off x="1943972" y="3942217"/>
+            <a:ext cx="236048" cy="173380"/>
+          </a:xfrm>
+          <a:prstGeom prst="flowChartDecision">
+            <a:avLst/>
+          </a:prstGeom>
+          <a:noFill/>
+          <a:ln w="19050">
+            <a:solidFill>
+              <a:schemeClr val="accent6">
+                <a:lumMod val="75000"/>
+              </a:schemeClr>
+            </a:solidFill>
+          </a:ln>
+          <a:effectLst/>
+        </p:spPr>
+        <p:style>
+          <a:lnRef idx="1">
+            <a:schemeClr val="accent2"/>
+          </a:lnRef>
+          <a:fillRef idx="2">
+            <a:schemeClr val="accent2"/>
+          </a:fillRef>
+          <a:effectRef idx="1">
+            <a:schemeClr val="accent2"/>
+          </a:effectRef>
+          <a:fontRef idx="minor">
+            <a:schemeClr val="dk1"/>
+          </a:fontRef>
+        </p:style>
+        <p:txBody>
+          <a:bodyPr rtlCol="0" anchor="ctr"/>
+          <a:lstStyle/>
+          <a:p>
+            <a:pPr algn="ctr"/>
+            <a:endParaRPr lang="en-US" sz="1050">
+              <a:solidFill>
+                <a:schemeClr val="bg1"/>
+              </a:solidFill>
+            </a:endParaRPr>
+          </a:p>
+        </p:txBody>
+      </p:sp>
     </p:spTree>
     <p:extLst>
       <p:ext uri="{BB962C8B-B14F-4D97-AF65-F5344CB8AC3E}">
@@ -4843,13 +5448,6 @@
   <p:clrMapOvr>
     <a:masterClrMapping/>
   </p:clrMapOvr>
-  <p:timing>
-    <p:tnLst>
-      <p:par>
-        <p:cTn id="1" dur="indefinite" restart="never" nodeType="tmRoot"/>
-      </p:par>
-    </p:tnLst>
-  </p:timing>
 </p:sld>
 </file>
 

--- a/docs/diagrams/StorageComponentClassDiagram.pptx
+++ b/docs/diagrams/StorageComponentClassDiagram.pptx
@@ -107,6 +107,22 @@
       </a:defRPr>
     </a:lvl9pPr>
   </p:defaultTextStyle>
+  <p:extLst>
+    <p:ext uri="{EFAFB233-063F-42B5-8137-9DF3F51BA10A}">
+      <p15:sldGuideLst xmlns:p15="http://schemas.microsoft.com/office/powerpoint/2012/main">
+        <p15:guide id="1" orient="horz" pos="1488">
+          <p15:clr>
+            <a:srgbClr val="A4A3A4"/>
+          </p15:clr>
+        </p15:guide>
+        <p15:guide id="2" pos="2880">
+          <p15:clr>
+            <a:srgbClr val="A4A3A4"/>
+          </p15:clr>
+        </p15:guide>
+      </p15:sldGuideLst>
+    </p:ext>
+  </p:extLst>
 </p:presentation>
 </file>
 
@@ -192,7 +208,7 @@
           <a:p>
             <a:fld id="{F5CC4B3F-88C1-4FFA-B1B6-F41C21DC6924}" type="datetimeFigureOut">
               <a:rPr lang="en-US" smtClean="0"/>
-              <a:t>10/16/2016</a:t>
+              <a:t>4/14/2018</a:t>
             </a:fld>
             <a:endParaRPr lang="en-US"/>
           </a:p>
@@ -256,38 +272,37 @@
           <a:p>
             <a:pPr lvl="0"/>
             <a:r>
-              <a:rPr lang="en-US" smtClean="0"/>
+              <a:rPr lang="en-US"/>
               <a:t>Click to edit Master text styles</a:t>
             </a:r>
           </a:p>
           <a:p>
             <a:pPr lvl="1"/>
             <a:r>
-              <a:rPr lang="en-US" smtClean="0"/>
+              <a:rPr lang="en-US"/>
               <a:t>Second level</a:t>
             </a:r>
           </a:p>
           <a:p>
             <a:pPr lvl="2"/>
             <a:r>
-              <a:rPr lang="en-US" smtClean="0"/>
+              <a:rPr lang="en-US"/>
               <a:t>Third level</a:t>
             </a:r>
           </a:p>
           <a:p>
             <a:pPr lvl="3"/>
             <a:r>
-              <a:rPr lang="en-US" smtClean="0"/>
+              <a:rPr lang="en-US"/>
               <a:t>Fourth level</a:t>
             </a:r>
           </a:p>
           <a:p>
             <a:pPr lvl="4"/>
             <a:r>
-              <a:rPr lang="en-US" smtClean="0"/>
+              <a:rPr lang="en-US"/>
               <a:t>Fifth level</a:t>
             </a:r>
-            <a:endParaRPr lang="en-US"/>
           </a:p>
         </p:txBody>
       </p:sp>
@@ -498,10 +513,9 @@
           <a:lstStyle/>
           <a:p>
             <a:r>
-              <a:rPr lang="en-US" smtClean="0"/>
+              <a:rPr lang="en-US"/>
               <a:t>Click to edit Master title style</a:t>
             </a:r>
-            <a:endParaRPr lang="en-US"/>
           </a:p>
         </p:txBody>
       </p:sp>
@@ -617,10 +631,9 @@
           </a:lstStyle>
           <a:p>
             <a:r>
-              <a:rPr lang="en-US" smtClean="0"/>
+              <a:rPr lang="en-US"/>
               <a:t>Click to edit Master subtitle style</a:t>
             </a:r>
-            <a:endParaRPr lang="en-US"/>
           </a:p>
         </p:txBody>
       </p:sp>
@@ -641,7 +654,7 @@
           <a:p>
             <a:fld id="{78C97017-6FC3-485B-9764-EAC9E56C1D49}" type="datetimeFigureOut">
               <a:rPr lang="en-US" smtClean="0"/>
-              <a:t>10/16/2016</a:t>
+              <a:t>4/14/2018</a:t>
             </a:fld>
             <a:endParaRPr lang="en-US"/>
           </a:p>
@@ -735,10 +748,9 @@
           <a:lstStyle/>
           <a:p>
             <a:r>
-              <a:rPr lang="en-US" smtClean="0"/>
+              <a:rPr lang="en-US"/>
               <a:t>Click to edit Master title style</a:t>
             </a:r>
-            <a:endParaRPr lang="en-US"/>
           </a:p>
         </p:txBody>
       </p:sp>
@@ -759,38 +771,37 @@
           <a:p>
             <a:pPr lvl="0"/>
             <a:r>
-              <a:rPr lang="en-US" smtClean="0"/>
+              <a:rPr lang="en-US"/>
               <a:t>Click to edit Master text styles</a:t>
             </a:r>
           </a:p>
           <a:p>
             <a:pPr lvl="1"/>
             <a:r>
-              <a:rPr lang="en-US" smtClean="0"/>
+              <a:rPr lang="en-US"/>
               <a:t>Second level</a:t>
             </a:r>
           </a:p>
           <a:p>
             <a:pPr lvl="2"/>
             <a:r>
-              <a:rPr lang="en-US" smtClean="0"/>
+              <a:rPr lang="en-US"/>
               <a:t>Third level</a:t>
             </a:r>
           </a:p>
           <a:p>
             <a:pPr lvl="3"/>
             <a:r>
-              <a:rPr lang="en-US" smtClean="0"/>
+              <a:rPr lang="en-US"/>
               <a:t>Fourth level</a:t>
             </a:r>
           </a:p>
           <a:p>
             <a:pPr lvl="4"/>
             <a:r>
-              <a:rPr lang="en-US" smtClean="0"/>
+              <a:rPr lang="en-US"/>
               <a:t>Fifth level</a:t>
             </a:r>
-            <a:endParaRPr lang="en-US"/>
           </a:p>
         </p:txBody>
       </p:sp>
@@ -811,7 +822,7 @@
           <a:p>
             <a:fld id="{78C97017-6FC3-485B-9764-EAC9E56C1D49}" type="datetimeFigureOut">
               <a:rPr lang="en-US" smtClean="0"/>
-              <a:t>10/16/2016</a:t>
+              <a:t>4/14/2018</a:t>
             </a:fld>
             <a:endParaRPr lang="en-US"/>
           </a:p>
@@ -910,10 +921,9 @@
           <a:lstStyle/>
           <a:p>
             <a:r>
-              <a:rPr lang="en-US" smtClean="0"/>
+              <a:rPr lang="en-US"/>
               <a:t>Click to edit Master title style</a:t>
             </a:r>
-            <a:endParaRPr lang="en-US"/>
           </a:p>
         </p:txBody>
       </p:sp>
@@ -939,38 +949,37 @@
           <a:p>
             <a:pPr lvl="0"/>
             <a:r>
-              <a:rPr lang="en-US" smtClean="0"/>
+              <a:rPr lang="en-US"/>
               <a:t>Click to edit Master text styles</a:t>
             </a:r>
           </a:p>
           <a:p>
             <a:pPr lvl="1"/>
             <a:r>
-              <a:rPr lang="en-US" smtClean="0"/>
+              <a:rPr lang="en-US"/>
               <a:t>Second level</a:t>
             </a:r>
           </a:p>
           <a:p>
             <a:pPr lvl="2"/>
             <a:r>
-              <a:rPr lang="en-US" smtClean="0"/>
+              <a:rPr lang="en-US"/>
               <a:t>Third level</a:t>
             </a:r>
           </a:p>
           <a:p>
             <a:pPr lvl="3"/>
             <a:r>
-              <a:rPr lang="en-US" smtClean="0"/>
+              <a:rPr lang="en-US"/>
               <a:t>Fourth level</a:t>
             </a:r>
           </a:p>
           <a:p>
             <a:pPr lvl="4"/>
             <a:r>
-              <a:rPr lang="en-US" smtClean="0"/>
+              <a:rPr lang="en-US"/>
               <a:t>Fifth level</a:t>
             </a:r>
-            <a:endParaRPr lang="en-US"/>
           </a:p>
         </p:txBody>
       </p:sp>
@@ -991,7 +1000,7 @@
           <a:p>
             <a:fld id="{78C97017-6FC3-485B-9764-EAC9E56C1D49}" type="datetimeFigureOut">
               <a:rPr lang="en-US" smtClean="0"/>
-              <a:t>10/16/2016</a:t>
+              <a:t>4/14/2018</a:t>
             </a:fld>
             <a:endParaRPr lang="en-US"/>
           </a:p>
@@ -1085,10 +1094,9 @@
           <a:lstStyle/>
           <a:p>
             <a:r>
-              <a:rPr lang="en-US" smtClean="0"/>
+              <a:rPr lang="en-US"/>
               <a:t>Click to edit Master title style</a:t>
             </a:r>
-            <a:endParaRPr lang="en-US"/>
           </a:p>
         </p:txBody>
       </p:sp>
@@ -1109,38 +1117,37 @@
           <a:p>
             <a:pPr lvl="0"/>
             <a:r>
-              <a:rPr lang="en-US" smtClean="0"/>
+              <a:rPr lang="en-US"/>
               <a:t>Click to edit Master text styles</a:t>
             </a:r>
           </a:p>
           <a:p>
             <a:pPr lvl="1"/>
             <a:r>
-              <a:rPr lang="en-US" smtClean="0"/>
+              <a:rPr lang="en-US"/>
               <a:t>Second level</a:t>
             </a:r>
           </a:p>
           <a:p>
             <a:pPr lvl="2"/>
             <a:r>
-              <a:rPr lang="en-US" smtClean="0"/>
+              <a:rPr lang="en-US"/>
               <a:t>Third level</a:t>
             </a:r>
           </a:p>
           <a:p>
             <a:pPr lvl="3"/>
             <a:r>
-              <a:rPr lang="en-US" smtClean="0"/>
+              <a:rPr lang="en-US"/>
               <a:t>Fourth level</a:t>
             </a:r>
           </a:p>
           <a:p>
             <a:pPr lvl="4"/>
             <a:r>
-              <a:rPr lang="en-US" smtClean="0"/>
+              <a:rPr lang="en-US"/>
               <a:t>Fifth level</a:t>
             </a:r>
-            <a:endParaRPr lang="en-US"/>
           </a:p>
         </p:txBody>
       </p:sp>
@@ -1161,7 +1168,7 @@
           <a:p>
             <a:fld id="{78C97017-6FC3-485B-9764-EAC9E56C1D49}" type="datetimeFigureOut">
               <a:rPr lang="en-US" smtClean="0"/>
-              <a:t>10/16/2016</a:t>
+              <a:t>4/14/2018</a:t>
             </a:fld>
             <a:endParaRPr lang="en-US"/>
           </a:p>
@@ -1264,10 +1271,9 @@
           </a:lstStyle>
           <a:p>
             <a:r>
-              <a:rPr lang="en-US" smtClean="0"/>
+              <a:rPr lang="en-US"/>
               <a:t>Click to edit Master title style</a:t>
             </a:r>
-            <a:endParaRPr lang="en-US"/>
           </a:p>
         </p:txBody>
       </p:sp>
@@ -1384,7 +1390,7 @@
           <a:p>
             <a:pPr lvl="0"/>
             <a:r>
-              <a:rPr lang="en-US" smtClean="0"/>
+              <a:rPr lang="en-US"/>
               <a:t>Click to edit Master text styles</a:t>
             </a:r>
           </a:p>
@@ -1407,7 +1413,7 @@
           <a:p>
             <a:fld id="{78C97017-6FC3-485B-9764-EAC9E56C1D49}" type="datetimeFigureOut">
               <a:rPr lang="en-US" smtClean="0"/>
-              <a:t>10/16/2016</a:t>
+              <a:t>4/14/2018</a:t>
             </a:fld>
             <a:endParaRPr lang="en-US"/>
           </a:p>
@@ -1501,10 +1507,9 @@
           <a:lstStyle/>
           <a:p>
             <a:r>
-              <a:rPr lang="en-US" smtClean="0"/>
+              <a:rPr lang="en-US"/>
               <a:t>Click to edit Master title style</a:t>
             </a:r>
-            <a:endParaRPr lang="en-US"/>
           </a:p>
         </p:txBody>
       </p:sp>
@@ -1558,38 +1563,37 @@
           <a:p>
             <a:pPr lvl="0"/>
             <a:r>
-              <a:rPr lang="en-US" smtClean="0"/>
+              <a:rPr lang="en-US"/>
               <a:t>Click to edit Master text styles</a:t>
             </a:r>
           </a:p>
           <a:p>
             <a:pPr lvl="1"/>
             <a:r>
-              <a:rPr lang="en-US" smtClean="0"/>
+              <a:rPr lang="en-US"/>
               <a:t>Second level</a:t>
             </a:r>
           </a:p>
           <a:p>
             <a:pPr lvl="2"/>
             <a:r>
-              <a:rPr lang="en-US" smtClean="0"/>
+              <a:rPr lang="en-US"/>
               <a:t>Third level</a:t>
             </a:r>
           </a:p>
           <a:p>
             <a:pPr lvl="3"/>
             <a:r>
-              <a:rPr lang="en-US" smtClean="0"/>
+              <a:rPr lang="en-US"/>
               <a:t>Fourth level</a:t>
             </a:r>
           </a:p>
           <a:p>
             <a:pPr lvl="4"/>
             <a:r>
-              <a:rPr lang="en-US" smtClean="0"/>
+              <a:rPr lang="en-US"/>
               <a:t>Fifth level</a:t>
             </a:r>
-            <a:endParaRPr lang="en-US"/>
           </a:p>
         </p:txBody>
       </p:sp>
@@ -1643,38 +1647,37 @@
           <a:p>
             <a:pPr lvl="0"/>
             <a:r>
-              <a:rPr lang="en-US" smtClean="0"/>
+              <a:rPr lang="en-US"/>
               <a:t>Click to edit Master text styles</a:t>
             </a:r>
           </a:p>
           <a:p>
             <a:pPr lvl="1"/>
             <a:r>
-              <a:rPr lang="en-US" smtClean="0"/>
+              <a:rPr lang="en-US"/>
               <a:t>Second level</a:t>
             </a:r>
           </a:p>
           <a:p>
             <a:pPr lvl="2"/>
             <a:r>
-              <a:rPr lang="en-US" smtClean="0"/>
+              <a:rPr lang="en-US"/>
               <a:t>Third level</a:t>
             </a:r>
           </a:p>
           <a:p>
             <a:pPr lvl="3"/>
             <a:r>
-              <a:rPr lang="en-US" smtClean="0"/>
+              <a:rPr lang="en-US"/>
               <a:t>Fourth level</a:t>
             </a:r>
           </a:p>
           <a:p>
             <a:pPr lvl="4"/>
             <a:r>
-              <a:rPr lang="en-US" smtClean="0"/>
+              <a:rPr lang="en-US"/>
               <a:t>Fifth level</a:t>
             </a:r>
-            <a:endParaRPr lang="en-US"/>
           </a:p>
         </p:txBody>
       </p:sp>
@@ -1695,7 +1698,7 @@
           <a:p>
             <a:fld id="{78C97017-6FC3-485B-9764-EAC9E56C1D49}" type="datetimeFigureOut">
               <a:rPr lang="en-US" smtClean="0"/>
-              <a:t>10/16/2016</a:t>
+              <a:t>4/14/2018</a:t>
             </a:fld>
             <a:endParaRPr lang="en-US"/>
           </a:p>
@@ -1793,10 +1796,9 @@
           </a:lstStyle>
           <a:p>
             <a:r>
-              <a:rPr lang="en-US" smtClean="0"/>
+              <a:rPr lang="en-US"/>
               <a:t>Click to edit Master title style</a:t>
             </a:r>
-            <a:endParaRPr lang="en-US"/>
           </a:p>
         </p:txBody>
       </p:sp>
@@ -1859,7 +1861,7 @@
           <a:p>
             <a:pPr lvl="0"/>
             <a:r>
-              <a:rPr lang="en-US" smtClean="0"/>
+              <a:rPr lang="en-US"/>
               <a:t>Click to edit Master text styles</a:t>
             </a:r>
           </a:p>
@@ -1915,38 +1917,37 @@
           <a:p>
             <a:pPr lvl="0"/>
             <a:r>
-              <a:rPr lang="en-US" smtClean="0"/>
+              <a:rPr lang="en-US"/>
               <a:t>Click to edit Master text styles</a:t>
             </a:r>
           </a:p>
           <a:p>
             <a:pPr lvl="1"/>
             <a:r>
-              <a:rPr lang="en-US" smtClean="0"/>
+              <a:rPr lang="en-US"/>
               <a:t>Second level</a:t>
             </a:r>
           </a:p>
           <a:p>
             <a:pPr lvl="2"/>
             <a:r>
-              <a:rPr lang="en-US" smtClean="0"/>
+              <a:rPr lang="en-US"/>
               <a:t>Third level</a:t>
             </a:r>
           </a:p>
           <a:p>
             <a:pPr lvl="3"/>
             <a:r>
-              <a:rPr lang="en-US" smtClean="0"/>
+              <a:rPr lang="en-US"/>
               <a:t>Fourth level</a:t>
             </a:r>
           </a:p>
           <a:p>
             <a:pPr lvl="4"/>
             <a:r>
-              <a:rPr lang="en-US" smtClean="0"/>
+              <a:rPr lang="en-US"/>
               <a:t>Fifth level</a:t>
             </a:r>
-            <a:endParaRPr lang="en-US"/>
           </a:p>
         </p:txBody>
       </p:sp>
@@ -2009,7 +2010,7 @@
           <a:p>
             <a:pPr lvl="0"/>
             <a:r>
-              <a:rPr lang="en-US" smtClean="0"/>
+              <a:rPr lang="en-US"/>
               <a:t>Click to edit Master text styles</a:t>
             </a:r>
           </a:p>
@@ -2065,38 +2066,37 @@
           <a:p>
             <a:pPr lvl="0"/>
             <a:r>
-              <a:rPr lang="en-US" smtClean="0"/>
+              <a:rPr lang="en-US"/>
               <a:t>Click to edit Master text styles</a:t>
             </a:r>
           </a:p>
           <a:p>
             <a:pPr lvl="1"/>
             <a:r>
-              <a:rPr lang="en-US" smtClean="0"/>
+              <a:rPr lang="en-US"/>
               <a:t>Second level</a:t>
             </a:r>
           </a:p>
           <a:p>
             <a:pPr lvl="2"/>
             <a:r>
-              <a:rPr lang="en-US" smtClean="0"/>
+              <a:rPr lang="en-US"/>
               <a:t>Third level</a:t>
             </a:r>
           </a:p>
           <a:p>
             <a:pPr lvl="3"/>
             <a:r>
-              <a:rPr lang="en-US" smtClean="0"/>
+              <a:rPr lang="en-US"/>
               <a:t>Fourth level</a:t>
             </a:r>
           </a:p>
           <a:p>
             <a:pPr lvl="4"/>
             <a:r>
-              <a:rPr lang="en-US" smtClean="0"/>
+              <a:rPr lang="en-US"/>
               <a:t>Fifth level</a:t>
             </a:r>
-            <a:endParaRPr lang="en-US"/>
           </a:p>
         </p:txBody>
       </p:sp>
@@ -2117,7 +2117,7 @@
           <a:p>
             <a:fld id="{78C97017-6FC3-485B-9764-EAC9E56C1D49}" type="datetimeFigureOut">
               <a:rPr lang="en-US" smtClean="0"/>
-              <a:t>10/16/2016</a:t>
+              <a:t>4/14/2018</a:t>
             </a:fld>
             <a:endParaRPr lang="en-US"/>
           </a:p>
@@ -2211,10 +2211,9 @@
           <a:lstStyle/>
           <a:p>
             <a:r>
-              <a:rPr lang="en-US" smtClean="0"/>
+              <a:rPr lang="en-US"/>
               <a:t>Click to edit Master title style</a:t>
             </a:r>
-            <a:endParaRPr lang="en-US"/>
           </a:p>
         </p:txBody>
       </p:sp>
@@ -2235,7 +2234,7 @@
           <a:p>
             <a:fld id="{78C97017-6FC3-485B-9764-EAC9E56C1D49}" type="datetimeFigureOut">
               <a:rPr lang="en-US" smtClean="0"/>
-              <a:t>10/16/2016</a:t>
+              <a:t>4/14/2018</a:t>
             </a:fld>
             <a:endParaRPr lang="en-US"/>
           </a:p>
@@ -2330,7 +2329,7 @@
           <a:p>
             <a:fld id="{78C97017-6FC3-485B-9764-EAC9E56C1D49}" type="datetimeFigureOut">
               <a:rPr lang="en-US" smtClean="0"/>
-              <a:t>10/16/2016</a:t>
+              <a:t>4/14/2018</a:t>
             </a:fld>
             <a:endParaRPr lang="en-US"/>
           </a:p>
@@ -2433,10 +2432,9 @@
           </a:lstStyle>
           <a:p>
             <a:r>
-              <a:rPr lang="en-US" smtClean="0"/>
+              <a:rPr lang="en-US"/>
               <a:t>Click to edit Master title style</a:t>
             </a:r>
-            <a:endParaRPr lang="en-US"/>
           </a:p>
         </p:txBody>
       </p:sp>
@@ -2490,38 +2488,37 @@
           <a:p>
             <a:pPr lvl="0"/>
             <a:r>
-              <a:rPr lang="en-US" smtClean="0"/>
+              <a:rPr lang="en-US"/>
               <a:t>Click to edit Master text styles</a:t>
             </a:r>
           </a:p>
           <a:p>
             <a:pPr lvl="1"/>
             <a:r>
-              <a:rPr lang="en-US" smtClean="0"/>
+              <a:rPr lang="en-US"/>
               <a:t>Second level</a:t>
             </a:r>
           </a:p>
           <a:p>
             <a:pPr lvl="2"/>
             <a:r>
-              <a:rPr lang="en-US" smtClean="0"/>
+              <a:rPr lang="en-US"/>
               <a:t>Third level</a:t>
             </a:r>
           </a:p>
           <a:p>
             <a:pPr lvl="3"/>
             <a:r>
-              <a:rPr lang="en-US" smtClean="0"/>
+              <a:rPr lang="en-US"/>
               <a:t>Fourth level</a:t>
             </a:r>
           </a:p>
           <a:p>
             <a:pPr lvl="4"/>
             <a:r>
-              <a:rPr lang="en-US" smtClean="0"/>
+              <a:rPr lang="en-US"/>
               <a:t>Fifth level</a:t>
             </a:r>
-            <a:endParaRPr lang="en-US"/>
           </a:p>
         </p:txBody>
       </p:sp>
@@ -2584,7 +2581,7 @@
           <a:p>
             <a:pPr lvl="0"/>
             <a:r>
-              <a:rPr lang="en-US" smtClean="0"/>
+              <a:rPr lang="en-US"/>
               <a:t>Click to edit Master text styles</a:t>
             </a:r>
           </a:p>
@@ -2607,7 +2604,7 @@
           <a:p>
             <a:fld id="{78C97017-6FC3-485B-9764-EAC9E56C1D49}" type="datetimeFigureOut">
               <a:rPr lang="en-US" smtClean="0"/>
-              <a:t>10/16/2016</a:t>
+              <a:t>4/14/2018</a:t>
             </a:fld>
             <a:endParaRPr lang="en-US"/>
           </a:p>
@@ -2710,10 +2707,9 @@
           </a:lstStyle>
           <a:p>
             <a:r>
-              <a:rPr lang="en-US" smtClean="0"/>
+              <a:rPr lang="en-US"/>
               <a:t>Click to edit Master title style</a:t>
             </a:r>
-            <a:endParaRPr lang="en-US"/>
           </a:p>
         </p:txBody>
       </p:sp>
@@ -2837,7 +2833,7 @@
           <a:p>
             <a:pPr lvl="0"/>
             <a:r>
-              <a:rPr lang="en-US" smtClean="0"/>
+              <a:rPr lang="en-US"/>
               <a:t>Click to edit Master text styles</a:t>
             </a:r>
           </a:p>
@@ -2860,7 +2856,7 @@
           <a:p>
             <a:fld id="{78C97017-6FC3-485B-9764-EAC9E56C1D49}" type="datetimeFigureOut">
               <a:rPr lang="en-US" smtClean="0"/>
-              <a:t>10/16/2016</a:t>
+              <a:t>4/14/2018</a:t>
             </a:fld>
             <a:endParaRPr lang="en-US"/>
           </a:p>
@@ -2969,10 +2965,9 @@
           <a:lstStyle/>
           <a:p>
             <a:r>
-              <a:rPr lang="en-US" smtClean="0"/>
+              <a:rPr lang="en-US"/>
               <a:t>Click to edit Master title style</a:t>
             </a:r>
-            <a:endParaRPr lang="en-US"/>
           </a:p>
         </p:txBody>
       </p:sp>
@@ -3003,38 +2998,37 @@
           <a:p>
             <a:pPr lvl="0"/>
             <a:r>
-              <a:rPr lang="en-US" smtClean="0"/>
+              <a:rPr lang="en-US"/>
               <a:t>Click to edit Master text styles</a:t>
             </a:r>
           </a:p>
           <a:p>
             <a:pPr lvl="1"/>
             <a:r>
-              <a:rPr lang="en-US" smtClean="0"/>
+              <a:rPr lang="en-US"/>
               <a:t>Second level</a:t>
             </a:r>
           </a:p>
           <a:p>
             <a:pPr lvl="2"/>
             <a:r>
-              <a:rPr lang="en-US" smtClean="0"/>
+              <a:rPr lang="en-US"/>
               <a:t>Third level</a:t>
             </a:r>
           </a:p>
           <a:p>
             <a:pPr lvl="3"/>
             <a:r>
-              <a:rPr lang="en-US" smtClean="0"/>
+              <a:rPr lang="en-US"/>
               <a:t>Fourth level</a:t>
             </a:r>
           </a:p>
           <a:p>
             <a:pPr lvl="4"/>
             <a:r>
-              <a:rPr lang="en-US" smtClean="0"/>
+              <a:rPr lang="en-US"/>
               <a:t>Fifth level</a:t>
             </a:r>
-            <a:endParaRPr lang="en-US"/>
           </a:p>
         </p:txBody>
       </p:sp>
@@ -3073,7 +3067,7 @@
           <a:p>
             <a:fld id="{78C97017-6FC3-485B-9764-EAC9E56C1D49}" type="datetimeFigureOut">
               <a:rPr lang="en-US" smtClean="0"/>
-              <a:t>10/16/2016</a:t>
+              <a:t>4/14/2018</a:t>
             </a:fld>
             <a:endParaRPr lang="en-US"/>
           </a:p>
@@ -3457,7 +3451,7 @@
         <p:spPr>
           <a:xfrm>
             <a:off x="1119865" y="2086382"/>
-            <a:ext cx="7871735" cy="1723618"/>
+            <a:ext cx="7566935" cy="2494496"/>
           </a:xfrm>
           <a:prstGeom prst="roundRect">
             <a:avLst>
@@ -3494,7 +3488,7 @@
           <a:lstStyle/>
           <a:p>
             <a:r>
-              <a:rPr lang="en-US" sz="1200" b="1" dirty="0" smtClean="0">
+              <a:rPr lang="en-US" sz="1200" b="1" dirty="0">
                 <a:solidFill>
                   <a:schemeClr val="accent6">
                     <a:lumMod val="75000"/>
@@ -3561,7 +3555,7 @@
           <a:p>
             <a:pPr algn="ctr"/>
             <a:r>
-              <a:rPr lang="en-US" sz="1050" dirty="0" smtClean="0">
+              <a:rPr lang="en-US" sz="1050" dirty="0">
                 <a:solidFill>
                   <a:schemeClr val="bg1"/>
                 </a:solidFill>
@@ -3569,14 +3563,14 @@
               <a:t>&lt;&lt;interface&gt;&gt;</a:t>
             </a:r>
             <a:br>
-              <a:rPr lang="en-US" sz="1050" dirty="0" smtClean="0">
+              <a:rPr lang="en-US" sz="1050" dirty="0">
                 <a:solidFill>
                   <a:schemeClr val="bg1"/>
                 </a:solidFill>
               </a:rPr>
             </a:br>
             <a:r>
-              <a:rPr lang="en-US" sz="1050" dirty="0" err="1" smtClean="0">
+              <a:rPr lang="en-US" sz="1050" dirty="0" err="1">
                 <a:solidFill>
                   <a:schemeClr val="bg1"/>
                 </a:solidFill>
@@ -3639,7 +3633,7 @@
           <a:p>
             <a:pPr algn="ctr"/>
             <a:r>
-              <a:rPr lang="en-US" sz="1050" dirty="0" err="1" smtClean="0">
+              <a:rPr lang="en-US" sz="1050" dirty="0" err="1">
                 <a:solidFill>
                   <a:schemeClr val="bg1"/>
                 </a:solidFill>
@@ -3713,7 +3707,7 @@
           <a:p>
             <a:pPr algn="ctr"/>
             <a:r>
-              <a:rPr lang="en-US" sz="1050" dirty="0" smtClean="0">
+              <a:rPr lang="en-US" sz="1050" dirty="0">
                 <a:solidFill>
                   <a:schemeClr val="bg1"/>
                 </a:solidFill>
@@ -4147,7 +4141,7 @@
           <a:p>
             <a:pPr algn="ctr"/>
             <a:r>
-              <a:rPr lang="en-US" sz="1050" b="1" dirty="0" err="1" smtClean="0">
+              <a:rPr lang="en-US" sz="1050" b="1" dirty="0" err="1">
                 <a:solidFill>
                   <a:schemeClr val="accent6">
                     <a:lumMod val="75000"/>
@@ -4156,18 +4150,8 @@
               </a:rPr>
               <a:t>XmlAddressBook</a:t>
             </a:r>
-            <a:r>
-              <a:rPr lang="en-US" sz="1050" b="1" dirty="0" smtClean="0">
-                <a:solidFill>
-                  <a:schemeClr val="accent6">
-                    <a:lumMod val="75000"/>
-                  </a:schemeClr>
-                </a:solidFill>
-              </a:rPr>
-              <a:t/>
-            </a:r>
             <a:br>
-              <a:rPr lang="en-US" sz="1050" b="1" dirty="0" smtClean="0">
+              <a:rPr lang="en-US" sz="1050" b="1" dirty="0">
                 <a:solidFill>
                   <a:schemeClr val="accent6">
                     <a:lumMod val="75000"/>
@@ -4176,7 +4160,7 @@
               </a:rPr>
             </a:br>
             <a:r>
-              <a:rPr lang="en-US" sz="1050" b="1" dirty="0" smtClean="0">
+              <a:rPr lang="en-US" sz="1050" b="1" dirty="0">
                 <a:solidFill>
                   <a:schemeClr val="accent6">
                     <a:lumMod val="75000"/>
@@ -4243,7 +4227,7 @@
           <a:p>
             <a:pPr algn="ctr"/>
             <a:r>
-              <a:rPr lang="en-US" sz="1050" dirty="0" smtClean="0">
+              <a:rPr lang="en-US" sz="1050" dirty="0">
                 <a:solidFill>
                   <a:schemeClr val="bg1"/>
                 </a:solidFill>
@@ -4251,14 +4235,14 @@
               <a:t>&lt;&lt;interface&gt;&gt;</a:t>
             </a:r>
             <a:br>
-              <a:rPr lang="en-US" sz="1050" dirty="0" smtClean="0">
+              <a:rPr lang="en-US" sz="1050" dirty="0">
                 <a:solidFill>
                   <a:schemeClr val="bg1"/>
                 </a:solidFill>
               </a:rPr>
             </a:br>
             <a:r>
-              <a:rPr lang="en-US" sz="1050" dirty="0" err="1" smtClean="0">
+              <a:rPr lang="en-US" sz="1050" dirty="0" err="1">
                 <a:solidFill>
                   <a:schemeClr val="bg1"/>
                 </a:solidFill>
@@ -4516,30 +4500,22 @@
           <a:p>
             <a:pPr algn="ctr"/>
             <a:r>
-              <a:rPr lang="en-US" sz="1050" dirty="0" err="1" smtClean="0">
+              <a:rPr lang="en-US" sz="1050" dirty="0" err="1">
                 <a:solidFill>
                   <a:schemeClr val="bg1"/>
                 </a:solidFill>
               </a:rPr>
               <a:t>JsonUserPrefs</a:t>
             </a:r>
-            <a:r>
-              <a:rPr lang="en-US" sz="1050" dirty="0" smtClean="0">
-                <a:solidFill>
-                  <a:schemeClr val="bg1"/>
-                </a:solidFill>
-              </a:rPr>
-              <a:t/>
-            </a:r>
             <a:br>
-              <a:rPr lang="en-US" sz="1050" dirty="0" smtClean="0">
+              <a:rPr lang="en-US" sz="1050" dirty="0">
                 <a:solidFill>
                   <a:schemeClr val="bg1"/>
                 </a:solidFill>
               </a:rPr>
             </a:br>
             <a:r>
-              <a:rPr lang="en-US" sz="1050" dirty="0" smtClean="0">
+              <a:rPr lang="en-US" sz="1050" dirty="0">
                 <a:solidFill>
                   <a:schemeClr val="bg1"/>
                 </a:solidFill>
@@ -4591,7 +4567,7 @@
           <a:p>
             <a:pPr algn="ctr"/>
             <a:r>
-              <a:rPr lang="en-US" sz="1050" b="1" dirty="0" err="1" smtClean="0">
+              <a:rPr lang="en-US" sz="1050" b="1" dirty="0" err="1">
                 <a:solidFill>
                   <a:schemeClr val="accent6">
                     <a:lumMod val="75000"/>
@@ -4600,18 +4576,8 @@
               </a:rPr>
               <a:t>XmlSerializable</a:t>
             </a:r>
-            <a:r>
-              <a:rPr lang="en-US" sz="1050" b="1" dirty="0" smtClean="0">
-                <a:solidFill>
-                  <a:schemeClr val="accent6">
-                    <a:lumMod val="75000"/>
-                  </a:schemeClr>
-                </a:solidFill>
-              </a:rPr>
-              <a:t/>
-            </a:r>
             <a:br>
-              <a:rPr lang="en-US" sz="1050" b="1" dirty="0" smtClean="0">
+              <a:rPr lang="en-US" sz="1050" b="1" dirty="0">
                 <a:solidFill>
                   <a:schemeClr val="accent6">
                     <a:lumMod val="75000"/>
@@ -4620,7 +4586,7 @@
               </a:rPr>
             </a:br>
             <a:r>
-              <a:rPr lang="en-US" sz="1050" b="1" dirty="0" err="1" smtClean="0">
+              <a:rPr lang="en-US" sz="1050" b="1" dirty="0" err="1">
                 <a:solidFill>
                   <a:schemeClr val="accent6">
                     <a:lumMod val="75000"/>
@@ -4643,19 +4609,20 @@
         <p:nvCxnSpPr>
           <p:cNvPr id="70" name="Elbow Connector 122"/>
           <p:cNvCxnSpPr>
-            <a:stCxn id="74" idx="0"/>
-            <a:endCxn id="73" idx="2"/>
+            <a:cxnSpLocks/>
+            <a:stCxn id="74" idx="3"/>
+            <a:endCxn id="73" idx="3"/>
           </p:cNvCxnSpPr>
           <p:nvPr/>
         </p:nvCxnSpPr>
         <p:spPr>
-          <a:xfrm rot="5400000" flipH="1" flipV="1">
-            <a:off x="8077993" y="2992020"/>
-            <a:ext cx="335208" cy="12700"/>
+          <a:xfrm flipV="1">
+            <a:off x="8126180" y="2726136"/>
+            <a:ext cx="54934" cy="1453104"/>
           </a:xfrm>
           <a:prstGeom prst="bentConnector3">
             <a:avLst>
-              <a:gd name="adj1" fmla="val 50000"/>
+              <a:gd name="adj1" fmla="val 516136"/>
             </a:avLst>
           </a:prstGeom>
           <a:ln w="19050">
@@ -4688,7 +4655,7 @@
         </p:nvSpPr>
         <p:spPr>
           <a:xfrm>
-            <a:off x="7615738" y="2477656"/>
+            <a:off x="6921396" y="2552756"/>
             <a:ext cx="1259718" cy="346760"/>
           </a:xfrm>
           <a:prstGeom prst="rect">
@@ -4717,7 +4684,7 @@
           <a:p>
             <a:pPr algn="ctr"/>
             <a:r>
-              <a:rPr lang="en-US" sz="1050" b="1" dirty="0" err="1" smtClean="0">
+              <a:rPr lang="en-US" sz="1050" b="1" dirty="0" err="1">
                 <a:solidFill>
                   <a:schemeClr val="accent6">
                     <a:lumMod val="75000"/>
@@ -4744,7 +4711,7 @@
         </p:nvSpPr>
         <p:spPr>
           <a:xfrm>
-            <a:off x="7615738" y="3159624"/>
+            <a:off x="6866462" y="4005860"/>
             <a:ext cx="1259718" cy="346760"/>
           </a:xfrm>
           <a:prstGeom prst="rect">
@@ -4773,7 +4740,7 @@
           <a:p>
             <a:pPr algn="ctr"/>
             <a:r>
-              <a:rPr lang="en-US" sz="1050" b="1" dirty="0" err="1" smtClean="0">
+              <a:rPr lang="en-US" sz="1050" b="1" dirty="0" err="1">
                 <a:solidFill>
                   <a:schemeClr val="accent6">
                     <a:lumMod val="75000"/>
@@ -4796,15 +4763,392 @@
         <p:nvCxnSpPr>
           <p:cNvPr id="77" name="Elbow Connector 122"/>
           <p:cNvCxnSpPr>
-            <a:stCxn id="66" idx="3"/>
+            <a:cxnSpLocks/>
+            <a:stCxn id="66" idx="2"/>
+            <a:endCxn id="74" idx="0"/>
+          </p:cNvCxnSpPr>
+          <p:nvPr/>
+        </p:nvCxnSpPr>
+        <p:spPr>
+          <a:xfrm rot="16200000" flipH="1">
+            <a:off x="6808892" y="3318431"/>
+            <a:ext cx="498690" cy="876167"/>
+          </a:xfrm>
+          <a:prstGeom prst="bentConnector3">
+            <a:avLst>
+              <a:gd name="adj1" fmla="val 50000"/>
+            </a:avLst>
+          </a:prstGeom>
+          <a:ln w="19050">
+            <a:prstDash val="sysDot"/>
+            <a:headEnd type="none" w="med" len="med"/>
+            <a:tailEnd type="arrow" w="med" len="med"/>
+          </a:ln>
+          <a:effectLst/>
+        </p:spPr>
+        <p:style>
+          <a:lnRef idx="1">
+            <a:schemeClr val="accent6"/>
+          </a:lnRef>
+          <a:fillRef idx="2">
+            <a:schemeClr val="accent6"/>
+          </a:fillRef>
+          <a:effectRef idx="1">
+            <a:schemeClr val="accent6"/>
+          </a:effectRef>
+          <a:fontRef idx="minor">
+            <a:schemeClr val="dk1"/>
+          </a:fontRef>
+        </p:style>
+      </p:cxnSp>
+      <p:sp>
+        <p:nvSpPr>
+          <p:cNvPr id="26" name="Rectangle 8">
+            <a:extLst>
+              <a:ext uri="{FF2B5EF4-FFF2-40B4-BE49-F238E27FC236}">
+                <a16:creationId xmlns:a16="http://schemas.microsoft.com/office/drawing/2014/main" id="{F701BAEB-8711-4EE7-976C-905B3400274C}"/>
+              </a:ext>
+            </a:extLst>
+          </p:cNvPr>
+          <p:cNvSpPr/>
+          <p:nvPr/>
+        </p:nvSpPr>
+        <p:spPr>
+          <a:xfrm>
+            <a:off x="5043281" y="3998951"/>
+            <a:ext cx="1259718" cy="346760"/>
+          </a:xfrm>
+          <a:prstGeom prst="rect">
+            <a:avLst/>
+          </a:prstGeom>
+          <a:ln w="19050"/>
+          <a:effectLst/>
+        </p:spPr>
+        <p:style>
+          <a:lnRef idx="1">
+            <a:schemeClr val="accent6"/>
+          </a:lnRef>
+          <a:fillRef idx="2">
+            <a:schemeClr val="accent6"/>
+          </a:fillRef>
+          <a:effectRef idx="1">
+            <a:schemeClr val="accent6"/>
+          </a:effectRef>
+          <a:fontRef idx="minor">
+            <a:schemeClr val="dk1"/>
+          </a:fontRef>
+        </p:style>
+        <p:txBody>
+          <a:bodyPr rtlCol="0" anchor="ctr"/>
+          <a:lstStyle/>
+          <a:p>
+            <a:pPr algn="ctr"/>
+            <a:r>
+              <a:rPr lang="en-US" sz="1050" b="1" dirty="0" err="1">
+                <a:solidFill>
+                  <a:schemeClr val="accent6">
+                    <a:lumMod val="75000"/>
+                  </a:schemeClr>
+                </a:solidFill>
+              </a:rPr>
+              <a:t>XmlAdaptedGroup</a:t>
+            </a:r>
+            <a:endParaRPr lang="en-SG" sz="1050" b="1" dirty="0">
+              <a:solidFill>
+                <a:schemeClr val="accent6">
+                  <a:lumMod val="75000"/>
+                </a:schemeClr>
+              </a:solidFill>
+            </a:endParaRPr>
+          </a:p>
+        </p:txBody>
+      </p:sp>
+      <p:cxnSp>
+        <p:nvCxnSpPr>
+          <p:cNvPr id="27" name="Elbow Connector 122">
+            <a:extLst>
+              <a:ext uri="{FF2B5EF4-FFF2-40B4-BE49-F238E27FC236}">
+                <a16:creationId xmlns:a16="http://schemas.microsoft.com/office/drawing/2014/main" id="{9E50873F-1FF8-4551-913C-15C4E0695824}"/>
+              </a:ext>
+            </a:extLst>
+          </p:cNvPr>
+          <p:cNvCxnSpPr>
+            <a:cxnSpLocks/>
+            <a:stCxn id="66" idx="2"/>
+            <a:endCxn id="26" idx="0"/>
+          </p:cNvCxnSpPr>
+          <p:nvPr/>
+        </p:nvCxnSpPr>
+        <p:spPr>
+          <a:xfrm rot="5400000">
+            <a:off x="5900757" y="3279553"/>
+            <a:ext cx="491781" cy="947014"/>
+          </a:xfrm>
+          <a:prstGeom prst="bentConnector3">
+            <a:avLst>
+              <a:gd name="adj1" fmla="val 50000"/>
+            </a:avLst>
+          </a:prstGeom>
+          <a:ln w="19050">
+            <a:prstDash val="sysDot"/>
+            <a:headEnd type="none" w="med" len="med"/>
+            <a:tailEnd type="arrow" w="med" len="med"/>
+          </a:ln>
+          <a:effectLst/>
+        </p:spPr>
+        <p:style>
+          <a:lnRef idx="1">
+            <a:schemeClr val="accent6"/>
+          </a:lnRef>
+          <a:fillRef idx="2">
+            <a:schemeClr val="accent6"/>
+          </a:fillRef>
+          <a:effectRef idx="1">
+            <a:schemeClr val="accent6"/>
+          </a:effectRef>
+          <a:fontRef idx="minor">
+            <a:schemeClr val="dk1"/>
+          </a:fontRef>
+        </p:style>
+      </p:cxnSp>
+      <p:cxnSp>
+        <p:nvCxnSpPr>
+          <p:cNvPr id="30" name="Elbow Connector 122">
+            <a:extLst>
+              <a:ext uri="{FF2B5EF4-FFF2-40B4-BE49-F238E27FC236}">
+                <a16:creationId xmlns:a16="http://schemas.microsoft.com/office/drawing/2014/main" id="{7159C671-FCB9-4874-A65F-378B3D7782DF}"/>
+              </a:ext>
+            </a:extLst>
+          </p:cNvPr>
+          <p:cNvCxnSpPr>
+            <a:cxnSpLocks/>
+            <a:stCxn id="26" idx="3"/>
             <a:endCxn id="74" idx="1"/>
           </p:cNvCxnSpPr>
           <p:nvPr/>
         </p:nvCxnSpPr>
         <p:spPr>
-          <a:xfrm flipV="1">
-            <a:off x="7220507" y="3333004"/>
-            <a:ext cx="395231" cy="786"/>
+          <a:xfrm>
+            <a:off x="6302999" y="4172331"/>
+            <a:ext cx="563463" cy="6909"/>
+          </a:xfrm>
+          <a:prstGeom prst="straightConnector1">
+            <a:avLst/>
+          </a:prstGeom>
+          <a:ln w="19050">
+            <a:prstDash val="sysDot"/>
+            <a:headEnd type="none" w="med" len="med"/>
+            <a:tailEnd type="arrow" w="med" len="med"/>
+          </a:ln>
+          <a:effectLst/>
+        </p:spPr>
+        <p:style>
+          <a:lnRef idx="1">
+            <a:schemeClr val="accent6"/>
+          </a:lnRef>
+          <a:fillRef idx="2">
+            <a:schemeClr val="accent6"/>
+          </a:fillRef>
+          <a:effectRef idx="1">
+            <a:schemeClr val="accent6"/>
+          </a:effectRef>
+          <a:fontRef idx="minor">
+            <a:schemeClr val="dk1"/>
+          </a:fontRef>
+        </p:style>
+      </p:cxnSp>
+      <p:sp>
+        <p:nvSpPr>
+          <p:cNvPr id="33" name="Rectangle 8">
+            <a:extLst>
+              <a:ext uri="{FF2B5EF4-FFF2-40B4-BE49-F238E27FC236}">
+                <a16:creationId xmlns:a16="http://schemas.microsoft.com/office/drawing/2014/main" id="{DF94071D-14C8-48BC-8797-0D7830C14DFA}"/>
+              </a:ext>
+            </a:extLst>
+          </p:cNvPr>
+          <p:cNvSpPr/>
+          <p:nvPr/>
+        </p:nvSpPr>
+        <p:spPr>
+          <a:xfrm>
+            <a:off x="1580086" y="4003136"/>
+            <a:ext cx="1259718" cy="346760"/>
+          </a:xfrm>
+          <a:prstGeom prst="rect">
+            <a:avLst/>
+          </a:prstGeom>
+          <a:ln w="19050"/>
+          <a:effectLst/>
+        </p:spPr>
+        <p:style>
+          <a:lnRef idx="1">
+            <a:schemeClr val="accent6"/>
+          </a:lnRef>
+          <a:fillRef idx="2">
+            <a:schemeClr val="accent6"/>
+          </a:fillRef>
+          <a:effectRef idx="1">
+            <a:schemeClr val="accent6"/>
+          </a:effectRef>
+          <a:fontRef idx="minor">
+            <a:schemeClr val="dk1"/>
+          </a:fontRef>
+        </p:style>
+        <p:txBody>
+          <a:bodyPr rtlCol="0" anchor="ctr"/>
+          <a:lstStyle/>
+          <a:p>
+            <a:pPr algn="ctr"/>
+            <a:r>
+              <a:rPr lang="en-US" sz="1050" b="1" dirty="0" err="1">
+                <a:solidFill>
+                  <a:schemeClr val="accent6">
+                    <a:lumMod val="75000"/>
+                  </a:schemeClr>
+                </a:solidFill>
+              </a:rPr>
+              <a:t>XmlAdaptedPerson</a:t>
+            </a:r>
+            <a:endParaRPr lang="en-SG" sz="1050" b="1" dirty="0">
+              <a:solidFill>
+                <a:schemeClr val="accent6">
+                  <a:lumMod val="75000"/>
+                </a:schemeClr>
+              </a:solidFill>
+            </a:endParaRPr>
+          </a:p>
+        </p:txBody>
+      </p:sp>
+      <p:cxnSp>
+        <p:nvCxnSpPr>
+          <p:cNvPr id="34" name="Elbow Connector 122">
+            <a:extLst>
+              <a:ext uri="{FF2B5EF4-FFF2-40B4-BE49-F238E27FC236}">
+                <a16:creationId xmlns:a16="http://schemas.microsoft.com/office/drawing/2014/main" id="{87362748-B78E-4387-8EE6-A7D7B87695BE}"/>
+              </a:ext>
+            </a:extLst>
+          </p:cNvPr>
+          <p:cNvCxnSpPr>
+            <a:cxnSpLocks/>
+            <a:stCxn id="66" idx="2"/>
+            <a:endCxn id="33" idx="0"/>
+          </p:cNvCxnSpPr>
+          <p:nvPr/>
+        </p:nvCxnSpPr>
+        <p:spPr>
+          <a:xfrm rot="5400000">
+            <a:off x="4167067" y="1550049"/>
+            <a:ext cx="495966" cy="4410209"/>
+          </a:xfrm>
+          <a:prstGeom prst="bentConnector3">
+            <a:avLst>
+              <a:gd name="adj1" fmla="val 50000"/>
+            </a:avLst>
+          </a:prstGeom>
+          <a:ln w="19050">
+            <a:prstDash val="sysDot"/>
+            <a:headEnd type="none" w="med" len="med"/>
+            <a:tailEnd type="arrow" w="med" len="med"/>
+          </a:ln>
+          <a:effectLst/>
+        </p:spPr>
+        <p:style>
+          <a:lnRef idx="1">
+            <a:schemeClr val="accent6"/>
+          </a:lnRef>
+          <a:fillRef idx="2">
+            <a:schemeClr val="accent6"/>
+          </a:fillRef>
+          <a:effectRef idx="1">
+            <a:schemeClr val="accent6"/>
+          </a:effectRef>
+          <a:fontRef idx="minor">
+            <a:schemeClr val="dk1"/>
+          </a:fontRef>
+        </p:style>
+      </p:cxnSp>
+      <p:sp>
+        <p:nvSpPr>
+          <p:cNvPr id="67" name="Rectangle 8">
+            <a:extLst>
+              <a:ext uri="{FF2B5EF4-FFF2-40B4-BE49-F238E27FC236}">
+                <a16:creationId xmlns:a16="http://schemas.microsoft.com/office/drawing/2014/main" id="{C59DFD52-E484-4380-9668-1E222C916ACE}"/>
+              </a:ext>
+            </a:extLst>
+          </p:cNvPr>
+          <p:cNvSpPr/>
+          <p:nvPr/>
+        </p:nvSpPr>
+        <p:spPr>
+          <a:xfrm>
+            <a:off x="3229328" y="4010757"/>
+            <a:ext cx="1259718" cy="346760"/>
+          </a:xfrm>
+          <a:prstGeom prst="rect">
+            <a:avLst/>
+          </a:prstGeom>
+          <a:ln w="19050"/>
+          <a:effectLst/>
+        </p:spPr>
+        <p:style>
+          <a:lnRef idx="1">
+            <a:schemeClr val="accent6"/>
+          </a:lnRef>
+          <a:fillRef idx="2">
+            <a:schemeClr val="accent6"/>
+          </a:fillRef>
+          <a:effectRef idx="1">
+            <a:schemeClr val="accent6"/>
+          </a:effectRef>
+          <a:fontRef idx="minor">
+            <a:schemeClr val="dk1"/>
+          </a:fontRef>
+        </p:style>
+        <p:txBody>
+          <a:bodyPr rtlCol="0" anchor="ctr"/>
+          <a:lstStyle/>
+          <a:p>
+            <a:pPr algn="ctr"/>
+            <a:r>
+              <a:rPr lang="en-US" sz="1050" b="1" dirty="0" err="1">
+                <a:solidFill>
+                  <a:schemeClr val="accent6">
+                    <a:lumMod val="75000"/>
+                  </a:schemeClr>
+                </a:solidFill>
+              </a:rPr>
+              <a:t>XmlAdaptedTodo</a:t>
+            </a:r>
+            <a:endParaRPr lang="en-SG" sz="1050" b="1" dirty="0">
+              <a:solidFill>
+                <a:schemeClr val="accent6">
+                  <a:lumMod val="75000"/>
+                </a:schemeClr>
+              </a:solidFill>
+            </a:endParaRPr>
+          </a:p>
+        </p:txBody>
+      </p:sp>
+      <p:cxnSp>
+        <p:nvCxnSpPr>
+          <p:cNvPr id="68" name="Elbow Connector 122">
+            <a:extLst>
+              <a:ext uri="{FF2B5EF4-FFF2-40B4-BE49-F238E27FC236}">
+                <a16:creationId xmlns:a16="http://schemas.microsoft.com/office/drawing/2014/main" id="{E2B0A1A7-D54A-445B-BEBF-02A7B8AE8BD1}"/>
+              </a:ext>
+            </a:extLst>
+          </p:cNvPr>
+          <p:cNvCxnSpPr>
+            <a:cxnSpLocks/>
+            <a:stCxn id="66" idx="2"/>
+            <a:endCxn id="67" idx="0"/>
+          </p:cNvCxnSpPr>
+          <p:nvPr/>
+        </p:nvCxnSpPr>
+        <p:spPr>
+          <a:xfrm rot="5400000">
+            <a:off x="4987878" y="2378480"/>
+            <a:ext cx="503587" cy="2760967"/>
           </a:xfrm>
           <a:prstGeom prst="bentConnector3">
             <a:avLst>
@@ -4843,13 +5187,6 @@
   <p:clrMapOvr>
     <a:masterClrMapping/>
   </p:clrMapOvr>
-  <p:timing>
-    <p:tnLst>
-      <p:par>
-        <p:cTn id="1" dur="indefinite" restart="never" nodeType="tmRoot"/>
-      </p:par>
-    </p:tnLst>
-  </p:timing>
 </p:sld>
 </file>
 

--- a/docs/diagrams/StorageComponentClassDiagram.pptx
+++ b/docs/diagrams/StorageComponentClassDiagram.pptx
@@ -3451,7 +3451,7 @@
         <p:spPr>
           <a:xfrm>
             <a:off x="1119865" y="2086382"/>
-            <a:ext cx="7566935" cy="2494496"/>
+            <a:ext cx="7566935" cy="2485618"/>
           </a:xfrm>
           <a:prstGeom prst="roundRect">
             <a:avLst>
@@ -5007,7 +5007,7 @@
                   </a:schemeClr>
                 </a:solidFill>
               </a:rPr>
-              <a:t>XmlAdaptedPerson</a:t>
+              <a:t>XmlAdaptedEvent</a:t>
             </a:r>
             <a:endParaRPr lang="en-SG" sz="1050" b="1" dirty="0">
               <a:solidFill>

--- a/docs/diagrams/StorageComponentClassDiagram.pptx
+++ b/docs/diagrams/StorageComponentClassDiagram.pptx
@@ -192,7 +192,7 @@
           <a:p>
             <a:fld id="{F5CC4B3F-88C1-4FFA-B1B6-F41C21DC6924}" type="datetimeFigureOut">
               <a:rPr lang="en-US" smtClean="0"/>
-              <a:t>10/16/2016</a:t>
+              <a:t>4/14/2018</a:t>
             </a:fld>
             <a:endParaRPr lang="en-US"/>
           </a:p>
@@ -641,7 +641,7 @@
           <a:p>
             <a:fld id="{78C97017-6FC3-485B-9764-EAC9E56C1D49}" type="datetimeFigureOut">
               <a:rPr lang="en-US" smtClean="0"/>
-              <a:t>10/16/2016</a:t>
+              <a:t>4/14/2018</a:t>
             </a:fld>
             <a:endParaRPr lang="en-US"/>
           </a:p>
@@ -811,7 +811,7 @@
           <a:p>
             <a:fld id="{78C97017-6FC3-485B-9764-EAC9E56C1D49}" type="datetimeFigureOut">
               <a:rPr lang="en-US" smtClean="0"/>
-              <a:t>10/16/2016</a:t>
+              <a:t>4/14/2018</a:t>
             </a:fld>
             <a:endParaRPr lang="en-US"/>
           </a:p>
@@ -991,7 +991,7 @@
           <a:p>
             <a:fld id="{78C97017-6FC3-485B-9764-EAC9E56C1D49}" type="datetimeFigureOut">
               <a:rPr lang="en-US" smtClean="0"/>
-              <a:t>10/16/2016</a:t>
+              <a:t>4/14/2018</a:t>
             </a:fld>
             <a:endParaRPr lang="en-US"/>
           </a:p>
@@ -1161,7 +1161,7 @@
           <a:p>
             <a:fld id="{78C97017-6FC3-485B-9764-EAC9E56C1D49}" type="datetimeFigureOut">
               <a:rPr lang="en-US" smtClean="0"/>
-              <a:t>10/16/2016</a:t>
+              <a:t>4/14/2018</a:t>
             </a:fld>
             <a:endParaRPr lang="en-US"/>
           </a:p>
@@ -1407,7 +1407,7 @@
           <a:p>
             <a:fld id="{78C97017-6FC3-485B-9764-EAC9E56C1D49}" type="datetimeFigureOut">
               <a:rPr lang="en-US" smtClean="0"/>
-              <a:t>10/16/2016</a:t>
+              <a:t>4/14/2018</a:t>
             </a:fld>
             <a:endParaRPr lang="en-US"/>
           </a:p>
@@ -1695,7 +1695,7 @@
           <a:p>
             <a:fld id="{78C97017-6FC3-485B-9764-EAC9E56C1D49}" type="datetimeFigureOut">
               <a:rPr lang="en-US" smtClean="0"/>
-              <a:t>10/16/2016</a:t>
+              <a:t>4/14/2018</a:t>
             </a:fld>
             <a:endParaRPr lang="en-US"/>
           </a:p>
@@ -2117,7 +2117,7 @@
           <a:p>
             <a:fld id="{78C97017-6FC3-485B-9764-EAC9E56C1D49}" type="datetimeFigureOut">
               <a:rPr lang="en-US" smtClean="0"/>
-              <a:t>10/16/2016</a:t>
+              <a:t>4/14/2018</a:t>
             </a:fld>
             <a:endParaRPr lang="en-US"/>
           </a:p>
@@ -2235,7 +2235,7 @@
           <a:p>
             <a:fld id="{78C97017-6FC3-485B-9764-EAC9E56C1D49}" type="datetimeFigureOut">
               <a:rPr lang="en-US" smtClean="0"/>
-              <a:t>10/16/2016</a:t>
+              <a:t>4/14/2018</a:t>
             </a:fld>
             <a:endParaRPr lang="en-US"/>
           </a:p>
@@ -2330,7 +2330,7 @@
           <a:p>
             <a:fld id="{78C97017-6FC3-485B-9764-EAC9E56C1D49}" type="datetimeFigureOut">
               <a:rPr lang="en-US" smtClean="0"/>
-              <a:t>10/16/2016</a:t>
+              <a:t>4/14/2018</a:t>
             </a:fld>
             <a:endParaRPr lang="en-US"/>
           </a:p>
@@ -2607,7 +2607,7 @@
           <a:p>
             <a:fld id="{78C97017-6FC3-485B-9764-EAC9E56C1D49}" type="datetimeFigureOut">
               <a:rPr lang="en-US" smtClean="0"/>
-              <a:t>10/16/2016</a:t>
+              <a:t>4/14/2018</a:t>
             </a:fld>
             <a:endParaRPr lang="en-US"/>
           </a:p>
@@ -2860,7 +2860,7 @@
           <a:p>
             <a:fld id="{78C97017-6FC3-485B-9764-EAC9E56C1D49}" type="datetimeFigureOut">
               <a:rPr lang="en-US" smtClean="0"/>
-              <a:t>10/16/2016</a:t>
+              <a:t>4/14/2018</a:t>
             </a:fld>
             <a:endParaRPr lang="en-US"/>
           </a:p>
@@ -3073,7 +3073,7 @@
           <a:p>
             <a:fld id="{78C97017-6FC3-485B-9764-EAC9E56C1D49}" type="datetimeFigureOut">
               <a:rPr lang="en-US" smtClean="0"/>
-              <a:t>10/16/2016</a:t>
+              <a:t>4/14/2018</a:t>
             </a:fld>
             <a:endParaRPr lang="en-US"/>
           </a:p>
@@ -3581,7 +3581,7 @@
                   <a:schemeClr val="bg1"/>
                 </a:solidFill>
               </a:rPr>
-              <a:t>AddressBookStorage</a:t>
+              <a:t>ImdbStorage</a:t>
             </a:r>
             <a:endParaRPr lang="en-SG" sz="1050" dirty="0">
               <a:solidFill>
@@ -4154,36 +4154,7 @@
                   </a:schemeClr>
                 </a:solidFill>
               </a:rPr>
-              <a:t>XmlAddressBook</a:t>
-            </a:r>
-            <a:r>
-              <a:rPr lang="en-US" sz="1050" b="1" dirty="0" smtClean="0">
-                <a:solidFill>
-                  <a:schemeClr val="accent6">
-                    <a:lumMod val="75000"/>
-                  </a:schemeClr>
-                </a:solidFill>
-              </a:rPr>
-              <a:t/>
-            </a:r>
-            <a:br>
-              <a:rPr lang="en-US" sz="1050" b="1" dirty="0" smtClean="0">
-                <a:solidFill>
-                  <a:schemeClr val="accent6">
-                    <a:lumMod val="75000"/>
-                  </a:schemeClr>
-                </a:solidFill>
-              </a:rPr>
-            </a:br>
-            <a:r>
-              <a:rPr lang="en-US" sz="1050" b="1" dirty="0" smtClean="0">
-                <a:solidFill>
-                  <a:schemeClr val="accent6">
-                    <a:lumMod val="75000"/>
-                  </a:schemeClr>
-                </a:solidFill>
-              </a:rPr>
-              <a:t>Storage</a:t>
+              <a:t>XmlImdbStorage</a:t>
             </a:r>
             <a:endParaRPr lang="en-SG" sz="1050" b="1" dirty="0">
               <a:solidFill>
@@ -4627,7 +4598,7 @@
                   </a:schemeClr>
                 </a:solidFill>
               </a:rPr>
-              <a:t>AddressBook</a:t>
+              <a:t>Imdb</a:t>
             </a:r>
             <a:endParaRPr lang="en-SG" sz="1050" b="1" dirty="0">
               <a:solidFill>
@@ -4649,9 +4620,9 @@
           <p:nvPr/>
         </p:nvCxnSpPr>
         <p:spPr>
-          <a:xfrm rot="5400000" flipH="1" flipV="1">
-            <a:off x="8077993" y="2992020"/>
-            <a:ext cx="335208" cy="12700"/>
+          <a:xfrm rot="16200000" flipV="1">
+            <a:off x="8087979" y="2982034"/>
+            <a:ext cx="335208" cy="19972"/>
           </a:xfrm>
           <a:prstGeom prst="bentConnector3">
             <a:avLst>
@@ -4745,7 +4716,7 @@
         <p:spPr>
           <a:xfrm>
             <a:off x="7615738" y="3159624"/>
-            <a:ext cx="1259718" cy="346760"/>
+            <a:ext cx="1299662" cy="346760"/>
           </a:xfrm>
           <a:prstGeom prst="rect">
             <a:avLst/>
@@ -4780,7 +4751,7 @@
                   </a:schemeClr>
                 </a:solidFill>
               </a:rPr>
-              <a:t>XmlAdaptedPerson</a:t>
+              <a:t>XmlAdaptedPatient</a:t>
             </a:r>
             <a:endParaRPr lang="en-SG" sz="1050" b="1" dirty="0">
               <a:solidFill>

--- a/docs/diagrams/StorageComponentClassDiagram.pptx
+++ b/docs/diagrams/StorageComponentClassDiagram.pptx
@@ -107,6 +107,22 @@
       </a:defRPr>
     </a:lvl9pPr>
   </p:defaultTextStyle>
+  <p:extLst>
+    <p:ext uri="{EFAFB233-063F-42B5-8137-9DF3F51BA10A}">
+      <p15:sldGuideLst xmlns:p15="http://schemas.microsoft.com/office/powerpoint/2012/main">
+        <p15:guide id="1" orient="horz" pos="1488">
+          <p15:clr>
+            <a:srgbClr val="A4A3A4"/>
+          </p15:clr>
+        </p15:guide>
+        <p15:guide id="2" pos="2880">
+          <p15:clr>
+            <a:srgbClr val="A4A3A4"/>
+          </p15:clr>
+        </p15:guide>
+      </p15:sldGuideLst>
+    </p:ext>
+  </p:extLst>
 </p:presentation>
 </file>
 
@@ -192,7 +208,7 @@
           <a:p>
             <a:fld id="{F5CC4B3F-88C1-4FFA-B1B6-F41C21DC6924}" type="datetimeFigureOut">
               <a:rPr lang="en-US" smtClean="0"/>
-              <a:t>10/16/2016</a:t>
+              <a:t>4/14/18</a:t>
             </a:fld>
             <a:endParaRPr lang="en-US"/>
           </a:p>
@@ -641,7 +657,7 @@
           <a:p>
             <a:fld id="{78C97017-6FC3-485B-9764-EAC9E56C1D49}" type="datetimeFigureOut">
               <a:rPr lang="en-US" smtClean="0"/>
-              <a:t>10/16/2016</a:t>
+              <a:t>4/14/18</a:t>
             </a:fld>
             <a:endParaRPr lang="en-US"/>
           </a:p>
@@ -811,7 +827,7 @@
           <a:p>
             <a:fld id="{78C97017-6FC3-485B-9764-EAC9E56C1D49}" type="datetimeFigureOut">
               <a:rPr lang="en-US" smtClean="0"/>
-              <a:t>10/16/2016</a:t>
+              <a:t>4/14/18</a:t>
             </a:fld>
             <a:endParaRPr lang="en-US"/>
           </a:p>
@@ -991,7 +1007,7 @@
           <a:p>
             <a:fld id="{78C97017-6FC3-485B-9764-EAC9E56C1D49}" type="datetimeFigureOut">
               <a:rPr lang="en-US" smtClean="0"/>
-              <a:t>10/16/2016</a:t>
+              <a:t>4/14/18</a:t>
             </a:fld>
             <a:endParaRPr lang="en-US"/>
           </a:p>
@@ -1161,7 +1177,7 @@
           <a:p>
             <a:fld id="{78C97017-6FC3-485B-9764-EAC9E56C1D49}" type="datetimeFigureOut">
               <a:rPr lang="en-US" smtClean="0"/>
-              <a:t>10/16/2016</a:t>
+              <a:t>4/14/18</a:t>
             </a:fld>
             <a:endParaRPr lang="en-US"/>
           </a:p>
@@ -1407,7 +1423,7 @@
           <a:p>
             <a:fld id="{78C97017-6FC3-485B-9764-EAC9E56C1D49}" type="datetimeFigureOut">
               <a:rPr lang="en-US" smtClean="0"/>
-              <a:t>10/16/2016</a:t>
+              <a:t>4/14/18</a:t>
             </a:fld>
             <a:endParaRPr lang="en-US"/>
           </a:p>
@@ -1695,7 +1711,7 @@
           <a:p>
             <a:fld id="{78C97017-6FC3-485B-9764-EAC9E56C1D49}" type="datetimeFigureOut">
               <a:rPr lang="en-US" smtClean="0"/>
-              <a:t>10/16/2016</a:t>
+              <a:t>4/14/18</a:t>
             </a:fld>
             <a:endParaRPr lang="en-US"/>
           </a:p>
@@ -2117,7 +2133,7 @@
           <a:p>
             <a:fld id="{78C97017-6FC3-485B-9764-EAC9E56C1D49}" type="datetimeFigureOut">
               <a:rPr lang="en-US" smtClean="0"/>
-              <a:t>10/16/2016</a:t>
+              <a:t>4/14/18</a:t>
             </a:fld>
             <a:endParaRPr lang="en-US"/>
           </a:p>
@@ -2235,7 +2251,7 @@
           <a:p>
             <a:fld id="{78C97017-6FC3-485B-9764-EAC9E56C1D49}" type="datetimeFigureOut">
               <a:rPr lang="en-US" smtClean="0"/>
-              <a:t>10/16/2016</a:t>
+              <a:t>4/14/18</a:t>
             </a:fld>
             <a:endParaRPr lang="en-US"/>
           </a:p>
@@ -2330,7 +2346,7 @@
           <a:p>
             <a:fld id="{78C97017-6FC3-485B-9764-EAC9E56C1D49}" type="datetimeFigureOut">
               <a:rPr lang="en-US" smtClean="0"/>
-              <a:t>10/16/2016</a:t>
+              <a:t>4/14/18</a:t>
             </a:fld>
             <a:endParaRPr lang="en-US"/>
           </a:p>
@@ -2607,7 +2623,7 @@
           <a:p>
             <a:fld id="{78C97017-6FC3-485B-9764-EAC9E56C1D49}" type="datetimeFigureOut">
               <a:rPr lang="en-US" smtClean="0"/>
-              <a:t>10/16/2016</a:t>
+              <a:t>4/14/18</a:t>
             </a:fld>
             <a:endParaRPr lang="en-US"/>
           </a:p>
@@ -2860,7 +2876,7 @@
           <a:p>
             <a:fld id="{78C97017-6FC3-485B-9764-EAC9E56C1D49}" type="datetimeFigureOut">
               <a:rPr lang="en-US" smtClean="0"/>
-              <a:t>10/16/2016</a:t>
+              <a:t>4/14/18</a:t>
             </a:fld>
             <a:endParaRPr lang="en-US"/>
           </a:p>
@@ -3073,7 +3089,7 @@
           <a:p>
             <a:fld id="{78C97017-6FC3-485B-9764-EAC9E56C1D49}" type="datetimeFigureOut">
               <a:rPr lang="en-US" smtClean="0"/>
-              <a:t>10/16/2016</a:t>
+              <a:t>4/14/18</a:t>
             </a:fld>
             <a:endParaRPr lang="en-US"/>
           </a:p>
@@ -3457,7 +3473,7 @@
         <p:spPr>
           <a:xfrm>
             <a:off x="1119865" y="2086382"/>
-            <a:ext cx="7871735" cy="1723618"/>
+            <a:ext cx="7871735" cy="2561818"/>
           </a:xfrm>
           <a:prstGeom prst="roundRect">
             <a:avLst>
@@ -3581,7 +3597,7 @@
                   <a:schemeClr val="bg1"/>
                 </a:solidFill>
               </a:rPr>
-              <a:t>AddressBookStorage</a:t>
+              <a:t>CatalogueStorage</a:t>
             </a:r>
             <a:endParaRPr lang="en-SG" sz="1050" dirty="0">
               <a:solidFill>
@@ -3599,8 +3615,8 @@
         </p:nvSpPr>
         <p:spPr>
           <a:xfrm rot="16200000">
-            <a:off x="1683963" y="2868687"/>
-            <a:ext cx="1093635" cy="346760"/>
+            <a:off x="1404563" y="3148087"/>
+            <a:ext cx="1652435" cy="346760"/>
           </a:xfrm>
           <a:prstGeom prst="rect">
             <a:avLst/>
@@ -3662,8 +3678,8 @@
         </p:nvSpPr>
         <p:spPr>
           <a:xfrm rot="16200000">
-            <a:off x="956202" y="2861202"/>
-            <a:ext cx="1093635" cy="346760"/>
+            <a:off x="676802" y="3140602"/>
+            <a:ext cx="1652435" cy="346760"/>
           </a:xfrm>
           <a:prstGeom prst="rect">
             <a:avLst/>
@@ -3736,8 +3752,8 @@
         </p:nvSpPr>
         <p:spPr>
           <a:xfrm rot="16200000">
-            <a:off x="1626910" y="2952291"/>
-            <a:ext cx="270504" cy="175523"/>
+            <a:off x="1574557" y="3240799"/>
+            <a:ext cx="408720" cy="175523"/>
           </a:xfrm>
           <a:prstGeom prst="triangle">
             <a:avLst/>
@@ -3834,7 +3850,7 @@
         </p:nvCxnSpPr>
         <p:spPr>
           <a:xfrm>
-            <a:off x="910091" y="3040053"/>
+            <a:off x="910091" y="3349940"/>
             <a:ext cx="419548" cy="2860"/>
           </a:xfrm>
           <a:prstGeom prst="bentConnector3">
@@ -3872,15 +3888,13 @@
       <p:cxnSp>
         <p:nvCxnSpPr>
           <p:cNvPr id="21" name="Straight Connector 20"/>
-          <p:cNvCxnSpPr>
-            <a:stCxn id="120" idx="3"/>
-          </p:cNvCxnSpPr>
+          <p:cNvCxnSpPr/>
           <p:nvPr/>
         </p:nvCxnSpPr>
         <p:spPr>
-          <a:xfrm flipV="1">
-            <a:off x="1849924" y="3040052"/>
-            <a:ext cx="216105" cy="1"/>
+          <a:xfrm>
+            <a:off x="1866679" y="3337027"/>
+            <a:ext cx="190721" cy="0"/>
           </a:xfrm>
           <a:prstGeom prst="line">
             <a:avLst/>
@@ -4154,7 +4168,7 @@
                   </a:schemeClr>
                 </a:solidFill>
               </a:rPr>
-              <a:t>XmlAddressBook</a:t>
+              <a:t>XmlCatalogue</a:t>
             </a:r>
             <a:r>
               <a:rPr lang="en-US" sz="1050" b="1" dirty="0" smtClean="0">
@@ -4620,6 +4634,62 @@
               </a:rPr>
             </a:br>
             <a:r>
+              <a:rPr lang="en-US" sz="1050" b="1" dirty="0" smtClean="0">
+                <a:solidFill>
+                  <a:schemeClr val="accent6">
+                    <a:lumMod val="75000"/>
+                  </a:schemeClr>
+                </a:solidFill>
+              </a:rPr>
+              <a:t>Catalogue</a:t>
+            </a:r>
+            <a:endParaRPr lang="en-SG" sz="1050" b="1" dirty="0">
+              <a:solidFill>
+                <a:schemeClr val="accent6">
+                  <a:lumMod val="75000"/>
+                </a:schemeClr>
+              </a:solidFill>
+            </a:endParaRPr>
+          </a:p>
+        </p:txBody>
+      </p:sp>
+      <p:sp>
+        <p:nvSpPr>
+          <p:cNvPr id="73" name="Rectangle 8"/>
+          <p:cNvSpPr/>
+          <p:nvPr/>
+        </p:nvSpPr>
+        <p:spPr>
+          <a:xfrm>
+            <a:off x="7615738" y="2477656"/>
+            <a:ext cx="1259718" cy="346760"/>
+          </a:xfrm>
+          <a:prstGeom prst="rect">
+            <a:avLst/>
+          </a:prstGeom>
+          <a:ln w="19050"/>
+          <a:effectLst/>
+        </p:spPr>
+        <p:style>
+          <a:lnRef idx="1">
+            <a:schemeClr val="accent6"/>
+          </a:lnRef>
+          <a:fillRef idx="2">
+            <a:schemeClr val="accent6"/>
+          </a:fillRef>
+          <a:effectRef idx="1">
+            <a:schemeClr val="accent6"/>
+          </a:effectRef>
+          <a:fontRef idx="minor">
+            <a:schemeClr val="dk1"/>
+          </a:fontRef>
+        </p:style>
+        <p:txBody>
+          <a:bodyPr rtlCol="0" anchor="ctr"/>
+          <a:lstStyle/>
+          <a:p>
+            <a:pPr algn="ctr"/>
+            <a:r>
               <a:rPr lang="en-US" sz="1050" b="1" dirty="0" err="1" smtClean="0">
                 <a:solidFill>
                   <a:schemeClr val="accent6">
@@ -4627,7 +4697,7 @@
                   </a:schemeClr>
                 </a:solidFill>
               </a:rPr>
-              <a:t>AddressBook</a:t>
+              <a:t>XmlAdaptedTag</a:t>
             </a:r>
             <a:endParaRPr lang="en-SG" sz="1050" b="1" dirty="0">
               <a:solidFill>
@@ -4639,19 +4709,75 @@
           </a:p>
         </p:txBody>
       </p:sp>
+      <p:sp>
+        <p:nvSpPr>
+          <p:cNvPr id="74" name="Rectangle 8"/>
+          <p:cNvSpPr/>
+          <p:nvPr/>
+        </p:nvSpPr>
+        <p:spPr>
+          <a:xfrm>
+            <a:off x="7615738" y="3159624"/>
+            <a:ext cx="1259718" cy="346760"/>
+          </a:xfrm>
+          <a:prstGeom prst="rect">
+            <a:avLst/>
+          </a:prstGeom>
+          <a:ln w="19050"/>
+          <a:effectLst/>
+        </p:spPr>
+        <p:style>
+          <a:lnRef idx="1">
+            <a:schemeClr val="accent6"/>
+          </a:lnRef>
+          <a:fillRef idx="2">
+            <a:schemeClr val="accent6"/>
+          </a:fillRef>
+          <a:effectRef idx="1">
+            <a:schemeClr val="accent6"/>
+          </a:effectRef>
+          <a:fontRef idx="minor">
+            <a:schemeClr val="dk1"/>
+          </a:fontRef>
+        </p:style>
+        <p:txBody>
+          <a:bodyPr rtlCol="0" anchor="ctr"/>
+          <a:lstStyle/>
+          <a:p>
+            <a:pPr algn="ctr"/>
+            <a:r>
+              <a:rPr lang="en-US" sz="1050" b="1" dirty="0" err="1" smtClean="0">
+                <a:solidFill>
+                  <a:schemeClr val="accent6">
+                    <a:lumMod val="75000"/>
+                  </a:schemeClr>
+                </a:solidFill>
+              </a:rPr>
+              <a:t>XmlAdaptedBook</a:t>
+            </a:r>
+            <a:endParaRPr lang="en-SG" sz="1050" b="1" dirty="0">
+              <a:solidFill>
+                <a:schemeClr val="accent6">
+                  <a:lumMod val="75000"/>
+                </a:schemeClr>
+              </a:solidFill>
+            </a:endParaRPr>
+          </a:p>
+        </p:txBody>
+      </p:sp>
       <p:cxnSp>
         <p:nvCxnSpPr>
-          <p:cNvPr id="70" name="Elbow Connector 122"/>
+          <p:cNvPr id="77" name="Elbow Connector 122"/>
           <p:cNvCxnSpPr>
-            <a:stCxn id="74" idx="0"/>
-            <a:endCxn id="73" idx="2"/>
+            <a:stCxn id="66" idx="3"/>
+            <a:endCxn id="74" idx="1"/>
           </p:cNvCxnSpPr>
           <p:nvPr/>
         </p:nvCxnSpPr>
         <p:spPr>
-          <a:xfrm rot="5400000" flipH="1" flipV="1">
-            <a:off x="8077993" y="2992020"/>
-            <a:ext cx="335208" cy="12700"/>
+          <a:xfrm flipV="1">
+            <a:off x="7220507" y="3333004"/>
+            <a:ext cx="395231" cy="786"/>
           </a:xfrm>
           <a:prstGeom prst="bentConnector3">
             <a:avLst>
@@ -4682,14 +4808,283 @@
       </p:cxnSp>
       <p:sp>
         <p:nvSpPr>
-          <p:cNvPr id="73" name="Rectangle 8"/>
+          <p:cNvPr id="26" name="Rectangle 8"/>
           <p:cNvSpPr/>
           <p:nvPr/>
         </p:nvSpPr>
         <p:spPr>
           <a:xfrm>
-            <a:off x="7615738" y="2477656"/>
-            <a:ext cx="1259718" cy="346760"/>
+            <a:off x="2874950" y="3669708"/>
+            <a:ext cx="1323049" cy="346760"/>
+          </a:xfrm>
+          <a:prstGeom prst="rect">
+            <a:avLst/>
+          </a:prstGeom>
+          <a:solidFill>
+            <a:schemeClr val="accent6">
+              <a:lumMod val="75000"/>
+            </a:schemeClr>
+          </a:solidFill>
+          <a:ln w="19050">
+            <a:solidFill>
+              <a:schemeClr val="accent6">
+                <a:lumMod val="75000"/>
+              </a:schemeClr>
+            </a:solidFill>
+          </a:ln>
+          <a:effectLst/>
+        </p:spPr>
+        <p:style>
+          <a:lnRef idx="1">
+            <a:schemeClr val="accent2"/>
+          </a:lnRef>
+          <a:fillRef idx="2">
+            <a:schemeClr val="accent2"/>
+          </a:fillRef>
+          <a:effectRef idx="1">
+            <a:schemeClr val="accent2"/>
+          </a:effectRef>
+          <a:fontRef idx="minor">
+            <a:schemeClr val="dk1"/>
+          </a:fontRef>
+        </p:style>
+        <p:txBody>
+          <a:bodyPr rtlCol="0" anchor="ctr"/>
+          <a:lstStyle/>
+          <a:p>
+            <a:pPr algn="ctr"/>
+            <a:r>
+              <a:rPr lang="en-US" sz="1050" dirty="0" smtClean="0">
+                <a:solidFill>
+                  <a:schemeClr val="bg1"/>
+                </a:solidFill>
+              </a:rPr>
+              <a:t>&lt;&lt;interface&gt;&gt;</a:t>
+            </a:r>
+            <a:br>
+              <a:rPr lang="en-US" sz="1050" dirty="0" smtClean="0">
+                <a:solidFill>
+                  <a:schemeClr val="bg1"/>
+                </a:solidFill>
+              </a:rPr>
+            </a:br>
+            <a:r>
+              <a:rPr lang="en-US" sz="1050" dirty="0" err="1" smtClean="0">
+                <a:solidFill>
+                  <a:schemeClr val="bg1"/>
+                </a:solidFill>
+              </a:rPr>
+              <a:t>AccountListStorage</a:t>
+            </a:r>
+            <a:endParaRPr lang="en-SG" sz="1050" dirty="0">
+              <a:solidFill>
+                <a:schemeClr val="bg1"/>
+              </a:solidFill>
+            </a:endParaRPr>
+          </a:p>
+        </p:txBody>
+      </p:sp>
+      <p:cxnSp>
+        <p:nvCxnSpPr>
+          <p:cNvPr id="27" name="Straight Arrow Connector 26"/>
+          <p:cNvCxnSpPr>
+            <a:endCxn id="26" idx="1"/>
+          </p:cNvCxnSpPr>
+          <p:nvPr/>
+        </p:nvCxnSpPr>
+        <p:spPr>
+          <a:xfrm>
+            <a:off x="2654140" y="3837804"/>
+            <a:ext cx="220810" cy="5284"/>
+          </a:xfrm>
+          <a:prstGeom prst="straightConnector1">
+            <a:avLst/>
+          </a:prstGeom>
+          <a:ln w="19050">
+            <a:solidFill>
+              <a:schemeClr val="accent6">
+                <a:lumMod val="75000"/>
+              </a:schemeClr>
+            </a:solidFill>
+            <a:headEnd type="none" w="med" len="med"/>
+            <a:tailEnd type="arrow" w="med" len="med"/>
+          </a:ln>
+          <a:effectLst/>
+        </p:spPr>
+        <p:style>
+          <a:lnRef idx="1">
+            <a:schemeClr val="accent2"/>
+          </a:lnRef>
+          <a:fillRef idx="2">
+            <a:schemeClr val="accent2"/>
+          </a:fillRef>
+          <a:effectRef idx="1">
+            <a:schemeClr val="accent2"/>
+          </a:effectRef>
+          <a:fontRef idx="minor">
+            <a:schemeClr val="dk1"/>
+          </a:fontRef>
+        </p:style>
+      </p:cxnSp>
+      <p:sp>
+        <p:nvSpPr>
+          <p:cNvPr id="28" name="Flowchart: Decision 96"/>
+          <p:cNvSpPr/>
+          <p:nvPr/>
+        </p:nvSpPr>
+        <p:spPr>
+          <a:xfrm>
+            <a:off x="2403004" y="3735403"/>
+            <a:ext cx="236048" cy="173380"/>
+          </a:xfrm>
+          <a:prstGeom prst="flowChartDecision">
+            <a:avLst/>
+          </a:prstGeom>
+          <a:noFill/>
+          <a:ln w="19050">
+            <a:solidFill>
+              <a:schemeClr val="accent6">
+                <a:lumMod val="75000"/>
+              </a:schemeClr>
+            </a:solidFill>
+          </a:ln>
+          <a:effectLst/>
+        </p:spPr>
+        <p:style>
+          <a:lnRef idx="1">
+            <a:schemeClr val="accent2"/>
+          </a:lnRef>
+          <a:fillRef idx="2">
+            <a:schemeClr val="accent2"/>
+          </a:fillRef>
+          <a:effectRef idx="1">
+            <a:schemeClr val="accent2"/>
+          </a:effectRef>
+          <a:fontRef idx="minor">
+            <a:schemeClr val="dk1"/>
+          </a:fontRef>
+        </p:style>
+        <p:txBody>
+          <a:bodyPr rtlCol="0" anchor="ctr"/>
+          <a:lstStyle/>
+          <a:p>
+            <a:pPr algn="ctr"/>
+            <a:endParaRPr lang="en-US" sz="1050">
+              <a:solidFill>
+                <a:schemeClr val="bg1"/>
+              </a:solidFill>
+            </a:endParaRPr>
+          </a:p>
+        </p:txBody>
+      </p:sp>
+      <p:cxnSp>
+        <p:nvCxnSpPr>
+          <p:cNvPr id="44" name="Elbow Connector 63"/>
+          <p:cNvCxnSpPr/>
+          <p:nvPr/>
+        </p:nvCxnSpPr>
+        <p:spPr>
+          <a:xfrm flipV="1">
+            <a:off x="4398041" y="3835095"/>
+            <a:ext cx="223324" cy="1"/>
+          </a:xfrm>
+          <a:prstGeom prst="bentConnector3">
+            <a:avLst>
+              <a:gd name="adj1" fmla="val 50000"/>
+            </a:avLst>
+          </a:prstGeom>
+          <a:ln w="19050">
+            <a:solidFill>
+              <a:schemeClr val="accent6">
+                <a:lumMod val="75000"/>
+              </a:schemeClr>
+            </a:solidFill>
+            <a:prstDash val="sysDot"/>
+            <a:headEnd type="none" w="med" len="med"/>
+            <a:tailEnd type="none" w="med" len="med"/>
+          </a:ln>
+          <a:effectLst/>
+        </p:spPr>
+        <p:style>
+          <a:lnRef idx="1">
+            <a:schemeClr val="accent2"/>
+          </a:lnRef>
+          <a:fillRef idx="2">
+            <a:schemeClr val="accent2"/>
+          </a:fillRef>
+          <a:effectRef idx="1">
+            <a:schemeClr val="accent2"/>
+          </a:effectRef>
+          <a:fontRef idx="minor">
+            <a:schemeClr val="dk1"/>
+          </a:fontRef>
+        </p:style>
+      </p:cxnSp>
+      <p:sp>
+        <p:nvSpPr>
+          <p:cNvPr id="45" name="Isosceles Triangle 102"/>
+          <p:cNvSpPr/>
+          <p:nvPr/>
+        </p:nvSpPr>
+        <p:spPr>
+          <a:xfrm rot="5400000" flipV="1">
+            <a:off x="4175027" y="3747334"/>
+            <a:ext cx="270504" cy="175523"/>
+          </a:xfrm>
+          <a:prstGeom prst="triangle">
+            <a:avLst/>
+          </a:prstGeom>
+          <a:solidFill>
+            <a:schemeClr val="accent6">
+              <a:lumMod val="75000"/>
+            </a:schemeClr>
+          </a:solidFill>
+          <a:ln w="19050">
+            <a:solidFill>
+              <a:schemeClr val="accent6">
+                <a:lumMod val="75000"/>
+              </a:schemeClr>
+            </a:solidFill>
+          </a:ln>
+          <a:effectLst/>
+        </p:spPr>
+        <p:style>
+          <a:lnRef idx="1">
+            <a:schemeClr val="accent2"/>
+          </a:lnRef>
+          <a:fillRef idx="2">
+            <a:schemeClr val="accent2"/>
+          </a:fillRef>
+          <a:effectRef idx="1">
+            <a:schemeClr val="accent2"/>
+          </a:effectRef>
+          <a:fontRef idx="minor">
+            <a:schemeClr val="dk1"/>
+          </a:fontRef>
+        </p:style>
+        <p:txBody>
+          <a:bodyPr rtlCol="0" anchor="ctr"/>
+          <a:lstStyle/>
+          <a:p>
+            <a:pPr algn="ctr"/>
+            <a:endParaRPr lang="en-SG" sz="1050">
+              <a:solidFill>
+                <a:schemeClr val="bg1"/>
+              </a:solidFill>
+            </a:endParaRPr>
+          </a:p>
+        </p:txBody>
+      </p:sp>
+      <p:sp>
+        <p:nvSpPr>
+          <p:cNvPr id="46" name="Rectangle 8"/>
+          <p:cNvSpPr/>
+          <p:nvPr/>
+        </p:nvSpPr>
+        <p:spPr>
+          <a:xfrm>
+            <a:off x="4621365" y="3661715"/>
+            <a:ext cx="1322235" cy="346760"/>
           </a:xfrm>
           <a:prstGeom prst="rect">
             <a:avLst/>
@@ -4724,7 +5119,27 @@
                   </a:schemeClr>
                 </a:solidFill>
               </a:rPr>
-              <a:t>XmlAdaptedTag</a:t>
+              <a:t>Serialised</a:t>
+            </a:r>
+            <a:endParaRPr lang="en-US" sz="1050" b="1" dirty="0" smtClean="0">
+              <a:solidFill>
+                <a:schemeClr val="accent6">
+                  <a:lumMod val="75000"/>
+                </a:schemeClr>
+              </a:solidFill>
+            </a:endParaRPr>
+          </a:p>
+          <a:p>
+            <a:pPr algn="ctr"/>
+            <a:r>
+              <a:rPr lang="en-US" sz="1050" b="1" dirty="0" err="1" smtClean="0">
+                <a:solidFill>
+                  <a:schemeClr val="accent6">
+                    <a:lumMod val="75000"/>
+                  </a:schemeClr>
+                </a:solidFill>
+              </a:rPr>
+              <a:t>AccountListStorage</a:t>
             </a:r>
             <a:endParaRPr lang="en-SG" sz="1050" b="1" dirty="0">
               <a:solidFill>
@@ -4736,75 +5151,18 @@
           </a:p>
         </p:txBody>
       </p:sp>
-      <p:sp>
-        <p:nvSpPr>
-          <p:cNvPr id="74" name="Rectangle 8"/>
-          <p:cNvSpPr/>
-          <p:nvPr/>
-        </p:nvSpPr>
-        <p:spPr>
-          <a:xfrm>
-            <a:off x="7615738" y="3159624"/>
-            <a:ext cx="1259718" cy="346760"/>
-          </a:xfrm>
-          <a:prstGeom prst="rect">
-            <a:avLst/>
-          </a:prstGeom>
-          <a:ln w="19050"/>
-          <a:effectLst/>
-        </p:spPr>
-        <p:style>
-          <a:lnRef idx="1">
-            <a:schemeClr val="accent6"/>
-          </a:lnRef>
-          <a:fillRef idx="2">
-            <a:schemeClr val="accent6"/>
-          </a:fillRef>
-          <a:effectRef idx="1">
-            <a:schemeClr val="accent6"/>
-          </a:effectRef>
-          <a:fontRef idx="minor">
-            <a:schemeClr val="dk1"/>
-          </a:fontRef>
-        </p:style>
-        <p:txBody>
-          <a:bodyPr rtlCol="0" anchor="ctr"/>
-          <a:lstStyle/>
-          <a:p>
-            <a:pPr algn="ctr"/>
-            <a:r>
-              <a:rPr lang="en-US" sz="1050" b="1" dirty="0" err="1" smtClean="0">
-                <a:solidFill>
-                  <a:schemeClr val="accent6">
-                    <a:lumMod val="75000"/>
-                  </a:schemeClr>
-                </a:solidFill>
-              </a:rPr>
-              <a:t>XmlAdaptedPerson</a:t>
-            </a:r>
-            <a:endParaRPr lang="en-SG" sz="1050" b="1" dirty="0">
-              <a:solidFill>
-                <a:schemeClr val="accent6">
-                  <a:lumMod val="75000"/>
-                </a:schemeClr>
-              </a:solidFill>
-            </a:endParaRPr>
-          </a:p>
-        </p:txBody>
-      </p:sp>
       <p:cxnSp>
         <p:nvCxnSpPr>
-          <p:cNvPr id="77" name="Elbow Connector 122"/>
+          <p:cNvPr id="49" name="Elbow Connector 122"/>
           <p:cNvCxnSpPr>
-            <a:stCxn id="66" idx="3"/>
-            <a:endCxn id="74" idx="1"/>
+            <a:stCxn id="74" idx="0"/>
           </p:cNvCxnSpPr>
           <p:nvPr/>
         </p:nvCxnSpPr>
         <p:spPr>
-          <a:xfrm flipV="1">
-            <a:off x="7220507" y="3333004"/>
-            <a:ext cx="395231" cy="786"/>
+          <a:xfrm rot="16200000" flipV="1">
+            <a:off x="8065401" y="2979427"/>
+            <a:ext cx="360000" cy="393"/>
           </a:xfrm>
           <a:prstGeom prst="bentConnector3">
             <a:avLst>
@@ -4833,6 +5191,105 @@
           </a:fontRef>
         </p:style>
       </p:cxnSp>
+      <p:cxnSp>
+        <p:nvCxnSpPr>
+          <p:cNvPr id="53" name="Elbow Connector 122"/>
+          <p:cNvCxnSpPr/>
+          <p:nvPr/>
+        </p:nvCxnSpPr>
+        <p:spPr>
+          <a:xfrm>
+            <a:off x="5940000" y="3816000"/>
+            <a:ext cx="228600" cy="1970"/>
+          </a:xfrm>
+          <a:prstGeom prst="bentConnector3">
+            <a:avLst>
+              <a:gd name="adj1" fmla="val 50000"/>
+            </a:avLst>
+          </a:prstGeom>
+          <a:ln w="19050">
+            <a:solidFill>
+              <a:schemeClr val="accent6">
+                <a:lumMod val="75000"/>
+              </a:schemeClr>
+            </a:solidFill>
+            <a:prstDash val="sysDot"/>
+            <a:headEnd type="none" w="med" len="med"/>
+            <a:tailEnd type="arrow" w="med" len="med"/>
+          </a:ln>
+          <a:effectLst/>
+        </p:spPr>
+        <p:style>
+          <a:lnRef idx="1">
+            <a:schemeClr val="accent2"/>
+          </a:lnRef>
+          <a:fillRef idx="2">
+            <a:schemeClr val="accent2"/>
+          </a:fillRef>
+          <a:effectRef idx="1">
+            <a:schemeClr val="accent2"/>
+          </a:effectRef>
+          <a:fontRef idx="minor">
+            <a:schemeClr val="dk1"/>
+          </a:fontRef>
+        </p:style>
+      </p:cxnSp>
+      <p:sp>
+        <p:nvSpPr>
+          <p:cNvPr id="55" name="Rectangle 8"/>
+          <p:cNvSpPr/>
+          <p:nvPr/>
+        </p:nvSpPr>
+        <p:spPr>
+          <a:xfrm>
+            <a:off x="6177451" y="3661715"/>
+            <a:ext cx="1322235" cy="346760"/>
+          </a:xfrm>
+          <a:prstGeom prst="rect">
+            <a:avLst/>
+          </a:prstGeom>
+          <a:ln w="19050"/>
+          <a:effectLst/>
+        </p:spPr>
+        <p:style>
+          <a:lnRef idx="1">
+            <a:schemeClr val="accent6"/>
+          </a:lnRef>
+          <a:fillRef idx="2">
+            <a:schemeClr val="accent6"/>
+          </a:fillRef>
+          <a:effectRef idx="1">
+            <a:schemeClr val="accent6"/>
+          </a:effectRef>
+          <a:fontRef idx="minor">
+            <a:schemeClr val="dk1"/>
+          </a:fontRef>
+        </p:style>
+        <p:txBody>
+          <a:bodyPr rtlCol="0" anchor="ctr"/>
+          <a:lstStyle/>
+          <a:p>
+            <a:pPr algn="ctr"/>
+            <a:r>
+              <a:rPr lang="en-US" sz="1050" b="1" dirty="0" err="1" smtClean="0">
+                <a:solidFill>
+                  <a:schemeClr val="accent6">
+                    <a:lumMod val="75000"/>
+                  </a:schemeClr>
+                </a:solidFill>
+              </a:rPr>
+              <a:t>UniqueAccountList</a:t>
+            </a:r>
+            <a:endParaRPr lang="en-SG" sz="1050" b="1" dirty="0">
+              <a:solidFill>
+                <a:schemeClr val="accent6">
+                  <a:lumMod val="75000"/>
+                </a:schemeClr>
+              </a:solidFill>
+            </a:endParaRPr>
+          </a:p>
+        </p:txBody>
+      </p:sp>
     </p:spTree>
     <p:extLst>
       <p:ext uri="{BB962C8B-B14F-4D97-AF65-F5344CB8AC3E}">

--- a/docs/diagrams/StorageComponentClassDiagram.pptx
+++ b/docs/diagrams/StorageComponentClassDiagram.pptx
@@ -208,7 +208,7 @@
           <a:p>
             <a:fld id="{F5CC4B3F-88C1-4FFA-B1B6-F41C21DC6924}" type="datetimeFigureOut">
               <a:rPr lang="en-US" smtClean="0"/>
-              <a:t>4/4/2018</a:t>
+              <a:t>4/15/2018</a:t>
             </a:fld>
             <a:endParaRPr lang="en-US"/>
           </a:p>
@@ -654,7 +654,7 @@
           <a:p>
             <a:fld id="{78C97017-6FC3-485B-9764-EAC9E56C1D49}" type="datetimeFigureOut">
               <a:rPr lang="en-US" smtClean="0"/>
-              <a:t>4/4/2018</a:t>
+              <a:t>4/15/2018</a:t>
             </a:fld>
             <a:endParaRPr lang="en-US"/>
           </a:p>
@@ -822,7 +822,7 @@
           <a:p>
             <a:fld id="{78C97017-6FC3-485B-9764-EAC9E56C1D49}" type="datetimeFigureOut">
               <a:rPr lang="en-US" smtClean="0"/>
-              <a:t>4/4/2018</a:t>
+              <a:t>4/15/2018</a:t>
             </a:fld>
             <a:endParaRPr lang="en-US"/>
           </a:p>
@@ -1000,7 +1000,7 @@
           <a:p>
             <a:fld id="{78C97017-6FC3-485B-9764-EAC9E56C1D49}" type="datetimeFigureOut">
               <a:rPr lang="en-US" smtClean="0"/>
-              <a:t>4/4/2018</a:t>
+              <a:t>4/15/2018</a:t>
             </a:fld>
             <a:endParaRPr lang="en-US"/>
           </a:p>
@@ -1168,7 +1168,7 @@
           <a:p>
             <a:fld id="{78C97017-6FC3-485B-9764-EAC9E56C1D49}" type="datetimeFigureOut">
               <a:rPr lang="en-US" smtClean="0"/>
-              <a:t>4/4/2018</a:t>
+              <a:t>4/15/2018</a:t>
             </a:fld>
             <a:endParaRPr lang="en-US"/>
           </a:p>
@@ -1413,7 +1413,7 @@
           <a:p>
             <a:fld id="{78C97017-6FC3-485B-9764-EAC9E56C1D49}" type="datetimeFigureOut">
               <a:rPr lang="en-US" smtClean="0"/>
-              <a:t>4/4/2018</a:t>
+              <a:t>4/15/2018</a:t>
             </a:fld>
             <a:endParaRPr lang="en-US"/>
           </a:p>
@@ -1698,7 +1698,7 @@
           <a:p>
             <a:fld id="{78C97017-6FC3-485B-9764-EAC9E56C1D49}" type="datetimeFigureOut">
               <a:rPr lang="en-US" smtClean="0"/>
-              <a:t>4/4/2018</a:t>
+              <a:t>4/15/2018</a:t>
             </a:fld>
             <a:endParaRPr lang="en-US"/>
           </a:p>
@@ -2117,7 +2117,7 @@
           <a:p>
             <a:fld id="{78C97017-6FC3-485B-9764-EAC9E56C1D49}" type="datetimeFigureOut">
               <a:rPr lang="en-US" smtClean="0"/>
-              <a:t>4/4/2018</a:t>
+              <a:t>4/15/2018</a:t>
             </a:fld>
             <a:endParaRPr lang="en-US"/>
           </a:p>
@@ -2234,7 +2234,7 @@
           <a:p>
             <a:fld id="{78C97017-6FC3-485B-9764-EAC9E56C1D49}" type="datetimeFigureOut">
               <a:rPr lang="en-US" smtClean="0"/>
-              <a:t>4/4/2018</a:t>
+              <a:t>4/15/2018</a:t>
             </a:fld>
             <a:endParaRPr lang="en-US"/>
           </a:p>
@@ -2329,7 +2329,7 @@
           <a:p>
             <a:fld id="{78C97017-6FC3-485B-9764-EAC9E56C1D49}" type="datetimeFigureOut">
               <a:rPr lang="en-US" smtClean="0"/>
-              <a:t>4/4/2018</a:t>
+              <a:t>4/15/2018</a:t>
             </a:fld>
             <a:endParaRPr lang="en-US"/>
           </a:p>
@@ -2604,7 +2604,7 @@
           <a:p>
             <a:fld id="{78C97017-6FC3-485B-9764-EAC9E56C1D49}" type="datetimeFigureOut">
               <a:rPr lang="en-US" smtClean="0"/>
-              <a:t>4/4/2018</a:t>
+              <a:t>4/15/2018</a:t>
             </a:fld>
             <a:endParaRPr lang="en-US"/>
           </a:p>
@@ -2856,7 +2856,7 @@
           <a:p>
             <a:fld id="{78C97017-6FC3-485B-9764-EAC9E56C1D49}" type="datetimeFigureOut">
               <a:rPr lang="en-US" smtClean="0"/>
-              <a:t>4/4/2018</a:t>
+              <a:t>4/15/2018</a:t>
             </a:fld>
             <a:endParaRPr lang="en-US"/>
           </a:p>
@@ -3067,7 +3067,7 @@
           <a:p>
             <a:fld id="{78C97017-6FC3-485B-9764-EAC9E56C1D49}" type="datetimeFigureOut">
               <a:rPr lang="en-US" smtClean="0"/>
-              <a:t>4/4/2018</a:t>
+              <a:t>4/15/2018</a:t>
             </a:fld>
             <a:endParaRPr lang="en-US"/>
           </a:p>
@@ -3451,7 +3451,7 @@
         <p:spPr>
           <a:xfrm>
             <a:off x="660177" y="1532157"/>
-            <a:ext cx="8005309" cy="3347079"/>
+            <a:ext cx="8179023" cy="3347079"/>
           </a:xfrm>
           <a:prstGeom prst="roundRect">
             <a:avLst>
@@ -4609,6 +4609,7 @@
         <p:nvCxnSpPr>
           <p:cNvPr id="70" name="Elbow Connector 122"/>
           <p:cNvCxnSpPr>
+            <a:cxnSpLocks/>
             <a:stCxn id="74" idx="0"/>
             <a:endCxn id="73" idx="2"/>
           </p:cNvCxnSpPr>
@@ -4616,8 +4617,8 @@
         </p:nvCxnSpPr>
         <p:spPr>
           <a:xfrm rot="5400000" flipH="1" flipV="1">
-            <a:off x="7791154" y="2777143"/>
-            <a:ext cx="251809" cy="2357"/>
+            <a:off x="7899194" y="2777732"/>
+            <a:ext cx="251809" cy="1178"/>
           </a:xfrm>
           <a:prstGeom prst="bentConnector3">
             <a:avLst>
@@ -4654,8 +4655,8 @@
         </p:nvSpPr>
         <p:spPr>
           <a:xfrm>
-            <a:off x="7288378" y="2305656"/>
-            <a:ext cx="1259718" cy="346760"/>
+            <a:off x="7288377" y="2305656"/>
+            <a:ext cx="1474619" cy="346760"/>
           </a:xfrm>
           <a:prstGeom prst="rect">
             <a:avLst/>
@@ -4710,8 +4711,8 @@
         </p:nvSpPr>
         <p:spPr>
           <a:xfrm>
-            <a:off x="7286021" y="2904225"/>
-            <a:ext cx="1259718" cy="346760"/>
+            <a:off x="7286020" y="2904225"/>
+            <a:ext cx="1476977" cy="346760"/>
           </a:xfrm>
           <a:prstGeom prst="rect">
             <a:avLst/>
@@ -4762,6 +4763,7 @@
         <p:nvCxnSpPr>
           <p:cNvPr id="77" name="Elbow Connector 122"/>
           <p:cNvCxnSpPr>
+            <a:cxnSpLocks/>
             <a:stCxn id="66" idx="3"/>
             <a:endCxn id="74" idx="1"/>
           </p:cNvCxnSpPr>
@@ -4770,7 +4772,7 @@
         <p:spPr>
           <a:xfrm flipV="1">
             <a:off x="6767616" y="3077605"/>
-            <a:ext cx="518405" cy="256185"/>
+            <a:ext cx="518404" cy="256185"/>
           </a:xfrm>
           <a:prstGeom prst="bentConnector3">
             <a:avLst>
@@ -4814,7 +4816,7 @@
         <p:spPr>
           <a:xfrm>
             <a:off x="7286021" y="3467073"/>
-            <a:ext cx="1259718" cy="346760"/>
+            <a:ext cx="1476978" cy="346760"/>
           </a:xfrm>
           <a:prstGeom prst="rect">
             <a:avLst/>
@@ -5290,6 +5292,114 @@
             <a:endParaRPr lang="en-SG" sz="1050" dirty="0">
               <a:solidFill>
                 <a:schemeClr val="bg1"/>
+              </a:solidFill>
+            </a:endParaRPr>
+          </a:p>
+        </p:txBody>
+      </p:sp>
+      <p:cxnSp>
+        <p:nvCxnSpPr>
+          <p:cNvPr id="36" name="Elbow Connector 122">
+            <a:extLst>
+              <a:ext uri="{FF2B5EF4-FFF2-40B4-BE49-F238E27FC236}">
+                <a16:creationId xmlns:a16="http://schemas.microsoft.com/office/drawing/2014/main" id="{CEF32C9B-9DE2-4C45-B231-CC624FAE5E16}"/>
+              </a:ext>
+            </a:extLst>
+          </p:cNvPr>
+          <p:cNvCxnSpPr>
+            <a:cxnSpLocks/>
+          </p:cNvCxnSpPr>
+          <p:nvPr/>
+        </p:nvCxnSpPr>
+        <p:spPr>
+          <a:xfrm rot="16200000" flipH="1">
+            <a:off x="6790937" y="3695916"/>
+            <a:ext cx="723928" cy="266243"/>
+          </a:xfrm>
+          <a:prstGeom prst="bentConnector3">
+            <a:avLst>
+              <a:gd name="adj1" fmla="val 99682"/>
+            </a:avLst>
+          </a:prstGeom>
+          <a:ln w="19050">
+            <a:prstDash val="sysDot"/>
+            <a:headEnd type="none" w="med" len="med"/>
+            <a:tailEnd type="arrow" w="med" len="med"/>
+          </a:ln>
+          <a:effectLst/>
+        </p:spPr>
+        <p:style>
+          <a:lnRef idx="1">
+            <a:schemeClr val="accent6"/>
+          </a:lnRef>
+          <a:fillRef idx="2">
+            <a:schemeClr val="accent6"/>
+          </a:fillRef>
+          <a:effectRef idx="1">
+            <a:schemeClr val="accent6"/>
+          </a:effectRef>
+          <a:fontRef idx="minor">
+            <a:schemeClr val="dk1"/>
+          </a:fontRef>
+        </p:style>
+      </p:cxnSp>
+      <p:sp>
+        <p:nvSpPr>
+          <p:cNvPr id="43" name="Rectangle 8">
+            <a:extLst>
+              <a:ext uri="{FF2B5EF4-FFF2-40B4-BE49-F238E27FC236}">
+                <a16:creationId xmlns:a16="http://schemas.microsoft.com/office/drawing/2014/main" id="{D263D734-0830-480C-A57F-23CB2DD35EC4}"/>
+              </a:ext>
+            </a:extLst>
+          </p:cNvPr>
+          <p:cNvSpPr/>
+          <p:nvPr/>
+        </p:nvSpPr>
+        <p:spPr>
+          <a:xfrm>
+            <a:off x="7286020" y="4021392"/>
+            <a:ext cx="1476979" cy="346760"/>
+          </a:xfrm>
+          <a:prstGeom prst="rect">
+            <a:avLst/>
+          </a:prstGeom>
+          <a:ln w="19050"/>
+          <a:effectLst/>
+        </p:spPr>
+        <p:style>
+          <a:lnRef idx="1">
+            <a:schemeClr val="accent6"/>
+          </a:lnRef>
+          <a:fillRef idx="2">
+            <a:schemeClr val="accent6"/>
+          </a:fillRef>
+          <a:effectRef idx="1">
+            <a:schemeClr val="accent6"/>
+          </a:effectRef>
+          <a:fontRef idx="minor">
+            <a:schemeClr val="dk1"/>
+          </a:fontRef>
+        </p:style>
+        <p:txBody>
+          <a:bodyPr rtlCol="0" anchor="ctr"/>
+          <a:lstStyle/>
+          <a:p>
+            <a:pPr algn="ctr"/>
+            <a:r>
+              <a:rPr lang="en-US" sz="1050" b="1" dirty="0" err="1">
+                <a:solidFill>
+                  <a:schemeClr val="accent6">
+                    <a:lumMod val="75000"/>
+                  </a:schemeClr>
+                </a:solidFill>
+              </a:rPr>
+              <a:t>XmlAdaptedPassword</a:t>
+            </a:r>
+            <a:endParaRPr lang="en-SG" sz="1050" b="1" dirty="0">
+              <a:solidFill>
+                <a:schemeClr val="accent6">
+                  <a:lumMod val="75000"/>
+                </a:schemeClr>
               </a:solidFill>
             </a:endParaRPr>
           </a:p>
